--- a/assets/posters/HRI_2020_lbr.pptx
+++ b/assets/posters/HRI_2020_lbr.pptx
@@ -2,11 +2,11 @@
 <file path=ppt/presentation.xml><?xml version="1.0" encoding="utf-8"?>
 <p:presentation xmlns:a="http://schemas.openxmlformats.org/drawingml/2006/main" xmlns:r="http://schemas.openxmlformats.org/officeDocument/2006/relationships" xmlns:p="http://schemas.openxmlformats.org/presentationml/2006/main" saveSubsetFonts="1">
   <p:sldMasterIdLst>
-    <p:sldMasterId id="2147483672" r:id="rId1"/>
+    <p:sldMasterId id="2147483672" r:id="rId4"/>
   </p:sldMasterIdLst>
   <p:sldIdLst>
-    <p:sldId id="256" r:id="rId2"/>
-    <p:sldId id="257" r:id="rId3"/>
+    <p:sldId id="257" r:id="rId5"/>
+    <p:sldId id="256" r:id="rId6"/>
   </p:sldIdLst>
   <p:sldSz cx="30275213" cy="40247888"/>
   <p:notesSz cx="6858000" cy="9144000"/>
@@ -113,6 +113,976 @@
 </p:presentation>
 </file>
 
+<file path=ppt/revisionInfo.xml><?xml version="1.0" encoding="utf-8"?>
+<p1510:revInfo xmlns:a="http://schemas.openxmlformats.org/drawingml/2006/main" xmlns:r="http://schemas.openxmlformats.org/officeDocument/2006/relationships" xmlns:p1510="http://schemas.microsoft.com/office/powerpoint/2015/10/main">
+  <p1510:revLst>
+    <p1510:client id="{0AEA5047-157C-49B1-87D0-CA286A510EDD}" v="4" dt="2020-03-08T16:04:52.999"/>
+  </p1510:revLst>
+</p1510:revInfo>
+</file>
+
+<file path=ppt/changesInfos/changesInfo1.xml><?xml version="1.0" encoding="utf-8"?>
+<pc:chgInfo xmlns:a="http://schemas.openxmlformats.org/drawingml/2006/main" xmlns:r="http://schemas.openxmlformats.org/officeDocument/2006/relationships" xmlns:ac="http://schemas.microsoft.com/office/drawing/2013/main/command" xmlns:pc="http://schemas.microsoft.com/office/powerpoint/2013/main/command">
+  <pc:docChgLst>
+    <pc:chgData name="Dario" userId="38e23add-208a-40ab-8757-9b606f6bf5b9" providerId="ADAL" clId="{0AEA5047-157C-49B1-87D0-CA286A510EDD}"/>
+    <pc:docChg chg="undo redo custSel addSld delSld modSld sldOrd">
+      <pc:chgData name="Dario" userId="38e23add-208a-40ab-8757-9b606f6bf5b9" providerId="ADAL" clId="{0AEA5047-157C-49B1-87D0-CA286A510EDD}" dt="2020-03-09T08:15:38.567" v="3355"/>
+      <pc:docMkLst>
+        <pc:docMk/>
+      </pc:docMkLst>
+      <pc:sldChg chg="addSp delSp">
+        <pc:chgData name="Dario" userId="38e23add-208a-40ab-8757-9b606f6bf5b9" providerId="ADAL" clId="{0AEA5047-157C-49B1-87D0-CA286A510EDD}" dt="2020-03-09T08:15:38.567" v="3355"/>
+        <pc:sldMkLst>
+          <pc:docMk/>
+          <pc:sldMk cId="662819743" sldId="256"/>
+        </pc:sldMkLst>
+        <pc:picChg chg="del">
+          <ac:chgData name="Dario" userId="38e23add-208a-40ab-8757-9b606f6bf5b9" providerId="ADAL" clId="{0AEA5047-157C-49B1-87D0-CA286A510EDD}" dt="2020-03-09T08:15:38.263" v="3354" actId="478"/>
+          <ac:picMkLst>
+            <pc:docMk/>
+            <pc:sldMk cId="662819743" sldId="256"/>
+            <ac:picMk id="56" creationId="{D2EE65F8-E0A1-4D49-A571-9CF688D4D12A}"/>
+          </ac:picMkLst>
+        </pc:picChg>
+        <pc:picChg chg="add">
+          <ac:chgData name="Dario" userId="38e23add-208a-40ab-8757-9b606f6bf5b9" providerId="ADAL" clId="{0AEA5047-157C-49B1-87D0-CA286A510EDD}" dt="2020-03-09T08:15:38.567" v="3355"/>
+          <ac:picMkLst>
+            <pc:docMk/>
+            <pc:sldMk cId="662819743" sldId="256"/>
+            <ac:picMk id="57" creationId="{6B50FB3B-E097-43B0-B7C5-516B03BC5B84}"/>
+          </ac:picMkLst>
+        </pc:picChg>
+      </pc:sldChg>
+      <pc:sldChg chg="del">
+        <pc:chgData name="Dario" userId="38e23add-208a-40ab-8757-9b606f6bf5b9" providerId="ADAL" clId="{0AEA5047-157C-49B1-87D0-CA286A510EDD}" dt="2020-03-08T15:55:19.650" v="0" actId="47"/>
+        <pc:sldMkLst>
+          <pc:docMk/>
+          <pc:sldMk cId="1720870195" sldId="257"/>
+        </pc:sldMkLst>
+      </pc:sldChg>
+      <pc:sldChg chg="addSp delSp modSp add ord">
+        <pc:chgData name="Dario" userId="38e23add-208a-40ab-8757-9b606f6bf5b9" providerId="ADAL" clId="{0AEA5047-157C-49B1-87D0-CA286A510EDD}" dt="2020-03-09T08:15:31.553" v="3353" actId="14826"/>
+        <pc:sldMkLst>
+          <pc:docMk/>
+          <pc:sldMk cId="2826657243" sldId="257"/>
+        </pc:sldMkLst>
+        <pc:spChg chg="del mod">
+          <ac:chgData name="Dario" userId="38e23add-208a-40ab-8757-9b606f6bf5b9" providerId="ADAL" clId="{0AEA5047-157C-49B1-87D0-CA286A510EDD}" dt="2020-03-08T17:37:28.325" v="1998" actId="478"/>
+          <ac:spMkLst>
+            <pc:docMk/>
+            <pc:sldMk cId="2826657243" sldId="257"/>
+            <ac:spMk id="3" creationId="{643038D2-6694-4FF1-AFD6-35D55E87C41A}"/>
+          </ac:spMkLst>
+        </pc:spChg>
+        <pc:spChg chg="mod topLvl">
+          <ac:chgData name="Dario" userId="38e23add-208a-40ab-8757-9b606f6bf5b9" providerId="ADAL" clId="{0AEA5047-157C-49B1-87D0-CA286A510EDD}" dt="2020-03-08T15:58:45.717" v="7" actId="1076"/>
+          <ac:spMkLst>
+            <pc:docMk/>
+            <pc:sldMk cId="2826657243" sldId="257"/>
+            <ac:spMk id="5" creationId="{F98AF760-C359-4592-BF1F-0C7A94DA9F89}"/>
+          </ac:spMkLst>
+        </pc:spChg>
+        <pc:spChg chg="mod">
+          <ac:chgData name="Dario" userId="38e23add-208a-40ab-8757-9b606f6bf5b9" providerId="ADAL" clId="{0AEA5047-157C-49B1-87D0-CA286A510EDD}" dt="2020-03-08T17:51:13.499" v="2382" actId="1076"/>
+          <ac:spMkLst>
+            <pc:docMk/>
+            <pc:sldMk cId="2826657243" sldId="257"/>
+            <ac:spMk id="15" creationId="{2A09F7EA-421E-467D-888B-42C85FCEEDE3}"/>
+          </ac:spMkLst>
+        </pc:spChg>
+        <pc:spChg chg="mod">
+          <ac:chgData name="Dario" userId="38e23add-208a-40ab-8757-9b606f6bf5b9" providerId="ADAL" clId="{0AEA5047-157C-49B1-87D0-CA286A510EDD}" dt="2020-03-08T16:55:10.035" v="1031" actId="554"/>
+          <ac:spMkLst>
+            <pc:docMk/>
+            <pc:sldMk cId="2826657243" sldId="257"/>
+            <ac:spMk id="16" creationId="{FEF09AAC-A47D-43E5-A106-FABBAC32BA3E}"/>
+          </ac:spMkLst>
+        </pc:spChg>
+        <pc:spChg chg="mod">
+          <ac:chgData name="Dario" userId="38e23add-208a-40ab-8757-9b606f6bf5b9" providerId="ADAL" clId="{0AEA5047-157C-49B1-87D0-CA286A510EDD}" dt="2020-03-08T17:51:13.928" v="2383" actId="1076"/>
+          <ac:spMkLst>
+            <pc:docMk/>
+            <pc:sldMk cId="2826657243" sldId="257"/>
+            <ac:spMk id="17" creationId="{8F958982-143B-4AA2-9F47-BF73A1C3AB9C}"/>
+          </ac:spMkLst>
+        </pc:spChg>
+        <pc:spChg chg="del mod">
+          <ac:chgData name="Dario" userId="38e23add-208a-40ab-8757-9b606f6bf5b9" providerId="ADAL" clId="{0AEA5047-157C-49B1-87D0-CA286A510EDD}" dt="2020-03-08T17:37:49.573" v="1999" actId="478"/>
+          <ac:spMkLst>
+            <pc:docMk/>
+            <pc:sldMk cId="2826657243" sldId="257"/>
+            <ac:spMk id="36" creationId="{18A4E2E9-90A2-4652-B8B7-5B1ADD8A012D}"/>
+          </ac:spMkLst>
+        </pc:spChg>
+        <pc:spChg chg="del mod">
+          <ac:chgData name="Dario" userId="38e23add-208a-40ab-8757-9b606f6bf5b9" providerId="ADAL" clId="{0AEA5047-157C-49B1-87D0-CA286A510EDD}" dt="2020-03-08T17:37:49.573" v="1999" actId="478"/>
+          <ac:spMkLst>
+            <pc:docMk/>
+            <pc:sldMk cId="2826657243" sldId="257"/>
+            <ac:spMk id="38" creationId="{7865597A-4D0D-40B3-9182-024F3FD64E3A}"/>
+          </ac:spMkLst>
+        </pc:spChg>
+        <pc:spChg chg="del mod">
+          <ac:chgData name="Dario" userId="38e23add-208a-40ab-8757-9b606f6bf5b9" providerId="ADAL" clId="{0AEA5047-157C-49B1-87D0-CA286A510EDD}" dt="2020-03-08T17:37:23.625" v="1994" actId="478"/>
+          <ac:spMkLst>
+            <pc:docMk/>
+            <pc:sldMk cId="2826657243" sldId="257"/>
+            <ac:spMk id="46" creationId="{80392D6B-368E-42A2-9F3F-F4A4FB996B4E}"/>
+          </ac:spMkLst>
+        </pc:spChg>
+        <pc:spChg chg="del mod">
+          <ac:chgData name="Dario" userId="38e23add-208a-40ab-8757-9b606f6bf5b9" providerId="ADAL" clId="{0AEA5047-157C-49B1-87D0-CA286A510EDD}" dt="2020-03-08T17:49:09.647" v="2360" actId="478"/>
+          <ac:spMkLst>
+            <pc:docMk/>
+            <pc:sldMk cId="2826657243" sldId="257"/>
+            <ac:spMk id="51" creationId="{7C277321-9E9C-449E-88C7-F4EA5CCE6CA6}"/>
+          </ac:spMkLst>
+        </pc:spChg>
+        <pc:spChg chg="add mod">
+          <ac:chgData name="Dario" userId="38e23add-208a-40ab-8757-9b606f6bf5b9" providerId="ADAL" clId="{0AEA5047-157C-49B1-87D0-CA286A510EDD}" dt="2020-03-08T17:45:56.862" v="2198"/>
+          <ac:spMkLst>
+            <pc:docMk/>
+            <pc:sldMk cId="2826657243" sldId="257"/>
+            <ac:spMk id="52" creationId="{100DFCE0-29FB-42E1-8354-D115161E9288}"/>
+          </ac:spMkLst>
+        </pc:spChg>
+        <pc:spChg chg="del">
+          <ac:chgData name="Dario" userId="38e23add-208a-40ab-8757-9b606f6bf5b9" providerId="ADAL" clId="{0AEA5047-157C-49B1-87D0-CA286A510EDD}" dt="2020-03-08T15:58:26.434" v="3" actId="478"/>
+          <ac:spMkLst>
+            <pc:docMk/>
+            <pc:sldMk cId="2826657243" sldId="257"/>
+            <ac:spMk id="52" creationId="{ECB04D27-CBE7-4CAE-9CA4-64440EE2837B}"/>
+          </ac:spMkLst>
+        </pc:spChg>
+        <pc:spChg chg="add del mod">
+          <ac:chgData name="Dario" userId="38e23add-208a-40ab-8757-9b606f6bf5b9" providerId="ADAL" clId="{0AEA5047-157C-49B1-87D0-CA286A510EDD}" dt="2020-03-08T16:35:15.698" v="191" actId="478"/>
+          <ac:spMkLst>
+            <pc:docMk/>
+            <pc:sldMk cId="2826657243" sldId="257"/>
+            <ac:spMk id="60" creationId="{B0D82E1A-0638-4EA3-9084-AEBAF6303E8B}"/>
+          </ac:spMkLst>
+        </pc:spChg>
+        <pc:spChg chg="add mod">
+          <ac:chgData name="Dario" userId="38e23add-208a-40ab-8757-9b606f6bf5b9" providerId="ADAL" clId="{0AEA5047-157C-49B1-87D0-CA286A510EDD}" dt="2020-03-08T16:39:19.434" v="297" actId="164"/>
+          <ac:spMkLst>
+            <pc:docMk/>
+            <pc:sldMk cId="2826657243" sldId="257"/>
+            <ac:spMk id="61" creationId="{4906B814-9140-465A-BAB4-02296D375CE8}"/>
+          </ac:spMkLst>
+        </pc:spChg>
+        <pc:spChg chg="del mod">
+          <ac:chgData name="Dario" userId="38e23add-208a-40ab-8757-9b606f6bf5b9" providerId="ADAL" clId="{0AEA5047-157C-49B1-87D0-CA286A510EDD}" dt="2020-03-08T18:00:35.064" v="3092" actId="478"/>
+          <ac:spMkLst>
+            <pc:docMk/>
+            <pc:sldMk cId="2826657243" sldId="257"/>
+            <ac:spMk id="70" creationId="{D6859FF0-A2E6-4013-8EE0-32F58560BA60}"/>
+          </ac:spMkLst>
+        </pc:spChg>
+        <pc:spChg chg="add mod">
+          <ac:chgData name="Dario" userId="38e23add-208a-40ab-8757-9b606f6bf5b9" providerId="ADAL" clId="{0AEA5047-157C-49B1-87D0-CA286A510EDD}" dt="2020-03-08T16:57:36.936" v="1057" actId="403"/>
+          <ac:spMkLst>
+            <pc:docMk/>
+            <pc:sldMk cId="2826657243" sldId="257"/>
+            <ac:spMk id="72" creationId="{09CDB622-D52A-4A1D-B12A-5815B5BEDBA4}"/>
+          </ac:spMkLst>
+        </pc:spChg>
+        <pc:spChg chg="add mod">
+          <ac:chgData name="Dario" userId="38e23add-208a-40ab-8757-9b606f6bf5b9" providerId="ADAL" clId="{0AEA5047-157C-49B1-87D0-CA286A510EDD}" dt="2020-03-08T16:39:59.510" v="305" actId="404"/>
+          <ac:spMkLst>
+            <pc:docMk/>
+            <pc:sldMk cId="2826657243" sldId="257"/>
+            <ac:spMk id="73" creationId="{9DD4C81A-CAEF-4881-BCB8-751F087B1EDC}"/>
+          </ac:spMkLst>
+        </pc:spChg>
+        <pc:spChg chg="del mod">
+          <ac:chgData name="Dario" userId="38e23add-208a-40ab-8757-9b606f6bf5b9" providerId="ADAL" clId="{0AEA5047-157C-49B1-87D0-CA286A510EDD}" dt="2020-03-08T17:37:49.573" v="1999" actId="478"/>
+          <ac:spMkLst>
+            <pc:docMk/>
+            <pc:sldMk cId="2826657243" sldId="257"/>
+            <ac:spMk id="74" creationId="{87F35B78-4F80-4C79-B134-87740EF35388}"/>
+          </ac:spMkLst>
+        </pc:spChg>
+        <pc:spChg chg="mod">
+          <ac:chgData name="Dario" userId="38e23add-208a-40ab-8757-9b606f6bf5b9" providerId="ADAL" clId="{0AEA5047-157C-49B1-87D0-CA286A510EDD}" dt="2020-03-08T18:08:19.539" v="3299" actId="255"/>
+          <ac:spMkLst>
+            <pc:docMk/>
+            <pc:sldMk cId="2826657243" sldId="257"/>
+            <ac:spMk id="76" creationId="{5FEF2DD8-A132-4367-BB66-3A34AA186F04}"/>
+          </ac:spMkLst>
+        </pc:spChg>
+        <pc:spChg chg="del mod">
+          <ac:chgData name="Dario" userId="38e23add-208a-40ab-8757-9b606f6bf5b9" providerId="ADAL" clId="{0AEA5047-157C-49B1-87D0-CA286A510EDD}" dt="2020-03-08T17:37:49.573" v="1999" actId="478"/>
+          <ac:spMkLst>
+            <pc:docMk/>
+            <pc:sldMk cId="2826657243" sldId="257"/>
+            <ac:spMk id="79" creationId="{691C75B5-063F-41A5-A2D0-7191176B28D5}"/>
+          </ac:spMkLst>
+        </pc:spChg>
+        <pc:spChg chg="add mod">
+          <ac:chgData name="Dario" userId="38e23add-208a-40ab-8757-9b606f6bf5b9" providerId="ADAL" clId="{0AEA5047-157C-49B1-87D0-CA286A510EDD}" dt="2020-03-08T16:39:59.510" v="305" actId="404"/>
+          <ac:spMkLst>
+            <pc:docMk/>
+            <pc:sldMk cId="2826657243" sldId="257"/>
+            <ac:spMk id="80" creationId="{BE11E815-B0D2-470A-8721-EE37068A30D5}"/>
+          </ac:spMkLst>
+        </pc:spChg>
+        <pc:spChg chg="del mod">
+          <ac:chgData name="Dario" userId="38e23add-208a-40ab-8757-9b606f6bf5b9" providerId="ADAL" clId="{0AEA5047-157C-49B1-87D0-CA286A510EDD}" dt="2020-03-08T17:49:09.647" v="2360" actId="478"/>
+          <ac:spMkLst>
+            <pc:docMk/>
+            <pc:sldMk cId="2826657243" sldId="257"/>
+            <ac:spMk id="82" creationId="{C2774146-D87E-4B1E-8B1D-720990C4BD5B}"/>
+          </ac:spMkLst>
+        </pc:spChg>
+        <pc:spChg chg="del mod">
+          <ac:chgData name="Dario" userId="38e23add-208a-40ab-8757-9b606f6bf5b9" providerId="ADAL" clId="{0AEA5047-157C-49B1-87D0-CA286A510EDD}" dt="2020-03-08T17:49:09.647" v="2360" actId="478"/>
+          <ac:spMkLst>
+            <pc:docMk/>
+            <pc:sldMk cId="2826657243" sldId="257"/>
+            <ac:spMk id="83" creationId="{6E34406E-ABF9-483F-AED9-728C7CDAA84D}"/>
+          </ac:spMkLst>
+        </pc:spChg>
+        <pc:spChg chg="del mod">
+          <ac:chgData name="Dario" userId="38e23add-208a-40ab-8757-9b606f6bf5b9" providerId="ADAL" clId="{0AEA5047-157C-49B1-87D0-CA286A510EDD}" dt="2020-03-08T17:37:26.864" v="1996" actId="478"/>
+          <ac:spMkLst>
+            <pc:docMk/>
+            <pc:sldMk cId="2826657243" sldId="257"/>
+            <ac:spMk id="84" creationId="{A64E1D18-0824-4620-9A06-AC0DB06F0A6E}"/>
+          </ac:spMkLst>
+        </pc:spChg>
+        <pc:spChg chg="del mod">
+          <ac:chgData name="Dario" userId="38e23add-208a-40ab-8757-9b606f6bf5b9" providerId="ADAL" clId="{0AEA5047-157C-49B1-87D0-CA286A510EDD}" dt="2020-03-08T17:49:09.647" v="2360" actId="478"/>
+          <ac:spMkLst>
+            <pc:docMk/>
+            <pc:sldMk cId="2826657243" sldId="257"/>
+            <ac:spMk id="86" creationId="{445E5062-D1D5-4865-AFA1-3D833D86F1C9}"/>
+          </ac:spMkLst>
+        </pc:spChg>
+        <pc:spChg chg="del mod">
+          <ac:chgData name="Dario" userId="38e23add-208a-40ab-8757-9b606f6bf5b9" providerId="ADAL" clId="{0AEA5047-157C-49B1-87D0-CA286A510EDD}" dt="2020-03-08T18:00:35.064" v="3092" actId="478"/>
+          <ac:spMkLst>
+            <pc:docMk/>
+            <pc:sldMk cId="2826657243" sldId="257"/>
+            <ac:spMk id="87" creationId="{5F7C7BFD-C253-4E35-99FF-AA95F33AD415}"/>
+          </ac:spMkLst>
+        </pc:spChg>
+        <pc:spChg chg="del mod">
+          <ac:chgData name="Dario" userId="38e23add-208a-40ab-8757-9b606f6bf5b9" providerId="ADAL" clId="{0AEA5047-157C-49B1-87D0-CA286A510EDD}" dt="2020-03-08T18:00:35.064" v="3092" actId="478"/>
+          <ac:spMkLst>
+            <pc:docMk/>
+            <pc:sldMk cId="2826657243" sldId="257"/>
+            <ac:spMk id="88" creationId="{4AC5D994-EC90-41F1-A545-C28AC089AB4A}"/>
+          </ac:spMkLst>
+        </pc:spChg>
+        <pc:spChg chg="add mod">
+          <ac:chgData name="Dario" userId="38e23add-208a-40ab-8757-9b606f6bf5b9" providerId="ADAL" clId="{0AEA5047-157C-49B1-87D0-CA286A510EDD}" dt="2020-03-08T16:39:59.510" v="305" actId="404"/>
+          <ac:spMkLst>
+            <pc:docMk/>
+            <pc:sldMk cId="2826657243" sldId="257"/>
+            <ac:spMk id="89" creationId="{A9413FCE-8744-4797-B145-1D4732C4731A}"/>
+          </ac:spMkLst>
+        </pc:spChg>
+        <pc:spChg chg="add mod">
+          <ac:chgData name="Dario" userId="38e23add-208a-40ab-8757-9b606f6bf5b9" providerId="ADAL" clId="{0AEA5047-157C-49B1-87D0-CA286A510EDD}" dt="2020-03-08T16:57:32.428" v="1055" actId="403"/>
+          <ac:spMkLst>
+            <pc:docMk/>
+            <pc:sldMk cId="2826657243" sldId="257"/>
+            <ac:spMk id="90" creationId="{CAC86F38-EE1E-4DCF-81F7-AD0362D446E6}"/>
+          </ac:spMkLst>
+        </pc:spChg>
+        <pc:spChg chg="add mod">
+          <ac:chgData name="Dario" userId="38e23add-208a-40ab-8757-9b606f6bf5b9" providerId="ADAL" clId="{0AEA5047-157C-49B1-87D0-CA286A510EDD}" dt="2020-03-08T18:09:51.177" v="3327" actId="1035"/>
+          <ac:spMkLst>
+            <pc:docMk/>
+            <pc:sldMk cId="2826657243" sldId="257"/>
+            <ac:spMk id="91" creationId="{5AC64455-3FC9-48D1-8AAA-1FCA9ACEB09F}"/>
+          </ac:spMkLst>
+        </pc:spChg>
+        <pc:spChg chg="add mod">
+          <ac:chgData name="Dario" userId="38e23add-208a-40ab-8757-9b606f6bf5b9" providerId="ADAL" clId="{0AEA5047-157C-49B1-87D0-CA286A510EDD}" dt="2020-03-08T18:09:51.177" v="3327" actId="1035"/>
+          <ac:spMkLst>
+            <pc:docMk/>
+            <pc:sldMk cId="2826657243" sldId="257"/>
+            <ac:spMk id="92" creationId="{AF01B943-063A-43CC-BC52-C55A8CD0D696}"/>
+          </ac:spMkLst>
+        </pc:spChg>
+        <pc:spChg chg="add del mod">
+          <ac:chgData name="Dario" userId="38e23add-208a-40ab-8757-9b606f6bf5b9" providerId="ADAL" clId="{0AEA5047-157C-49B1-87D0-CA286A510EDD}" dt="2020-03-08T17:25:05.842" v="1320" actId="478"/>
+          <ac:spMkLst>
+            <pc:docMk/>
+            <pc:sldMk cId="2826657243" sldId="257"/>
+            <ac:spMk id="93" creationId="{EAF88C0D-6E4A-49CF-9558-C61A1C0D1737}"/>
+          </ac:spMkLst>
+        </pc:spChg>
+        <pc:spChg chg="add mod">
+          <ac:chgData name="Dario" userId="38e23add-208a-40ab-8757-9b606f6bf5b9" providerId="ADAL" clId="{0AEA5047-157C-49B1-87D0-CA286A510EDD}" dt="2020-03-08T17:46:47.351" v="2229" actId="554"/>
+          <ac:spMkLst>
+            <pc:docMk/>
+            <pc:sldMk cId="2826657243" sldId="257"/>
+            <ac:spMk id="94" creationId="{CC90765C-8662-4676-95F7-1EC50743F6DA}"/>
+          </ac:spMkLst>
+        </pc:spChg>
+        <pc:spChg chg="mod">
+          <ac:chgData name="Dario" userId="38e23add-208a-40ab-8757-9b606f6bf5b9" providerId="ADAL" clId="{0AEA5047-157C-49B1-87D0-CA286A510EDD}" dt="2020-03-08T17:04:29.712" v="1085" actId="20577"/>
+          <ac:spMkLst>
+            <pc:docMk/>
+            <pc:sldMk cId="2826657243" sldId="257"/>
+            <ac:spMk id="359" creationId="{134AB015-7DA5-4BD2-885F-5C108019CBE8}"/>
+          </ac:spMkLst>
+        </pc:spChg>
+        <pc:spChg chg="add del mod">
+          <ac:chgData name="Dario" userId="38e23add-208a-40ab-8757-9b606f6bf5b9" providerId="ADAL" clId="{0AEA5047-157C-49B1-87D0-CA286A510EDD}" dt="2020-03-08T17:04:40.300" v="1091" actId="478"/>
+          <ac:spMkLst>
+            <pc:docMk/>
+            <pc:sldMk cId="2826657243" sldId="257"/>
+            <ac:spMk id="361" creationId="{86470CCA-5BE2-4639-BE07-A7F554CFBBCD}"/>
+          </ac:spMkLst>
+        </pc:spChg>
+        <pc:spChg chg="add del mod topLvl">
+          <ac:chgData name="Dario" userId="38e23add-208a-40ab-8757-9b606f6bf5b9" providerId="ADAL" clId="{0AEA5047-157C-49B1-87D0-CA286A510EDD}" dt="2020-03-08T17:07:38.992" v="1182" actId="165"/>
+          <ac:spMkLst>
+            <pc:docMk/>
+            <pc:sldMk cId="2826657243" sldId="257"/>
+            <ac:spMk id="375" creationId="{3E68B8E9-24E8-45F1-8862-F760C9BF0C4A}"/>
+          </ac:spMkLst>
+        </pc:spChg>
+        <pc:spChg chg="add del">
+          <ac:chgData name="Dario" userId="38e23add-208a-40ab-8757-9b606f6bf5b9" providerId="ADAL" clId="{0AEA5047-157C-49B1-87D0-CA286A510EDD}" dt="2020-03-08T17:07:07.239" v="1168" actId="478"/>
+          <ac:spMkLst>
+            <pc:docMk/>
+            <pc:sldMk cId="2826657243" sldId="257"/>
+            <ac:spMk id="443" creationId="{412D49C7-8D38-420D-A002-2C71A93CC2D4}"/>
+          </ac:spMkLst>
+        </pc:spChg>
+        <pc:spChg chg="add del">
+          <ac:chgData name="Dario" userId="38e23add-208a-40ab-8757-9b606f6bf5b9" providerId="ADAL" clId="{0AEA5047-157C-49B1-87D0-CA286A510EDD}" dt="2020-03-08T17:07:07.741" v="1169" actId="478"/>
+          <ac:spMkLst>
+            <pc:docMk/>
+            <pc:sldMk cId="2826657243" sldId="257"/>
+            <ac:spMk id="444" creationId="{74821456-DA46-4B4F-A282-A0D6087B3FFE}"/>
+          </ac:spMkLst>
+        </pc:spChg>
+        <pc:spChg chg="add del ord">
+          <ac:chgData name="Dario" userId="38e23add-208a-40ab-8757-9b606f6bf5b9" providerId="ADAL" clId="{0AEA5047-157C-49B1-87D0-CA286A510EDD}" dt="2020-03-08T17:06:50.671" v="1160" actId="478"/>
+          <ac:spMkLst>
+            <pc:docMk/>
+            <pc:sldMk cId="2826657243" sldId="257"/>
+            <ac:spMk id="494" creationId="{D3E81EB3-5BBD-47E7-BEED-F2C3901F0239}"/>
+          </ac:spMkLst>
+        </pc:spChg>
+        <pc:spChg chg="add del">
+          <ac:chgData name="Dario" userId="38e23add-208a-40ab-8757-9b606f6bf5b9" providerId="ADAL" clId="{0AEA5047-157C-49B1-87D0-CA286A510EDD}" dt="2020-03-08T17:05:37.099" v="1118" actId="478"/>
+          <ac:spMkLst>
+            <pc:docMk/>
+            <pc:sldMk cId="2826657243" sldId="257"/>
+            <ac:spMk id="497" creationId="{EA93DA1D-D343-436C-B8AD-99CD7E5A6F9A}"/>
+          </ac:spMkLst>
+        </pc:spChg>
+        <pc:spChg chg="add del">
+          <ac:chgData name="Dario" userId="38e23add-208a-40ab-8757-9b606f6bf5b9" providerId="ADAL" clId="{0AEA5047-157C-49B1-87D0-CA286A510EDD}" dt="2020-03-08T17:05:33.235" v="1115" actId="478"/>
+          <ac:spMkLst>
+            <pc:docMk/>
+            <pc:sldMk cId="2826657243" sldId="257"/>
+            <ac:spMk id="498" creationId="{27E177B8-806F-48C9-A988-3BD55ED4EA4F}"/>
+          </ac:spMkLst>
+        </pc:spChg>
+        <pc:spChg chg="add del">
+          <ac:chgData name="Dario" userId="38e23add-208a-40ab-8757-9b606f6bf5b9" providerId="ADAL" clId="{0AEA5047-157C-49B1-87D0-CA286A510EDD}" dt="2020-03-08T17:05:35.773" v="1117" actId="478"/>
+          <ac:spMkLst>
+            <pc:docMk/>
+            <pc:sldMk cId="2826657243" sldId="257"/>
+            <ac:spMk id="499" creationId="{1BFC23FF-9B96-4A32-B1EE-27413B84D4DB}"/>
+          </ac:spMkLst>
+        </pc:spChg>
+        <pc:spChg chg="del mod">
+          <ac:chgData name="Dario" userId="38e23add-208a-40ab-8757-9b606f6bf5b9" providerId="ADAL" clId="{0AEA5047-157C-49B1-87D0-CA286A510EDD}" dt="2020-03-08T17:05:31.172" v="1114" actId="478"/>
+          <ac:spMkLst>
+            <pc:docMk/>
+            <pc:sldMk cId="2826657243" sldId="257"/>
+            <ac:spMk id="500" creationId="{05C9D817-B0C8-44BB-B0E0-301FBC3C5422}"/>
+          </ac:spMkLst>
+        </pc:spChg>
+        <pc:spChg chg="del mod">
+          <ac:chgData name="Dario" userId="38e23add-208a-40ab-8757-9b606f6bf5b9" providerId="ADAL" clId="{0AEA5047-157C-49B1-87D0-CA286A510EDD}" dt="2020-03-08T17:05:28.948" v="1113" actId="478"/>
+          <ac:spMkLst>
+            <pc:docMk/>
+            <pc:sldMk cId="2826657243" sldId="257"/>
+            <ac:spMk id="501" creationId="{1CF11A6B-86D3-4D6B-A80F-23BD467C0B55}"/>
+          </ac:spMkLst>
+        </pc:spChg>
+        <pc:spChg chg="del mod">
+          <ac:chgData name="Dario" userId="38e23add-208a-40ab-8757-9b606f6bf5b9" providerId="ADAL" clId="{0AEA5047-157C-49B1-87D0-CA286A510EDD}" dt="2020-03-08T17:05:34.587" v="1116" actId="478"/>
+          <ac:spMkLst>
+            <pc:docMk/>
+            <pc:sldMk cId="2826657243" sldId="257"/>
+            <ac:spMk id="502" creationId="{54FFEB7E-8BDD-4E3C-A2DF-B287A6757425}"/>
+          </ac:spMkLst>
+        </pc:spChg>
+        <pc:spChg chg="add del mod">
+          <ac:chgData name="Dario" userId="38e23add-208a-40ab-8757-9b606f6bf5b9" providerId="ADAL" clId="{0AEA5047-157C-49B1-87D0-CA286A510EDD}" dt="2020-03-08T17:06:52.099" v="1162" actId="478"/>
+          <ac:spMkLst>
+            <pc:docMk/>
+            <pc:sldMk cId="2826657243" sldId="257"/>
+            <ac:spMk id="505" creationId="{15B58AE2-0571-4722-B9FF-37705BD60B40}"/>
+          </ac:spMkLst>
+        </pc:spChg>
+        <pc:spChg chg="add del">
+          <ac:chgData name="Dario" userId="38e23add-208a-40ab-8757-9b606f6bf5b9" providerId="ADAL" clId="{0AEA5047-157C-49B1-87D0-CA286A510EDD}" dt="2020-03-08T17:06:05.717" v="1134" actId="478"/>
+          <ac:spMkLst>
+            <pc:docMk/>
+            <pc:sldMk cId="2826657243" sldId="257"/>
+            <ac:spMk id="506" creationId="{245A894E-4CC2-4724-92D7-7415BE8D39FA}"/>
+          </ac:spMkLst>
+        </pc:spChg>
+        <pc:spChg chg="del">
+          <ac:chgData name="Dario" userId="38e23add-208a-40ab-8757-9b606f6bf5b9" providerId="ADAL" clId="{0AEA5047-157C-49B1-87D0-CA286A510EDD}" dt="2020-03-08T17:05:54.010" v="1127" actId="478"/>
+          <ac:spMkLst>
+            <pc:docMk/>
+            <pc:sldMk cId="2826657243" sldId="257"/>
+            <ac:spMk id="507" creationId="{54B8C81A-1895-4693-94EF-423D391EA5BF}"/>
+          </ac:spMkLst>
+        </pc:spChg>
+        <pc:spChg chg="add del mod">
+          <ac:chgData name="Dario" userId="38e23add-208a-40ab-8757-9b606f6bf5b9" providerId="ADAL" clId="{0AEA5047-157C-49B1-87D0-CA286A510EDD}" dt="2020-03-08T17:07:25.907" v="1177" actId="478"/>
+          <ac:spMkLst>
+            <pc:docMk/>
+            <pc:sldMk cId="2826657243" sldId="257"/>
+            <ac:spMk id="508" creationId="{23BF5F0F-5509-4318-8DC4-2A56E43985FD}"/>
+          </ac:spMkLst>
+        </pc:spChg>
+        <pc:spChg chg="del">
+          <ac:chgData name="Dario" userId="38e23add-208a-40ab-8757-9b606f6bf5b9" providerId="ADAL" clId="{0AEA5047-157C-49B1-87D0-CA286A510EDD}" dt="2020-03-08T17:05:50.099" v="1126" actId="478"/>
+          <ac:spMkLst>
+            <pc:docMk/>
+            <pc:sldMk cId="2826657243" sldId="257"/>
+            <ac:spMk id="509" creationId="{60E172C5-49C2-4948-844B-4BCDE8757E59}"/>
+          </ac:spMkLst>
+        </pc:spChg>
+        <pc:spChg chg="del">
+          <ac:chgData name="Dario" userId="38e23add-208a-40ab-8757-9b606f6bf5b9" providerId="ADAL" clId="{0AEA5047-157C-49B1-87D0-CA286A510EDD}" dt="2020-03-08T17:05:47.883" v="1125" actId="478"/>
+          <ac:spMkLst>
+            <pc:docMk/>
+            <pc:sldMk cId="2826657243" sldId="257"/>
+            <ac:spMk id="510" creationId="{027CB8FF-682B-455A-859D-91BF2A53E950}"/>
+          </ac:spMkLst>
+        </pc:spChg>
+        <pc:spChg chg="del">
+          <ac:chgData name="Dario" userId="38e23add-208a-40ab-8757-9b606f6bf5b9" providerId="ADAL" clId="{0AEA5047-157C-49B1-87D0-CA286A510EDD}" dt="2020-03-08T17:05:40.451" v="1120" actId="478"/>
+          <ac:spMkLst>
+            <pc:docMk/>
+            <pc:sldMk cId="2826657243" sldId="257"/>
+            <ac:spMk id="511" creationId="{9453C643-2E80-46F6-81AC-37605814C173}"/>
+          </ac:spMkLst>
+        </pc:spChg>
+        <pc:spChg chg="del">
+          <ac:chgData name="Dario" userId="38e23add-208a-40ab-8757-9b606f6bf5b9" providerId="ADAL" clId="{0AEA5047-157C-49B1-87D0-CA286A510EDD}" dt="2020-03-08T17:05:44.218" v="1122" actId="478"/>
+          <ac:spMkLst>
+            <pc:docMk/>
+            <pc:sldMk cId="2826657243" sldId="257"/>
+            <ac:spMk id="512" creationId="{D4074F3C-FB98-4880-9BD4-DD7128F51F7B}"/>
+          </ac:spMkLst>
+        </pc:spChg>
+        <pc:spChg chg="del">
+          <ac:chgData name="Dario" userId="38e23add-208a-40ab-8757-9b606f6bf5b9" providerId="ADAL" clId="{0AEA5047-157C-49B1-87D0-CA286A510EDD}" dt="2020-03-08T17:05:42.459" v="1121" actId="478"/>
+          <ac:spMkLst>
+            <pc:docMk/>
+            <pc:sldMk cId="2826657243" sldId="257"/>
+            <ac:spMk id="513" creationId="{A2A739FA-D894-4224-A21A-225A0B49475B}"/>
+          </ac:spMkLst>
+        </pc:spChg>
+        <pc:spChg chg="del">
+          <ac:chgData name="Dario" userId="38e23add-208a-40ab-8757-9b606f6bf5b9" providerId="ADAL" clId="{0AEA5047-157C-49B1-87D0-CA286A510EDD}" dt="2020-03-08T17:05:38.517" v="1119" actId="478"/>
+          <ac:spMkLst>
+            <pc:docMk/>
+            <pc:sldMk cId="2826657243" sldId="257"/>
+            <ac:spMk id="514" creationId="{C71F168C-7D92-4253-87A7-45C4F684F38A}"/>
+          </ac:spMkLst>
+        </pc:spChg>
+        <pc:spChg chg="add mod">
+          <ac:chgData name="Dario" userId="38e23add-208a-40ab-8757-9b606f6bf5b9" providerId="ADAL" clId="{0AEA5047-157C-49B1-87D0-CA286A510EDD}" dt="2020-03-08T18:10:10.721" v="3340" actId="1037"/>
+          <ac:spMkLst>
+            <pc:docMk/>
+            <pc:sldMk cId="2826657243" sldId="257"/>
+            <ac:spMk id="520" creationId="{544B7ADB-472A-469D-A8F9-E36C8D24C2CE}"/>
+          </ac:spMkLst>
+        </pc:spChg>
+        <pc:spChg chg="add mod">
+          <ac:chgData name="Dario" userId="38e23add-208a-40ab-8757-9b606f6bf5b9" providerId="ADAL" clId="{0AEA5047-157C-49B1-87D0-CA286A510EDD}" dt="2020-03-08T18:06:53.031" v="3285" actId="1076"/>
+          <ac:spMkLst>
+            <pc:docMk/>
+            <pc:sldMk cId="2826657243" sldId="257"/>
+            <ac:spMk id="521" creationId="{1176FFC7-0779-431B-A7ED-097F004E3D8C}"/>
+          </ac:spMkLst>
+        </pc:spChg>
+        <pc:spChg chg="add del">
+          <ac:chgData name="Dario" userId="38e23add-208a-40ab-8757-9b606f6bf5b9" providerId="ADAL" clId="{0AEA5047-157C-49B1-87D0-CA286A510EDD}" dt="2020-03-08T17:17:16.989" v="1264"/>
+          <ac:spMkLst>
+            <pc:docMk/>
+            <pc:sldMk cId="2826657243" sldId="257"/>
+            <ac:spMk id="522" creationId="{812A410D-C3C4-4779-9502-2026A76FCA4F}"/>
+          </ac:spMkLst>
+        </pc:spChg>
+        <pc:spChg chg="add mod">
+          <ac:chgData name="Dario" userId="38e23add-208a-40ab-8757-9b606f6bf5b9" providerId="ADAL" clId="{0AEA5047-157C-49B1-87D0-CA286A510EDD}" dt="2020-03-08T18:07:03.046" v="3286" actId="1076"/>
+          <ac:spMkLst>
+            <pc:docMk/>
+            <pc:sldMk cId="2826657243" sldId="257"/>
+            <ac:spMk id="523" creationId="{2A7DF50A-3E04-411B-9FAA-CD25727E34A2}"/>
+          </ac:spMkLst>
+        </pc:spChg>
+        <pc:spChg chg="add mod">
+          <ac:chgData name="Dario" userId="38e23add-208a-40ab-8757-9b606f6bf5b9" providerId="ADAL" clId="{0AEA5047-157C-49B1-87D0-CA286A510EDD}" dt="2020-03-08T18:09:56.013" v="3331" actId="1035"/>
+          <ac:spMkLst>
+            <pc:docMk/>
+            <pc:sldMk cId="2826657243" sldId="257"/>
+            <ac:spMk id="525" creationId="{0979199E-D7E3-4C56-83E4-2ECC16A7BF92}"/>
+          </ac:spMkLst>
+        </pc:spChg>
+        <pc:spChg chg="add mod">
+          <ac:chgData name="Dario" userId="38e23add-208a-40ab-8757-9b606f6bf5b9" providerId="ADAL" clId="{0AEA5047-157C-49B1-87D0-CA286A510EDD}" dt="2020-03-08T18:08:15.884" v="3298" actId="255"/>
+          <ac:spMkLst>
+            <pc:docMk/>
+            <pc:sldMk cId="2826657243" sldId="257"/>
+            <ac:spMk id="526" creationId="{3B43E60A-2580-4D15-9B6C-16B9394C3C78}"/>
+          </ac:spMkLst>
+        </pc:spChg>
+        <pc:spChg chg="add mod">
+          <ac:chgData name="Dario" userId="38e23add-208a-40ab-8757-9b606f6bf5b9" providerId="ADAL" clId="{0AEA5047-157C-49B1-87D0-CA286A510EDD}" dt="2020-03-08T18:08:09.700" v="3297" actId="255"/>
+          <ac:spMkLst>
+            <pc:docMk/>
+            <pc:sldMk cId="2826657243" sldId="257"/>
+            <ac:spMk id="527" creationId="{34034C83-BB2D-4A1E-B1C1-8C0FAE3BF186}"/>
+          </ac:spMkLst>
+        </pc:spChg>
+        <pc:spChg chg="add del mod">
+          <ac:chgData name="Dario" userId="38e23add-208a-40ab-8757-9b606f6bf5b9" providerId="ADAL" clId="{0AEA5047-157C-49B1-87D0-CA286A510EDD}" dt="2020-03-08T17:35:03.008" v="1866" actId="478"/>
+          <ac:spMkLst>
+            <pc:docMk/>
+            <pc:sldMk cId="2826657243" sldId="257"/>
+            <ac:spMk id="528" creationId="{B41FB4BC-B675-4012-B6EB-DBF00F04B40C}"/>
+          </ac:spMkLst>
+        </pc:spChg>
+        <pc:spChg chg="add del">
+          <ac:chgData name="Dario" userId="38e23add-208a-40ab-8757-9b606f6bf5b9" providerId="ADAL" clId="{0AEA5047-157C-49B1-87D0-CA286A510EDD}" dt="2020-03-08T17:33:35.938" v="1830"/>
+          <ac:spMkLst>
+            <pc:docMk/>
+            <pc:sldMk cId="2826657243" sldId="257"/>
+            <ac:spMk id="529" creationId="{951033E2-FA80-4E6B-A15C-5FD115A0A726}"/>
+          </ac:spMkLst>
+        </pc:spChg>
+        <pc:spChg chg="add mod">
+          <ac:chgData name="Dario" userId="38e23add-208a-40ab-8757-9b606f6bf5b9" providerId="ADAL" clId="{0AEA5047-157C-49B1-87D0-CA286A510EDD}" dt="2020-03-08T17:34:52.417" v="1861" actId="164"/>
+          <ac:spMkLst>
+            <pc:docMk/>
+            <pc:sldMk cId="2826657243" sldId="257"/>
+            <ac:spMk id="530" creationId="{6BF31261-BDEC-4A65-92CF-8CDAB7BFF567}"/>
+          </ac:spMkLst>
+        </pc:spChg>
+        <pc:spChg chg="add mod">
+          <ac:chgData name="Dario" userId="38e23add-208a-40ab-8757-9b606f6bf5b9" providerId="ADAL" clId="{0AEA5047-157C-49B1-87D0-CA286A510EDD}" dt="2020-03-08T17:34:52.417" v="1861" actId="164"/>
+          <ac:spMkLst>
+            <pc:docMk/>
+            <pc:sldMk cId="2826657243" sldId="257"/>
+            <ac:spMk id="531" creationId="{D02CE63A-3B70-490E-B45B-3B1849589B9A}"/>
+          </ac:spMkLst>
+        </pc:spChg>
+        <pc:spChg chg="add mod">
+          <ac:chgData name="Dario" userId="38e23add-208a-40ab-8757-9b606f6bf5b9" providerId="ADAL" clId="{0AEA5047-157C-49B1-87D0-CA286A510EDD}" dt="2020-03-08T18:07:59.299" v="3295" actId="255"/>
+          <ac:spMkLst>
+            <pc:docMk/>
+            <pc:sldMk cId="2826657243" sldId="257"/>
+            <ac:spMk id="533" creationId="{17C1C690-4E70-477C-BA9E-06625579F272}"/>
+          </ac:spMkLst>
+        </pc:spChg>
+        <pc:spChg chg="add mod ord">
+          <ac:chgData name="Dario" userId="38e23add-208a-40ab-8757-9b606f6bf5b9" providerId="ADAL" clId="{0AEA5047-157C-49B1-87D0-CA286A510EDD}" dt="2020-03-08T17:44:47.234" v="2178" actId="164"/>
+          <ac:spMkLst>
+            <pc:docMk/>
+            <pc:sldMk cId="2826657243" sldId="257"/>
+            <ac:spMk id="534" creationId="{BB8A832B-4ADF-4C17-8A63-357050C3DF35}"/>
+          </ac:spMkLst>
+        </pc:spChg>
+        <pc:spChg chg="add del">
+          <ac:chgData name="Dario" userId="38e23add-208a-40ab-8757-9b606f6bf5b9" providerId="ADAL" clId="{0AEA5047-157C-49B1-87D0-CA286A510EDD}" dt="2020-03-08T17:41:15.788" v="2015"/>
+          <ac:spMkLst>
+            <pc:docMk/>
+            <pc:sldMk cId="2826657243" sldId="257"/>
+            <ac:spMk id="535" creationId="{9475293B-F476-4C1B-9821-6BAD4064426B}"/>
+          </ac:spMkLst>
+        </pc:spChg>
+        <pc:spChg chg="add mod">
+          <ac:chgData name="Dario" userId="38e23add-208a-40ab-8757-9b606f6bf5b9" providerId="ADAL" clId="{0AEA5047-157C-49B1-87D0-CA286A510EDD}" dt="2020-03-08T17:48:19.025" v="2339" actId="1076"/>
+          <ac:spMkLst>
+            <pc:docMk/>
+            <pc:sldMk cId="2826657243" sldId="257"/>
+            <ac:spMk id="536" creationId="{78EFDB94-AFFA-440D-B1A2-1BBF149B7393}"/>
+          </ac:spMkLst>
+        </pc:spChg>
+        <pc:spChg chg="mod">
+          <ac:chgData name="Dario" userId="38e23add-208a-40ab-8757-9b606f6bf5b9" providerId="ADAL" clId="{0AEA5047-157C-49B1-87D0-CA286A510EDD}" dt="2020-03-08T18:09:14.799" v="3316" actId="14100"/>
+          <ac:spMkLst>
+            <pc:docMk/>
+            <pc:sldMk cId="2826657243" sldId="257"/>
+            <ac:spMk id="540" creationId="{781BCC9B-C1B5-4902-A22D-BA59FC8FA909}"/>
+          </ac:spMkLst>
+        </pc:spChg>
+        <pc:spChg chg="add mod">
+          <ac:chgData name="Dario" userId="38e23add-208a-40ab-8757-9b606f6bf5b9" providerId="ADAL" clId="{0AEA5047-157C-49B1-87D0-CA286A510EDD}" dt="2020-03-08T18:11:26.196" v="3344" actId="123"/>
+          <ac:spMkLst>
+            <pc:docMk/>
+            <pc:sldMk cId="2826657243" sldId="257"/>
+            <ac:spMk id="541" creationId="{1F2B3B78-12D6-45A0-A7F5-ACBC6F753257}"/>
+          </ac:spMkLst>
+        </pc:spChg>
+        <pc:spChg chg="add mod">
+          <ac:chgData name="Dario" userId="38e23add-208a-40ab-8757-9b606f6bf5b9" providerId="ADAL" clId="{0AEA5047-157C-49B1-87D0-CA286A510EDD}" dt="2020-03-08T18:11:32.491" v="3350" actId="120"/>
+          <ac:spMkLst>
+            <pc:docMk/>
+            <pc:sldMk cId="2826657243" sldId="257"/>
+            <ac:spMk id="542" creationId="{956B8587-9EC2-4483-A91A-230E68741911}"/>
+          </ac:spMkLst>
+        </pc:spChg>
+        <pc:grpChg chg="del">
+          <ac:chgData name="Dario" userId="38e23add-208a-40ab-8757-9b606f6bf5b9" providerId="ADAL" clId="{0AEA5047-157C-49B1-87D0-CA286A510EDD}" dt="2020-03-08T15:58:23.330" v="2" actId="478"/>
+          <ac:grpSpMkLst>
+            <pc:docMk/>
+            <pc:sldMk cId="2826657243" sldId="257"/>
+            <ac:grpSpMk id="20" creationId="{E6844AF9-3DF6-4449-9597-126F033A2E40}"/>
+          </ac:grpSpMkLst>
+        </pc:grpChg>
+        <pc:grpChg chg="del mod topLvl">
+          <ac:chgData name="Dario" userId="38e23add-208a-40ab-8757-9b606f6bf5b9" providerId="ADAL" clId="{0AEA5047-157C-49B1-87D0-CA286A510EDD}" dt="2020-03-08T17:37:21.493" v="1993" actId="478"/>
+          <ac:grpSpMkLst>
+            <pc:docMk/>
+            <pc:sldMk cId="2826657243" sldId="257"/>
+            <ac:grpSpMk id="21" creationId="{260E5F7E-FD16-47C1-B357-20F24B953D6A}"/>
+          </ac:grpSpMkLst>
+        </pc:grpChg>
+        <pc:grpChg chg="del">
+          <ac:chgData name="Dario" userId="38e23add-208a-40ab-8757-9b606f6bf5b9" providerId="ADAL" clId="{0AEA5047-157C-49B1-87D0-CA286A510EDD}" dt="2020-03-08T15:58:26.434" v="3" actId="478"/>
+          <ac:grpSpMkLst>
+            <pc:docMk/>
+            <pc:sldMk cId="2826657243" sldId="257"/>
+            <ac:grpSpMk id="33" creationId="{7241F854-A5BD-4D36-9328-97F815628434}"/>
+          </ac:grpSpMkLst>
+        </pc:grpChg>
+        <pc:grpChg chg="add del mod">
+          <ac:chgData name="Dario" userId="38e23add-208a-40ab-8757-9b606f6bf5b9" providerId="ADAL" clId="{0AEA5047-157C-49B1-87D0-CA286A510EDD}" dt="2020-03-08T17:37:23.625" v="1994" actId="478"/>
+          <ac:grpSpMkLst>
+            <pc:docMk/>
+            <pc:sldMk cId="2826657243" sldId="257"/>
+            <ac:grpSpMk id="45" creationId="{5812560B-0CBD-42F8-90D3-B5A9F20EE621}"/>
+          </ac:grpSpMkLst>
+        </pc:grpChg>
+        <pc:grpChg chg="mod">
+          <ac:chgData name="Dario" userId="38e23add-208a-40ab-8757-9b606f6bf5b9" providerId="ADAL" clId="{0AEA5047-157C-49B1-87D0-CA286A510EDD}" dt="2020-03-08T17:20:41.394" v="1311" actId="1076"/>
+          <ac:grpSpMkLst>
+            <pc:docMk/>
+            <pc:sldMk cId="2826657243" sldId="257"/>
+            <ac:grpSpMk id="48" creationId="{5F3F8F8E-FF6B-4C1A-9CC4-8725B3D42EDC}"/>
+          </ac:grpSpMkLst>
+        </pc:grpChg>
+        <pc:grpChg chg="add mod">
+          <ac:chgData name="Dario" userId="38e23add-208a-40ab-8757-9b606f6bf5b9" providerId="ADAL" clId="{0AEA5047-157C-49B1-87D0-CA286A510EDD}" dt="2020-03-08T18:09:56.013" v="3331" actId="1035"/>
+          <ac:grpSpMkLst>
+            <pc:docMk/>
+            <pc:sldMk cId="2826657243" sldId="257"/>
+            <ac:grpSpMk id="65" creationId="{CF9C9909-AD56-4D9F-B0D6-5F89E31FE64A}"/>
+          </ac:grpSpMkLst>
+        </pc:grpChg>
+        <pc:grpChg chg="mod">
+          <ac:chgData name="Dario" userId="38e23add-208a-40ab-8757-9b606f6bf5b9" providerId="ADAL" clId="{0AEA5047-157C-49B1-87D0-CA286A510EDD}" dt="2020-03-08T17:03:48.564" v="1074" actId="27803"/>
+          <ac:grpSpMkLst>
+            <pc:docMk/>
+            <pc:sldMk cId="2826657243" sldId="257"/>
+            <ac:grpSpMk id="67" creationId="{1CF98181-D570-4610-B54F-B58E50DCA923}"/>
+          </ac:grpSpMkLst>
+        </pc:grpChg>
+        <pc:grpChg chg="add del mod">
+          <ac:chgData name="Dario" userId="38e23add-208a-40ab-8757-9b606f6bf5b9" providerId="ADAL" clId="{0AEA5047-157C-49B1-87D0-CA286A510EDD}" dt="2020-03-08T17:04:37.589" v="1090" actId="478"/>
+          <ac:grpSpMkLst>
+            <pc:docMk/>
+            <pc:sldMk cId="2826657243" sldId="257"/>
+            <ac:grpSpMk id="233" creationId="{FABA41C3-0D4F-4B7D-923E-D8F5B2980125}"/>
+          </ac:grpSpMkLst>
+        </pc:grpChg>
+        <pc:grpChg chg="del mod">
+          <ac:chgData name="Dario" userId="38e23add-208a-40ab-8757-9b606f6bf5b9" providerId="ADAL" clId="{0AEA5047-157C-49B1-87D0-CA286A510EDD}" dt="2020-03-08T17:04:51.077" v="1094" actId="165"/>
+          <ac:grpSpMkLst>
+            <pc:docMk/>
+            <pc:sldMk cId="2826657243" sldId="257"/>
+            <ac:grpSpMk id="374" creationId="{FABA41C3-0D4F-4B7D-923E-D8F5B2980125}"/>
+          </ac:grpSpMkLst>
+        </pc:grpChg>
+        <pc:grpChg chg="add del mod ord topLvl">
+          <ac:chgData name="Dario" userId="38e23add-208a-40ab-8757-9b606f6bf5b9" providerId="ADAL" clId="{0AEA5047-157C-49B1-87D0-CA286A510EDD}" dt="2020-03-08T17:07:38.992" v="1182" actId="165"/>
+          <ac:grpSpMkLst>
+            <pc:docMk/>
+            <pc:sldMk cId="2826657243" sldId="257"/>
+            <ac:grpSpMk id="376" creationId="{FABA41C3-0D4F-4B7D-923E-D8F5B2980125}"/>
+          </ac:grpSpMkLst>
+        </pc:grpChg>
+        <pc:grpChg chg="del">
+          <ac:chgData name="Dario" userId="38e23add-208a-40ab-8757-9b606f6bf5b9" providerId="ADAL" clId="{0AEA5047-157C-49B1-87D0-CA286A510EDD}" dt="2020-03-08T17:05:35.773" v="1117" actId="478"/>
+          <ac:grpSpMkLst>
+            <pc:docMk/>
+            <pc:sldMk cId="2826657243" sldId="257"/>
+            <ac:grpSpMk id="496" creationId="{FABA41C3-0D4F-4B7D-923E-D8F5B2980125}"/>
+          </ac:grpSpMkLst>
+        </pc:grpChg>
+        <pc:grpChg chg="add del">
+          <ac:chgData name="Dario" userId="38e23add-208a-40ab-8757-9b606f6bf5b9" providerId="ADAL" clId="{0AEA5047-157C-49B1-87D0-CA286A510EDD}" dt="2020-03-08T17:06:52.099" v="1162" actId="478"/>
+          <ac:grpSpMkLst>
+            <pc:docMk/>
+            <pc:sldMk cId="2826657243" sldId="257"/>
+            <ac:grpSpMk id="504" creationId="{FABA41C3-0D4F-4B7D-923E-D8F5B2980125}"/>
+          </ac:grpSpMkLst>
+        </pc:grpChg>
+        <pc:grpChg chg="add del mod">
+          <ac:chgData name="Dario" userId="38e23add-208a-40ab-8757-9b606f6bf5b9" providerId="ADAL" clId="{0AEA5047-157C-49B1-87D0-CA286A510EDD}" dt="2020-03-08T17:07:43.127" v="1183" actId="478"/>
+          <ac:grpSpMkLst>
+            <pc:docMk/>
+            <pc:sldMk cId="2826657243" sldId="257"/>
+            <ac:grpSpMk id="515" creationId="{9953415B-C6CA-4E1C-84F7-F238E2E05494}"/>
+          </ac:grpSpMkLst>
+        </pc:grpChg>
+        <pc:grpChg chg="add mod">
+          <ac:chgData name="Dario" userId="38e23add-208a-40ab-8757-9b606f6bf5b9" providerId="ADAL" clId="{0AEA5047-157C-49B1-87D0-CA286A510EDD}" dt="2020-03-08T18:06:12.406" v="3281" actId="14826"/>
+          <ac:grpSpMkLst>
+            <pc:docMk/>
+            <pc:sldMk cId="2826657243" sldId="257"/>
+            <ac:grpSpMk id="524" creationId="{A5713D73-26A3-4332-BDEB-6A6647D87090}"/>
+          </ac:grpSpMkLst>
+        </pc:grpChg>
+        <pc:grpChg chg="add mod">
+          <ac:chgData name="Dario" userId="38e23add-208a-40ab-8757-9b606f6bf5b9" providerId="ADAL" clId="{0AEA5047-157C-49B1-87D0-CA286A510EDD}" dt="2020-03-08T17:35:16.913" v="1869" actId="1076"/>
+          <ac:grpSpMkLst>
+            <pc:docMk/>
+            <pc:sldMk cId="2826657243" sldId="257"/>
+            <ac:grpSpMk id="532" creationId="{115F7228-91D3-4515-945B-83D73B19B567}"/>
+          </ac:grpSpMkLst>
+        </pc:grpChg>
+        <pc:grpChg chg="add mod">
+          <ac:chgData name="Dario" userId="38e23add-208a-40ab-8757-9b606f6bf5b9" providerId="ADAL" clId="{0AEA5047-157C-49B1-87D0-CA286A510EDD}" dt="2020-03-08T17:48:54.254" v="2359" actId="1037"/>
+          <ac:grpSpMkLst>
+            <pc:docMk/>
+            <pc:sldMk cId="2826657243" sldId="257"/>
+            <ac:grpSpMk id="537" creationId="{9C2D824D-A958-4CDD-80EC-64C8CE5449B4}"/>
+          </ac:grpSpMkLst>
+        </pc:grpChg>
+        <pc:grpChg chg="add mod">
+          <ac:chgData name="Dario" userId="38e23add-208a-40ab-8757-9b606f6bf5b9" providerId="ADAL" clId="{0AEA5047-157C-49B1-87D0-CA286A510EDD}" dt="2020-03-08T18:09:19.361" v="3318" actId="14100"/>
+          <ac:grpSpMkLst>
+            <pc:docMk/>
+            <pc:sldMk cId="2826657243" sldId="257"/>
+            <ac:grpSpMk id="538" creationId="{7BFFE466-920A-463A-8F8D-CF050D6456CC}"/>
+          </ac:grpSpMkLst>
+        </pc:grpChg>
+        <pc:picChg chg="add del mod">
+          <ac:chgData name="Dario" userId="38e23add-208a-40ab-8757-9b606f6bf5b9" providerId="ADAL" clId="{0AEA5047-157C-49B1-87D0-CA286A510EDD}" dt="2020-03-08T16:07:19.727" v="28" actId="478"/>
+          <ac:picMkLst>
+            <pc:docMk/>
+            <pc:sldMk cId="2826657243" sldId="257"/>
+            <ac:picMk id="6" creationId="{9DDC7834-88D3-4FD7-81A9-A2D2602293B3}"/>
+          </ac:picMkLst>
+        </pc:picChg>
+        <pc:picChg chg="add del mod">
+          <ac:chgData name="Dario" userId="38e23add-208a-40ab-8757-9b606f6bf5b9" providerId="ADAL" clId="{0AEA5047-157C-49B1-87D0-CA286A510EDD}" dt="2020-03-08T16:07:17.705" v="27"/>
+          <ac:picMkLst>
+            <pc:docMk/>
+            <pc:sldMk cId="2826657243" sldId="257"/>
+            <ac:picMk id="7" creationId="{08D4A8B0-F26F-46D8-84F1-ADBE7AF387A6}"/>
+          </ac:picMkLst>
+        </pc:picChg>
+        <pc:picChg chg="add del mod">
+          <ac:chgData name="Dario" userId="38e23add-208a-40ab-8757-9b606f6bf5b9" providerId="ADAL" clId="{0AEA5047-157C-49B1-87D0-CA286A510EDD}" dt="2020-03-08T17:37:24.663" v="1995" actId="478"/>
+          <ac:picMkLst>
+            <pc:docMk/>
+            <pc:sldMk cId="2826657243" sldId="257"/>
+            <ac:picMk id="9" creationId="{53617E85-4C9A-4037-8650-9B4A022FAB3D}"/>
+          </ac:picMkLst>
+        </pc:picChg>
+        <pc:picChg chg="del">
+          <ac:chgData name="Dario" userId="38e23add-208a-40ab-8757-9b606f6bf5b9" providerId="ADAL" clId="{0AEA5047-157C-49B1-87D0-CA286A510EDD}" dt="2020-03-08T15:58:23.330" v="2" actId="478"/>
+          <ac:picMkLst>
+            <pc:docMk/>
+            <pc:sldMk cId="2826657243" sldId="257"/>
+            <ac:picMk id="13" creationId="{DA9B1922-A691-45D5-AF74-B748CFB9CFEA}"/>
+          </ac:picMkLst>
+        </pc:picChg>
+        <pc:picChg chg="del">
+          <ac:chgData name="Dario" userId="38e23add-208a-40ab-8757-9b606f6bf5b9" providerId="ADAL" clId="{0AEA5047-157C-49B1-87D0-CA286A510EDD}" dt="2020-03-08T17:37:21.493" v="1993" actId="478"/>
+          <ac:picMkLst>
+            <pc:docMk/>
+            <pc:sldMk cId="2826657243" sldId="257"/>
+            <ac:picMk id="19" creationId="{AB49588F-0039-4297-9179-562282E9F19B}"/>
+          </ac:picMkLst>
+        </pc:picChg>
+        <pc:picChg chg="add mod">
+          <ac:chgData name="Dario" userId="38e23add-208a-40ab-8757-9b606f6bf5b9" providerId="ADAL" clId="{0AEA5047-157C-49B1-87D0-CA286A510EDD}" dt="2020-03-08T16:39:19.434" v="297" actId="164"/>
+          <ac:picMkLst>
+            <pc:docMk/>
+            <pc:sldMk cId="2826657243" sldId="257"/>
+            <ac:picMk id="22" creationId="{82243B11-7246-4F88-87A4-682356FBDDF7}"/>
+          </ac:picMkLst>
+        </pc:picChg>
+        <pc:picChg chg="add mod">
+          <ac:chgData name="Dario" userId="38e23add-208a-40ab-8757-9b606f6bf5b9" providerId="ADAL" clId="{0AEA5047-157C-49B1-87D0-CA286A510EDD}" dt="2020-03-08T16:39:19.434" v="297" actId="164"/>
+          <ac:picMkLst>
+            <pc:docMk/>
+            <pc:sldMk cId="2826657243" sldId="257"/>
+            <ac:picMk id="24" creationId="{8E0F9138-2A7D-429E-9031-2361375809D9}"/>
+          </ac:picMkLst>
+        </pc:picChg>
+        <pc:picChg chg="add mod">
+          <ac:chgData name="Dario" userId="38e23add-208a-40ab-8757-9b606f6bf5b9" providerId="ADAL" clId="{0AEA5047-157C-49B1-87D0-CA286A510EDD}" dt="2020-03-08T16:39:19.434" v="297" actId="164"/>
+          <ac:picMkLst>
+            <pc:docMk/>
+            <pc:sldMk cId="2826657243" sldId="257"/>
+            <ac:picMk id="26" creationId="{7CD28EDB-64CA-4BC0-9389-945F2C8BAB98}"/>
+          </ac:picMkLst>
+        </pc:picChg>
+        <pc:picChg chg="mod">
+          <ac:chgData name="Dario" userId="38e23add-208a-40ab-8757-9b606f6bf5b9" providerId="ADAL" clId="{0AEA5047-157C-49B1-87D0-CA286A510EDD}" dt="2020-03-08T17:36:55.750" v="1984" actId="1036"/>
+          <ac:picMkLst>
+            <pc:docMk/>
+            <pc:sldMk cId="2826657243" sldId="257"/>
+            <ac:picMk id="39" creationId="{86103FCE-BC9B-4FAF-9C48-FE580A7E8C77}"/>
+          </ac:picMkLst>
+        </pc:picChg>
+        <pc:picChg chg="mod modCrop">
+          <ac:chgData name="Dario" userId="38e23add-208a-40ab-8757-9b606f6bf5b9" providerId="ADAL" clId="{0AEA5047-157C-49B1-87D0-CA286A510EDD}" dt="2020-03-08T17:34:52.417" v="1861" actId="164"/>
+          <ac:picMkLst>
+            <pc:docMk/>
+            <pc:sldMk cId="2826657243" sldId="257"/>
+            <ac:picMk id="54" creationId="{EDF3D3E8-D1B1-4622-A8B2-2C6736613E84}"/>
+          </ac:picMkLst>
+        </pc:picChg>
+        <pc:picChg chg="add del mod">
+          <ac:chgData name="Dario" userId="38e23add-208a-40ab-8757-9b606f6bf5b9" providerId="ADAL" clId="{0AEA5047-157C-49B1-87D0-CA286A510EDD}" dt="2020-03-08T17:07:53.802" v="1184" actId="478"/>
+          <ac:picMkLst>
+            <pc:docMk/>
+            <pc:sldMk cId="2826657243" sldId="257"/>
+            <ac:picMk id="55" creationId="{1CF98181-D570-4610-B54F-B58E50DCA923}"/>
+          </ac:picMkLst>
+        </pc:picChg>
+        <pc:picChg chg="mod">
+          <ac:chgData name="Dario" userId="38e23add-208a-40ab-8757-9b606f6bf5b9" providerId="ADAL" clId="{0AEA5047-157C-49B1-87D0-CA286A510EDD}" dt="2020-03-09T08:15:31.553" v="3353" actId="14826"/>
+          <ac:picMkLst>
+            <pc:docMk/>
+            <pc:sldMk cId="2826657243" sldId="257"/>
+            <ac:picMk id="56" creationId="{D2EE65F8-E0A1-4D49-A571-9CF688D4D12A}"/>
+          </ac:picMkLst>
+        </pc:picChg>
+        <pc:picChg chg="mod">
+          <ac:chgData name="Dario" userId="38e23add-208a-40ab-8757-9b606f6bf5b9" providerId="ADAL" clId="{0AEA5047-157C-49B1-87D0-CA286A510EDD}" dt="2020-03-08T17:36:58.699" v="1986" actId="1036"/>
+          <ac:picMkLst>
+            <pc:docMk/>
+            <pc:sldMk cId="2826657243" sldId="257"/>
+            <ac:picMk id="75" creationId="{D0986877-E664-4FE2-853E-CCED0C839E97}"/>
+          </ac:picMkLst>
+        </pc:picChg>
+        <pc:picChg chg="add del mod">
+          <ac:chgData name="Dario" userId="38e23add-208a-40ab-8757-9b606f6bf5b9" providerId="ADAL" clId="{0AEA5047-157C-49B1-87D0-CA286A510EDD}" dt="2020-03-08T17:04:46.620" v="1093" actId="27803"/>
+          <ac:picMkLst>
+            <pc:docMk/>
+            <pc:sldMk cId="2826657243" sldId="257"/>
+            <ac:picMk id="232" creationId="{FABA41C3-0D4F-4B7D-923E-D8F5B2980125}"/>
+          </ac:picMkLst>
+        </pc:picChg>
+        <pc:picChg chg="add del mod modCrop">
+          <ac:chgData name="Dario" userId="38e23add-208a-40ab-8757-9b606f6bf5b9" providerId="ADAL" clId="{0AEA5047-157C-49B1-87D0-CA286A510EDD}" dt="2020-03-08T17:13:19.008" v="1200" actId="478"/>
+          <ac:picMkLst>
+            <pc:docMk/>
+            <pc:sldMk cId="2826657243" sldId="257"/>
+            <ac:picMk id="517" creationId="{2607D154-9AB9-421E-8968-FD408DD135BD}"/>
+          </ac:picMkLst>
+        </pc:picChg>
+        <pc:picChg chg="add mod modCrop">
+          <ac:chgData name="Dario" userId="38e23add-208a-40ab-8757-9b606f6bf5b9" providerId="ADAL" clId="{0AEA5047-157C-49B1-87D0-CA286A510EDD}" dt="2020-03-08T18:06:43.415" v="3284" actId="1076"/>
+          <ac:picMkLst>
+            <pc:docMk/>
+            <pc:sldMk cId="2826657243" sldId="257"/>
+            <ac:picMk id="519" creationId="{752474ED-8CAF-4575-802C-B1ED2457DC45}"/>
+          </ac:picMkLst>
+        </pc:picChg>
+        <pc:cxnChg chg="mod">
+          <ac:chgData name="Dario" userId="38e23add-208a-40ab-8757-9b606f6bf5b9" providerId="ADAL" clId="{0AEA5047-157C-49B1-87D0-CA286A510EDD}" dt="2020-03-08T17:51:13.232" v="2381" actId="1076"/>
+          <ac:cxnSpMkLst>
+            <pc:docMk/>
+            <pc:sldMk cId="2826657243" sldId="257"/>
+            <ac:cxnSpMk id="18" creationId="{FC4F5858-AB43-4D56-8B34-1D6805ACE234}"/>
+          </ac:cxnSpMkLst>
+        </pc:cxnChg>
+        <pc:cxnChg chg="add mod">
+          <ac:chgData name="Dario" userId="38e23add-208a-40ab-8757-9b606f6bf5b9" providerId="ADAL" clId="{0AEA5047-157C-49B1-87D0-CA286A510EDD}" dt="2020-03-08T16:39:19.434" v="297" actId="164"/>
+          <ac:cxnSpMkLst>
+            <pc:docMk/>
+            <pc:sldMk cId="2826657243" sldId="257"/>
+            <ac:cxnSpMk id="33" creationId="{7A80C74C-CC78-42B0-B917-C54E7A711D1E}"/>
+          </ac:cxnSpMkLst>
+        </pc:cxnChg>
+        <pc:cxnChg chg="add mod">
+          <ac:chgData name="Dario" userId="38e23add-208a-40ab-8757-9b606f6bf5b9" providerId="ADAL" clId="{0AEA5047-157C-49B1-87D0-CA286A510EDD}" dt="2020-03-08T18:09:02.293" v="3314" actId="1038"/>
+          <ac:cxnSpMkLst>
+            <pc:docMk/>
+            <pc:sldMk cId="2826657243" sldId="257"/>
+            <ac:cxnSpMk id="57" creationId="{59E8B222-C1E8-44B9-90A2-933E566E6937}"/>
+          </ac:cxnSpMkLst>
+        </pc:cxnChg>
+        <pc:cxnChg chg="add mod">
+          <ac:chgData name="Dario" userId="38e23add-208a-40ab-8757-9b606f6bf5b9" providerId="ADAL" clId="{0AEA5047-157C-49B1-87D0-CA286A510EDD}" dt="2020-03-08T16:39:19.434" v="297" actId="164"/>
+          <ac:cxnSpMkLst>
+            <pc:docMk/>
+            <pc:sldMk cId="2826657243" sldId="257"/>
+            <ac:cxnSpMk id="66" creationId="{CB0C3723-440B-4C5C-A28F-D16D46D9D633}"/>
+          </ac:cxnSpMkLst>
+        </pc:cxnChg>
+        <pc:cxnChg chg="del mod">
+          <ac:chgData name="Dario" userId="38e23add-208a-40ab-8757-9b606f6bf5b9" providerId="ADAL" clId="{0AEA5047-157C-49B1-87D0-CA286A510EDD}" dt="2020-03-08T17:37:49.573" v="1999" actId="478"/>
+          <ac:cxnSpMkLst>
+            <pc:docMk/>
+            <pc:sldMk cId="2826657243" sldId="257"/>
+            <ac:cxnSpMk id="77" creationId="{76CB3BB5-6120-41FC-8AF3-939EDDBB58FA}"/>
+          </ac:cxnSpMkLst>
+        </pc:cxnChg>
+        <pc:cxnChg chg="del mod">
+          <ac:chgData name="Dario" userId="38e23add-208a-40ab-8757-9b606f6bf5b9" providerId="ADAL" clId="{0AEA5047-157C-49B1-87D0-CA286A510EDD}" dt="2020-03-08T17:37:49.573" v="1999" actId="478"/>
+          <ac:cxnSpMkLst>
+            <pc:docMk/>
+            <pc:sldMk cId="2826657243" sldId="257"/>
+            <ac:cxnSpMk id="78" creationId="{C7670C5A-DA16-4700-9903-04185AB8EB0E}"/>
+          </ac:cxnSpMkLst>
+        </pc:cxnChg>
+        <pc:cxnChg chg="add mod">
+          <ac:chgData name="Dario" userId="38e23add-208a-40ab-8757-9b606f6bf5b9" providerId="ADAL" clId="{0AEA5047-157C-49B1-87D0-CA286A510EDD}" dt="2020-03-08T16:39:59.510" v="305" actId="404"/>
+          <ac:cxnSpMkLst>
+            <pc:docMk/>
+            <pc:sldMk cId="2826657243" sldId="257"/>
+            <ac:cxnSpMk id="81" creationId="{AB00421A-1FC5-4BFE-A686-BB558472A84E}"/>
+          </ac:cxnSpMkLst>
+        </pc:cxnChg>
+        <pc:cxnChg chg="add mod">
+          <ac:chgData name="Dario" userId="38e23add-208a-40ab-8757-9b606f6bf5b9" providerId="ADAL" clId="{0AEA5047-157C-49B1-87D0-CA286A510EDD}" dt="2020-03-08T16:39:19.434" v="297" actId="164"/>
+          <ac:cxnSpMkLst>
+            <pc:docMk/>
+            <pc:sldMk cId="2826657243" sldId="257"/>
+            <ac:cxnSpMk id="85" creationId="{E26C74E5-1E29-4E58-BB25-326C7DC999CA}"/>
+          </ac:cxnSpMkLst>
+        </pc:cxnChg>
+      </pc:sldChg>
+      <pc:sldChg chg="add del ord">
+        <pc:chgData name="Dario" userId="38e23add-208a-40ab-8757-9b606f6bf5b9" providerId="ADAL" clId="{0AEA5047-157C-49B1-87D0-CA286A510EDD}" dt="2020-03-08T16:25:05.838" v="45" actId="47"/>
+        <pc:sldMkLst>
+          <pc:docMk/>
+          <pc:sldMk cId="2177106019" sldId="258"/>
+        </pc:sldMkLst>
+      </pc:sldChg>
+    </pc:docChg>
+  </pc:docChgLst>
+</pc:chgInfo>
+</file>
+
 <file path=ppt/slideLayouts/slideLayout1.xml><?xml version="1.0" encoding="utf-8"?>
 <p:sldLayout xmlns:a="http://schemas.openxmlformats.org/drawingml/2006/main" xmlns:r="http://schemas.openxmlformats.org/officeDocument/2006/relationships" xmlns:p="http://schemas.openxmlformats.org/presentationml/2006/main" type="title" preserve="1">
   <p:cSld name="Title Slide">
@@ -244,7 +1214,7 @@
           <a:p>
             <a:fld id="{3510B498-9D4D-4FAD-891F-E57FF8B5A028}" type="datetimeFigureOut">
               <a:rPr lang="en-US" smtClean="0"/>
-              <a:t>3/6/2020</a:t>
+              <a:t>3/9/2020</a:t>
             </a:fld>
             <a:endParaRPr lang="en-US"/>
           </a:p>
@@ -286,7 +1256,7 @@
           <a:p>
             <a:fld id="{87B513E7-4515-4082-A960-D4704025B30C}" type="slidenum">
               <a:rPr lang="en-US" smtClean="0"/>
-              <a:t>‹#›</a:t>
+              <a:t>‹N›</a:t>
             </a:fld>
             <a:endParaRPr lang="en-US"/>
           </a:p>
@@ -414,7 +1384,7 @@
           <a:p>
             <a:fld id="{3510B498-9D4D-4FAD-891F-E57FF8B5A028}" type="datetimeFigureOut">
               <a:rPr lang="en-US" smtClean="0"/>
-              <a:t>3/6/2020</a:t>
+              <a:t>3/9/2020</a:t>
             </a:fld>
             <a:endParaRPr lang="en-US"/>
           </a:p>
@@ -456,7 +1426,7 @@
           <a:p>
             <a:fld id="{87B513E7-4515-4082-A960-D4704025B30C}" type="slidenum">
               <a:rPr lang="en-US" smtClean="0"/>
-              <a:t>‹#›</a:t>
+              <a:t>‹N›</a:t>
             </a:fld>
             <a:endParaRPr lang="en-US"/>
           </a:p>
@@ -594,7 +1564,7 @@
           <a:p>
             <a:fld id="{3510B498-9D4D-4FAD-891F-E57FF8B5A028}" type="datetimeFigureOut">
               <a:rPr lang="en-US" smtClean="0"/>
-              <a:t>3/6/2020</a:t>
+              <a:t>3/9/2020</a:t>
             </a:fld>
             <a:endParaRPr lang="en-US"/>
           </a:p>
@@ -636,7 +1606,7 @@
           <a:p>
             <a:fld id="{87B513E7-4515-4082-A960-D4704025B30C}" type="slidenum">
               <a:rPr lang="en-US" smtClean="0"/>
-              <a:t>‹#›</a:t>
+              <a:t>‹N›</a:t>
             </a:fld>
             <a:endParaRPr lang="en-US"/>
           </a:p>
@@ -764,7 +1734,7 @@
           <a:p>
             <a:fld id="{3510B498-9D4D-4FAD-891F-E57FF8B5A028}" type="datetimeFigureOut">
               <a:rPr lang="en-US" smtClean="0"/>
-              <a:t>3/6/2020</a:t>
+              <a:t>3/9/2020</a:t>
             </a:fld>
             <a:endParaRPr lang="en-US"/>
           </a:p>
@@ -806,7 +1776,7 @@
           <a:p>
             <a:fld id="{87B513E7-4515-4082-A960-D4704025B30C}" type="slidenum">
               <a:rPr lang="en-US" smtClean="0"/>
-              <a:t>‹#›</a:t>
+              <a:t>‹N›</a:t>
             </a:fld>
             <a:endParaRPr lang="en-US"/>
           </a:p>
@@ -1008,7 +1978,7 @@
           <a:p>
             <a:fld id="{3510B498-9D4D-4FAD-891F-E57FF8B5A028}" type="datetimeFigureOut">
               <a:rPr lang="en-US" smtClean="0"/>
-              <a:t>3/6/2020</a:t>
+              <a:t>3/9/2020</a:t>
             </a:fld>
             <a:endParaRPr lang="en-US"/>
           </a:p>
@@ -1050,7 +2020,7 @@
           <a:p>
             <a:fld id="{87B513E7-4515-4082-A960-D4704025B30C}" type="slidenum">
               <a:rPr lang="en-US" smtClean="0"/>
-              <a:t>‹#›</a:t>
+              <a:t>‹N›</a:t>
             </a:fld>
             <a:endParaRPr lang="en-US"/>
           </a:p>
@@ -1240,7 +2210,7 @@
           <a:p>
             <a:fld id="{3510B498-9D4D-4FAD-891F-E57FF8B5A028}" type="datetimeFigureOut">
               <a:rPr lang="en-US" smtClean="0"/>
-              <a:t>3/6/2020</a:t>
+              <a:t>3/9/2020</a:t>
             </a:fld>
             <a:endParaRPr lang="en-US"/>
           </a:p>
@@ -1282,7 +2252,7 @@
           <a:p>
             <a:fld id="{87B513E7-4515-4082-A960-D4704025B30C}" type="slidenum">
               <a:rPr lang="en-US" smtClean="0"/>
-              <a:t>‹#›</a:t>
+              <a:t>‹N›</a:t>
             </a:fld>
             <a:endParaRPr lang="en-US"/>
           </a:p>
@@ -1607,7 +2577,7 @@
           <a:p>
             <a:fld id="{3510B498-9D4D-4FAD-891F-E57FF8B5A028}" type="datetimeFigureOut">
               <a:rPr lang="en-US" smtClean="0"/>
-              <a:t>3/6/2020</a:t>
+              <a:t>3/9/2020</a:t>
             </a:fld>
             <a:endParaRPr lang="en-US"/>
           </a:p>
@@ -1649,7 +2619,7 @@
           <a:p>
             <a:fld id="{87B513E7-4515-4082-A960-D4704025B30C}" type="slidenum">
               <a:rPr lang="en-US" smtClean="0"/>
-              <a:t>‹#›</a:t>
+              <a:t>‹N›</a:t>
             </a:fld>
             <a:endParaRPr lang="en-US"/>
           </a:p>
@@ -1725,7 +2695,7 @@
           <a:p>
             <a:fld id="{3510B498-9D4D-4FAD-891F-E57FF8B5A028}" type="datetimeFigureOut">
               <a:rPr lang="en-US" smtClean="0"/>
-              <a:t>3/6/2020</a:t>
+              <a:t>3/9/2020</a:t>
             </a:fld>
             <a:endParaRPr lang="en-US"/>
           </a:p>
@@ -1767,7 +2737,7 @@
           <a:p>
             <a:fld id="{87B513E7-4515-4082-A960-D4704025B30C}" type="slidenum">
               <a:rPr lang="en-US" smtClean="0"/>
-              <a:t>‹#›</a:t>
+              <a:t>‹N›</a:t>
             </a:fld>
             <a:endParaRPr lang="en-US"/>
           </a:p>
@@ -1820,7 +2790,7 @@
           <a:p>
             <a:fld id="{3510B498-9D4D-4FAD-891F-E57FF8B5A028}" type="datetimeFigureOut">
               <a:rPr lang="en-US" smtClean="0"/>
-              <a:t>3/6/2020</a:t>
+              <a:t>3/9/2020</a:t>
             </a:fld>
             <a:endParaRPr lang="en-US"/>
           </a:p>
@@ -1862,7 +2832,7 @@
           <a:p>
             <a:fld id="{87B513E7-4515-4082-A960-D4704025B30C}" type="slidenum">
               <a:rPr lang="en-US" smtClean="0"/>
-              <a:t>‹#›</a:t>
+              <a:t>‹N›</a:t>
             </a:fld>
             <a:endParaRPr lang="en-US"/>
           </a:p>
@@ -2097,7 +3067,7 @@
           <a:p>
             <a:fld id="{3510B498-9D4D-4FAD-891F-E57FF8B5A028}" type="datetimeFigureOut">
               <a:rPr lang="en-US" smtClean="0"/>
-              <a:t>3/6/2020</a:t>
+              <a:t>3/9/2020</a:t>
             </a:fld>
             <a:endParaRPr lang="en-US"/>
           </a:p>
@@ -2139,7 +3109,7 @@
           <a:p>
             <a:fld id="{87B513E7-4515-4082-A960-D4704025B30C}" type="slidenum">
               <a:rPr lang="en-US" smtClean="0"/>
-              <a:t>‹#›</a:t>
+              <a:t>‹N›</a:t>
             </a:fld>
             <a:endParaRPr lang="en-US"/>
           </a:p>
@@ -2354,7 +3324,7 @@
           <a:p>
             <a:fld id="{3510B498-9D4D-4FAD-891F-E57FF8B5A028}" type="datetimeFigureOut">
               <a:rPr lang="en-US" smtClean="0"/>
-              <a:t>3/6/2020</a:t>
+              <a:t>3/9/2020</a:t>
             </a:fld>
             <a:endParaRPr lang="en-US"/>
           </a:p>
@@ -2396,7 +3366,7 @@
           <a:p>
             <a:fld id="{87B513E7-4515-4082-A960-D4704025B30C}" type="slidenum">
               <a:rPr lang="en-US" smtClean="0"/>
-              <a:t>‹#›</a:t>
+              <a:t>‹N›</a:t>
             </a:fld>
             <a:endParaRPr lang="en-US"/>
           </a:p>
@@ -2567,7 +3537,7 @@
           <a:p>
             <a:fld id="{3510B498-9D4D-4FAD-891F-E57FF8B5A028}" type="datetimeFigureOut">
               <a:rPr lang="en-US" smtClean="0"/>
-              <a:t>3/6/2020</a:t>
+              <a:t>3/9/2020</a:t>
             </a:fld>
             <a:endParaRPr lang="en-US"/>
           </a:p>
@@ -2645,7 +3615,7 @@
           <a:p>
             <a:fld id="{87B513E7-4515-4082-A960-D4704025B30C}" type="slidenum">
               <a:rPr lang="en-US" smtClean="0"/>
-              <a:t>‹#›</a:t>
+              <a:t>‹N›</a:t>
             </a:fld>
             <a:endParaRPr lang="en-US"/>
           </a:p>
@@ -3208,6 +4178,3911 @@
       </p:sp>
       <p:sp>
         <p:nvSpPr>
+          <p:cNvPr id="16" name="TextBox 15">
+            <a:extLst>
+              <a:ext uri="{FF2B5EF4-FFF2-40B4-BE49-F238E27FC236}">
+                <a16:creationId xmlns:a16="http://schemas.microsoft.com/office/drawing/2014/main" id="{FEF09AAC-A47D-43E5-A106-FABBAC32BA3E}"/>
+              </a:ext>
+            </a:extLst>
+          </p:cNvPr>
+          <p:cNvSpPr txBox="1"/>
+          <p:nvPr/>
+        </p:nvSpPr>
+        <p:spPr>
+          <a:xfrm>
+            <a:off x="198450" y="9141570"/>
+            <a:ext cx="21374190" cy="2246769"/>
+          </a:xfrm>
+          <a:prstGeom prst="rect">
+            <a:avLst/>
+          </a:prstGeom>
+          <a:noFill/>
+        </p:spPr>
+        <p:txBody>
+          <a:bodyPr wrap="square" rtlCol="0">
+            <a:spAutoFit/>
+          </a:bodyPr>
+          <a:lstStyle/>
+          <a:p>
+            <a:r>
+              <a:rPr lang="en-US" sz="7000" b="1" dirty="0">
+                <a:latin typeface="Lato" panose="020F0502020204030203" pitchFamily="34" charset="0"/>
+                <a:cs typeface="Lato" panose="020F0502020204030203" pitchFamily="34" charset="0"/>
+              </a:rPr>
+              <a:t>Your Eyes Never Lie: </a:t>
+            </a:r>
+          </a:p>
+          <a:p>
+            <a:r>
+              <a:rPr lang="en-US" sz="7000" b="1" dirty="0">
+                <a:latin typeface="Lato" panose="020F0502020204030203" pitchFamily="34" charset="0"/>
+              </a:rPr>
+              <a:t>A Robot Magician Can Tell if You Are Lying</a:t>
+            </a:r>
+            <a:endParaRPr lang="en-US" sz="7000" dirty="0"/>
+          </a:p>
+        </p:txBody>
+      </p:sp>
+      <p:sp>
+        <p:nvSpPr>
+          <p:cNvPr id="15" name="Graphic 7">
+            <a:extLst>
+              <a:ext uri="{FF2B5EF4-FFF2-40B4-BE49-F238E27FC236}">
+                <a16:creationId xmlns:a16="http://schemas.microsoft.com/office/drawing/2014/main" id="{2A09F7EA-421E-467D-888B-42C85FCEEDE3}"/>
+              </a:ext>
+            </a:extLst>
+          </p:cNvPr>
+          <p:cNvSpPr>
+            <a:spLocks noChangeAspect="1"/>
+          </p:cNvSpPr>
+          <p:nvPr/>
+        </p:nvSpPr>
+        <p:spPr>
+          <a:xfrm>
+            <a:off x="22331262" y="37890066"/>
+            <a:ext cx="879763" cy="1521750"/>
+          </a:xfrm>
+          <a:custGeom>
+            <a:avLst/>
+            <a:gdLst>
+              <a:gd name="connsiteX0" fmla="*/ 321256 w 2089376"/>
+              <a:gd name="connsiteY0" fmla="*/ 0 h 3614056"/>
+              <a:gd name="connsiteX1" fmla="*/ 0 w 2089376"/>
+              <a:gd name="connsiteY1" fmla="*/ 321256 h 3614056"/>
+              <a:gd name="connsiteX2" fmla="*/ 0 w 2089376"/>
+              <a:gd name="connsiteY2" fmla="*/ 3292801 h 3614056"/>
+              <a:gd name="connsiteX3" fmla="*/ 321256 w 2089376"/>
+              <a:gd name="connsiteY3" fmla="*/ 3614057 h 3614056"/>
+              <a:gd name="connsiteX4" fmla="*/ 1815047 w 2089376"/>
+              <a:gd name="connsiteY4" fmla="*/ 3614057 h 3614056"/>
+              <a:gd name="connsiteX5" fmla="*/ 2136303 w 2089376"/>
+              <a:gd name="connsiteY5" fmla="*/ 3292801 h 3614056"/>
+              <a:gd name="connsiteX6" fmla="*/ 2136303 w 2089376"/>
+              <a:gd name="connsiteY6" fmla="*/ 321256 h 3614056"/>
+              <a:gd name="connsiteX7" fmla="*/ 1815047 w 2089376"/>
+              <a:gd name="connsiteY7" fmla="*/ 0 h 3614056"/>
+              <a:gd name="connsiteX8" fmla="*/ 321256 w 2089376"/>
+              <a:gd name="connsiteY8" fmla="*/ 0 h 3614056"/>
+              <a:gd name="connsiteX9" fmla="*/ 889115 w 2089376"/>
+              <a:gd name="connsiteY9" fmla="*/ 309397 h 3614056"/>
+              <a:gd name="connsiteX10" fmla="*/ 1247302 w 2089376"/>
+              <a:gd name="connsiteY10" fmla="*/ 309397 h 3614056"/>
+              <a:gd name="connsiteX11" fmla="*/ 1289936 w 2089376"/>
+              <a:gd name="connsiteY11" fmla="*/ 369650 h 3614056"/>
+              <a:gd name="connsiteX12" fmla="*/ 1247302 w 2089376"/>
+              <a:gd name="connsiteY12" fmla="*/ 429903 h 3614056"/>
+              <a:gd name="connsiteX13" fmla="*/ 889115 w 2089376"/>
+              <a:gd name="connsiteY13" fmla="*/ 429903 h 3614056"/>
+              <a:gd name="connsiteX14" fmla="*/ 846480 w 2089376"/>
+              <a:gd name="connsiteY14" fmla="*/ 369650 h 3614056"/>
+              <a:gd name="connsiteX15" fmla="*/ 889115 w 2089376"/>
+              <a:gd name="connsiteY15" fmla="*/ 309397 h 3614056"/>
+              <a:gd name="connsiteX16" fmla="*/ 176468 w 2089376"/>
+              <a:gd name="connsiteY16" fmla="*/ 738905 h 3614056"/>
+              <a:gd name="connsiteX17" fmla="*/ 1959892 w 2089376"/>
+              <a:gd name="connsiteY17" fmla="*/ 738905 h 3614056"/>
+              <a:gd name="connsiteX18" fmla="*/ 1959892 w 2089376"/>
+              <a:gd name="connsiteY18" fmla="*/ 2875208 h 3614056"/>
+              <a:gd name="connsiteX19" fmla="*/ 176468 w 2089376"/>
+              <a:gd name="connsiteY19" fmla="*/ 2875208 h 3614056"/>
+              <a:gd name="connsiteX20" fmla="*/ 176468 w 2089376"/>
+              <a:gd name="connsiteY20" fmla="*/ 738905 h 3614056"/>
+              <a:gd name="connsiteX21" fmla="*/ 1068180 w 2089376"/>
+              <a:gd name="connsiteY21" fmla="*/ 3045747 h 3614056"/>
+              <a:gd name="connsiteX22" fmla="*/ 1068180 w 2089376"/>
+              <a:gd name="connsiteY22" fmla="*/ 3045747 h 3614056"/>
+              <a:gd name="connsiteX23" fmla="*/ 1267066 w 2089376"/>
+              <a:gd name="connsiteY23" fmla="*/ 3244633 h 3614056"/>
+              <a:gd name="connsiteX24" fmla="*/ 1267066 w 2089376"/>
+              <a:gd name="connsiteY24" fmla="*/ 3244633 h 3614056"/>
+              <a:gd name="connsiteX25" fmla="*/ 1267066 w 2089376"/>
+              <a:gd name="connsiteY25" fmla="*/ 3244633 h 3614056"/>
+              <a:gd name="connsiteX26" fmla="*/ 1267066 w 2089376"/>
+              <a:gd name="connsiteY26" fmla="*/ 3244633 h 3614056"/>
+              <a:gd name="connsiteX27" fmla="*/ 1068180 w 2089376"/>
+              <a:gd name="connsiteY27" fmla="*/ 3443519 h 3614056"/>
+              <a:gd name="connsiteX28" fmla="*/ 1068180 w 2089376"/>
+              <a:gd name="connsiteY28" fmla="*/ 3443519 h 3614056"/>
+              <a:gd name="connsiteX29" fmla="*/ 1068180 w 2089376"/>
+              <a:gd name="connsiteY29" fmla="*/ 3443519 h 3614056"/>
+              <a:gd name="connsiteX30" fmla="*/ 1068180 w 2089376"/>
+              <a:gd name="connsiteY30" fmla="*/ 3443519 h 3614056"/>
+              <a:gd name="connsiteX31" fmla="*/ 869294 w 2089376"/>
+              <a:gd name="connsiteY31" fmla="*/ 3244633 h 3614056"/>
+              <a:gd name="connsiteX32" fmla="*/ 869294 w 2089376"/>
+              <a:gd name="connsiteY32" fmla="*/ 3244633 h 3614056"/>
+              <a:gd name="connsiteX33" fmla="*/ 869294 w 2089376"/>
+              <a:gd name="connsiteY33" fmla="*/ 3244633 h 3614056"/>
+              <a:gd name="connsiteX34" fmla="*/ 869294 w 2089376"/>
+              <a:gd name="connsiteY34" fmla="*/ 3244633 h 3614056"/>
+              <a:gd name="connsiteX35" fmla="*/ 1068180 w 2089376"/>
+              <a:gd name="connsiteY35" fmla="*/ 3045747 h 3614056"/>
+              <a:gd name="connsiteX36" fmla="*/ 1068180 w 2089376"/>
+              <a:gd name="connsiteY36" fmla="*/ 3045747 h 3614056"/>
+              <a:gd name="connsiteX37" fmla="*/ 1068180 w 2089376"/>
+              <a:gd name="connsiteY37" fmla="*/ 3045747 h 3614056"/>
+            </a:gdLst>
+            <a:ahLst/>
+            <a:cxnLst>
+              <a:cxn ang="0">
+                <a:pos x="connsiteX0" y="connsiteY0"/>
+              </a:cxn>
+              <a:cxn ang="0">
+                <a:pos x="connsiteX1" y="connsiteY1"/>
+              </a:cxn>
+              <a:cxn ang="0">
+                <a:pos x="connsiteX2" y="connsiteY2"/>
+              </a:cxn>
+              <a:cxn ang="0">
+                <a:pos x="connsiteX3" y="connsiteY3"/>
+              </a:cxn>
+              <a:cxn ang="0">
+                <a:pos x="connsiteX4" y="connsiteY4"/>
+              </a:cxn>
+              <a:cxn ang="0">
+                <a:pos x="connsiteX5" y="connsiteY5"/>
+              </a:cxn>
+              <a:cxn ang="0">
+                <a:pos x="connsiteX6" y="connsiteY6"/>
+              </a:cxn>
+              <a:cxn ang="0">
+                <a:pos x="connsiteX7" y="connsiteY7"/>
+              </a:cxn>
+              <a:cxn ang="0">
+                <a:pos x="connsiteX8" y="connsiteY8"/>
+              </a:cxn>
+              <a:cxn ang="0">
+                <a:pos x="connsiteX9" y="connsiteY9"/>
+              </a:cxn>
+              <a:cxn ang="0">
+                <a:pos x="connsiteX10" y="connsiteY10"/>
+              </a:cxn>
+              <a:cxn ang="0">
+                <a:pos x="connsiteX11" y="connsiteY11"/>
+              </a:cxn>
+              <a:cxn ang="0">
+                <a:pos x="connsiteX12" y="connsiteY12"/>
+              </a:cxn>
+              <a:cxn ang="0">
+                <a:pos x="connsiteX13" y="connsiteY13"/>
+              </a:cxn>
+              <a:cxn ang="0">
+                <a:pos x="connsiteX14" y="connsiteY14"/>
+              </a:cxn>
+              <a:cxn ang="0">
+                <a:pos x="connsiteX15" y="connsiteY15"/>
+              </a:cxn>
+              <a:cxn ang="0">
+                <a:pos x="connsiteX16" y="connsiteY16"/>
+              </a:cxn>
+              <a:cxn ang="0">
+                <a:pos x="connsiteX17" y="connsiteY17"/>
+              </a:cxn>
+              <a:cxn ang="0">
+                <a:pos x="connsiteX18" y="connsiteY18"/>
+              </a:cxn>
+              <a:cxn ang="0">
+                <a:pos x="connsiteX19" y="connsiteY19"/>
+              </a:cxn>
+              <a:cxn ang="0">
+                <a:pos x="connsiteX20" y="connsiteY20"/>
+              </a:cxn>
+              <a:cxn ang="0">
+                <a:pos x="connsiteX21" y="connsiteY21"/>
+              </a:cxn>
+              <a:cxn ang="0">
+                <a:pos x="connsiteX22" y="connsiteY22"/>
+              </a:cxn>
+              <a:cxn ang="0">
+                <a:pos x="connsiteX23" y="connsiteY23"/>
+              </a:cxn>
+              <a:cxn ang="0">
+                <a:pos x="connsiteX24" y="connsiteY24"/>
+              </a:cxn>
+              <a:cxn ang="0">
+                <a:pos x="connsiteX25" y="connsiteY25"/>
+              </a:cxn>
+              <a:cxn ang="0">
+                <a:pos x="connsiteX26" y="connsiteY26"/>
+              </a:cxn>
+              <a:cxn ang="0">
+                <a:pos x="connsiteX27" y="connsiteY27"/>
+              </a:cxn>
+              <a:cxn ang="0">
+                <a:pos x="connsiteX28" y="connsiteY28"/>
+              </a:cxn>
+              <a:cxn ang="0">
+                <a:pos x="connsiteX29" y="connsiteY29"/>
+              </a:cxn>
+              <a:cxn ang="0">
+                <a:pos x="connsiteX30" y="connsiteY30"/>
+              </a:cxn>
+              <a:cxn ang="0">
+                <a:pos x="connsiteX31" y="connsiteY31"/>
+              </a:cxn>
+              <a:cxn ang="0">
+                <a:pos x="connsiteX32" y="connsiteY32"/>
+              </a:cxn>
+              <a:cxn ang="0">
+                <a:pos x="connsiteX33" y="connsiteY33"/>
+              </a:cxn>
+              <a:cxn ang="0">
+                <a:pos x="connsiteX34" y="connsiteY34"/>
+              </a:cxn>
+              <a:cxn ang="0">
+                <a:pos x="connsiteX35" y="connsiteY35"/>
+              </a:cxn>
+              <a:cxn ang="0">
+                <a:pos x="connsiteX36" y="connsiteY36"/>
+              </a:cxn>
+              <a:cxn ang="0">
+                <a:pos x="connsiteX37" y="connsiteY37"/>
+              </a:cxn>
+            </a:cxnLst>
+            <a:rect l="l" t="t" r="r" b="b"/>
+            <a:pathLst>
+              <a:path w="2089376" h="3614056">
+                <a:moveTo>
+                  <a:pt x="321256" y="0"/>
+                </a:moveTo>
+                <a:cubicBezTo>
+                  <a:pt x="144562" y="0"/>
+                  <a:pt x="0" y="144562"/>
+                  <a:pt x="0" y="321256"/>
+                </a:cubicBezTo>
+                <a:lnTo>
+                  <a:pt x="0" y="3292801"/>
+                </a:lnTo>
+                <a:cubicBezTo>
+                  <a:pt x="0" y="3469495"/>
+                  <a:pt x="144562" y="3614057"/>
+                  <a:pt x="321256" y="3614057"/>
+                </a:cubicBezTo>
+                <a:lnTo>
+                  <a:pt x="1815047" y="3614057"/>
+                </a:lnTo>
+                <a:cubicBezTo>
+                  <a:pt x="1991741" y="3614057"/>
+                  <a:pt x="2136303" y="3469495"/>
+                  <a:pt x="2136303" y="3292801"/>
+                </a:cubicBezTo>
+                <a:lnTo>
+                  <a:pt x="2136303" y="321256"/>
+                </a:lnTo>
+                <a:cubicBezTo>
+                  <a:pt x="2136303" y="144562"/>
+                  <a:pt x="1991741" y="0"/>
+                  <a:pt x="1815047" y="0"/>
+                </a:cubicBezTo>
+                <a:lnTo>
+                  <a:pt x="321256" y="0"/>
+                </a:lnTo>
+                <a:close/>
+                <a:moveTo>
+                  <a:pt x="889115" y="309397"/>
+                </a:moveTo>
+                <a:lnTo>
+                  <a:pt x="1247302" y="309397"/>
+                </a:lnTo>
+                <a:cubicBezTo>
+                  <a:pt x="1270849" y="309397"/>
+                  <a:pt x="1289936" y="336390"/>
+                  <a:pt x="1289936" y="369650"/>
+                </a:cubicBezTo>
+                <a:cubicBezTo>
+                  <a:pt x="1289936" y="402911"/>
+                  <a:pt x="1270849" y="429903"/>
+                  <a:pt x="1247302" y="429903"/>
+                </a:cubicBezTo>
+                <a:lnTo>
+                  <a:pt x="889115" y="429903"/>
+                </a:lnTo>
+                <a:cubicBezTo>
+                  <a:pt x="865567" y="429903"/>
+                  <a:pt x="846480" y="402911"/>
+                  <a:pt x="846480" y="369650"/>
+                </a:cubicBezTo>
+                <a:cubicBezTo>
+                  <a:pt x="846480" y="336390"/>
+                  <a:pt x="865567" y="309397"/>
+                  <a:pt x="889115" y="309397"/>
+                </a:cubicBezTo>
+                <a:close/>
+                <a:moveTo>
+                  <a:pt x="176468" y="738905"/>
+                </a:moveTo>
+                <a:lnTo>
+                  <a:pt x="1959892" y="738905"/>
+                </a:lnTo>
+                <a:lnTo>
+                  <a:pt x="1959892" y="2875208"/>
+                </a:lnTo>
+                <a:lnTo>
+                  <a:pt x="176468" y="2875208"/>
+                </a:lnTo>
+                <a:lnTo>
+                  <a:pt x="176468" y="738905"/>
+                </a:lnTo>
+                <a:close/>
+                <a:moveTo>
+                  <a:pt x="1068180" y="3045747"/>
+                </a:moveTo>
+                <a:cubicBezTo>
+                  <a:pt x="1068180" y="3045747"/>
+                  <a:pt x="1068180" y="3045747"/>
+                  <a:pt x="1068180" y="3045747"/>
+                </a:cubicBezTo>
+                <a:cubicBezTo>
+                  <a:pt x="1178013" y="3045747"/>
+                  <a:pt x="1267066" y="3134799"/>
+                  <a:pt x="1267066" y="3244633"/>
+                </a:cubicBezTo>
+                <a:cubicBezTo>
+                  <a:pt x="1267066" y="3244633"/>
+                  <a:pt x="1267066" y="3244633"/>
+                  <a:pt x="1267066" y="3244633"/>
+                </a:cubicBezTo>
+                <a:lnTo>
+                  <a:pt x="1267066" y="3244633"/>
+                </a:lnTo>
+                <a:cubicBezTo>
+                  <a:pt x="1267066" y="3244633"/>
+                  <a:pt x="1267066" y="3244633"/>
+                  <a:pt x="1267066" y="3244633"/>
+                </a:cubicBezTo>
+                <a:cubicBezTo>
+                  <a:pt x="1267066" y="3354466"/>
+                  <a:pt x="1178013" y="3443519"/>
+                  <a:pt x="1068180" y="3443519"/>
+                </a:cubicBezTo>
+                <a:cubicBezTo>
+                  <a:pt x="1068180" y="3443519"/>
+                  <a:pt x="1068180" y="3443519"/>
+                  <a:pt x="1068180" y="3443519"/>
+                </a:cubicBezTo>
+                <a:lnTo>
+                  <a:pt x="1068180" y="3443519"/>
+                </a:lnTo>
+                <a:cubicBezTo>
+                  <a:pt x="1068180" y="3443519"/>
+                  <a:pt x="1068180" y="3443519"/>
+                  <a:pt x="1068180" y="3443519"/>
+                </a:cubicBezTo>
+                <a:cubicBezTo>
+                  <a:pt x="958346" y="3443519"/>
+                  <a:pt x="869294" y="3354466"/>
+                  <a:pt x="869294" y="3244633"/>
+                </a:cubicBezTo>
+                <a:cubicBezTo>
+                  <a:pt x="869294" y="3244633"/>
+                  <a:pt x="869294" y="3244633"/>
+                  <a:pt x="869294" y="3244633"/>
+                </a:cubicBezTo>
+                <a:lnTo>
+                  <a:pt x="869294" y="3244633"/>
+                </a:lnTo>
+                <a:cubicBezTo>
+                  <a:pt x="869294" y="3244633"/>
+                  <a:pt x="869294" y="3244633"/>
+                  <a:pt x="869294" y="3244633"/>
+                </a:cubicBezTo>
+                <a:cubicBezTo>
+                  <a:pt x="869294" y="3134799"/>
+                  <a:pt x="958346" y="3045747"/>
+                  <a:pt x="1068180" y="3045747"/>
+                </a:cubicBezTo>
+                <a:cubicBezTo>
+                  <a:pt x="1068180" y="3045747"/>
+                  <a:pt x="1068180" y="3045747"/>
+                  <a:pt x="1068180" y="3045747"/>
+                </a:cubicBezTo>
+                <a:lnTo>
+                  <a:pt x="1068180" y="3045747"/>
+                </a:lnTo>
+                <a:close/>
+              </a:path>
+            </a:pathLst>
+          </a:custGeom>
+          <a:solidFill>
+            <a:schemeClr val="bg1"/>
+          </a:solidFill>
+          <a:ln w="56406" cap="flat">
+            <a:solidFill>
+              <a:schemeClr val="bg1"/>
+            </a:solidFill>
+            <a:prstDash val="solid"/>
+            <a:miter/>
+          </a:ln>
+        </p:spPr>
+        <p:txBody>
+          <a:bodyPr rtlCol="0" anchor="ctr"/>
+          <a:lstStyle/>
+          <a:p>
+            <a:endParaRPr lang="en-US">
+              <a:solidFill>
+                <a:schemeClr val="bg1"/>
+              </a:solidFill>
+            </a:endParaRPr>
+          </a:p>
+        </p:txBody>
+      </p:sp>
+      <p:sp>
+        <p:nvSpPr>
+          <p:cNvPr id="17" name="TextBox 16">
+            <a:extLst>
+              <a:ext uri="{FF2B5EF4-FFF2-40B4-BE49-F238E27FC236}">
+                <a16:creationId xmlns:a16="http://schemas.microsoft.com/office/drawing/2014/main" id="{8F958982-143B-4AA2-9F47-BF73A1C3AB9C}"/>
+              </a:ext>
+            </a:extLst>
+          </p:cNvPr>
+          <p:cNvSpPr txBox="1"/>
+          <p:nvPr/>
+        </p:nvSpPr>
+        <p:spPr>
+          <a:xfrm>
+            <a:off x="18448201" y="35981343"/>
+            <a:ext cx="6926379" cy="2308324"/>
+          </a:xfrm>
+          <a:prstGeom prst="rect">
+            <a:avLst/>
+          </a:prstGeom>
+          <a:noFill/>
+        </p:spPr>
+        <p:txBody>
+          <a:bodyPr wrap="square" rtlCol="0">
+            <a:spAutoFit/>
+          </a:bodyPr>
+          <a:lstStyle/>
+          <a:p>
+            <a:r>
+              <a:rPr lang="en-US" sz="4800" b="1" dirty="0">
+                <a:solidFill>
+                  <a:schemeClr val="bg1"/>
+                </a:solidFill>
+                <a:latin typeface="Lato Black" panose="020F0A02020204030203" pitchFamily="34" charset="0"/>
+                <a:cs typeface="Arial" panose="020B0604020202020204" pitchFamily="34" charset="0"/>
+              </a:rPr>
+              <a:t>Take a picture to get contacts and download full paper</a:t>
+            </a:r>
+          </a:p>
+        </p:txBody>
+      </p:sp>
+      <p:cxnSp>
+        <p:nvCxnSpPr>
+          <p:cNvPr id="18" name="Straight Arrow Connector 17">
+            <a:extLst>
+              <a:ext uri="{FF2B5EF4-FFF2-40B4-BE49-F238E27FC236}">
+                <a16:creationId xmlns:a16="http://schemas.microsoft.com/office/drawing/2014/main" id="{FC4F5858-AB43-4D56-8B34-1D6805ACE234}"/>
+              </a:ext>
+            </a:extLst>
+          </p:cNvPr>
+          <p:cNvCxnSpPr>
+            <a:cxnSpLocks/>
+          </p:cNvCxnSpPr>
+          <p:nvPr/>
+        </p:nvCxnSpPr>
+        <p:spPr>
+          <a:xfrm>
+            <a:off x="23612149" y="38017053"/>
+            <a:ext cx="1762429" cy="0"/>
+          </a:xfrm>
+          <a:prstGeom prst="straightConnector1">
+            <a:avLst/>
+          </a:prstGeom>
+          <a:ln w="66675">
+            <a:solidFill>
+              <a:schemeClr val="bg1"/>
+            </a:solidFill>
+            <a:prstDash val="sysDot"/>
+            <a:tailEnd type="triangle"/>
+          </a:ln>
+        </p:spPr>
+        <p:style>
+          <a:lnRef idx="1">
+            <a:schemeClr val="accent1"/>
+          </a:lnRef>
+          <a:fillRef idx="0">
+            <a:schemeClr val="accent1"/>
+          </a:fillRef>
+          <a:effectRef idx="0">
+            <a:schemeClr val="accent1"/>
+          </a:effectRef>
+          <a:fontRef idx="minor">
+            <a:schemeClr val="tx1"/>
+          </a:fontRef>
+        </p:style>
+      </p:cxnSp>
+      <p:grpSp>
+        <p:nvGrpSpPr>
+          <p:cNvPr id="41" name="Group 40">
+            <a:extLst>
+              <a:ext uri="{FF2B5EF4-FFF2-40B4-BE49-F238E27FC236}">
+                <a16:creationId xmlns:a16="http://schemas.microsoft.com/office/drawing/2014/main" id="{B934F52E-3D10-4CEE-B20E-F07FC8C5D21F}"/>
+              </a:ext>
+            </a:extLst>
+          </p:cNvPr>
+          <p:cNvGrpSpPr>
+            <a:grpSpLocks noChangeAspect="1"/>
+          </p:cNvGrpSpPr>
+          <p:nvPr/>
+        </p:nvGrpSpPr>
+        <p:grpSpPr>
+          <a:xfrm>
+            <a:off x="414725" y="36276651"/>
+            <a:ext cx="3822641" cy="3409281"/>
+            <a:chOff x="225570" y="35394899"/>
+            <a:chExt cx="4317544" cy="3850663"/>
+          </a:xfrm>
+        </p:grpSpPr>
+        <p:sp>
+          <p:nvSpPr>
+            <p:cNvPr id="32" name="Rectangle 31">
+              <a:extLst>
+                <a:ext uri="{FF2B5EF4-FFF2-40B4-BE49-F238E27FC236}">
+                  <a16:creationId xmlns:a16="http://schemas.microsoft.com/office/drawing/2014/main" id="{93E333A0-883E-4826-AEC4-6CC3C7B3F56A}"/>
+                </a:ext>
+              </a:extLst>
+            </p:cNvPr>
+            <p:cNvSpPr/>
+            <p:nvPr/>
+          </p:nvSpPr>
+          <p:spPr>
+            <a:xfrm>
+              <a:off x="495299" y="35394899"/>
+              <a:ext cx="3781733" cy="3714751"/>
+            </a:xfrm>
+            <a:prstGeom prst="rect">
+              <a:avLst/>
+            </a:prstGeom>
+            <a:solidFill>
+              <a:schemeClr val="bg1"/>
+            </a:solidFill>
+            <a:ln>
+              <a:solidFill>
+                <a:schemeClr val="bg1"/>
+              </a:solidFill>
+            </a:ln>
+          </p:spPr>
+          <p:style>
+            <a:lnRef idx="2">
+              <a:schemeClr val="accent1">
+                <a:shade val="50000"/>
+              </a:schemeClr>
+            </a:lnRef>
+            <a:fillRef idx="1">
+              <a:schemeClr val="accent1"/>
+            </a:fillRef>
+            <a:effectRef idx="0">
+              <a:schemeClr val="accent1"/>
+            </a:effectRef>
+            <a:fontRef idx="minor">
+              <a:schemeClr val="lt1"/>
+            </a:fontRef>
+          </p:style>
+          <p:txBody>
+            <a:bodyPr rtlCol="0" anchor="ctr"/>
+            <a:lstStyle/>
+            <a:p>
+              <a:pPr algn="ctr"/>
+              <a:endParaRPr lang="en-US" sz="1703"/>
+            </a:p>
+          </p:txBody>
+        </p:sp>
+        <p:pic>
+          <p:nvPicPr>
+            <p:cNvPr id="27" name="Picture 3" descr="C:\Users\atanevska\Documents\conferences\IIT-v4-logo-rbcs-t1.png">
+              <a:extLst>
+                <a:ext uri="{FF2B5EF4-FFF2-40B4-BE49-F238E27FC236}">
+                  <a16:creationId xmlns:a16="http://schemas.microsoft.com/office/drawing/2014/main" id="{1B74847F-9F5B-41B4-BCDB-A2DB2504A166}"/>
+                </a:ext>
+              </a:extLst>
+            </p:cNvPr>
+            <p:cNvPicPr>
+              <a:picLocks noChangeAspect="1" noChangeArrowheads="1"/>
+            </p:cNvPicPr>
+            <p:nvPr/>
+          </p:nvPicPr>
+          <p:blipFill rotWithShape="1">
+            <a:blip r:embed="rId2" cstate="print">
+              <a:extLst>
+                <a:ext uri="{BEBA8EAE-BF5A-486C-A8C5-ECC9F3942E4B}">
+                  <a14:imgProps xmlns:a14="http://schemas.microsoft.com/office/drawing/2010/main">
+                    <a14:imgLayer r:embed="rId3">
+                      <a14:imgEffect>
+                        <a14:brightnessContrast contrast="40000"/>
+                      </a14:imgEffect>
+                    </a14:imgLayer>
+                  </a14:imgProps>
+                </a:ext>
+                <a:ext uri="{28A0092B-C50C-407E-A947-70E740481C1C}">
+                  <a14:useLocalDpi xmlns:a14="http://schemas.microsoft.com/office/drawing/2010/main" val="0"/>
+                </a:ext>
+              </a:extLst>
+            </a:blip>
+            <a:srcRect l="2933" t="7828" r="15475" b="19583"/>
+            <a:stretch/>
+          </p:blipFill>
+          <p:spPr bwMode="auto">
+            <a:xfrm>
+              <a:off x="225570" y="35404410"/>
+              <a:ext cx="4317544" cy="3841152"/>
+            </a:xfrm>
+            <a:prstGeom prst="rect">
+              <a:avLst/>
+            </a:prstGeom>
+            <a:noFill/>
+            <a:ln>
+              <a:solidFill>
+                <a:srgbClr val="0091EA"/>
+              </a:solidFill>
+            </a:ln>
+            <a:extLst>
+              <a:ext uri="{909E8E84-426E-40DD-AFC4-6F175D3DCCD1}">
+                <a14:hiddenFill xmlns:a14="http://schemas.microsoft.com/office/drawing/2010/main">
+                  <a:solidFill>
+                    <a:srgbClr val="FFFFFF"/>
+                  </a:solidFill>
+                </a14:hiddenFill>
+              </a:ext>
+            </a:extLst>
+          </p:spPr>
+        </p:pic>
+      </p:grpSp>
+      <p:grpSp>
+        <p:nvGrpSpPr>
+          <p:cNvPr id="42" name="Group 41">
+            <a:extLst>
+              <a:ext uri="{FF2B5EF4-FFF2-40B4-BE49-F238E27FC236}">
+                <a16:creationId xmlns:a16="http://schemas.microsoft.com/office/drawing/2014/main" id="{147CA624-BD7A-4BAC-B3D9-CF13475655B9}"/>
+              </a:ext>
+            </a:extLst>
+          </p:cNvPr>
+          <p:cNvGrpSpPr>
+            <a:grpSpLocks noChangeAspect="1"/>
+          </p:cNvGrpSpPr>
+          <p:nvPr/>
+        </p:nvGrpSpPr>
+        <p:grpSpPr>
+          <a:xfrm>
+            <a:off x="4692441" y="36285072"/>
+            <a:ext cx="3380814" cy="3400859"/>
+            <a:chOff x="4879639" y="35389624"/>
+            <a:chExt cx="3692861" cy="3714751"/>
+          </a:xfrm>
+        </p:grpSpPr>
+        <p:sp>
+          <p:nvSpPr>
+            <p:cNvPr id="34" name="Rectangle 33">
+              <a:extLst>
+                <a:ext uri="{FF2B5EF4-FFF2-40B4-BE49-F238E27FC236}">
+                  <a16:creationId xmlns:a16="http://schemas.microsoft.com/office/drawing/2014/main" id="{EF3744DA-5BB7-45E9-B443-C8688137BA44}"/>
+                </a:ext>
+              </a:extLst>
+            </p:cNvPr>
+            <p:cNvSpPr/>
+            <p:nvPr/>
+          </p:nvSpPr>
+          <p:spPr>
+            <a:xfrm>
+              <a:off x="4879639" y="35389624"/>
+              <a:ext cx="3692861" cy="3714751"/>
+            </a:xfrm>
+            <a:prstGeom prst="rect">
+              <a:avLst/>
+            </a:prstGeom>
+            <a:solidFill>
+              <a:schemeClr val="bg1"/>
+            </a:solidFill>
+            <a:ln>
+              <a:solidFill>
+                <a:schemeClr val="bg1"/>
+              </a:solidFill>
+            </a:ln>
+          </p:spPr>
+          <p:style>
+            <a:lnRef idx="2">
+              <a:schemeClr val="accent1">
+                <a:shade val="50000"/>
+              </a:schemeClr>
+            </a:lnRef>
+            <a:fillRef idx="1">
+              <a:schemeClr val="accent1"/>
+            </a:fillRef>
+            <a:effectRef idx="0">
+              <a:schemeClr val="accent1"/>
+            </a:effectRef>
+            <a:fontRef idx="minor">
+              <a:schemeClr val="lt1"/>
+            </a:fontRef>
+          </p:style>
+          <p:txBody>
+            <a:bodyPr rtlCol="0" anchor="ctr"/>
+            <a:lstStyle/>
+            <a:p>
+              <a:pPr algn="ctr"/>
+              <a:endParaRPr lang="en-US" sz="1703"/>
+            </a:p>
+          </p:txBody>
+        </p:sp>
+        <p:pic>
+          <p:nvPicPr>
+            <p:cNvPr id="28" name="Picture 2" descr="C:\Users\atanevska\Documents\iit-unige\posters\LOGO.png">
+              <a:extLst>
+                <a:ext uri="{FF2B5EF4-FFF2-40B4-BE49-F238E27FC236}">
+                  <a16:creationId xmlns:a16="http://schemas.microsoft.com/office/drawing/2014/main" id="{1D530544-764B-43E1-ABF9-ADDD8C94C105}"/>
+                </a:ext>
+              </a:extLst>
+            </p:cNvPr>
+            <p:cNvPicPr>
+              <a:picLocks noChangeAspect="1" noChangeArrowheads="1"/>
+            </p:cNvPicPr>
+            <p:nvPr/>
+          </p:nvPicPr>
+          <p:blipFill rotWithShape="1">
+            <a:blip r:embed="rId4" cstate="print">
+              <a:extLst>
+                <a:ext uri="{28A0092B-C50C-407E-A947-70E740481C1C}">
+                  <a14:useLocalDpi xmlns:a14="http://schemas.microsoft.com/office/drawing/2010/main" val="0"/>
+                </a:ext>
+              </a:extLst>
+            </a:blip>
+            <a:srcRect l="8420" t="6012" r="8788" b="6432"/>
+            <a:stretch/>
+          </p:blipFill>
+          <p:spPr bwMode="auto">
+            <a:xfrm>
+              <a:off x="4906778" y="35444427"/>
+              <a:ext cx="3575580" cy="3569184"/>
+            </a:xfrm>
+            <a:prstGeom prst="rect">
+              <a:avLst/>
+            </a:prstGeom>
+            <a:noFill/>
+            <a:extLst>
+              <a:ext uri="{909E8E84-426E-40DD-AFC4-6F175D3DCCD1}">
+                <a14:hiddenFill xmlns:a14="http://schemas.microsoft.com/office/drawing/2010/main">
+                  <a:solidFill>
+                    <a:srgbClr val="FFFFFF"/>
+                  </a:solidFill>
+                </a14:hiddenFill>
+              </a:ext>
+            </a:extLst>
+          </p:spPr>
+        </p:pic>
+      </p:grpSp>
+      <p:pic>
+        <p:nvPicPr>
+          <p:cNvPr id="29" name="Picture 3" descr="C:\Users\atanevska\Documents\iit-unige\posters\Unige.svg.png">
+            <a:extLst>
+              <a:ext uri="{FF2B5EF4-FFF2-40B4-BE49-F238E27FC236}">
+                <a16:creationId xmlns:a16="http://schemas.microsoft.com/office/drawing/2014/main" id="{CFC728C1-D1DB-4422-8CFA-ABDA1B7E1D19}"/>
+              </a:ext>
+            </a:extLst>
+          </p:cNvPr>
+          <p:cNvPicPr>
+            <a:picLocks noChangeAspect="1" noChangeArrowheads="1"/>
+          </p:cNvPicPr>
+          <p:nvPr/>
+        </p:nvPicPr>
+        <p:blipFill rotWithShape="1">
+          <a:blip r:embed="rId5">
+            <a:extLst>
+              <a:ext uri="{28A0092B-C50C-407E-A947-70E740481C1C}">
+                <a14:useLocalDpi xmlns:a14="http://schemas.microsoft.com/office/drawing/2010/main" val="0"/>
+              </a:ext>
+            </a:extLst>
+          </a:blip>
+          <a:srcRect l="34845" r="35829" b="29447"/>
+          <a:stretch/>
+        </p:blipFill>
+        <p:spPr bwMode="auto">
+          <a:xfrm>
+            <a:off x="8874220" y="36335244"/>
+            <a:ext cx="2794122" cy="3459831"/>
+          </a:xfrm>
+          <a:prstGeom prst="rect">
+            <a:avLst/>
+          </a:prstGeom>
+          <a:noFill/>
+          <a:extLst>
+            <a:ext uri="{909E8E84-426E-40DD-AFC4-6F175D3DCCD1}">
+              <a14:hiddenFill xmlns:a14="http://schemas.microsoft.com/office/drawing/2010/main">
+                <a:solidFill>
+                  <a:srgbClr val="FFFFFF"/>
+                </a:solidFill>
+              </a14:hiddenFill>
+            </a:ext>
+          </a:extLst>
+        </p:spPr>
+      </p:pic>
+      <p:grpSp>
+        <p:nvGrpSpPr>
+          <p:cNvPr id="43" name="Group 42">
+            <a:extLst>
+              <a:ext uri="{FF2B5EF4-FFF2-40B4-BE49-F238E27FC236}">
+                <a16:creationId xmlns:a16="http://schemas.microsoft.com/office/drawing/2014/main" id="{03E4B331-8940-43CE-A9DE-F5E2CD1A880B}"/>
+              </a:ext>
+            </a:extLst>
+          </p:cNvPr>
+          <p:cNvGrpSpPr/>
+          <p:nvPr/>
+        </p:nvGrpSpPr>
+        <p:grpSpPr>
+          <a:xfrm>
+            <a:off x="12299415" y="36876148"/>
+            <a:ext cx="5676381" cy="2192664"/>
+            <a:chOff x="11996912" y="36004500"/>
+            <a:chExt cx="4668765" cy="1692377"/>
+          </a:xfrm>
+        </p:grpSpPr>
+        <p:sp>
+          <p:nvSpPr>
+            <p:cNvPr id="35" name="Rectangle 34">
+              <a:extLst>
+                <a:ext uri="{FF2B5EF4-FFF2-40B4-BE49-F238E27FC236}">
+                  <a16:creationId xmlns:a16="http://schemas.microsoft.com/office/drawing/2014/main" id="{3FEDD9AC-9514-44B0-8DD6-7EBA6CBC66B4}"/>
+                </a:ext>
+              </a:extLst>
+            </p:cNvPr>
+            <p:cNvSpPr/>
+            <p:nvPr/>
+          </p:nvSpPr>
+          <p:spPr>
+            <a:xfrm>
+              <a:off x="11996912" y="36004500"/>
+              <a:ext cx="4668765" cy="1692377"/>
+            </a:xfrm>
+            <a:prstGeom prst="rect">
+              <a:avLst/>
+            </a:prstGeom>
+            <a:solidFill>
+              <a:schemeClr val="bg1"/>
+            </a:solidFill>
+            <a:ln>
+              <a:solidFill>
+                <a:schemeClr val="bg1"/>
+              </a:solidFill>
+            </a:ln>
+          </p:spPr>
+          <p:style>
+            <a:lnRef idx="2">
+              <a:schemeClr val="accent1">
+                <a:shade val="50000"/>
+              </a:schemeClr>
+            </a:lnRef>
+            <a:fillRef idx="1">
+              <a:schemeClr val="accent1"/>
+            </a:fillRef>
+            <a:effectRef idx="0">
+              <a:schemeClr val="accent1"/>
+            </a:effectRef>
+            <a:fontRef idx="minor">
+              <a:schemeClr val="lt1"/>
+            </a:fontRef>
+          </p:style>
+          <p:txBody>
+            <a:bodyPr rtlCol="0" anchor="ctr"/>
+            <a:lstStyle/>
+            <a:p>
+              <a:pPr algn="ctr"/>
+              <a:endParaRPr lang="en-US" sz="1703"/>
+            </a:p>
+          </p:txBody>
+        </p:sp>
+        <p:pic>
+          <p:nvPicPr>
+            <p:cNvPr id="30" name="Picture 3" descr="C:\Users\atanevska\Documents\iit-unige\posters\Dibris.jpg">
+              <a:extLst>
+                <a:ext uri="{FF2B5EF4-FFF2-40B4-BE49-F238E27FC236}">
+                  <a16:creationId xmlns:a16="http://schemas.microsoft.com/office/drawing/2014/main" id="{341D0B81-5DF7-4667-81D1-DE4768D5B89D}"/>
+                </a:ext>
+              </a:extLst>
+            </p:cNvPr>
+            <p:cNvPicPr preferRelativeResize="0">
+              <a:picLocks noChangeAspect="1" noChangeArrowheads="1"/>
+            </p:cNvPicPr>
+            <p:nvPr/>
+          </p:nvPicPr>
+          <p:blipFill>
+            <a:blip r:embed="rId6" cstate="print">
+              <a:extLst>
+                <a:ext uri="{28A0092B-C50C-407E-A947-70E740481C1C}">
+                  <a14:useLocalDpi xmlns:a14="http://schemas.microsoft.com/office/drawing/2010/main" val="0"/>
+                </a:ext>
+              </a:extLst>
+            </a:blip>
+            <a:srcRect/>
+            <a:stretch>
+              <a:fillRect/>
+            </a:stretch>
+          </p:blipFill>
+          <p:spPr bwMode="auto">
+            <a:xfrm>
+              <a:off x="12125040" y="36148380"/>
+              <a:ext cx="4323470" cy="1368000"/>
+            </a:xfrm>
+            <a:prstGeom prst="rect">
+              <a:avLst/>
+            </a:prstGeom>
+            <a:noFill/>
+            <a:extLst>
+              <a:ext uri="{909E8E84-426E-40DD-AFC4-6F175D3DCCD1}">
+                <a14:hiddenFill xmlns:a14="http://schemas.microsoft.com/office/drawing/2010/main">
+                  <a:solidFill>
+                    <a:srgbClr val="FFFFFF"/>
+                  </a:solidFill>
+                </a14:hiddenFill>
+              </a:ext>
+            </a:extLst>
+          </p:spPr>
+        </p:pic>
+      </p:grpSp>
+      <p:grpSp>
+        <p:nvGrpSpPr>
+          <p:cNvPr id="48" name="Group 47">
+            <a:extLst>
+              <a:ext uri="{FF2B5EF4-FFF2-40B4-BE49-F238E27FC236}">
+                <a16:creationId xmlns:a16="http://schemas.microsoft.com/office/drawing/2014/main" id="{5F3F8F8E-FF6B-4C1A-9CC4-8725B3D42EDC}"/>
+              </a:ext>
+            </a:extLst>
+          </p:cNvPr>
+          <p:cNvGrpSpPr/>
+          <p:nvPr/>
+        </p:nvGrpSpPr>
+        <p:grpSpPr>
+          <a:xfrm>
+            <a:off x="233939" y="11491907"/>
+            <a:ext cx="20693961" cy="769441"/>
+            <a:chOff x="1842351" y="15142076"/>
+            <a:chExt cx="19733383" cy="813378"/>
+          </a:xfrm>
+        </p:grpSpPr>
+        <p:sp>
+          <p:nvSpPr>
+            <p:cNvPr id="49" name="TextBox 48">
+              <a:extLst>
+                <a:ext uri="{FF2B5EF4-FFF2-40B4-BE49-F238E27FC236}">
+                  <a16:creationId xmlns:a16="http://schemas.microsoft.com/office/drawing/2014/main" id="{71F3AE4D-392B-4CC1-8380-5CC7A0719162}"/>
+                </a:ext>
+              </a:extLst>
+            </p:cNvPr>
+            <p:cNvSpPr txBox="1"/>
+            <p:nvPr/>
+          </p:nvSpPr>
+          <p:spPr>
+            <a:xfrm>
+              <a:off x="2389135" y="15142076"/>
+              <a:ext cx="19186599" cy="813378"/>
+            </a:xfrm>
+            <a:prstGeom prst="rect">
+              <a:avLst/>
+            </a:prstGeom>
+            <a:solidFill>
+              <a:schemeClr val="bg1"/>
+            </a:solidFill>
+          </p:spPr>
+          <p:txBody>
+            <a:bodyPr wrap="square" rtlCol="0">
+              <a:spAutoFit/>
+            </a:bodyPr>
+            <a:lstStyle/>
+            <a:p>
+              <a:r>
+                <a:rPr lang="en-US" sz="4400" b="1" dirty="0">
+                  <a:highlight>
+                    <a:srgbClr val="FFBC42"/>
+                  </a:highlight>
+                  <a:latin typeface="Lato" panose="020F0502020204030203" pitchFamily="34" charset="0"/>
+                  <a:cs typeface="Lato" panose="020F0502020204030203" pitchFamily="34" charset="0"/>
+                </a:rPr>
+                <a:t>Pasquali</a:t>
+              </a:r>
+              <a:r>
+                <a:rPr lang="en-US" sz="4400" dirty="0">
+                  <a:latin typeface="Lato" panose="020F0502020204030203" pitchFamily="34" charset="0"/>
+                  <a:cs typeface="Lato" panose="020F0502020204030203" pitchFamily="34" charset="0"/>
+                </a:rPr>
+                <a:t> D., Aroyo A. M., Gonzalez-Billandon J., Rea F., Sandini G., Sciutti A,</a:t>
+              </a:r>
+              <a:endParaRPr lang="en-US" sz="4400" b="1" dirty="0">
+                <a:latin typeface="Lato" panose="020F0502020204030203" pitchFamily="34" charset="0"/>
+                <a:cs typeface="Lato" panose="020F0502020204030203" pitchFamily="34" charset="0"/>
+              </a:endParaRPr>
+            </a:p>
+          </p:txBody>
+        </p:sp>
+        <p:sp>
+          <p:nvSpPr>
+            <p:cNvPr id="50" name="Graphic 18">
+              <a:extLst>
+                <a:ext uri="{FF2B5EF4-FFF2-40B4-BE49-F238E27FC236}">
+                  <a16:creationId xmlns:a16="http://schemas.microsoft.com/office/drawing/2014/main" id="{4D6A7D47-E7B6-4794-981D-156DEC979EC7}"/>
+                </a:ext>
+              </a:extLst>
+            </p:cNvPr>
+            <p:cNvSpPr/>
+            <p:nvPr/>
+          </p:nvSpPr>
+          <p:spPr>
+            <a:xfrm>
+              <a:off x="1842351" y="15359198"/>
+              <a:ext cx="360430" cy="335196"/>
+            </a:xfrm>
+            <a:custGeom>
+              <a:avLst/>
+              <a:gdLst>
+                <a:gd name="connsiteX0" fmla="*/ 310594 w 327663"/>
+                <a:gd name="connsiteY0" fmla="*/ 219906 h 335196"/>
+                <a:gd name="connsiteX1" fmla="*/ 246568 w 327663"/>
+                <a:gd name="connsiteY1" fmla="*/ 176217 h 335196"/>
+                <a:gd name="connsiteX2" fmla="*/ 212295 w 327663"/>
+                <a:gd name="connsiteY2" fmla="*/ 176217 h 335196"/>
+                <a:gd name="connsiteX3" fmla="*/ 165217 w 327663"/>
+                <a:gd name="connsiteY3" fmla="*/ 189022 h 335196"/>
+                <a:gd name="connsiteX4" fmla="*/ 118138 w 327663"/>
+                <a:gd name="connsiteY4" fmla="*/ 176217 h 335196"/>
+                <a:gd name="connsiteX5" fmla="*/ 83866 w 327663"/>
+                <a:gd name="connsiteY5" fmla="*/ 176217 h 335196"/>
+                <a:gd name="connsiteX6" fmla="*/ 19839 w 327663"/>
+                <a:gd name="connsiteY6" fmla="*/ 219906 h 335196"/>
+                <a:gd name="connsiteX7" fmla="*/ 1385 w 327663"/>
+                <a:gd name="connsiteY7" fmla="*/ 299750 h 335196"/>
+                <a:gd name="connsiteX8" fmla="*/ 165970 w 327663"/>
+                <a:gd name="connsiteY8" fmla="*/ 335529 h 335196"/>
+                <a:gd name="connsiteX9" fmla="*/ 329802 w 327663"/>
+                <a:gd name="connsiteY9" fmla="*/ 299750 h 335196"/>
+                <a:gd name="connsiteX10" fmla="*/ 310594 w 327663"/>
+                <a:gd name="connsiteY10" fmla="*/ 219906 h 335196"/>
+                <a:gd name="connsiteX11" fmla="*/ 165593 w 327663"/>
+                <a:gd name="connsiteY11" fmla="*/ 154749 h 335196"/>
+                <a:gd name="connsiteX12" fmla="*/ 242425 w 327663"/>
+                <a:gd name="connsiteY12" fmla="*/ 77918 h 335196"/>
+                <a:gd name="connsiteX13" fmla="*/ 165593 w 327663"/>
+                <a:gd name="connsiteY13" fmla="*/ 1086 h 335196"/>
+                <a:gd name="connsiteX14" fmla="*/ 88762 w 327663"/>
+                <a:gd name="connsiteY14" fmla="*/ 77918 h 335196"/>
+                <a:gd name="connsiteX15" fmla="*/ 165593 w 327663"/>
+                <a:gd name="connsiteY15" fmla="*/ 154749 h 335196"/>
+              </a:gdLst>
+              <a:ahLst/>
+              <a:cxnLst>
+                <a:cxn ang="0">
+                  <a:pos x="connsiteX0" y="connsiteY0"/>
+                </a:cxn>
+                <a:cxn ang="0">
+                  <a:pos x="connsiteX1" y="connsiteY1"/>
+                </a:cxn>
+                <a:cxn ang="0">
+                  <a:pos x="connsiteX2" y="connsiteY2"/>
+                </a:cxn>
+                <a:cxn ang="0">
+                  <a:pos x="connsiteX3" y="connsiteY3"/>
+                </a:cxn>
+                <a:cxn ang="0">
+                  <a:pos x="connsiteX4" y="connsiteY4"/>
+                </a:cxn>
+                <a:cxn ang="0">
+                  <a:pos x="connsiteX5" y="connsiteY5"/>
+                </a:cxn>
+                <a:cxn ang="0">
+                  <a:pos x="connsiteX6" y="connsiteY6"/>
+                </a:cxn>
+                <a:cxn ang="0">
+                  <a:pos x="connsiteX7" y="connsiteY7"/>
+                </a:cxn>
+                <a:cxn ang="0">
+                  <a:pos x="connsiteX8" y="connsiteY8"/>
+                </a:cxn>
+                <a:cxn ang="0">
+                  <a:pos x="connsiteX9" y="connsiteY9"/>
+                </a:cxn>
+                <a:cxn ang="0">
+                  <a:pos x="connsiteX10" y="connsiteY10"/>
+                </a:cxn>
+                <a:cxn ang="0">
+                  <a:pos x="connsiteX11" y="connsiteY11"/>
+                </a:cxn>
+                <a:cxn ang="0">
+                  <a:pos x="connsiteX12" y="connsiteY12"/>
+                </a:cxn>
+                <a:cxn ang="0">
+                  <a:pos x="connsiteX13" y="connsiteY13"/>
+                </a:cxn>
+                <a:cxn ang="0">
+                  <a:pos x="connsiteX14" y="connsiteY14"/>
+                </a:cxn>
+                <a:cxn ang="0">
+                  <a:pos x="connsiteX15" y="connsiteY15"/>
+                </a:cxn>
+              </a:cxnLst>
+              <a:rect l="l" t="t" r="r" b="b"/>
+              <a:pathLst>
+                <a:path w="327663" h="335196">
+                  <a:moveTo>
+                    <a:pt x="310594" y="219906"/>
+                  </a:moveTo>
+                  <a:cubicBezTo>
+                    <a:pt x="287243" y="179983"/>
+                    <a:pt x="246568" y="176217"/>
+                    <a:pt x="246568" y="176217"/>
+                  </a:cubicBezTo>
+                  <a:lnTo>
+                    <a:pt x="212295" y="176217"/>
+                  </a:lnTo>
+                  <a:cubicBezTo>
+                    <a:pt x="198360" y="184126"/>
+                    <a:pt x="182541" y="189022"/>
+                    <a:pt x="165217" y="189022"/>
+                  </a:cubicBezTo>
+                  <a:cubicBezTo>
+                    <a:pt x="147892" y="189022"/>
+                    <a:pt x="132074" y="184503"/>
+                    <a:pt x="118138" y="176217"/>
+                  </a:cubicBezTo>
+                  <a:lnTo>
+                    <a:pt x="83866" y="176217"/>
+                  </a:lnTo>
+                  <a:cubicBezTo>
+                    <a:pt x="83866" y="176217"/>
+                    <a:pt x="43190" y="179983"/>
+                    <a:pt x="19839" y="219906"/>
+                  </a:cubicBezTo>
+                  <a:cubicBezTo>
+                    <a:pt x="-2758" y="259828"/>
+                    <a:pt x="1385" y="299750"/>
+                    <a:pt x="1385" y="299750"/>
+                  </a:cubicBezTo>
+                  <a:cubicBezTo>
+                    <a:pt x="1385" y="299750"/>
+                    <a:pt x="37164" y="335529"/>
+                    <a:pt x="165970" y="335529"/>
+                  </a:cubicBezTo>
+                  <a:cubicBezTo>
+                    <a:pt x="294776" y="335529"/>
+                    <a:pt x="329802" y="299750"/>
+                    <a:pt x="329802" y="299750"/>
+                  </a:cubicBezTo>
+                  <a:cubicBezTo>
+                    <a:pt x="329802" y="299750"/>
+                    <a:pt x="333945" y="259828"/>
+                    <a:pt x="310594" y="219906"/>
+                  </a:cubicBezTo>
+                  <a:close/>
+                  <a:moveTo>
+                    <a:pt x="165593" y="154749"/>
+                  </a:moveTo>
+                  <a:cubicBezTo>
+                    <a:pt x="208152" y="154749"/>
+                    <a:pt x="242425" y="120477"/>
+                    <a:pt x="242425" y="77918"/>
+                  </a:cubicBezTo>
+                  <a:cubicBezTo>
+                    <a:pt x="242425" y="35359"/>
+                    <a:pt x="208152" y="1086"/>
+                    <a:pt x="165593" y="1086"/>
+                  </a:cubicBezTo>
+                  <a:cubicBezTo>
+                    <a:pt x="123035" y="1086"/>
+                    <a:pt x="88762" y="35736"/>
+                    <a:pt x="88762" y="77918"/>
+                  </a:cubicBezTo>
+                  <a:cubicBezTo>
+                    <a:pt x="88762" y="120477"/>
+                    <a:pt x="123035" y="154749"/>
+                    <a:pt x="165593" y="154749"/>
+                  </a:cubicBezTo>
+                  <a:close/>
+                </a:path>
+              </a:pathLst>
+            </a:custGeom>
+            <a:solidFill>
+              <a:schemeClr val="tx1">
+                <a:lumMod val="50000"/>
+                <a:lumOff val="50000"/>
+              </a:schemeClr>
+            </a:solidFill>
+            <a:ln w="3663" cap="flat">
+              <a:noFill/>
+              <a:prstDash val="solid"/>
+              <a:miter/>
+            </a:ln>
+          </p:spPr>
+          <p:txBody>
+            <a:bodyPr rtlCol="0" anchor="ctr"/>
+            <a:lstStyle/>
+            <a:p>
+              <a:endParaRPr lang="en-US" sz="1703" dirty="0"/>
+            </a:p>
+          </p:txBody>
+        </p:sp>
+      </p:grpSp>
+      <p:pic>
+        <p:nvPicPr>
+          <p:cNvPr id="75" name="Picture 74" descr="A picture containing sign, toy, clock&#10;&#10;Description automatically generated">
+            <a:extLst>
+              <a:ext uri="{FF2B5EF4-FFF2-40B4-BE49-F238E27FC236}">
+                <a16:creationId xmlns:a16="http://schemas.microsoft.com/office/drawing/2014/main" id="{D0986877-E664-4FE2-853E-CCED0C839E97}"/>
+              </a:ext>
+            </a:extLst>
+          </p:cNvPr>
+          <p:cNvPicPr>
+            <a:picLocks noChangeAspect="1"/>
+          </p:cNvPicPr>
+          <p:nvPr/>
+        </p:nvPicPr>
+        <p:blipFill>
+          <a:blip r:embed="rId7">
+            <a:extLst>
+              <a:ext uri="{28A0092B-C50C-407E-A947-70E740481C1C}">
+                <a14:useLocalDpi xmlns:a14="http://schemas.microsoft.com/office/drawing/2010/main" val="0"/>
+              </a:ext>
+            </a:extLst>
+          </a:blip>
+          <a:stretch>
+            <a:fillRect/>
+          </a:stretch>
+        </p:blipFill>
+        <p:spPr>
+          <a:xfrm>
+            <a:off x="23166829" y="23076499"/>
+            <a:ext cx="5713286" cy="3447673"/>
+          </a:xfrm>
+          <a:prstGeom prst="rect">
+            <a:avLst/>
+          </a:prstGeom>
+        </p:spPr>
+      </p:pic>
+      <p:pic>
+        <p:nvPicPr>
+          <p:cNvPr id="39" name="Picture 38" descr="A person sitting at a desk&#10;&#10;Description automatically generated">
+            <a:extLst>
+              <a:ext uri="{FF2B5EF4-FFF2-40B4-BE49-F238E27FC236}">
+                <a16:creationId xmlns:a16="http://schemas.microsoft.com/office/drawing/2014/main" id="{86103FCE-BC9B-4FAF-9C48-FE580A7E8C77}"/>
+              </a:ext>
+            </a:extLst>
+          </p:cNvPr>
+          <p:cNvPicPr>
+            <a:picLocks noChangeAspect="1"/>
+          </p:cNvPicPr>
+          <p:nvPr/>
+        </p:nvPicPr>
+        <p:blipFill>
+          <a:blip r:embed="rId8">
+            <a:extLst>
+              <a:ext uri="{28A0092B-C50C-407E-A947-70E740481C1C}">
+                <a14:useLocalDpi xmlns:a14="http://schemas.microsoft.com/office/drawing/2010/main" val="0"/>
+              </a:ext>
+            </a:extLst>
+          </a:blip>
+          <a:stretch>
+            <a:fillRect/>
+          </a:stretch>
+        </p:blipFill>
+        <p:spPr>
+          <a:xfrm>
+            <a:off x="22315361" y="15127336"/>
+            <a:ext cx="7443379" cy="5298676"/>
+          </a:xfrm>
+          <a:prstGeom prst="rect">
+            <a:avLst/>
+          </a:prstGeom>
+        </p:spPr>
+      </p:pic>
+      <p:sp>
+        <p:nvSpPr>
+          <p:cNvPr id="76" name="TextBox 75">
+            <a:extLst>
+              <a:ext uri="{FF2B5EF4-FFF2-40B4-BE49-F238E27FC236}">
+                <a16:creationId xmlns:a16="http://schemas.microsoft.com/office/drawing/2014/main" id="{5FEF2DD8-A132-4367-BB66-3A34AA186F04}"/>
+              </a:ext>
+            </a:extLst>
+          </p:cNvPr>
+          <p:cNvSpPr txBox="1"/>
+          <p:nvPr/>
+        </p:nvSpPr>
+        <p:spPr>
+          <a:xfrm>
+            <a:off x="22011806" y="9405688"/>
+            <a:ext cx="7976123" cy="2099486"/>
+          </a:xfrm>
+          <a:prstGeom prst="rect">
+            <a:avLst/>
+          </a:prstGeom>
+          <a:noFill/>
+        </p:spPr>
+        <p:txBody>
+          <a:bodyPr wrap="square" rtlCol="0">
+            <a:spAutoFit/>
+          </a:bodyPr>
+          <a:lstStyle/>
+          <a:p>
+            <a:pPr algn="just">
+              <a:lnSpc>
+                <a:spcPct val="120000"/>
+              </a:lnSpc>
+            </a:pPr>
+            <a:r>
+              <a:rPr lang="en-US" sz="4000" b="1" dirty="0">
+                <a:solidFill>
+                  <a:srgbClr val="2274A5"/>
+                </a:solidFill>
+                <a:latin typeface="Roboto" pitchFamily="2" charset="0"/>
+                <a:cs typeface="Arial" panose="020B0604020202020204" pitchFamily="34" charset="0"/>
+              </a:rPr>
+              <a:t>PARTICIPANTS</a:t>
+            </a:r>
+          </a:p>
+          <a:p>
+            <a:pPr>
+              <a:lnSpc>
+                <a:spcPct val="120000"/>
+              </a:lnSpc>
+            </a:pPr>
+            <a:r>
+              <a:rPr lang="en-US" sz="3500" dirty="0">
+                <a:latin typeface="Roboto" pitchFamily="2" charset="0"/>
+                <a:ea typeface="Roboto" pitchFamily="2" charset="0"/>
+                <a:cs typeface="Times New Roman" panose="02020603050405020304" pitchFamily="18" charset="0"/>
+              </a:rPr>
+              <a:t>N = 28 participants – all Italians, 9 males, 17 females, age M=24 SD=5.</a:t>
+            </a:r>
+          </a:p>
+        </p:txBody>
+      </p:sp>
+      <p:pic>
+        <p:nvPicPr>
+          <p:cNvPr id="56" name="Picture 6">
+            <a:extLst>
+              <a:ext uri="{FF2B5EF4-FFF2-40B4-BE49-F238E27FC236}">
+                <a16:creationId xmlns:a16="http://schemas.microsoft.com/office/drawing/2014/main" id="{D2EE65F8-E0A1-4D49-A571-9CF688D4D12A}"/>
+              </a:ext>
+            </a:extLst>
+          </p:cNvPr>
+          <p:cNvPicPr preferRelativeResize="0">
+            <a:picLocks noChangeAspect="1"/>
+          </p:cNvPicPr>
+          <p:nvPr/>
+        </p:nvPicPr>
+        <p:blipFill>
+          <a:blip r:embed="rId9">
+            <a:extLst>
+              <a:ext uri="{28A0092B-C50C-407E-A947-70E740481C1C}">
+                <a14:useLocalDpi xmlns:a14="http://schemas.microsoft.com/office/drawing/2010/main" val="0"/>
+              </a:ext>
+              <a:ext uri="{96DAC541-7B7A-43D3-8B79-37D633B846F1}">
+                <asvg:svgBlip xmlns:asvg="http://schemas.microsoft.com/office/drawing/2016/SVG/main" r:embed="rId10"/>
+              </a:ext>
+            </a:extLst>
+          </a:blip>
+          <a:srcRect/>
+          <a:stretch/>
+        </p:blipFill>
+        <p:spPr>
+          <a:xfrm>
+            <a:off x="25669685" y="35747692"/>
+            <a:ext cx="4204404" cy="4204404"/>
+          </a:xfrm>
+          <a:prstGeom prst="rect">
+            <a:avLst/>
+          </a:prstGeom>
+        </p:spPr>
+      </p:pic>
+      <p:cxnSp>
+        <p:nvCxnSpPr>
+          <p:cNvPr id="57" name="Straight Connector 13">
+            <a:extLst>
+              <a:ext uri="{FF2B5EF4-FFF2-40B4-BE49-F238E27FC236}">
+                <a16:creationId xmlns:a16="http://schemas.microsoft.com/office/drawing/2014/main" id="{59E8B222-C1E8-44B9-90A2-933E566E6937}"/>
+              </a:ext>
+            </a:extLst>
+          </p:cNvPr>
+          <p:cNvCxnSpPr>
+            <a:cxnSpLocks/>
+          </p:cNvCxnSpPr>
+          <p:nvPr/>
+        </p:nvCxnSpPr>
+        <p:spPr>
+          <a:xfrm>
+            <a:off x="21779884" y="8629650"/>
+            <a:ext cx="0" cy="26990419"/>
+          </a:xfrm>
+          <a:prstGeom prst="line">
+            <a:avLst/>
+          </a:prstGeom>
+          <a:ln w="76200">
+            <a:solidFill>
+              <a:srgbClr val="0091EA"/>
+            </a:solidFill>
+          </a:ln>
+        </p:spPr>
+        <p:style>
+          <a:lnRef idx="1">
+            <a:schemeClr val="accent1"/>
+          </a:lnRef>
+          <a:fillRef idx="0">
+            <a:schemeClr val="accent1"/>
+          </a:fillRef>
+          <a:effectRef idx="0">
+            <a:schemeClr val="accent1"/>
+          </a:effectRef>
+          <a:fontRef idx="minor">
+            <a:schemeClr val="tx1"/>
+          </a:fontRef>
+        </p:style>
+      </p:cxnSp>
+      <p:grpSp>
+        <p:nvGrpSpPr>
+          <p:cNvPr id="65" name="Gruppo 64">
+            <a:extLst>
+              <a:ext uri="{FF2B5EF4-FFF2-40B4-BE49-F238E27FC236}">
+                <a16:creationId xmlns:a16="http://schemas.microsoft.com/office/drawing/2014/main" id="{CF9C9909-AD56-4D9F-B0D6-5F89E31FE64A}"/>
+              </a:ext>
+            </a:extLst>
+          </p:cNvPr>
+          <p:cNvGrpSpPr>
+            <a:grpSpLocks noChangeAspect="1"/>
+          </p:cNvGrpSpPr>
+          <p:nvPr/>
+        </p:nvGrpSpPr>
+        <p:grpSpPr>
+          <a:xfrm>
+            <a:off x="369104" y="14925846"/>
+            <a:ext cx="9429276" cy="5451997"/>
+            <a:chOff x="4897208" y="19802731"/>
+            <a:chExt cx="11045796" cy="6386667"/>
+          </a:xfrm>
+        </p:grpSpPr>
+        <p:pic>
+          <p:nvPicPr>
+            <p:cNvPr id="22" name="Immagine 21" descr="Immagine che contiene giocattolo, bambola&#10;&#10;Descrizione generata automaticamente">
+              <a:extLst>
+                <a:ext uri="{FF2B5EF4-FFF2-40B4-BE49-F238E27FC236}">
+                  <a16:creationId xmlns:a16="http://schemas.microsoft.com/office/drawing/2014/main" id="{82243B11-7246-4F88-87A4-682356FBDDF7}"/>
+                </a:ext>
+              </a:extLst>
+            </p:cNvPr>
+            <p:cNvPicPr>
+              <a:picLocks noChangeAspect="1"/>
+            </p:cNvPicPr>
+            <p:nvPr/>
+          </p:nvPicPr>
+          <p:blipFill>
+            <a:blip r:embed="rId11">
+              <a:extLst>
+                <a:ext uri="{28A0092B-C50C-407E-A947-70E740481C1C}">
+                  <a14:useLocalDpi xmlns:a14="http://schemas.microsoft.com/office/drawing/2010/main" val="0"/>
+                </a:ext>
+              </a:extLst>
+            </a:blip>
+            <a:stretch>
+              <a:fillRect/>
+            </a:stretch>
+          </p:blipFill>
+          <p:spPr>
+            <a:xfrm>
+              <a:off x="13179096" y="21303191"/>
+              <a:ext cx="2287966" cy="4886207"/>
+            </a:xfrm>
+            <a:prstGeom prst="rect">
+              <a:avLst/>
+            </a:prstGeom>
+          </p:spPr>
+        </p:pic>
+        <p:pic>
+          <p:nvPicPr>
+            <p:cNvPr id="24" name="Immagine 23">
+              <a:extLst>
+                <a:ext uri="{FF2B5EF4-FFF2-40B4-BE49-F238E27FC236}">
+                  <a16:creationId xmlns:a16="http://schemas.microsoft.com/office/drawing/2014/main" id="{8E0F9138-2A7D-429E-9031-2361375809D9}"/>
+                </a:ext>
+              </a:extLst>
+            </p:cNvPr>
+            <p:cNvPicPr>
+              <a:picLocks noChangeAspect="1"/>
+            </p:cNvPicPr>
+            <p:nvPr/>
+          </p:nvPicPr>
+          <p:blipFill>
+            <a:blip r:embed="rId12">
+              <a:extLst>
+                <a:ext uri="{28A0092B-C50C-407E-A947-70E740481C1C}">
+                  <a14:useLocalDpi xmlns:a14="http://schemas.microsoft.com/office/drawing/2010/main" val="0"/>
+                </a:ext>
+              </a:extLst>
+            </a:blip>
+            <a:stretch>
+              <a:fillRect/>
+            </a:stretch>
+          </p:blipFill>
+          <p:spPr>
+            <a:xfrm>
+              <a:off x="11645289" y="22957177"/>
+              <a:ext cx="1330529" cy="1100245"/>
+            </a:xfrm>
+            <a:prstGeom prst="rect">
+              <a:avLst/>
+            </a:prstGeom>
+          </p:spPr>
+        </p:pic>
+        <p:pic>
+          <p:nvPicPr>
+            <p:cNvPr id="26" name="Immagine 25">
+              <a:extLst>
+                <a:ext uri="{FF2B5EF4-FFF2-40B4-BE49-F238E27FC236}">
+                  <a16:creationId xmlns:a16="http://schemas.microsoft.com/office/drawing/2014/main" id="{7CD28EDB-64CA-4BC0-9389-945F2C8BAB98}"/>
+                </a:ext>
+              </a:extLst>
+            </p:cNvPr>
+            <p:cNvPicPr>
+              <a:picLocks noChangeAspect="1"/>
+            </p:cNvPicPr>
+            <p:nvPr/>
+          </p:nvPicPr>
+          <p:blipFill>
+            <a:blip r:embed="rId13">
+              <a:extLst>
+                <a:ext uri="{28A0092B-C50C-407E-A947-70E740481C1C}">
+                  <a14:useLocalDpi xmlns:a14="http://schemas.microsoft.com/office/drawing/2010/main" val="0"/>
+                </a:ext>
+              </a:extLst>
+            </a:blip>
+            <a:stretch>
+              <a:fillRect/>
+            </a:stretch>
+          </p:blipFill>
+          <p:spPr>
+            <a:xfrm>
+              <a:off x="6354008" y="21420689"/>
+              <a:ext cx="3480011" cy="4565519"/>
+            </a:xfrm>
+            <a:prstGeom prst="rect">
+              <a:avLst/>
+            </a:prstGeom>
+          </p:spPr>
+        </p:pic>
+        <p:cxnSp>
+          <p:nvCxnSpPr>
+            <p:cNvPr id="33" name="Connettore 2 32">
+              <a:extLst>
+                <a:ext uri="{FF2B5EF4-FFF2-40B4-BE49-F238E27FC236}">
+                  <a16:creationId xmlns:a16="http://schemas.microsoft.com/office/drawing/2014/main" id="{7A80C74C-CC78-42B0-B917-C54E7A711D1E}"/>
+                </a:ext>
+              </a:extLst>
+            </p:cNvPr>
+            <p:cNvCxnSpPr>
+              <a:cxnSpLocks/>
+            </p:cNvCxnSpPr>
+            <p:nvPr/>
+          </p:nvCxnSpPr>
+          <p:spPr>
+            <a:xfrm flipH="1">
+              <a:off x="9507420" y="24126584"/>
+              <a:ext cx="3468398" cy="0"/>
+            </a:xfrm>
+            <a:prstGeom prst="straightConnector1">
+              <a:avLst/>
+            </a:prstGeom>
+            <a:ln w="127000">
+              <a:solidFill>
+                <a:srgbClr val="FFA630"/>
+              </a:solidFill>
+              <a:tailEnd type="triangle"/>
+            </a:ln>
+          </p:spPr>
+          <p:style>
+            <a:lnRef idx="1">
+              <a:schemeClr val="accent1"/>
+            </a:lnRef>
+            <a:fillRef idx="0">
+              <a:schemeClr val="accent1"/>
+            </a:fillRef>
+            <a:effectRef idx="0">
+              <a:schemeClr val="accent1"/>
+            </a:effectRef>
+            <a:fontRef idx="minor">
+              <a:schemeClr val="tx1"/>
+            </a:fontRef>
+          </p:style>
+        </p:cxnSp>
+        <p:cxnSp>
+          <p:nvCxnSpPr>
+            <p:cNvPr id="66" name="Connettore 2 65">
+              <a:extLst>
+                <a:ext uri="{FF2B5EF4-FFF2-40B4-BE49-F238E27FC236}">
+                  <a16:creationId xmlns:a16="http://schemas.microsoft.com/office/drawing/2014/main" id="{CB0C3723-440B-4C5C-A28F-D16D46D9D633}"/>
+                </a:ext>
+              </a:extLst>
+            </p:cNvPr>
+            <p:cNvCxnSpPr>
+              <a:cxnSpLocks/>
+            </p:cNvCxnSpPr>
+            <p:nvPr/>
+          </p:nvCxnSpPr>
+          <p:spPr>
+            <a:xfrm>
+              <a:off x="9438411" y="22431184"/>
+              <a:ext cx="3740685" cy="0"/>
+            </a:xfrm>
+            <a:prstGeom prst="straightConnector1">
+              <a:avLst/>
+            </a:prstGeom>
+            <a:ln w="127000">
+              <a:solidFill>
+                <a:srgbClr val="FFA630"/>
+              </a:solidFill>
+              <a:tailEnd type="triangle"/>
+            </a:ln>
+          </p:spPr>
+          <p:style>
+            <a:lnRef idx="1">
+              <a:schemeClr val="accent1"/>
+            </a:lnRef>
+            <a:fillRef idx="0">
+              <a:schemeClr val="accent1"/>
+            </a:fillRef>
+            <a:effectRef idx="0">
+              <a:schemeClr val="accent1"/>
+            </a:effectRef>
+            <a:fontRef idx="minor">
+              <a:schemeClr val="tx1"/>
+            </a:fontRef>
+          </p:style>
+        </p:cxnSp>
+        <p:sp>
+          <p:nvSpPr>
+            <p:cNvPr id="52" name="Rettangolo con angoli arrotondati 51">
+              <a:extLst>
+                <a:ext uri="{FF2B5EF4-FFF2-40B4-BE49-F238E27FC236}">
+                  <a16:creationId xmlns:a16="http://schemas.microsoft.com/office/drawing/2014/main" id="{100DFCE0-29FB-42E1-8354-D115161E9288}"/>
+                </a:ext>
+              </a:extLst>
+            </p:cNvPr>
+            <p:cNvSpPr/>
+            <p:nvPr/>
+          </p:nvSpPr>
+          <p:spPr>
+            <a:xfrm>
+              <a:off x="4897208" y="19905711"/>
+              <a:ext cx="8439882" cy="1094488"/>
+            </a:xfrm>
+            <a:prstGeom prst="roundRect">
+              <a:avLst/>
+            </a:prstGeom>
+            <a:noFill/>
+            <a:ln w="57150">
+              <a:solidFill>
+                <a:srgbClr val="2274A5"/>
+              </a:solidFill>
+            </a:ln>
+          </p:spPr>
+          <p:style>
+            <a:lnRef idx="2">
+              <a:schemeClr val="accent1">
+                <a:shade val="50000"/>
+              </a:schemeClr>
+            </a:lnRef>
+            <a:fillRef idx="1">
+              <a:schemeClr val="accent1"/>
+            </a:fillRef>
+            <a:effectRef idx="0">
+              <a:schemeClr val="accent1"/>
+            </a:effectRef>
+            <a:fontRef idx="minor">
+              <a:schemeClr val="lt1"/>
+            </a:fontRef>
+          </p:style>
+          <p:txBody>
+            <a:bodyPr rtlCol="0" anchor="ctr"/>
+            <a:lstStyle/>
+            <a:p>
+              <a:pPr algn="ctr"/>
+              <a:endParaRPr lang="it-IT"/>
+            </a:p>
+          </p:txBody>
+        </p:sp>
+        <p:sp>
+          <p:nvSpPr>
+            <p:cNvPr id="72" name="TextBox 69">
+              <a:extLst>
+                <a:ext uri="{FF2B5EF4-FFF2-40B4-BE49-F238E27FC236}">
+                  <a16:creationId xmlns:a16="http://schemas.microsoft.com/office/drawing/2014/main" id="{09CDB622-D52A-4A1D-B12A-5815B5BEDBA4}"/>
+                </a:ext>
+              </a:extLst>
+            </p:cNvPr>
+            <p:cNvSpPr txBox="1"/>
+            <p:nvPr/>
+          </p:nvSpPr>
+          <p:spPr>
+            <a:xfrm>
+              <a:off x="5127675" y="20106951"/>
+              <a:ext cx="2510346" cy="658212"/>
+            </a:xfrm>
+            <a:prstGeom prst="rect">
+              <a:avLst/>
+            </a:prstGeom>
+            <a:noFill/>
+          </p:spPr>
+          <p:txBody>
+            <a:bodyPr wrap="square" rtlCol="0">
+              <a:spAutoFit/>
+            </a:bodyPr>
+            <a:lstStyle/>
+            <a:p>
+              <a:pPr algn="just">
+                <a:lnSpc>
+                  <a:spcPct val="120000"/>
+                </a:lnSpc>
+              </a:pPr>
+              <a:r>
+                <a:rPr lang="en-US" sz="2800" dirty="0">
+                  <a:latin typeface="Roboto" pitchFamily="2" charset="0"/>
+                  <a:ea typeface="Roboto" pitchFamily="2" charset="0"/>
+                  <a:cs typeface="Times New Roman" panose="02020603050405020304" pitchFamily="18" charset="0"/>
+                </a:rPr>
+                <a:t>Large Pupil</a:t>
+              </a:r>
+            </a:p>
+          </p:txBody>
+        </p:sp>
+        <p:sp>
+          <p:nvSpPr>
+            <p:cNvPr id="73" name="TextBox 69">
+              <a:extLst>
+                <a:ext uri="{FF2B5EF4-FFF2-40B4-BE49-F238E27FC236}">
+                  <a16:creationId xmlns:a16="http://schemas.microsoft.com/office/drawing/2014/main" id="{9DD4C81A-CAEF-4881-BCB8-751F087B1EDC}"/>
+                </a:ext>
+              </a:extLst>
+            </p:cNvPr>
+            <p:cNvSpPr txBox="1"/>
+            <p:nvPr/>
+          </p:nvSpPr>
+          <p:spPr>
+            <a:xfrm>
+              <a:off x="8718972" y="20106951"/>
+              <a:ext cx="4547275" cy="658212"/>
+            </a:xfrm>
+            <a:prstGeom prst="rect">
+              <a:avLst/>
+            </a:prstGeom>
+            <a:noFill/>
+          </p:spPr>
+          <p:txBody>
+            <a:bodyPr wrap="square" rtlCol="0">
+              <a:spAutoFit/>
+            </a:bodyPr>
+            <a:lstStyle/>
+            <a:p>
+              <a:pPr algn="just">
+                <a:lnSpc>
+                  <a:spcPct val="120000"/>
+                </a:lnSpc>
+              </a:pPr>
+              <a:r>
+                <a:rPr lang="en-US" sz="2800" dirty="0">
+                  <a:latin typeface="Roboto" pitchFamily="2" charset="0"/>
+                  <a:ea typeface="Roboto" pitchFamily="2" charset="0"/>
+                  <a:cs typeface="Times New Roman" panose="02020603050405020304" pitchFamily="18" charset="0"/>
+                </a:rPr>
+                <a:t>High Cognitive Load</a:t>
+              </a:r>
+            </a:p>
+          </p:txBody>
+        </p:sp>
+        <p:sp>
+          <p:nvSpPr>
+            <p:cNvPr id="80" name="TextBox 69">
+              <a:extLst>
+                <a:ext uri="{FF2B5EF4-FFF2-40B4-BE49-F238E27FC236}">
+                  <a16:creationId xmlns:a16="http://schemas.microsoft.com/office/drawing/2014/main" id="{BE11E815-B0D2-470A-8721-EE37068A30D5}"/>
+                </a:ext>
+              </a:extLst>
+            </p:cNvPr>
+            <p:cNvSpPr txBox="1"/>
+            <p:nvPr/>
+          </p:nvSpPr>
+          <p:spPr>
+            <a:xfrm>
+              <a:off x="14551146" y="20106951"/>
+              <a:ext cx="1168625" cy="658212"/>
+            </a:xfrm>
+            <a:prstGeom prst="rect">
+              <a:avLst/>
+            </a:prstGeom>
+            <a:noFill/>
+          </p:spPr>
+          <p:txBody>
+            <a:bodyPr wrap="square" rtlCol="0">
+              <a:spAutoFit/>
+            </a:bodyPr>
+            <a:lstStyle/>
+            <a:p>
+              <a:pPr algn="just">
+                <a:lnSpc>
+                  <a:spcPct val="120000"/>
+                </a:lnSpc>
+              </a:pPr>
+              <a:r>
+                <a:rPr lang="en-US" sz="2800" dirty="0">
+                  <a:latin typeface="Roboto" pitchFamily="2" charset="0"/>
+                  <a:ea typeface="Roboto" pitchFamily="2" charset="0"/>
+                  <a:cs typeface="Times New Roman" panose="02020603050405020304" pitchFamily="18" charset="0"/>
+                </a:rPr>
+                <a:t>Lie !</a:t>
+              </a:r>
+            </a:p>
+          </p:txBody>
+        </p:sp>
+        <p:sp>
+          <p:nvSpPr>
+            <p:cNvPr id="61" name="Fumetto: ovale 60">
+              <a:extLst>
+                <a:ext uri="{FF2B5EF4-FFF2-40B4-BE49-F238E27FC236}">
+                  <a16:creationId xmlns:a16="http://schemas.microsoft.com/office/drawing/2014/main" id="{4906B814-9140-465A-BAB4-02296D375CE8}"/>
+                </a:ext>
+              </a:extLst>
+            </p:cNvPr>
+            <p:cNvSpPr/>
+            <p:nvPr/>
+          </p:nvSpPr>
+          <p:spPr>
+            <a:xfrm>
+              <a:off x="14124576" y="19802731"/>
+              <a:ext cx="1818428" cy="1300448"/>
+            </a:xfrm>
+            <a:prstGeom prst="wedgeEllipseCallout">
+              <a:avLst/>
+            </a:prstGeom>
+            <a:noFill/>
+            <a:ln w="57150">
+              <a:solidFill>
+                <a:srgbClr val="2274A5"/>
+              </a:solidFill>
+            </a:ln>
+          </p:spPr>
+          <p:style>
+            <a:lnRef idx="2">
+              <a:schemeClr val="accent1">
+                <a:shade val="50000"/>
+              </a:schemeClr>
+            </a:lnRef>
+            <a:fillRef idx="1">
+              <a:schemeClr val="accent1"/>
+            </a:fillRef>
+            <a:effectRef idx="0">
+              <a:schemeClr val="accent1"/>
+            </a:effectRef>
+            <a:fontRef idx="minor">
+              <a:schemeClr val="lt1"/>
+            </a:fontRef>
+          </p:style>
+          <p:txBody>
+            <a:bodyPr rot="0" spcFirstLastPara="0" vertOverflow="overflow" horzOverflow="overflow" vert="horz" wrap="square" lIns="91440" tIns="45720" rIns="91440" bIns="45720" numCol="1" spcCol="0" rtlCol="0" fromWordArt="0" anchor="ctr" anchorCtr="0" forceAA="0" compatLnSpc="1">
+              <a:prstTxWarp prst="textNoShape">
+                <a:avLst/>
+              </a:prstTxWarp>
+              <a:noAutofit/>
+            </a:bodyPr>
+            <a:lstStyle/>
+            <a:p>
+              <a:pPr algn="ctr"/>
+              <a:endParaRPr lang="it-IT"/>
+            </a:p>
+          </p:txBody>
+        </p:sp>
+        <p:cxnSp>
+          <p:nvCxnSpPr>
+            <p:cNvPr id="81" name="Connettore 2 80">
+              <a:extLst>
+                <a:ext uri="{FF2B5EF4-FFF2-40B4-BE49-F238E27FC236}">
+                  <a16:creationId xmlns:a16="http://schemas.microsoft.com/office/drawing/2014/main" id="{AB00421A-1FC5-4BFE-A686-BB558472A84E}"/>
+                </a:ext>
+              </a:extLst>
+            </p:cNvPr>
+            <p:cNvCxnSpPr>
+              <a:cxnSpLocks/>
+              <a:endCxn id="73" idx="1"/>
+            </p:cNvCxnSpPr>
+            <p:nvPr/>
+          </p:nvCxnSpPr>
+          <p:spPr>
+            <a:xfrm flipV="1">
+              <a:off x="7638021" y="20436057"/>
+              <a:ext cx="1080951" cy="16898"/>
+            </a:xfrm>
+            <a:prstGeom prst="straightConnector1">
+              <a:avLst/>
+            </a:prstGeom>
+            <a:ln w="127000">
+              <a:solidFill>
+                <a:srgbClr val="FFA630"/>
+              </a:solidFill>
+              <a:tailEnd type="triangle"/>
+            </a:ln>
+          </p:spPr>
+          <p:style>
+            <a:lnRef idx="1">
+              <a:schemeClr val="accent1"/>
+            </a:lnRef>
+            <a:fillRef idx="0">
+              <a:schemeClr val="accent1"/>
+            </a:fillRef>
+            <a:effectRef idx="0">
+              <a:schemeClr val="accent1"/>
+            </a:effectRef>
+            <a:fontRef idx="minor">
+              <a:schemeClr val="tx1"/>
+            </a:fontRef>
+          </p:style>
+        </p:cxnSp>
+        <p:cxnSp>
+          <p:nvCxnSpPr>
+            <p:cNvPr id="85" name="Connettore 2 84">
+              <a:extLst>
+                <a:ext uri="{FF2B5EF4-FFF2-40B4-BE49-F238E27FC236}">
+                  <a16:creationId xmlns:a16="http://schemas.microsoft.com/office/drawing/2014/main" id="{E26C74E5-1E29-4E58-BB25-326C7DC999CA}"/>
+                </a:ext>
+              </a:extLst>
+            </p:cNvPr>
+            <p:cNvCxnSpPr>
+              <a:cxnSpLocks/>
+            </p:cNvCxnSpPr>
+            <p:nvPr/>
+          </p:nvCxnSpPr>
+          <p:spPr>
+            <a:xfrm>
+              <a:off x="13013661" y="20452955"/>
+              <a:ext cx="1428053" cy="0"/>
+            </a:xfrm>
+            <a:prstGeom prst="straightConnector1">
+              <a:avLst/>
+            </a:prstGeom>
+            <a:ln w="127000">
+              <a:solidFill>
+                <a:srgbClr val="FFA630"/>
+              </a:solidFill>
+              <a:tailEnd type="triangle"/>
+            </a:ln>
+          </p:spPr>
+          <p:style>
+            <a:lnRef idx="1">
+              <a:schemeClr val="accent1"/>
+            </a:lnRef>
+            <a:fillRef idx="0">
+              <a:schemeClr val="accent1"/>
+            </a:fillRef>
+            <a:effectRef idx="0">
+              <a:schemeClr val="accent1"/>
+            </a:effectRef>
+            <a:fontRef idx="minor">
+              <a:schemeClr val="tx1"/>
+            </a:fontRef>
+          </p:style>
+        </p:cxnSp>
+        <p:sp>
+          <p:nvSpPr>
+            <p:cNvPr id="89" name="TextBox 69">
+              <a:extLst>
+                <a:ext uri="{FF2B5EF4-FFF2-40B4-BE49-F238E27FC236}">
+                  <a16:creationId xmlns:a16="http://schemas.microsoft.com/office/drawing/2014/main" id="{A9413FCE-8744-4797-B145-1D4732C4731A}"/>
+                </a:ext>
+              </a:extLst>
+            </p:cNvPr>
+            <p:cNvSpPr txBox="1"/>
+            <p:nvPr/>
+          </p:nvSpPr>
+          <p:spPr>
+            <a:xfrm>
+              <a:off x="9525092" y="21591030"/>
+              <a:ext cx="3433055" cy="658212"/>
+            </a:xfrm>
+            <a:prstGeom prst="rect">
+              <a:avLst/>
+            </a:prstGeom>
+            <a:noFill/>
+          </p:spPr>
+          <p:txBody>
+            <a:bodyPr wrap="square" rtlCol="0">
+              <a:spAutoFit/>
+            </a:bodyPr>
+            <a:lstStyle/>
+            <a:p>
+              <a:pPr algn="ctr">
+                <a:lnSpc>
+                  <a:spcPct val="120000"/>
+                </a:lnSpc>
+              </a:pPr>
+              <a:r>
+                <a:rPr lang="en-US" sz="2800" b="1" dirty="0">
+                  <a:latin typeface="Roboto" pitchFamily="2" charset="0"/>
+                  <a:ea typeface="Roboto" pitchFamily="2" charset="0"/>
+                  <a:cs typeface="Times New Roman" panose="02020603050405020304" pitchFamily="18" charset="0"/>
+                </a:rPr>
+                <a:t>Pupil Dilations</a:t>
+              </a:r>
+            </a:p>
+          </p:txBody>
+        </p:sp>
+        <p:sp>
+          <p:nvSpPr>
+            <p:cNvPr id="90" name="TextBox 69">
+              <a:extLst>
+                <a:ext uri="{FF2B5EF4-FFF2-40B4-BE49-F238E27FC236}">
+                  <a16:creationId xmlns:a16="http://schemas.microsoft.com/office/drawing/2014/main" id="{CAC86F38-EE1E-4DCF-81F7-AD0362D446E6}"/>
+                </a:ext>
+              </a:extLst>
+            </p:cNvPr>
+            <p:cNvSpPr txBox="1"/>
+            <p:nvPr/>
+          </p:nvSpPr>
+          <p:spPr>
+            <a:xfrm>
+              <a:off x="9746042" y="24401649"/>
+              <a:ext cx="3125422" cy="1263921"/>
+            </a:xfrm>
+            <a:prstGeom prst="rect">
+              <a:avLst/>
+            </a:prstGeom>
+            <a:noFill/>
+          </p:spPr>
+          <p:txBody>
+            <a:bodyPr wrap="square" rtlCol="0">
+              <a:spAutoFit/>
+            </a:bodyPr>
+            <a:lstStyle/>
+            <a:p>
+              <a:pPr algn="ctr">
+                <a:lnSpc>
+                  <a:spcPct val="120000"/>
+                </a:lnSpc>
+              </a:pPr>
+              <a:r>
+                <a:rPr lang="en-US" sz="2800" b="1" dirty="0">
+                  <a:latin typeface="Roboto" pitchFamily="2" charset="0"/>
+                  <a:ea typeface="Roboto" pitchFamily="2" charset="0"/>
+                  <a:cs typeface="Times New Roman" panose="02020603050405020304" pitchFamily="18" charset="0"/>
+                </a:rPr>
+                <a:t>6 playing cards</a:t>
+              </a:r>
+            </a:p>
+          </p:txBody>
+        </p:sp>
+      </p:grpSp>
+      <p:sp>
+        <p:nvSpPr>
+          <p:cNvPr id="91" name="TextBox 4">
+            <a:extLst>
+              <a:ext uri="{FF2B5EF4-FFF2-40B4-BE49-F238E27FC236}">
+                <a16:creationId xmlns:a16="http://schemas.microsoft.com/office/drawing/2014/main" id="{5AC64455-3FC9-48D1-8AAA-1FCA9ACEB09F}"/>
+              </a:ext>
+            </a:extLst>
+          </p:cNvPr>
+          <p:cNvSpPr txBox="1"/>
+          <p:nvPr/>
+        </p:nvSpPr>
+        <p:spPr>
+          <a:xfrm>
+            <a:off x="336984" y="13004933"/>
+            <a:ext cx="7269150" cy="846899"/>
+          </a:xfrm>
+          <a:prstGeom prst="rect">
+            <a:avLst/>
+          </a:prstGeom>
+          <a:noFill/>
+        </p:spPr>
+        <p:txBody>
+          <a:bodyPr wrap="square" rtlCol="0">
+            <a:spAutoFit/>
+          </a:bodyPr>
+          <a:lstStyle/>
+          <a:p>
+            <a:pPr>
+              <a:lnSpc>
+                <a:spcPct val="120000"/>
+              </a:lnSpc>
+            </a:pPr>
+            <a:r>
+              <a:rPr lang="en-US" sz="4500" b="1" dirty="0">
+                <a:solidFill>
+                  <a:srgbClr val="2274A5"/>
+                </a:solidFill>
+                <a:latin typeface="Roboto" pitchFamily="2" charset="0"/>
+                <a:ea typeface="Roboto" pitchFamily="2" charset="0"/>
+                <a:cs typeface="Arial" panose="020B0604020202020204" pitchFamily="34" charset="0"/>
+              </a:rPr>
+              <a:t>RESEARCH QUESTION</a:t>
+            </a:r>
+          </a:p>
+        </p:txBody>
+      </p:sp>
+      <p:sp>
+        <p:nvSpPr>
+          <p:cNvPr id="92" name="TextBox 4">
+            <a:extLst>
+              <a:ext uri="{FF2B5EF4-FFF2-40B4-BE49-F238E27FC236}">
+                <a16:creationId xmlns:a16="http://schemas.microsoft.com/office/drawing/2014/main" id="{AF01B943-063A-43CC-BC52-C55A8CD0D696}"/>
+              </a:ext>
+            </a:extLst>
+          </p:cNvPr>
+          <p:cNvSpPr txBox="1"/>
+          <p:nvPr/>
+        </p:nvSpPr>
+        <p:spPr>
+          <a:xfrm>
+            <a:off x="7250348" y="12751579"/>
+            <a:ext cx="14043416" cy="1642694"/>
+          </a:xfrm>
+          <a:prstGeom prst="rect">
+            <a:avLst/>
+          </a:prstGeom>
+          <a:noFill/>
+        </p:spPr>
+        <p:txBody>
+          <a:bodyPr wrap="square" rtlCol="0">
+            <a:spAutoFit/>
+          </a:bodyPr>
+          <a:lstStyle/>
+          <a:p>
+            <a:pPr>
+              <a:lnSpc>
+                <a:spcPct val="120000"/>
+              </a:lnSpc>
+            </a:pPr>
+            <a:r>
+              <a:rPr lang="en-US" sz="4400" dirty="0">
+                <a:latin typeface="Roboto" pitchFamily="2" charset="0"/>
+                <a:ea typeface="Roboto" pitchFamily="2" charset="0"/>
+                <a:cs typeface="Times New Roman" panose="02020603050405020304" pitchFamily="18" charset="0"/>
+              </a:rPr>
+              <a:t>Is it possible to </a:t>
+            </a:r>
+            <a:r>
+              <a:rPr lang="en-US" sz="4400" b="1" dirty="0">
+                <a:latin typeface="Roboto" pitchFamily="2" charset="0"/>
+                <a:ea typeface="Roboto" pitchFamily="2" charset="0"/>
+                <a:cs typeface="Times New Roman" panose="02020603050405020304" pitchFamily="18" charset="0"/>
+              </a:rPr>
+              <a:t>detect lies </a:t>
+            </a:r>
+            <a:r>
+              <a:rPr lang="en-US" sz="4400" dirty="0">
+                <a:latin typeface="Roboto" pitchFamily="2" charset="0"/>
+                <a:ea typeface="Roboto" pitchFamily="2" charset="0"/>
+                <a:cs typeface="Times New Roman" panose="02020603050405020304" pitchFamily="18" charset="0"/>
+              </a:rPr>
+              <a:t>during a </a:t>
+            </a:r>
+            <a:r>
+              <a:rPr lang="en-US" sz="4400" b="1" dirty="0">
+                <a:latin typeface="Roboto" pitchFamily="2" charset="0"/>
+                <a:ea typeface="Roboto" pitchFamily="2" charset="0"/>
+                <a:cs typeface="Times New Roman" panose="02020603050405020304" pitchFamily="18" charset="0"/>
+              </a:rPr>
+              <a:t>quick</a:t>
+            </a:r>
+            <a:r>
+              <a:rPr lang="en-US" sz="4400" dirty="0">
+                <a:latin typeface="Roboto" pitchFamily="2" charset="0"/>
+                <a:ea typeface="Roboto" pitchFamily="2" charset="0"/>
+                <a:cs typeface="Times New Roman" panose="02020603050405020304" pitchFamily="18" charset="0"/>
+              </a:rPr>
+              <a:t> </a:t>
+            </a:r>
+            <a:r>
+              <a:rPr lang="en-US" sz="4400" b="1" dirty="0">
+                <a:latin typeface="Roboto" pitchFamily="2" charset="0"/>
+                <a:ea typeface="Roboto" pitchFamily="2" charset="0"/>
+                <a:cs typeface="Times New Roman" panose="02020603050405020304" pitchFamily="18" charset="0"/>
+              </a:rPr>
+              <a:t>ecological</a:t>
+            </a:r>
+            <a:r>
+              <a:rPr lang="en-US" sz="4400" dirty="0">
+                <a:latin typeface="Roboto" pitchFamily="2" charset="0"/>
+                <a:ea typeface="Roboto" pitchFamily="2" charset="0"/>
+                <a:cs typeface="Times New Roman" panose="02020603050405020304" pitchFamily="18" charset="0"/>
+              </a:rPr>
+              <a:t> </a:t>
+            </a:r>
+            <a:r>
+              <a:rPr lang="en-US" sz="4400" b="1" dirty="0">
+                <a:latin typeface="Roboto" pitchFamily="2" charset="0"/>
+                <a:ea typeface="Roboto" pitchFamily="2" charset="0"/>
+                <a:cs typeface="Times New Roman" panose="02020603050405020304" pitchFamily="18" charset="0"/>
+              </a:rPr>
+              <a:t>interaction</a:t>
+            </a:r>
+            <a:r>
+              <a:rPr lang="en-US" sz="4400" dirty="0">
+                <a:latin typeface="Roboto" pitchFamily="2" charset="0"/>
+                <a:ea typeface="Roboto" pitchFamily="2" charset="0"/>
+                <a:cs typeface="Times New Roman" panose="02020603050405020304" pitchFamily="18" charset="0"/>
+              </a:rPr>
+              <a:t> with a </a:t>
+            </a:r>
+            <a:r>
+              <a:rPr lang="en-US" sz="4400" b="1" dirty="0">
+                <a:latin typeface="Roboto" pitchFamily="2" charset="0"/>
+                <a:ea typeface="Roboto" pitchFamily="2" charset="0"/>
+                <a:cs typeface="Times New Roman" panose="02020603050405020304" pitchFamily="18" charset="0"/>
+              </a:rPr>
+              <a:t>humanoid robot</a:t>
+            </a:r>
+            <a:r>
+              <a:rPr lang="en-US" sz="4400" dirty="0">
+                <a:latin typeface="Roboto" pitchFamily="2" charset="0"/>
+                <a:ea typeface="Roboto" pitchFamily="2" charset="0"/>
+                <a:cs typeface="Times New Roman" panose="02020603050405020304" pitchFamily="18" charset="0"/>
+              </a:rPr>
+              <a:t>?</a:t>
+            </a:r>
+          </a:p>
+        </p:txBody>
+      </p:sp>
+      <p:sp>
+        <p:nvSpPr>
+          <p:cNvPr id="94" name="TextBox 75">
+            <a:extLst>
+              <a:ext uri="{FF2B5EF4-FFF2-40B4-BE49-F238E27FC236}">
+                <a16:creationId xmlns:a16="http://schemas.microsoft.com/office/drawing/2014/main" id="{CC90765C-8662-4676-95F7-1EC50743F6DA}"/>
+              </a:ext>
+            </a:extLst>
+          </p:cNvPr>
+          <p:cNvSpPr txBox="1"/>
+          <p:nvPr/>
+        </p:nvSpPr>
+        <p:spPr>
+          <a:xfrm>
+            <a:off x="451808" y="20992856"/>
+            <a:ext cx="11434900" cy="846899"/>
+          </a:xfrm>
+          <a:prstGeom prst="rect">
+            <a:avLst/>
+          </a:prstGeom>
+          <a:noFill/>
+        </p:spPr>
+        <p:txBody>
+          <a:bodyPr wrap="square" rtlCol="0">
+            <a:spAutoFit/>
+          </a:bodyPr>
+          <a:lstStyle/>
+          <a:p>
+            <a:pPr algn="just">
+              <a:lnSpc>
+                <a:spcPct val="120000"/>
+              </a:lnSpc>
+            </a:pPr>
+            <a:r>
+              <a:rPr lang="en-US" sz="4500" b="1" dirty="0">
+                <a:solidFill>
+                  <a:srgbClr val="2274A5"/>
+                </a:solidFill>
+                <a:latin typeface="Roboto" pitchFamily="2" charset="0"/>
+                <a:cs typeface="Arial" panose="020B0604020202020204" pitchFamily="34" charset="0"/>
+              </a:rPr>
+              <a:t>RESULTS</a:t>
+            </a:r>
+          </a:p>
+        </p:txBody>
+      </p:sp>
+      <p:grpSp>
+        <p:nvGrpSpPr>
+          <p:cNvPr id="524" name="Gruppo 523">
+            <a:extLst>
+              <a:ext uri="{FF2B5EF4-FFF2-40B4-BE49-F238E27FC236}">
+                <a16:creationId xmlns:a16="http://schemas.microsoft.com/office/drawing/2014/main" id="{A5713D73-26A3-4332-BDEB-6A6647D87090}"/>
+              </a:ext>
+            </a:extLst>
+          </p:cNvPr>
+          <p:cNvGrpSpPr>
+            <a:grpSpLocks noChangeAspect="1"/>
+          </p:cNvGrpSpPr>
+          <p:nvPr/>
+        </p:nvGrpSpPr>
+        <p:grpSpPr>
+          <a:xfrm>
+            <a:off x="465879" y="22177001"/>
+            <a:ext cx="9251034" cy="5665452"/>
+            <a:chOff x="845588" y="20857640"/>
+            <a:chExt cx="13263975" cy="8123030"/>
+          </a:xfrm>
+        </p:grpSpPr>
+        <p:pic>
+          <p:nvPicPr>
+            <p:cNvPr id="519" name="Immagine 518">
+              <a:extLst>
+                <a:ext uri="{FF2B5EF4-FFF2-40B4-BE49-F238E27FC236}">
+                  <a16:creationId xmlns:a16="http://schemas.microsoft.com/office/drawing/2014/main" id="{752474ED-8CAF-4575-802C-B1ED2457DC45}"/>
+                </a:ext>
+              </a:extLst>
+            </p:cNvPr>
+            <p:cNvPicPr>
+              <a:picLocks noChangeAspect="1"/>
+            </p:cNvPicPr>
+            <p:nvPr/>
+          </p:nvPicPr>
+          <p:blipFill rotWithShape="1">
+            <a:blip r:embed="rId14">
+              <a:extLst>
+                <a:ext uri="{28A0092B-C50C-407E-A947-70E740481C1C}">
+                  <a14:useLocalDpi xmlns:a14="http://schemas.microsoft.com/office/drawing/2010/main" val="0"/>
+                </a:ext>
+              </a:extLst>
+            </a:blip>
+            <a:srcRect l="3439"/>
+            <a:stretch/>
+          </p:blipFill>
+          <p:spPr>
+            <a:xfrm>
+              <a:off x="1728250" y="20857640"/>
+              <a:ext cx="12381313" cy="8123030"/>
+            </a:xfrm>
+            <a:prstGeom prst="rect">
+              <a:avLst/>
+            </a:prstGeom>
+          </p:spPr>
+        </p:pic>
+        <p:sp>
+          <p:nvSpPr>
+            <p:cNvPr id="520" name="TextBox 75">
+              <a:extLst>
+                <a:ext uri="{FF2B5EF4-FFF2-40B4-BE49-F238E27FC236}">
+                  <a16:creationId xmlns:a16="http://schemas.microsoft.com/office/drawing/2014/main" id="{544B7ADB-472A-469D-A8F9-E36C8D24C2CE}"/>
+                </a:ext>
+              </a:extLst>
+            </p:cNvPr>
+            <p:cNvSpPr txBox="1"/>
+            <p:nvPr/>
+          </p:nvSpPr>
+          <p:spPr>
+            <a:xfrm rot="16200000">
+              <a:off x="-2151267" y="24481139"/>
+              <a:ext cx="6555595" cy="561885"/>
+            </a:xfrm>
+            <a:prstGeom prst="rect">
+              <a:avLst/>
+            </a:prstGeom>
+            <a:noFill/>
+          </p:spPr>
+          <p:txBody>
+            <a:bodyPr wrap="square" rtlCol="0">
+              <a:spAutoFit/>
+            </a:bodyPr>
+            <a:lstStyle/>
+            <a:p>
+              <a:pPr algn="ctr">
+                <a:lnSpc>
+                  <a:spcPct val="120000"/>
+                </a:lnSpc>
+              </a:pPr>
+              <a:r>
+                <a:rPr lang="en-US" sz="2800" dirty="0">
+                  <a:latin typeface="Roboto" pitchFamily="2" charset="0"/>
+                  <a:ea typeface="Roboto" pitchFamily="2" charset="0"/>
+                  <a:cs typeface="Times New Roman" panose="02020603050405020304" pitchFamily="18" charset="0"/>
+                </a:rPr>
+                <a:t>Mean Pupil Dilation [mm]</a:t>
+              </a:r>
+            </a:p>
+          </p:txBody>
+        </p:sp>
+        <p:sp>
+          <p:nvSpPr>
+            <p:cNvPr id="521" name="TextBox 75">
+              <a:extLst>
+                <a:ext uri="{FF2B5EF4-FFF2-40B4-BE49-F238E27FC236}">
+                  <a16:creationId xmlns:a16="http://schemas.microsoft.com/office/drawing/2014/main" id="{1176FFC7-0779-431B-A7ED-097F004E3D8C}"/>
+                </a:ext>
+              </a:extLst>
+            </p:cNvPr>
+            <p:cNvSpPr txBox="1"/>
+            <p:nvPr/>
+          </p:nvSpPr>
+          <p:spPr>
+            <a:xfrm>
+              <a:off x="4085212" y="21028338"/>
+              <a:ext cx="3573261" cy="709366"/>
+            </a:xfrm>
+            <a:prstGeom prst="rect">
+              <a:avLst/>
+            </a:prstGeom>
+            <a:noFill/>
+          </p:spPr>
+          <p:txBody>
+            <a:bodyPr wrap="square" rtlCol="0">
+              <a:spAutoFit/>
+            </a:bodyPr>
+            <a:lstStyle/>
+            <a:p>
+              <a:pPr algn="ctr">
+                <a:lnSpc>
+                  <a:spcPct val="120000"/>
+                </a:lnSpc>
+              </a:pPr>
+              <a:r>
+                <a:rPr lang="en-US" sz="2400" dirty="0">
+                  <a:latin typeface="Roboto" pitchFamily="2" charset="0"/>
+                  <a:ea typeface="Roboto" pitchFamily="2" charset="0"/>
+                  <a:cs typeface="Times New Roman" panose="02020603050405020304" pitchFamily="18" charset="0"/>
+                </a:rPr>
+                <a:t>Fake Description</a:t>
+              </a:r>
+            </a:p>
+          </p:txBody>
+        </p:sp>
+        <p:sp>
+          <p:nvSpPr>
+            <p:cNvPr id="523" name="TextBox 75">
+              <a:extLst>
+                <a:ext uri="{FF2B5EF4-FFF2-40B4-BE49-F238E27FC236}">
+                  <a16:creationId xmlns:a16="http://schemas.microsoft.com/office/drawing/2014/main" id="{2A7DF50A-3E04-411B-9FAA-CD25727E34A2}"/>
+                </a:ext>
+              </a:extLst>
+            </p:cNvPr>
+            <p:cNvSpPr txBox="1"/>
+            <p:nvPr/>
+          </p:nvSpPr>
+          <p:spPr>
+            <a:xfrm>
+              <a:off x="4030617" y="21603524"/>
+              <a:ext cx="3627855" cy="709366"/>
+            </a:xfrm>
+            <a:prstGeom prst="rect">
+              <a:avLst/>
+            </a:prstGeom>
+            <a:noFill/>
+          </p:spPr>
+          <p:txBody>
+            <a:bodyPr wrap="square" rtlCol="0">
+              <a:spAutoFit/>
+            </a:bodyPr>
+            <a:lstStyle/>
+            <a:p>
+              <a:pPr algn="ctr">
+                <a:lnSpc>
+                  <a:spcPct val="120000"/>
+                </a:lnSpc>
+              </a:pPr>
+              <a:r>
+                <a:rPr lang="en-US" sz="2400" dirty="0">
+                  <a:latin typeface="Roboto" pitchFamily="2" charset="0"/>
+                  <a:ea typeface="Roboto" pitchFamily="2" charset="0"/>
+                  <a:cs typeface="Times New Roman" panose="02020603050405020304" pitchFamily="18" charset="0"/>
+                </a:rPr>
+                <a:t>Real Description</a:t>
+              </a:r>
+            </a:p>
+          </p:txBody>
+        </p:sp>
+      </p:grpSp>
+      <p:sp>
+        <p:nvSpPr>
+          <p:cNvPr id="525" name="TextBox 75">
+            <a:extLst>
+              <a:ext uri="{FF2B5EF4-FFF2-40B4-BE49-F238E27FC236}">
+                <a16:creationId xmlns:a16="http://schemas.microsoft.com/office/drawing/2014/main" id="{0979199E-D7E3-4C56-83E4-2ECC16A7BF92}"/>
+              </a:ext>
+            </a:extLst>
+          </p:cNvPr>
+          <p:cNvSpPr txBox="1"/>
+          <p:nvPr/>
+        </p:nvSpPr>
+        <p:spPr>
+          <a:xfrm>
+            <a:off x="10021111" y="14882246"/>
+            <a:ext cx="11594385" cy="5723811"/>
+          </a:xfrm>
+          <a:prstGeom prst="rect">
+            <a:avLst/>
+          </a:prstGeom>
+          <a:noFill/>
+        </p:spPr>
+        <p:txBody>
+          <a:bodyPr wrap="square" rtlCol="0">
+            <a:spAutoFit/>
+          </a:bodyPr>
+          <a:lstStyle/>
+          <a:p>
+            <a:pPr>
+              <a:lnSpc>
+                <a:spcPct val="120000"/>
+              </a:lnSpc>
+            </a:pPr>
+            <a:r>
+              <a:rPr lang="en-US" sz="4500" b="1" dirty="0">
+                <a:solidFill>
+                  <a:srgbClr val="2274A5"/>
+                </a:solidFill>
+                <a:latin typeface="Roboto" pitchFamily="2" charset="0"/>
+                <a:cs typeface="Arial" panose="020B0604020202020204" pitchFamily="34" charset="0"/>
+              </a:rPr>
+              <a:t>EXPERIMENT</a:t>
+            </a:r>
+          </a:p>
+          <a:p>
+            <a:pPr marL="571500" indent="-571500">
+              <a:lnSpc>
+                <a:spcPct val="120000"/>
+              </a:lnSpc>
+              <a:buFont typeface="Arial" panose="020B0604020202020204" pitchFamily="34" charset="0"/>
+              <a:buChar char="•"/>
+            </a:pPr>
+            <a:r>
+              <a:rPr lang="en-US" sz="4400" dirty="0">
+                <a:latin typeface="Roboto" pitchFamily="2" charset="0"/>
+                <a:ea typeface="Roboto" pitchFamily="2" charset="0"/>
+                <a:cs typeface="Times New Roman" panose="02020603050405020304" pitchFamily="18" charset="0"/>
+              </a:rPr>
+              <a:t>The player knows only </a:t>
+            </a:r>
+            <a:r>
+              <a:rPr lang="en-US" sz="4400" b="1" dirty="0">
+                <a:latin typeface="Roboto" pitchFamily="2" charset="0"/>
+                <a:ea typeface="Roboto" pitchFamily="2" charset="0"/>
+                <a:cs typeface="Times New Roman" panose="02020603050405020304" pitchFamily="18" charset="0"/>
+              </a:rPr>
+              <a:t>one card </a:t>
+            </a:r>
+            <a:r>
+              <a:rPr lang="en-US" sz="4400" dirty="0">
+                <a:latin typeface="Roboto" pitchFamily="2" charset="0"/>
+                <a:ea typeface="Roboto" pitchFamily="2" charset="0"/>
+                <a:cs typeface="Times New Roman" panose="02020603050405020304" pitchFamily="18" charset="0"/>
+              </a:rPr>
+              <a:t>(out of </a:t>
+            </a:r>
+            <a:r>
+              <a:rPr lang="en-US" sz="4400" b="1" dirty="0">
+                <a:latin typeface="Roboto" pitchFamily="2" charset="0"/>
+                <a:ea typeface="Roboto" pitchFamily="2" charset="0"/>
+                <a:cs typeface="Times New Roman" panose="02020603050405020304" pitchFamily="18" charset="0"/>
+              </a:rPr>
+              <a:t>6</a:t>
+            </a:r>
+            <a:r>
+              <a:rPr lang="en-US" sz="4400" dirty="0">
+                <a:latin typeface="Roboto" pitchFamily="2" charset="0"/>
+                <a:ea typeface="Roboto" pitchFamily="2" charset="0"/>
+                <a:cs typeface="Times New Roman" panose="02020603050405020304" pitchFamily="18" charset="0"/>
+              </a:rPr>
+              <a:t>)</a:t>
+            </a:r>
+          </a:p>
+          <a:p>
+            <a:pPr marL="571500" indent="-571500">
+              <a:lnSpc>
+                <a:spcPct val="120000"/>
+              </a:lnSpc>
+              <a:buFont typeface="Arial" panose="020B0604020202020204" pitchFamily="34" charset="0"/>
+              <a:buChar char="•"/>
+            </a:pPr>
+            <a:r>
+              <a:rPr lang="en-US" sz="4400" dirty="0">
+                <a:latin typeface="Roboto" pitchFamily="2" charset="0"/>
+                <a:ea typeface="Roboto" pitchFamily="2" charset="0"/>
+                <a:cs typeface="Times New Roman" panose="02020603050405020304" pitchFamily="18" charset="0"/>
+              </a:rPr>
+              <a:t>iCub asks to describe the cards one by one</a:t>
+            </a:r>
+          </a:p>
+          <a:p>
+            <a:pPr marL="571500" indent="-571500">
+              <a:lnSpc>
+                <a:spcPct val="120000"/>
+              </a:lnSpc>
+              <a:buFont typeface="Arial" panose="020B0604020202020204" pitchFamily="34" charset="0"/>
+              <a:buChar char="•"/>
+            </a:pPr>
+            <a:r>
+              <a:rPr lang="en-US" sz="4400" dirty="0">
+                <a:latin typeface="Roboto" pitchFamily="2" charset="0"/>
+                <a:ea typeface="Roboto" pitchFamily="2" charset="0"/>
+                <a:cs typeface="Times New Roman" panose="02020603050405020304" pitchFamily="18" charset="0"/>
+              </a:rPr>
+              <a:t>The players has to:</a:t>
+            </a:r>
+          </a:p>
+          <a:p>
+            <a:pPr marL="1657350" lvl="2" indent="-742950">
+              <a:lnSpc>
+                <a:spcPct val="120000"/>
+              </a:lnSpc>
+              <a:buFont typeface="+mj-lt"/>
+              <a:buAutoNum type="alphaUcPeriod"/>
+            </a:pPr>
+            <a:r>
+              <a:rPr lang="en-US" sz="4400" dirty="0">
+                <a:latin typeface="Roboto" pitchFamily="2" charset="0"/>
+                <a:ea typeface="Roboto" pitchFamily="2" charset="0"/>
+                <a:cs typeface="Times New Roman" panose="02020603050405020304" pitchFamily="18" charset="0"/>
+              </a:rPr>
+              <a:t>Describe </a:t>
+            </a:r>
+            <a:r>
+              <a:rPr lang="en-US" sz="4400" b="1" dirty="0">
+                <a:latin typeface="Roboto" pitchFamily="2" charset="0"/>
+                <a:ea typeface="Roboto" pitchFamily="2" charset="0"/>
+                <a:cs typeface="Times New Roman" panose="02020603050405020304" pitchFamily="18" charset="0"/>
+              </a:rPr>
+              <a:t>deceitfully and creatively </a:t>
+            </a:r>
+            <a:r>
+              <a:rPr lang="en-US" sz="4400" dirty="0">
+                <a:latin typeface="Roboto" pitchFamily="2" charset="0"/>
+                <a:ea typeface="Roboto" pitchFamily="2" charset="0"/>
+                <a:cs typeface="Times New Roman" panose="02020603050405020304" pitchFamily="18" charset="0"/>
+              </a:rPr>
+              <a:t>the </a:t>
+            </a:r>
+            <a:r>
+              <a:rPr lang="en-US" sz="4400" b="1" dirty="0">
+                <a:latin typeface="Roboto" pitchFamily="2" charset="0"/>
+                <a:ea typeface="Roboto" pitchFamily="2" charset="0"/>
+                <a:cs typeface="Times New Roman" panose="02020603050405020304" pitchFamily="18" charset="0"/>
+              </a:rPr>
+              <a:t>known card</a:t>
+            </a:r>
+          </a:p>
+          <a:p>
+            <a:pPr marL="1657350" lvl="2" indent="-742950">
+              <a:lnSpc>
+                <a:spcPct val="120000"/>
+              </a:lnSpc>
+              <a:buFont typeface="+mj-lt"/>
+              <a:buAutoNum type="alphaUcPeriod"/>
+            </a:pPr>
+            <a:r>
+              <a:rPr lang="en-US" sz="4400" dirty="0">
+                <a:latin typeface="Roboto" pitchFamily="2" charset="0"/>
+                <a:ea typeface="Roboto" pitchFamily="2" charset="0"/>
+                <a:cs typeface="Times New Roman" panose="02020603050405020304" pitchFamily="18" charset="0"/>
+              </a:rPr>
+              <a:t>Describe </a:t>
+            </a:r>
+            <a:r>
+              <a:rPr lang="en-US" sz="4400" b="1" dirty="0">
+                <a:latin typeface="Roboto" pitchFamily="2" charset="0"/>
+                <a:ea typeface="Roboto" pitchFamily="2" charset="0"/>
+                <a:cs typeface="Times New Roman" panose="02020603050405020304" pitchFamily="18" charset="0"/>
+              </a:rPr>
+              <a:t>truly</a:t>
+            </a:r>
+            <a:r>
+              <a:rPr lang="en-US" sz="4400" dirty="0">
+                <a:latin typeface="Roboto" pitchFamily="2" charset="0"/>
+                <a:ea typeface="Roboto" pitchFamily="2" charset="0"/>
+                <a:cs typeface="Times New Roman" panose="02020603050405020304" pitchFamily="18" charset="0"/>
+              </a:rPr>
+              <a:t> the </a:t>
+            </a:r>
+            <a:r>
+              <a:rPr lang="en-US" sz="4400" b="1" dirty="0">
+                <a:latin typeface="Roboto" pitchFamily="2" charset="0"/>
+                <a:ea typeface="Roboto" pitchFamily="2" charset="0"/>
+                <a:cs typeface="Times New Roman" panose="02020603050405020304" pitchFamily="18" charset="0"/>
+              </a:rPr>
+              <a:t>other cards</a:t>
+            </a:r>
+          </a:p>
+        </p:txBody>
+      </p:sp>
+      <p:sp>
+        <p:nvSpPr>
+          <p:cNvPr id="526" name="TextBox 75">
+            <a:extLst>
+              <a:ext uri="{FF2B5EF4-FFF2-40B4-BE49-F238E27FC236}">
+                <a16:creationId xmlns:a16="http://schemas.microsoft.com/office/drawing/2014/main" id="{3B43E60A-2580-4D15-9B6C-16B9394C3C78}"/>
+              </a:ext>
+            </a:extLst>
+          </p:cNvPr>
+          <p:cNvSpPr txBox="1"/>
+          <p:nvPr/>
+        </p:nvSpPr>
+        <p:spPr>
+          <a:xfrm>
+            <a:off x="22011806" y="11897657"/>
+            <a:ext cx="7976123" cy="2764283"/>
+          </a:xfrm>
+          <a:prstGeom prst="rect">
+            <a:avLst/>
+          </a:prstGeom>
+          <a:noFill/>
+        </p:spPr>
+        <p:txBody>
+          <a:bodyPr wrap="square" rtlCol="0">
+            <a:spAutoFit/>
+          </a:bodyPr>
+          <a:lstStyle/>
+          <a:p>
+            <a:pPr algn="just">
+              <a:lnSpc>
+                <a:spcPct val="120000"/>
+              </a:lnSpc>
+            </a:pPr>
+            <a:r>
+              <a:rPr lang="en-US" sz="4000" b="1" dirty="0">
+                <a:solidFill>
+                  <a:srgbClr val="2274A5"/>
+                </a:solidFill>
+                <a:latin typeface="Roboto" pitchFamily="2" charset="0"/>
+                <a:cs typeface="Arial" panose="020B0604020202020204" pitchFamily="34" charset="0"/>
+              </a:rPr>
+              <a:t>MATERIALS</a:t>
+            </a:r>
+          </a:p>
+          <a:p>
+            <a:pPr marL="571500" indent="-571500" algn="just">
+              <a:lnSpc>
+                <a:spcPct val="120000"/>
+              </a:lnSpc>
+              <a:buFont typeface="Arial" panose="020B0604020202020204" pitchFamily="34" charset="0"/>
+              <a:buChar char="•"/>
+            </a:pPr>
+            <a:r>
+              <a:rPr lang="en-US" sz="3500" dirty="0">
+                <a:latin typeface="Roboto" pitchFamily="2" charset="0"/>
+                <a:ea typeface="Roboto" pitchFamily="2" charset="0"/>
+                <a:cs typeface="Times New Roman" panose="02020603050405020304" pitchFamily="18" charset="0"/>
+              </a:rPr>
+              <a:t>Tobii Pro Glasses 2 (100 Hz)</a:t>
+            </a:r>
+          </a:p>
+          <a:p>
+            <a:pPr marL="571500" indent="-571500">
+              <a:lnSpc>
+                <a:spcPct val="120000"/>
+              </a:lnSpc>
+              <a:buFont typeface="Arial" panose="020B0604020202020204" pitchFamily="34" charset="0"/>
+              <a:buChar char="•"/>
+            </a:pPr>
+            <a:r>
+              <a:rPr lang="en-US" sz="3500" dirty="0">
+                <a:latin typeface="Roboto" pitchFamily="2" charset="0"/>
+                <a:ea typeface="Roboto" pitchFamily="2" charset="0"/>
+                <a:cs typeface="Times New Roman" panose="02020603050405020304" pitchFamily="18" charset="0"/>
+              </a:rPr>
+              <a:t>Six playing cards (cartoon figures over a white background)</a:t>
+            </a:r>
+          </a:p>
+        </p:txBody>
+      </p:sp>
+      <p:sp>
+        <p:nvSpPr>
+          <p:cNvPr id="527" name="TextBox 75">
+            <a:extLst>
+              <a:ext uri="{FF2B5EF4-FFF2-40B4-BE49-F238E27FC236}">
+                <a16:creationId xmlns:a16="http://schemas.microsoft.com/office/drawing/2014/main" id="{34034C83-BB2D-4A1E-B1C1-8C0FAE3BF186}"/>
+              </a:ext>
+            </a:extLst>
+          </p:cNvPr>
+          <p:cNvSpPr txBox="1"/>
+          <p:nvPr/>
+        </p:nvSpPr>
+        <p:spPr>
+          <a:xfrm>
+            <a:off x="22011801" y="20900098"/>
+            <a:ext cx="7976123" cy="2064219"/>
+          </a:xfrm>
+          <a:prstGeom prst="rect">
+            <a:avLst/>
+          </a:prstGeom>
+          <a:noFill/>
+        </p:spPr>
+        <p:txBody>
+          <a:bodyPr wrap="square" rtlCol="0">
+            <a:spAutoFit/>
+          </a:bodyPr>
+          <a:lstStyle/>
+          <a:p>
+            <a:pPr algn="just">
+              <a:lnSpc>
+                <a:spcPct val="120000"/>
+              </a:lnSpc>
+            </a:pPr>
+            <a:r>
+              <a:rPr lang="en-US" sz="4000" b="1" dirty="0">
+                <a:solidFill>
+                  <a:srgbClr val="2274A5"/>
+                </a:solidFill>
+                <a:latin typeface="Roboto" pitchFamily="2" charset="0"/>
+                <a:cs typeface="Arial" panose="020B0604020202020204" pitchFamily="34" charset="0"/>
+              </a:rPr>
+              <a:t>DATA PREPARATION</a:t>
+            </a:r>
+          </a:p>
+          <a:p>
+            <a:pPr>
+              <a:lnSpc>
+                <a:spcPct val="120000"/>
+              </a:lnSpc>
+            </a:pPr>
+            <a:r>
+              <a:rPr lang="en-US" sz="3500" dirty="0" err="1">
+                <a:latin typeface="Roboto" pitchFamily="2" charset="0"/>
+                <a:ea typeface="Roboto" pitchFamily="2" charset="0"/>
+                <a:cs typeface="Times New Roman" panose="02020603050405020304" pitchFamily="18" charset="0"/>
+              </a:rPr>
+              <a:t>Posthoc</a:t>
+            </a:r>
+            <a:r>
+              <a:rPr lang="en-US" sz="3500" dirty="0">
+                <a:latin typeface="Roboto" pitchFamily="2" charset="0"/>
+                <a:ea typeface="Roboto" pitchFamily="2" charset="0"/>
+                <a:cs typeface="Times New Roman" panose="02020603050405020304" pitchFamily="18" charset="0"/>
+              </a:rPr>
+              <a:t> segmentation of pupil dilations in three intervals per card.</a:t>
+            </a:r>
+          </a:p>
+        </p:txBody>
+      </p:sp>
+      <p:grpSp>
+        <p:nvGrpSpPr>
+          <p:cNvPr id="532" name="Gruppo 531">
+            <a:extLst>
+              <a:ext uri="{FF2B5EF4-FFF2-40B4-BE49-F238E27FC236}">
+                <a16:creationId xmlns:a16="http://schemas.microsoft.com/office/drawing/2014/main" id="{115F7228-91D3-4515-945B-83D73B19B567}"/>
+              </a:ext>
+            </a:extLst>
+          </p:cNvPr>
+          <p:cNvGrpSpPr/>
+          <p:nvPr/>
+        </p:nvGrpSpPr>
+        <p:grpSpPr>
+          <a:xfrm>
+            <a:off x="22011801" y="28643498"/>
+            <a:ext cx="7434005" cy="6623351"/>
+            <a:chOff x="21993784" y="27651407"/>
+            <a:chExt cx="7434005" cy="6623351"/>
+          </a:xfrm>
+        </p:grpSpPr>
+        <p:pic>
+          <p:nvPicPr>
+            <p:cNvPr id="54" name="Picture 53" descr="A close up of a map&#10;&#10;Description automatically generated">
+              <a:extLst>
+                <a:ext uri="{FF2B5EF4-FFF2-40B4-BE49-F238E27FC236}">
+                  <a16:creationId xmlns:a16="http://schemas.microsoft.com/office/drawing/2014/main" id="{EDF3D3E8-D1B1-4622-A8B2-2C6736613E84}"/>
+                </a:ext>
+              </a:extLst>
+            </p:cNvPr>
+            <p:cNvPicPr>
+              <a:picLocks noChangeAspect="1"/>
+            </p:cNvPicPr>
+            <p:nvPr/>
+          </p:nvPicPr>
+          <p:blipFill rotWithShape="1">
+            <a:blip r:embed="rId15">
+              <a:extLst>
+                <a:ext uri="{28A0092B-C50C-407E-A947-70E740481C1C}">
+                  <a14:useLocalDpi xmlns:a14="http://schemas.microsoft.com/office/drawing/2010/main" val="0"/>
+                </a:ext>
+              </a:extLst>
+            </a:blip>
+            <a:srcRect l="6523" t="7741" b="9564"/>
+            <a:stretch/>
+          </p:blipFill>
+          <p:spPr>
+            <a:xfrm>
+              <a:off x="22620530" y="27651407"/>
+              <a:ext cx="6807259" cy="6022058"/>
+            </a:xfrm>
+            <a:prstGeom prst="rect">
+              <a:avLst/>
+            </a:prstGeom>
+          </p:spPr>
+        </p:pic>
+        <p:sp>
+          <p:nvSpPr>
+            <p:cNvPr id="530" name="TextBox 75">
+              <a:extLst>
+                <a:ext uri="{FF2B5EF4-FFF2-40B4-BE49-F238E27FC236}">
+                  <a16:creationId xmlns:a16="http://schemas.microsoft.com/office/drawing/2014/main" id="{6BF31261-BDEC-4A65-92CF-8CDAB7BFF567}"/>
+                </a:ext>
+              </a:extLst>
+            </p:cNvPr>
+            <p:cNvSpPr txBox="1"/>
+            <p:nvPr/>
+          </p:nvSpPr>
+          <p:spPr>
+            <a:xfrm rot="16200000">
+              <a:off x="21106081" y="30381493"/>
+              <a:ext cx="2337292" cy="561885"/>
+            </a:xfrm>
+            <a:prstGeom prst="rect">
+              <a:avLst/>
+            </a:prstGeom>
+            <a:noFill/>
+          </p:spPr>
+          <p:txBody>
+            <a:bodyPr wrap="square" rtlCol="0">
+              <a:spAutoFit/>
+            </a:bodyPr>
+            <a:lstStyle/>
+            <a:p>
+              <a:pPr algn="ctr">
+                <a:lnSpc>
+                  <a:spcPct val="120000"/>
+                </a:lnSpc>
+              </a:pPr>
+              <a:r>
+                <a:rPr lang="en-US" sz="2800" dirty="0">
+                  <a:latin typeface="Roboto" pitchFamily="2" charset="0"/>
+                  <a:ea typeface="Roboto" pitchFamily="2" charset="0"/>
+                  <a:cs typeface="Times New Roman" panose="02020603050405020304" pitchFamily="18" charset="0"/>
+                </a:rPr>
+                <a:t>DESCR [mm]</a:t>
+              </a:r>
+            </a:p>
+          </p:txBody>
+        </p:sp>
+        <p:sp>
+          <p:nvSpPr>
+            <p:cNvPr id="531" name="TextBox 75">
+              <a:extLst>
+                <a:ext uri="{FF2B5EF4-FFF2-40B4-BE49-F238E27FC236}">
+                  <a16:creationId xmlns:a16="http://schemas.microsoft.com/office/drawing/2014/main" id="{D02CE63A-3B70-490E-B45B-3B1849589B9A}"/>
+                </a:ext>
+              </a:extLst>
+            </p:cNvPr>
+            <p:cNvSpPr txBox="1"/>
+            <p:nvPr/>
+          </p:nvSpPr>
+          <p:spPr>
+            <a:xfrm>
+              <a:off x="25112158" y="33712873"/>
+              <a:ext cx="2337292" cy="561885"/>
+            </a:xfrm>
+            <a:prstGeom prst="rect">
+              <a:avLst/>
+            </a:prstGeom>
+            <a:noFill/>
+          </p:spPr>
+          <p:txBody>
+            <a:bodyPr wrap="square" rtlCol="0">
+              <a:spAutoFit/>
+            </a:bodyPr>
+            <a:lstStyle/>
+            <a:p>
+              <a:pPr algn="ctr">
+                <a:lnSpc>
+                  <a:spcPct val="120000"/>
+                </a:lnSpc>
+              </a:pPr>
+              <a:r>
+                <a:rPr lang="en-US" sz="2800" dirty="0">
+                  <a:latin typeface="Roboto" pitchFamily="2" charset="0"/>
+                  <a:ea typeface="Roboto" pitchFamily="2" charset="0"/>
+                  <a:cs typeface="Times New Roman" panose="02020603050405020304" pitchFamily="18" charset="0"/>
+                </a:rPr>
+                <a:t>REACT [mm]</a:t>
+              </a:r>
+            </a:p>
+          </p:txBody>
+        </p:sp>
+      </p:grpSp>
+      <p:sp>
+        <p:nvSpPr>
+          <p:cNvPr id="533" name="TextBox 75">
+            <a:extLst>
+              <a:ext uri="{FF2B5EF4-FFF2-40B4-BE49-F238E27FC236}">
+                <a16:creationId xmlns:a16="http://schemas.microsoft.com/office/drawing/2014/main" id="{17C1C690-4E70-477C-BA9E-06625579F272}"/>
+              </a:ext>
+            </a:extLst>
+          </p:cNvPr>
+          <p:cNvSpPr txBox="1"/>
+          <p:nvPr/>
+        </p:nvSpPr>
+        <p:spPr>
+          <a:xfrm>
+            <a:off x="22011800" y="27208810"/>
+            <a:ext cx="7976123" cy="1417889"/>
+          </a:xfrm>
+          <a:prstGeom prst="rect">
+            <a:avLst/>
+          </a:prstGeom>
+          <a:noFill/>
+        </p:spPr>
+        <p:txBody>
+          <a:bodyPr wrap="square" rtlCol="0">
+            <a:spAutoFit/>
+          </a:bodyPr>
+          <a:lstStyle/>
+          <a:p>
+            <a:pPr algn="just">
+              <a:lnSpc>
+                <a:spcPct val="120000"/>
+              </a:lnSpc>
+            </a:pPr>
+            <a:r>
+              <a:rPr lang="en-US" sz="4000" b="1" dirty="0">
+                <a:solidFill>
+                  <a:srgbClr val="2274A5"/>
+                </a:solidFill>
+                <a:latin typeface="Roboto" pitchFamily="2" charset="0"/>
+                <a:cs typeface="Arial" panose="020B0604020202020204" pitchFamily="34" charset="0"/>
+              </a:rPr>
+              <a:t>PREMEDITATION</a:t>
+            </a:r>
+          </a:p>
+          <a:p>
+            <a:pPr>
+              <a:lnSpc>
+                <a:spcPct val="120000"/>
+              </a:lnSpc>
+            </a:pPr>
+            <a:r>
+              <a:rPr lang="en-US" sz="3500" dirty="0">
+                <a:latin typeface="Roboto" pitchFamily="2" charset="0"/>
+                <a:ea typeface="Roboto" pitchFamily="2" charset="0"/>
+                <a:cs typeface="Times New Roman" panose="02020603050405020304" pitchFamily="18" charset="0"/>
+              </a:rPr>
+              <a:t>Mean pupil (Fake) – Mean pupil (Real)</a:t>
+            </a:r>
+          </a:p>
+        </p:txBody>
+      </p:sp>
+      <p:grpSp>
+        <p:nvGrpSpPr>
+          <p:cNvPr id="537" name="Gruppo 536">
+            <a:extLst>
+              <a:ext uri="{FF2B5EF4-FFF2-40B4-BE49-F238E27FC236}">
+                <a16:creationId xmlns:a16="http://schemas.microsoft.com/office/drawing/2014/main" id="{9C2D824D-A958-4CDD-80EC-64C8CE5449B4}"/>
+              </a:ext>
+            </a:extLst>
+          </p:cNvPr>
+          <p:cNvGrpSpPr/>
+          <p:nvPr/>
+        </p:nvGrpSpPr>
+        <p:grpSpPr>
+          <a:xfrm>
+            <a:off x="10098465" y="21259556"/>
+            <a:ext cx="11230024" cy="2819940"/>
+            <a:chOff x="10180596" y="21839755"/>
+            <a:chExt cx="11230024" cy="2819940"/>
+          </a:xfrm>
+        </p:grpSpPr>
+        <p:sp>
+          <p:nvSpPr>
+            <p:cNvPr id="534" name="Rettangolo con angoli arrotondati 533">
+              <a:extLst>
+                <a:ext uri="{FF2B5EF4-FFF2-40B4-BE49-F238E27FC236}">
+                  <a16:creationId xmlns:a16="http://schemas.microsoft.com/office/drawing/2014/main" id="{BB8A832B-4ADF-4C17-8A63-357050C3DF35}"/>
+                </a:ext>
+              </a:extLst>
+            </p:cNvPr>
+            <p:cNvSpPr/>
+            <p:nvPr/>
+          </p:nvSpPr>
+          <p:spPr>
+            <a:xfrm>
+              <a:off x="10180596" y="21839755"/>
+              <a:ext cx="11230024" cy="2819940"/>
+            </a:xfrm>
+            <a:prstGeom prst="roundRect">
+              <a:avLst/>
+            </a:prstGeom>
+            <a:noFill/>
+            <a:ln w="57150">
+              <a:solidFill>
+                <a:srgbClr val="2274A5"/>
+              </a:solidFill>
+            </a:ln>
+          </p:spPr>
+          <p:style>
+            <a:lnRef idx="2">
+              <a:schemeClr val="accent1">
+                <a:shade val="50000"/>
+              </a:schemeClr>
+            </a:lnRef>
+            <a:fillRef idx="1">
+              <a:schemeClr val="accent1"/>
+            </a:fillRef>
+            <a:effectRef idx="0">
+              <a:schemeClr val="accent1"/>
+            </a:effectRef>
+            <a:fontRef idx="minor">
+              <a:schemeClr val="lt1"/>
+            </a:fontRef>
+          </p:style>
+          <p:txBody>
+            <a:bodyPr rot="0" spcFirstLastPara="0" vertOverflow="overflow" horzOverflow="overflow" vert="horz" wrap="square" lIns="91440" tIns="45720" rIns="91440" bIns="45720" numCol="1" spcCol="0" rtlCol="0" fromWordArt="0" anchor="ctr" anchorCtr="0" forceAA="0" compatLnSpc="1">
+              <a:prstTxWarp prst="textNoShape">
+                <a:avLst/>
+              </a:prstTxWarp>
+              <a:noAutofit/>
+            </a:bodyPr>
+            <a:lstStyle/>
+            <a:p>
+              <a:pPr algn="ctr"/>
+              <a:endParaRPr lang="it-IT" dirty="0"/>
+            </a:p>
+          </p:txBody>
+        </p:sp>
+        <p:sp>
+          <p:nvSpPr>
+            <p:cNvPr id="536" name="TextBox 75">
+              <a:extLst>
+                <a:ext uri="{FF2B5EF4-FFF2-40B4-BE49-F238E27FC236}">
+                  <a16:creationId xmlns:a16="http://schemas.microsoft.com/office/drawing/2014/main" id="{78EFDB94-AFFA-440D-B1A2-1BBF149B7393}"/>
+                </a:ext>
+              </a:extLst>
+            </p:cNvPr>
+            <p:cNvSpPr txBox="1"/>
+            <p:nvPr/>
+          </p:nvSpPr>
+          <p:spPr>
+            <a:xfrm>
+              <a:off x="10406047" y="21963816"/>
+              <a:ext cx="10690360" cy="2473691"/>
+            </a:xfrm>
+            <a:prstGeom prst="rect">
+              <a:avLst/>
+            </a:prstGeom>
+            <a:noFill/>
+          </p:spPr>
+          <p:txBody>
+            <a:bodyPr wrap="square" rtlCol="0">
+              <a:spAutoFit/>
+            </a:bodyPr>
+            <a:lstStyle/>
+            <a:p>
+              <a:pPr algn="just">
+                <a:lnSpc>
+                  <a:spcPct val="120000"/>
+                </a:lnSpc>
+              </a:pPr>
+              <a:r>
+                <a:rPr lang="en-US" sz="4500" b="1" dirty="0">
+                  <a:solidFill>
+                    <a:srgbClr val="2274A5"/>
+                  </a:solidFill>
+                  <a:latin typeface="Roboto" pitchFamily="2" charset="0"/>
+                  <a:cs typeface="Arial" panose="020B0604020202020204" pitchFamily="34" charset="0"/>
+                </a:rPr>
+                <a:t>HEURISTIC FUNTION</a:t>
+              </a:r>
+            </a:p>
+            <a:p>
+              <a:pPr algn="just">
+                <a:lnSpc>
+                  <a:spcPct val="120000"/>
+                </a:lnSpc>
+              </a:pPr>
+              <a:r>
+                <a:rPr lang="en-US" sz="4400" dirty="0">
+                  <a:solidFill>
+                    <a:srgbClr val="011627"/>
+                  </a:solidFill>
+                  <a:latin typeface="Roboto" pitchFamily="2" charset="0"/>
+                  <a:ea typeface="Roboto" pitchFamily="2" charset="0"/>
+                  <a:cs typeface="Times New Roman" panose="02020603050405020304" pitchFamily="18" charset="0"/>
+                </a:rPr>
+                <a:t>Higher mean pupil dilation = Player’s card</a:t>
+              </a:r>
+            </a:p>
+            <a:p>
+              <a:pPr algn="just">
+                <a:lnSpc>
+                  <a:spcPct val="120000"/>
+                </a:lnSpc>
+              </a:pPr>
+              <a:r>
+                <a:rPr lang="en-US" sz="4400" b="1" dirty="0">
+                  <a:solidFill>
+                    <a:srgbClr val="011627"/>
+                  </a:solidFill>
+                  <a:latin typeface="Roboto" pitchFamily="2" charset="0"/>
+                  <a:ea typeface="Roboto" pitchFamily="2" charset="0"/>
+                  <a:cs typeface="Times New Roman" panose="02020603050405020304" pitchFamily="18" charset="0"/>
+                </a:rPr>
+                <a:t>Accuracy = 75%</a:t>
+              </a:r>
+            </a:p>
+          </p:txBody>
+        </p:sp>
+      </p:grpSp>
+      <p:grpSp>
+        <p:nvGrpSpPr>
+          <p:cNvPr id="538" name="Gruppo 537">
+            <a:extLst>
+              <a:ext uri="{FF2B5EF4-FFF2-40B4-BE49-F238E27FC236}">
+                <a16:creationId xmlns:a16="http://schemas.microsoft.com/office/drawing/2014/main" id="{7BFFE466-920A-463A-8F8D-CF050D6456CC}"/>
+              </a:ext>
+            </a:extLst>
+          </p:cNvPr>
+          <p:cNvGrpSpPr/>
+          <p:nvPr/>
+        </p:nvGrpSpPr>
+        <p:grpSpPr>
+          <a:xfrm>
+            <a:off x="10098465" y="24366298"/>
+            <a:ext cx="11257539" cy="3783660"/>
+            <a:chOff x="10180596" y="21839755"/>
+            <a:chExt cx="11257539" cy="2819940"/>
+          </a:xfrm>
+        </p:grpSpPr>
+        <p:sp>
+          <p:nvSpPr>
+            <p:cNvPr id="539" name="Rettangolo con angoli arrotondati 538">
+              <a:extLst>
+                <a:ext uri="{FF2B5EF4-FFF2-40B4-BE49-F238E27FC236}">
+                  <a16:creationId xmlns:a16="http://schemas.microsoft.com/office/drawing/2014/main" id="{A096DC11-4CB7-49B7-B762-3A551F0B8740}"/>
+                </a:ext>
+              </a:extLst>
+            </p:cNvPr>
+            <p:cNvSpPr/>
+            <p:nvPr/>
+          </p:nvSpPr>
+          <p:spPr>
+            <a:xfrm>
+              <a:off x="10180596" y="21839755"/>
+              <a:ext cx="11230024" cy="2819940"/>
+            </a:xfrm>
+            <a:prstGeom prst="roundRect">
+              <a:avLst/>
+            </a:prstGeom>
+            <a:noFill/>
+            <a:ln w="57150">
+              <a:solidFill>
+                <a:srgbClr val="2274A5"/>
+              </a:solidFill>
+            </a:ln>
+          </p:spPr>
+          <p:style>
+            <a:lnRef idx="2">
+              <a:schemeClr val="accent1">
+                <a:shade val="50000"/>
+              </a:schemeClr>
+            </a:lnRef>
+            <a:fillRef idx="1">
+              <a:schemeClr val="accent1"/>
+            </a:fillRef>
+            <a:effectRef idx="0">
+              <a:schemeClr val="accent1"/>
+            </a:effectRef>
+            <a:fontRef idx="minor">
+              <a:schemeClr val="lt1"/>
+            </a:fontRef>
+          </p:style>
+          <p:txBody>
+            <a:bodyPr rot="0" spcFirstLastPara="0" vertOverflow="overflow" horzOverflow="overflow" vert="horz" wrap="square" lIns="91440" tIns="45720" rIns="91440" bIns="45720" numCol="1" spcCol="0" rtlCol="0" fromWordArt="0" anchor="ctr" anchorCtr="0" forceAA="0" compatLnSpc="1">
+              <a:prstTxWarp prst="textNoShape">
+                <a:avLst/>
+              </a:prstTxWarp>
+              <a:noAutofit/>
+            </a:bodyPr>
+            <a:lstStyle/>
+            <a:p>
+              <a:pPr algn="ctr"/>
+              <a:endParaRPr lang="it-IT" dirty="0"/>
+            </a:p>
+          </p:txBody>
+        </p:sp>
+        <p:sp>
+          <p:nvSpPr>
+            <p:cNvPr id="540" name="TextBox 75">
+              <a:extLst>
+                <a:ext uri="{FF2B5EF4-FFF2-40B4-BE49-F238E27FC236}">
+                  <a16:creationId xmlns:a16="http://schemas.microsoft.com/office/drawing/2014/main" id="{781BCC9B-C1B5-4902-A22D-BA59FC8FA909}"/>
+                </a:ext>
+              </a:extLst>
+            </p:cNvPr>
+            <p:cNvSpPr txBox="1"/>
+            <p:nvPr/>
+          </p:nvSpPr>
+          <p:spPr>
+            <a:xfrm>
+              <a:off x="10345330" y="22025125"/>
+              <a:ext cx="11092805" cy="2449201"/>
+            </a:xfrm>
+            <a:prstGeom prst="rect">
+              <a:avLst/>
+            </a:prstGeom>
+            <a:noFill/>
+          </p:spPr>
+          <p:txBody>
+            <a:bodyPr wrap="square" rtlCol="0">
+              <a:spAutoFit/>
+            </a:bodyPr>
+            <a:lstStyle/>
+            <a:p>
+              <a:pPr algn="just">
+                <a:lnSpc>
+                  <a:spcPct val="120000"/>
+                </a:lnSpc>
+              </a:pPr>
+              <a:r>
+                <a:rPr lang="en-US" sz="4500" b="1" dirty="0">
+                  <a:solidFill>
+                    <a:srgbClr val="2274A5"/>
+                  </a:solidFill>
+                  <a:latin typeface="Roboto" pitchFamily="2" charset="0"/>
+                  <a:cs typeface="Arial" panose="020B0604020202020204" pitchFamily="34" charset="0"/>
+                </a:rPr>
+                <a:t>RANDOM FOREST</a:t>
+              </a:r>
+            </a:p>
+            <a:p>
+              <a:pPr marL="571500" indent="-571500" algn="just">
+                <a:lnSpc>
+                  <a:spcPct val="120000"/>
+                </a:lnSpc>
+                <a:buFont typeface="Arial" panose="020B0604020202020204" pitchFamily="34" charset="0"/>
+                <a:buChar char="•"/>
+              </a:pPr>
+              <a:r>
+                <a:rPr lang="en-US" sz="4400" dirty="0">
+                  <a:solidFill>
+                    <a:srgbClr val="011627"/>
+                  </a:solidFill>
+                  <a:latin typeface="Roboto" pitchFamily="2" charset="0"/>
+                  <a:ea typeface="Roboto" pitchFamily="2" charset="0"/>
+                  <a:cs typeface="Times New Roman" panose="02020603050405020304" pitchFamily="18" charset="0"/>
+                </a:rPr>
+                <a:t>126 datapoints x 13 features</a:t>
+              </a:r>
+            </a:p>
+            <a:p>
+              <a:pPr marL="571500" indent="-571500" algn="just">
+                <a:lnSpc>
+                  <a:spcPct val="120000"/>
+                </a:lnSpc>
+                <a:buFont typeface="Arial" panose="020B0604020202020204" pitchFamily="34" charset="0"/>
+                <a:buChar char="•"/>
+              </a:pPr>
+              <a:r>
+                <a:rPr lang="en-US" sz="4400" dirty="0">
+                  <a:solidFill>
+                    <a:srgbClr val="011627"/>
+                  </a:solidFill>
+                  <a:latin typeface="Roboto" pitchFamily="2" charset="0"/>
+                  <a:ea typeface="Roboto" pitchFamily="2" charset="0"/>
+                  <a:cs typeface="Times New Roman" panose="02020603050405020304" pitchFamily="18" charset="0"/>
+                </a:rPr>
+                <a:t>SMOTE + per subject normalization</a:t>
+              </a:r>
+            </a:p>
+            <a:p>
+              <a:pPr marL="571500" indent="-571500" algn="just">
+                <a:lnSpc>
+                  <a:spcPct val="120000"/>
+                </a:lnSpc>
+                <a:buFont typeface="Arial" panose="020B0604020202020204" pitchFamily="34" charset="0"/>
+                <a:buChar char="•"/>
+              </a:pPr>
+              <a:r>
+                <a:rPr lang="en-US" sz="4400" b="1" dirty="0">
+                  <a:solidFill>
+                    <a:srgbClr val="011627"/>
+                  </a:solidFill>
+                  <a:latin typeface="Roboto" pitchFamily="2" charset="0"/>
+                  <a:ea typeface="Roboto" pitchFamily="2" charset="0"/>
+                  <a:cs typeface="Times New Roman" panose="02020603050405020304" pitchFamily="18" charset="0"/>
+                </a:rPr>
+                <a:t>F1 = 83,3%, AUCROC = 89,6% (SD=0,7)</a:t>
+              </a:r>
+            </a:p>
+          </p:txBody>
+        </p:sp>
+      </p:grpSp>
+      <p:sp>
+        <p:nvSpPr>
+          <p:cNvPr id="541" name="TextBox 75">
+            <a:extLst>
+              <a:ext uri="{FF2B5EF4-FFF2-40B4-BE49-F238E27FC236}">
+                <a16:creationId xmlns:a16="http://schemas.microsoft.com/office/drawing/2014/main" id="{1F2B3B78-12D6-45A0-A7F5-ACBC6F753257}"/>
+              </a:ext>
+            </a:extLst>
+          </p:cNvPr>
+          <p:cNvSpPr txBox="1"/>
+          <p:nvPr/>
+        </p:nvSpPr>
+        <p:spPr>
+          <a:xfrm>
+            <a:off x="269910" y="28574529"/>
+            <a:ext cx="12788453" cy="6536341"/>
+          </a:xfrm>
+          <a:prstGeom prst="rect">
+            <a:avLst/>
+          </a:prstGeom>
+          <a:noFill/>
+        </p:spPr>
+        <p:txBody>
+          <a:bodyPr wrap="square" rtlCol="0">
+            <a:spAutoFit/>
+          </a:bodyPr>
+          <a:lstStyle/>
+          <a:p>
+            <a:pPr>
+              <a:lnSpc>
+                <a:spcPct val="120000"/>
+              </a:lnSpc>
+            </a:pPr>
+            <a:r>
+              <a:rPr lang="en-US" sz="4500" b="1" dirty="0">
+                <a:solidFill>
+                  <a:srgbClr val="2274A5"/>
+                </a:solidFill>
+                <a:latin typeface="Roboto" pitchFamily="2" charset="0"/>
+                <a:cs typeface="Arial" panose="020B0604020202020204" pitchFamily="34" charset="0"/>
+              </a:rPr>
+              <a:t>DISUSSION</a:t>
+            </a:r>
+          </a:p>
+          <a:p>
+            <a:pPr marL="571500" indent="-571500">
+              <a:lnSpc>
+                <a:spcPct val="120000"/>
+              </a:lnSpc>
+              <a:buFont typeface="Arial" panose="020B0604020202020204" pitchFamily="34" charset="0"/>
+              <a:buChar char="•"/>
+            </a:pPr>
+            <a:r>
+              <a:rPr lang="en-US" sz="4400" b="1" dirty="0">
+                <a:latin typeface="Roboto" pitchFamily="2" charset="0"/>
+                <a:ea typeface="Roboto" pitchFamily="2" charset="0"/>
+                <a:cs typeface="Times New Roman" panose="02020603050405020304" pitchFamily="18" charset="0"/>
+              </a:rPr>
+              <a:t>It’s possible to detect lies during a quick card game with iCub robotic platform preserving the informality of the interaction</a:t>
+            </a:r>
+          </a:p>
+          <a:p>
+            <a:pPr marL="571500" indent="-571500">
+              <a:lnSpc>
+                <a:spcPct val="120000"/>
+              </a:lnSpc>
+              <a:buFont typeface="Arial" panose="020B0604020202020204" pitchFamily="34" charset="0"/>
+              <a:buChar char="•"/>
+            </a:pPr>
+            <a:r>
+              <a:rPr lang="en-US" sz="4400" dirty="0">
+                <a:latin typeface="Roboto" pitchFamily="2" charset="0"/>
+                <a:ea typeface="Roboto" pitchFamily="2" charset="0"/>
+                <a:cs typeface="Times New Roman" panose="02020603050405020304" pitchFamily="18" charset="0"/>
+              </a:rPr>
+              <a:t>The system can be automatized based on iCub’s movements</a:t>
+            </a:r>
+          </a:p>
+          <a:p>
+            <a:pPr marL="571500" indent="-571500">
+              <a:lnSpc>
+                <a:spcPct val="120000"/>
+              </a:lnSpc>
+              <a:buFont typeface="Arial" panose="020B0604020202020204" pitchFamily="34" charset="0"/>
+              <a:buChar char="•"/>
+            </a:pPr>
+            <a:r>
+              <a:rPr lang="en-US" sz="4400" dirty="0">
+                <a:latin typeface="Roboto" pitchFamily="2" charset="0"/>
+                <a:ea typeface="Roboto" pitchFamily="2" charset="0"/>
+                <a:cs typeface="Times New Roman" panose="02020603050405020304" pitchFamily="18" charset="0"/>
+              </a:rPr>
+              <a:t>Tobii Eyetracker is a limitation for the portability of the system</a:t>
+            </a:r>
+          </a:p>
+        </p:txBody>
+      </p:sp>
+      <p:sp>
+        <p:nvSpPr>
+          <p:cNvPr id="542" name="TextBox 75">
+            <a:extLst>
+              <a:ext uri="{FF2B5EF4-FFF2-40B4-BE49-F238E27FC236}">
+                <a16:creationId xmlns:a16="http://schemas.microsoft.com/office/drawing/2014/main" id="{956B8587-9EC2-4483-A91A-230E68741911}"/>
+              </a:ext>
+            </a:extLst>
+          </p:cNvPr>
+          <p:cNvSpPr txBox="1"/>
+          <p:nvPr/>
+        </p:nvSpPr>
+        <p:spPr>
+          <a:xfrm>
+            <a:off x="13328377" y="28849977"/>
+            <a:ext cx="8000111" cy="5723811"/>
+          </a:xfrm>
+          <a:prstGeom prst="rect">
+            <a:avLst/>
+          </a:prstGeom>
+          <a:noFill/>
+        </p:spPr>
+        <p:txBody>
+          <a:bodyPr wrap="square" rtlCol="0">
+            <a:spAutoFit/>
+          </a:bodyPr>
+          <a:lstStyle/>
+          <a:p>
+            <a:pPr>
+              <a:lnSpc>
+                <a:spcPct val="120000"/>
+              </a:lnSpc>
+            </a:pPr>
+            <a:r>
+              <a:rPr lang="en-US" sz="4500" b="1" dirty="0">
+                <a:solidFill>
+                  <a:srgbClr val="2274A5"/>
+                </a:solidFill>
+                <a:latin typeface="Roboto" pitchFamily="2" charset="0"/>
+                <a:cs typeface="Arial" panose="020B0604020202020204" pitchFamily="34" charset="0"/>
+              </a:rPr>
+              <a:t>FUTURE WORKS</a:t>
+            </a:r>
+          </a:p>
+          <a:p>
+            <a:pPr marL="571500" indent="-571500">
+              <a:lnSpc>
+                <a:spcPct val="120000"/>
+              </a:lnSpc>
+              <a:buFont typeface="Arial" panose="020B0604020202020204" pitchFamily="34" charset="0"/>
+              <a:buChar char="•"/>
+            </a:pPr>
+            <a:r>
+              <a:rPr lang="en-US" sz="4400" dirty="0">
+                <a:latin typeface="Roboto" pitchFamily="2" charset="0"/>
+                <a:ea typeface="Roboto" pitchFamily="2" charset="0"/>
+                <a:cs typeface="Times New Roman" panose="02020603050405020304" pitchFamily="18" charset="0"/>
+              </a:rPr>
+              <a:t>Develop an </a:t>
+            </a:r>
+            <a:r>
+              <a:rPr lang="en-US" sz="4400" b="1" dirty="0">
+                <a:latin typeface="Roboto" pitchFamily="2" charset="0"/>
+                <a:ea typeface="Roboto" pitchFamily="2" charset="0"/>
+                <a:cs typeface="Times New Roman" panose="02020603050405020304" pitchFamily="18" charset="0"/>
+              </a:rPr>
+              <a:t>autonomous framework </a:t>
+            </a:r>
+            <a:r>
+              <a:rPr lang="en-US" sz="4400" dirty="0">
+                <a:latin typeface="Roboto" pitchFamily="2" charset="0"/>
+                <a:ea typeface="Roboto" pitchFamily="2" charset="0"/>
+                <a:cs typeface="Times New Roman" panose="02020603050405020304" pitchFamily="18" charset="0"/>
+              </a:rPr>
+              <a:t>to lead the game</a:t>
+            </a:r>
+          </a:p>
+          <a:p>
+            <a:pPr marL="571500" indent="-571500">
+              <a:lnSpc>
+                <a:spcPct val="120000"/>
+              </a:lnSpc>
+              <a:buFont typeface="Arial" panose="020B0604020202020204" pitchFamily="34" charset="0"/>
+              <a:buChar char="•"/>
+            </a:pPr>
+            <a:r>
+              <a:rPr lang="en-US" sz="4400" dirty="0">
+                <a:latin typeface="Roboto" pitchFamily="2" charset="0"/>
+                <a:ea typeface="Roboto" pitchFamily="2" charset="0"/>
+                <a:cs typeface="Times New Roman" panose="02020603050405020304" pitchFamily="18" charset="0"/>
+              </a:rPr>
+              <a:t>Enlarge the dataset</a:t>
+            </a:r>
+          </a:p>
+          <a:p>
+            <a:pPr marL="571500" indent="-571500">
+              <a:lnSpc>
+                <a:spcPct val="120000"/>
+              </a:lnSpc>
+              <a:buFont typeface="Arial" panose="020B0604020202020204" pitchFamily="34" charset="0"/>
+              <a:buChar char="•"/>
+            </a:pPr>
+            <a:r>
+              <a:rPr lang="en-US" sz="4400" dirty="0">
+                <a:latin typeface="Roboto" pitchFamily="2" charset="0"/>
+                <a:ea typeface="Roboto" pitchFamily="2" charset="0"/>
+                <a:cs typeface="Times New Roman" panose="02020603050405020304" pitchFamily="18" charset="0"/>
+              </a:rPr>
+              <a:t>Improve the </a:t>
+            </a:r>
+            <a:r>
+              <a:rPr lang="en-US" sz="4400" b="1" dirty="0">
+                <a:latin typeface="Roboto" pitchFamily="2" charset="0"/>
+                <a:ea typeface="Roboto" pitchFamily="2" charset="0"/>
+                <a:cs typeface="Times New Roman" panose="02020603050405020304" pitchFamily="18" charset="0"/>
+              </a:rPr>
+              <a:t>heuristic function</a:t>
+            </a:r>
+            <a:r>
+              <a:rPr lang="en-US" sz="4400" dirty="0">
+                <a:latin typeface="Roboto" pitchFamily="2" charset="0"/>
+                <a:ea typeface="Roboto" pitchFamily="2" charset="0"/>
+                <a:cs typeface="Times New Roman" panose="02020603050405020304" pitchFamily="18" charset="0"/>
+              </a:rPr>
+              <a:t> and the </a:t>
+            </a:r>
+            <a:r>
+              <a:rPr lang="en-US" sz="4400" b="1" dirty="0">
+                <a:latin typeface="Roboto" pitchFamily="2" charset="0"/>
+                <a:ea typeface="Roboto" pitchFamily="2" charset="0"/>
+                <a:cs typeface="Times New Roman" panose="02020603050405020304" pitchFamily="18" charset="0"/>
+              </a:rPr>
+              <a:t>random forest classifier</a:t>
+            </a:r>
+          </a:p>
+        </p:txBody>
+      </p:sp>
+    </p:spTree>
+    <p:extLst>
+      <p:ext uri="{BB962C8B-B14F-4D97-AF65-F5344CB8AC3E}">
+        <p14:creationId xmlns:p14="http://schemas.microsoft.com/office/powerpoint/2010/main" val="2826657243"/>
+      </p:ext>
+    </p:extLst>
+  </p:cSld>
+  <p:clrMapOvr>
+    <a:masterClrMapping/>
+  </p:clrMapOvr>
+</p:sld>
+</file>
+
+<file path=ppt/slides/slide2.xml><?xml version="1.0" encoding="utf-8"?>
+<p:sld xmlns:a="http://schemas.openxmlformats.org/drawingml/2006/main" xmlns:r="http://schemas.openxmlformats.org/officeDocument/2006/relationships" xmlns:p="http://schemas.openxmlformats.org/presentationml/2006/main">
+  <p:cSld>
+    <p:spTree>
+      <p:nvGrpSpPr>
+        <p:cNvPr id="1" name=""/>
+        <p:cNvGrpSpPr/>
+        <p:nvPr/>
+      </p:nvGrpSpPr>
+      <p:grpSpPr>
+        <a:xfrm>
+          <a:off x="0" y="0"/>
+          <a:ext cx="0" cy="0"/>
+          <a:chOff x="0" y="0"/>
+          <a:chExt cx="0" cy="0"/>
+        </a:xfrm>
+      </p:grpSpPr>
+      <p:sp>
+        <p:nvSpPr>
+          <p:cNvPr id="11" name="Rectangle 10">
+            <a:extLst>
+              <a:ext uri="{FF2B5EF4-FFF2-40B4-BE49-F238E27FC236}">
+                <a16:creationId xmlns:a16="http://schemas.microsoft.com/office/drawing/2014/main" id="{0D074D9C-0647-4697-8C43-9C38EB7E0278}"/>
+              </a:ext>
+            </a:extLst>
+          </p:cNvPr>
+          <p:cNvSpPr/>
+          <p:nvPr/>
+        </p:nvSpPr>
+        <p:spPr>
+          <a:xfrm>
+            <a:off x="0" y="35397931"/>
+            <a:ext cx="30275213" cy="4869480"/>
+          </a:xfrm>
+          <a:prstGeom prst="rect">
+            <a:avLst/>
+          </a:prstGeom>
+          <a:solidFill>
+            <a:srgbClr val="0091EA"/>
+          </a:solidFill>
+          <a:ln>
+            <a:solidFill>
+              <a:schemeClr val="bg1"/>
+            </a:solidFill>
+          </a:ln>
+        </p:spPr>
+        <p:style>
+          <a:lnRef idx="2">
+            <a:schemeClr val="accent1">
+              <a:shade val="50000"/>
+            </a:schemeClr>
+          </a:lnRef>
+          <a:fillRef idx="1">
+            <a:schemeClr val="accent1"/>
+          </a:fillRef>
+          <a:effectRef idx="0">
+            <a:schemeClr val="accent1"/>
+          </a:effectRef>
+          <a:fontRef idx="minor">
+            <a:schemeClr val="lt1"/>
+          </a:fontRef>
+        </p:style>
+        <p:txBody>
+          <a:bodyPr rtlCol="0" anchor="ctr"/>
+          <a:lstStyle/>
+          <a:p>
+            <a:pPr algn="ctr"/>
+            <a:endParaRPr lang="en-US" sz="1703"/>
+          </a:p>
+        </p:txBody>
+      </p:sp>
+      <p:sp>
+        <p:nvSpPr>
+          <p:cNvPr id="10" name="Rectangle 9">
+            <a:extLst>
+              <a:ext uri="{FF2B5EF4-FFF2-40B4-BE49-F238E27FC236}">
+                <a16:creationId xmlns:a16="http://schemas.microsoft.com/office/drawing/2014/main" id="{030386EC-D1AC-48D0-B2EC-0AD1DA88A8AB}"/>
+              </a:ext>
+            </a:extLst>
+          </p:cNvPr>
+          <p:cNvSpPr/>
+          <p:nvPr/>
+        </p:nvSpPr>
+        <p:spPr>
+          <a:xfrm>
+            <a:off x="0" y="-1"/>
+            <a:ext cx="30275213" cy="9055928"/>
+          </a:xfrm>
+          <a:prstGeom prst="rect">
+            <a:avLst/>
+          </a:prstGeom>
+          <a:solidFill>
+            <a:srgbClr val="0091EA"/>
+          </a:solidFill>
+          <a:ln>
+            <a:solidFill>
+              <a:schemeClr val="bg1"/>
+            </a:solidFill>
+          </a:ln>
+        </p:spPr>
+        <p:style>
+          <a:lnRef idx="2">
+            <a:schemeClr val="accent1">
+              <a:shade val="50000"/>
+            </a:schemeClr>
+          </a:lnRef>
+          <a:fillRef idx="1">
+            <a:schemeClr val="accent1"/>
+          </a:fillRef>
+          <a:effectRef idx="0">
+            <a:schemeClr val="accent1"/>
+          </a:effectRef>
+          <a:fontRef idx="minor">
+            <a:schemeClr val="lt1"/>
+          </a:fontRef>
+        </p:style>
+        <p:txBody>
+          <a:bodyPr rtlCol="0" anchor="ctr"/>
+          <a:lstStyle/>
+          <a:p>
+            <a:pPr algn="ctr"/>
+            <a:endParaRPr lang="en-US" sz="1703"/>
+          </a:p>
+        </p:txBody>
+      </p:sp>
+      <p:sp>
+        <p:nvSpPr>
+          <p:cNvPr id="2" name="Rectangle 1">
+            <a:extLst>
+              <a:ext uri="{FF2B5EF4-FFF2-40B4-BE49-F238E27FC236}">
+                <a16:creationId xmlns:a16="http://schemas.microsoft.com/office/drawing/2014/main" id="{699EE2F9-E368-471F-966F-6846CB3D7866}"/>
+              </a:ext>
+            </a:extLst>
+          </p:cNvPr>
+          <p:cNvSpPr/>
+          <p:nvPr/>
+        </p:nvSpPr>
+        <p:spPr>
+          <a:xfrm>
+            <a:off x="499844" y="109831"/>
+            <a:ext cx="29037028" cy="8742906"/>
+          </a:xfrm>
+          <a:prstGeom prst="rect">
+            <a:avLst/>
+          </a:prstGeom>
+        </p:spPr>
+        <p:txBody>
+          <a:bodyPr wrap="square">
+            <a:spAutoFit/>
+          </a:bodyPr>
+          <a:lstStyle/>
+          <a:p>
+            <a:pPr>
+              <a:lnSpc>
+                <a:spcPct val="120000"/>
+              </a:lnSpc>
+              <a:spcBef>
+                <a:spcPts val="3600"/>
+              </a:spcBef>
+            </a:pPr>
+            <a:r>
+              <a:rPr lang="en-US" sz="16000" b="1" dirty="0">
+                <a:solidFill>
+                  <a:schemeClr val="bg1"/>
+                </a:solidFill>
+                <a:latin typeface="Lato Black" panose="020F0A02020204030203" pitchFamily="34" charset="0"/>
+                <a:ea typeface="Roboto" pitchFamily="2" charset="0"/>
+                <a:cs typeface="Arial" panose="020B0604020202020204" pitchFamily="34" charset="0"/>
+              </a:rPr>
+              <a:t>ICub detects your lies </a:t>
+            </a:r>
+            <a:r>
+              <a:rPr lang="en-US" sz="16000" dirty="0">
+                <a:solidFill>
+                  <a:schemeClr val="bg1"/>
+                </a:solidFill>
+                <a:latin typeface="Lato" panose="020F0502020204030203" pitchFamily="34" charset="0"/>
+                <a:ea typeface="Roboto" pitchFamily="2" charset="0"/>
+                <a:cs typeface="Arial" panose="020B0604020202020204" pitchFamily="34" charset="0"/>
+              </a:rPr>
+              <a:t>during a </a:t>
+            </a:r>
+            <a:r>
+              <a:rPr lang="en-US" sz="16000" b="1" dirty="0">
+                <a:solidFill>
+                  <a:schemeClr val="bg1"/>
+                </a:solidFill>
+                <a:latin typeface="Lato" panose="020F0502020204030203" pitchFamily="34" charset="0"/>
+                <a:ea typeface="Roboto" pitchFamily="2" charset="0"/>
+                <a:cs typeface="Arial" panose="020B0604020202020204" pitchFamily="34" charset="0"/>
+              </a:rPr>
+              <a:t>quick </a:t>
+            </a:r>
+            <a:r>
+              <a:rPr lang="en-US" sz="16000" dirty="0">
+                <a:solidFill>
+                  <a:schemeClr val="bg1"/>
+                </a:solidFill>
+                <a:latin typeface="Lato" panose="020F0502020204030203" pitchFamily="34" charset="0"/>
+                <a:ea typeface="Roboto" pitchFamily="2" charset="0"/>
+                <a:cs typeface="Arial" panose="020B0604020202020204" pitchFamily="34" charset="0"/>
+              </a:rPr>
+              <a:t>and </a:t>
+            </a:r>
+            <a:r>
+              <a:rPr lang="en-US" sz="16000" b="1" dirty="0">
+                <a:solidFill>
+                  <a:schemeClr val="bg1"/>
+                </a:solidFill>
+                <a:latin typeface="Lato" panose="020F0502020204030203" pitchFamily="34" charset="0"/>
+                <a:ea typeface="Roboto" pitchFamily="2" charset="0"/>
+                <a:cs typeface="Arial" panose="020B0604020202020204" pitchFamily="34" charset="0"/>
+              </a:rPr>
+              <a:t>entertaining</a:t>
+            </a:r>
+            <a:r>
+              <a:rPr lang="en-US" sz="16000" dirty="0">
+                <a:solidFill>
+                  <a:schemeClr val="bg1"/>
+                </a:solidFill>
+                <a:latin typeface="Lato" panose="020F0502020204030203" pitchFamily="34" charset="0"/>
+                <a:ea typeface="Roboto" pitchFamily="2" charset="0"/>
+                <a:cs typeface="Arial" panose="020B0604020202020204" pitchFamily="34" charset="0"/>
+              </a:rPr>
+              <a:t> </a:t>
+            </a:r>
+            <a:br>
+              <a:rPr lang="en-US" sz="16000" dirty="0">
+                <a:solidFill>
+                  <a:schemeClr val="bg1"/>
+                </a:solidFill>
+                <a:latin typeface="Lato" panose="020F0502020204030203" pitchFamily="34" charset="0"/>
+                <a:ea typeface="Roboto" pitchFamily="2" charset="0"/>
+                <a:cs typeface="Arial" panose="020B0604020202020204" pitchFamily="34" charset="0"/>
+              </a:rPr>
+            </a:br>
+            <a:r>
+              <a:rPr lang="en-US" sz="16000" dirty="0">
+                <a:solidFill>
+                  <a:schemeClr val="bg1"/>
+                </a:solidFill>
+                <a:latin typeface="Lato" panose="020F0502020204030203" pitchFamily="34" charset="0"/>
+                <a:ea typeface="Roboto" pitchFamily="2" charset="0"/>
+                <a:cs typeface="Arial" panose="020B0604020202020204" pitchFamily="34" charset="0"/>
+              </a:rPr>
+              <a:t>Magic Trick</a:t>
+            </a:r>
+            <a:endParaRPr lang="en-US" sz="16000" dirty="0"/>
+          </a:p>
+        </p:txBody>
+      </p:sp>
+      <p:sp>
+        <p:nvSpPr>
           <p:cNvPr id="3" name="Rectangle 2">
             <a:extLst>
               <a:ext uri="{FF2B5EF4-FFF2-40B4-BE49-F238E27FC236}">
@@ -3349,42 +8224,6 @@
           </a:p>
         </p:txBody>
       </p:sp>
-      <p:pic>
-        <p:nvPicPr>
-          <p:cNvPr id="7" name="Picture 6" descr="A picture containing drawing&#10;&#10;Description automatically generated">
-            <a:extLst>
-              <a:ext uri="{FF2B5EF4-FFF2-40B4-BE49-F238E27FC236}">
-                <a16:creationId xmlns:a16="http://schemas.microsoft.com/office/drawing/2014/main" id="{4BD3D71A-C553-49C9-B9CD-F16E071960F2}"/>
-              </a:ext>
-            </a:extLst>
-          </p:cNvPr>
-          <p:cNvPicPr preferRelativeResize="0">
-            <a:picLocks noChangeAspect="1"/>
-          </p:cNvPicPr>
-          <p:nvPr/>
-        </p:nvPicPr>
-        <p:blipFill>
-          <a:blip r:embed="rId2">
-            <a:extLst>
-              <a:ext uri="{28A0092B-C50C-407E-A947-70E740481C1C}">
-                <a14:useLocalDpi xmlns:a14="http://schemas.microsoft.com/office/drawing/2010/main" val="0"/>
-              </a:ext>
-            </a:extLst>
-          </a:blip>
-          <a:stretch>
-            <a:fillRect/>
-          </a:stretch>
-        </p:blipFill>
-        <p:spPr>
-          <a:xfrm>
-            <a:off x="25669685" y="35747692"/>
-            <a:ext cx="4204404" cy="4204404"/>
-          </a:xfrm>
-          <a:prstGeom prst="rect">
-            <a:avLst/>
-          </a:prstGeom>
-        </p:spPr>
-      </p:pic>
       <p:sp>
         <p:nvSpPr>
           <p:cNvPr id="15" name="Graphic 7">
@@ -3824,56 +8663,7 @@
                 <a:latin typeface="Lato Black" panose="020F0A02020204030203" pitchFamily="34" charset="0"/>
                 <a:cs typeface="Arial" panose="020B0604020202020204" pitchFamily="34" charset="0"/>
               </a:rPr>
-              <a:t>Take a picture</a:t>
-            </a:r>
-            <a:r>
-              <a:rPr lang="en-US" sz="4800" b="1" dirty="0">
-                <a:solidFill>
-                  <a:schemeClr val="bg1"/>
-                </a:solidFill>
-                <a:latin typeface="Lato" panose="020F0502020204030203" pitchFamily="34" charset="0"/>
-                <a:cs typeface="Arial" panose="020B0604020202020204" pitchFamily="34" charset="0"/>
-              </a:rPr>
-              <a:t> to </a:t>
-            </a:r>
-            <a:br>
-              <a:rPr lang="en-US" sz="4800" b="1" dirty="0">
-                <a:solidFill>
-                  <a:schemeClr val="bg1"/>
-                </a:solidFill>
-                <a:latin typeface="Lato" panose="020F0502020204030203" pitchFamily="34" charset="0"/>
-                <a:cs typeface="Arial" panose="020B0604020202020204" pitchFamily="34" charset="0"/>
-              </a:rPr>
-            </a:br>
-            <a:r>
-              <a:rPr lang="en-US" sz="4800" b="1" dirty="0">
-                <a:solidFill>
-                  <a:schemeClr val="bg1"/>
-                </a:solidFill>
-                <a:latin typeface="Lato Black" panose="020F0A02020204030203" pitchFamily="34" charset="0"/>
-                <a:cs typeface="Arial" panose="020B0604020202020204" pitchFamily="34" charset="0"/>
-              </a:rPr>
-              <a:t>download</a:t>
-            </a:r>
-            <a:r>
-              <a:rPr lang="en-US" sz="4800" b="1" dirty="0">
-                <a:solidFill>
-                  <a:schemeClr val="bg1"/>
-                </a:solidFill>
-                <a:latin typeface="Lato" panose="020F0502020204030203" pitchFamily="34" charset="0"/>
-                <a:cs typeface="Arial" panose="020B0604020202020204" pitchFamily="34" charset="0"/>
-              </a:rPr>
-              <a:t> the </a:t>
-            </a:r>
-            <a:r>
-              <a:rPr lang="en-US" sz="4800" b="1" dirty="0">
-                <a:solidFill>
-                  <a:schemeClr val="bg1"/>
-                </a:solidFill>
-                <a:latin typeface="Lato Black" panose="020F0A02020204030203" pitchFamily="34" charset="0"/>
-                <a:cs typeface="Arial" panose="020B0604020202020204" pitchFamily="34" charset="0"/>
-              </a:rPr>
-              <a:t>full paper</a:t>
+              <a:t>Take a picture to get contacts and full paper</a:t>
             </a:r>
           </a:p>
         </p:txBody>
@@ -3939,8 +8729,8 @@
         </p:nvGrpSpPr>
         <p:grpSpPr>
           <a:xfrm>
-            <a:off x="807940" y="36456973"/>
-            <a:ext cx="3027363" cy="2700000"/>
+            <a:off x="414725" y="36276651"/>
+            <a:ext cx="3822641" cy="3409281"/>
             <a:chOff x="225570" y="35394899"/>
             <a:chExt cx="4317544" cy="3850663"/>
           </a:xfrm>
@@ -4014,11 +8804,11 @@
             <p:nvPr/>
           </p:nvPicPr>
           <p:blipFill rotWithShape="1">
-            <a:blip r:embed="rId3" cstate="print">
+            <a:blip r:embed="rId2" cstate="print">
               <a:extLst>
                 <a:ext uri="{BEBA8EAE-BF5A-486C-A8C5-ECC9F3942E4B}">
                   <a14:imgProps xmlns:a14="http://schemas.microsoft.com/office/drawing/2010/main">
-                    <a14:imgLayer r:embed="rId4">
+                    <a14:imgLayer r:embed="rId3">
                       <a14:imgEffect>
                         <a14:brightnessContrast contrast="40000"/>
                       </a14:imgEffect>
@@ -4075,8 +8865,8 @@
         </p:nvGrpSpPr>
         <p:grpSpPr>
           <a:xfrm>
-            <a:off x="5227517" y="36461905"/>
-            <a:ext cx="2684086" cy="2700000"/>
+            <a:off x="4692441" y="36285072"/>
+            <a:ext cx="3380814" cy="3400859"/>
             <a:chOff x="4879639" y="35389624"/>
             <a:chExt cx="3692861" cy="3714751"/>
           </a:xfrm>
@@ -4150,7 +8940,7 @@
             <p:nvPr/>
           </p:nvPicPr>
           <p:blipFill rotWithShape="1">
-            <a:blip r:embed="rId5" cstate="print">
+            <a:blip r:embed="rId4" cstate="print">
               <a:extLst>
                 <a:ext uri="{28A0092B-C50C-407E-A947-70E740481C1C}">
                   <a14:useLocalDpi xmlns:a14="http://schemas.microsoft.com/office/drawing/2010/main" val="0"/>
@@ -4196,7 +8986,7 @@
           <p:nvPr/>
         </p:nvPicPr>
         <p:blipFill rotWithShape="1">
-          <a:blip r:embed="rId6">
+          <a:blip r:embed="rId5">
             <a:extLst>
               <a:ext uri="{28A0092B-C50C-407E-A947-70E740481C1C}">
                 <a14:useLocalDpi xmlns:a14="http://schemas.microsoft.com/office/drawing/2010/main" val="0"/>
@@ -4208,8 +8998,8 @@
         </p:blipFill>
         <p:spPr bwMode="auto">
           <a:xfrm>
-            <a:off x="9249842" y="36433292"/>
-            <a:ext cx="2500296" cy="3096000"/>
+            <a:off x="8874220" y="36335244"/>
+            <a:ext cx="2794122" cy="3459831"/>
           </a:xfrm>
           <a:prstGeom prst="rect">
             <a:avLst/>
@@ -4240,8 +9030,8 @@
         </p:nvGrpSpPr>
         <p:grpSpPr>
           <a:xfrm>
-            <a:off x="12562328" y="37153412"/>
-            <a:ext cx="4668765" cy="1692377"/>
+            <a:off x="12299415" y="36876148"/>
+            <a:ext cx="5676381" cy="2192664"/>
             <a:chOff x="11996912" y="36004500"/>
             <a:chExt cx="4668765" cy="1692377"/>
           </a:xfrm>
@@ -4315,7 +9105,7 @@
             <p:nvPr/>
           </p:nvPicPr>
           <p:blipFill>
-            <a:blip r:embed="rId7" cstate="print">
+            <a:blip r:embed="rId6" cstate="print">
               <a:extLst>
                 <a:ext uri="{28A0092B-C50C-407E-A947-70E740481C1C}">
                   <a14:useLocalDpi xmlns:a14="http://schemas.microsoft.com/office/drawing/2010/main" val="0"/>
@@ -4918,13 +9708,13 @@
           <p:nvPr/>
         </p:nvPicPr>
         <p:blipFill>
-          <a:blip r:embed="rId8">
+          <a:blip r:embed="rId7">
             <a:extLst>
               <a:ext uri="{28A0092B-C50C-407E-A947-70E740481C1C}">
                 <a14:useLocalDpi xmlns:a14="http://schemas.microsoft.com/office/drawing/2010/main" val="0"/>
               </a:ext>
               <a:ext uri="{96DAC541-7B7A-43D3-8B79-37D633B846F1}">
-                <asvg:svgBlip xmlns:asvg="http://schemas.microsoft.com/office/drawing/2016/SVG/main" r:embed="rId9"/>
+                <asvg:svgBlip xmlns:asvg="http://schemas.microsoft.com/office/drawing/2016/SVG/main" r:embed="rId8"/>
               </a:ext>
             </a:extLst>
           </a:blip>
@@ -5069,7 +9859,7 @@
           <p:nvPr/>
         </p:nvPicPr>
         <p:blipFill>
-          <a:blip r:embed="rId10">
+          <a:blip r:embed="rId9">
             <a:extLst>
               <a:ext uri="{28A0092B-C50C-407E-A947-70E740481C1C}">
                 <a14:useLocalDpi xmlns:a14="http://schemas.microsoft.com/office/drawing/2010/main" val="0"/>
@@ -5272,7 +10062,7 @@
                 <p:nvPr/>
               </p:nvPicPr>
               <p:blipFill>
-                <a:blip r:embed="rId11">
+                <a:blip r:embed="rId10">
                   <a:extLst>
                     <a:ext uri="{28A0092B-C50C-407E-A947-70E740481C1C}">
                       <a14:useLocalDpi xmlns:a14="http://schemas.microsoft.com/office/drawing/2010/main" val="0"/>
@@ -5380,7 +10170,7 @@
                 <p:nvPr/>
               </p:nvPicPr>
               <p:blipFill>
-                <a:blip r:embed="rId12">
+                <a:blip r:embed="rId11">
                   <a:extLst>
                     <a:ext uri="{28A0092B-C50C-407E-A947-70E740481C1C}">
                       <a14:useLocalDpi xmlns:a14="http://schemas.microsoft.com/office/drawing/2010/main" val="0"/>
@@ -5469,7 +10259,7 @@
           <p:nvPr/>
         </p:nvPicPr>
         <p:blipFill>
-          <a:blip r:embed="rId13">
+          <a:blip r:embed="rId12">
             <a:extLst>
               <a:ext uri="{28A0092B-C50C-407E-A947-70E740481C1C}">
                 <a14:useLocalDpi xmlns:a14="http://schemas.microsoft.com/office/drawing/2010/main" val="0"/>
@@ -5992,7 +10782,7 @@
           <p:nvPr/>
         </p:nvPicPr>
         <p:blipFill rotWithShape="1">
-          <a:blip r:embed="rId14">
+          <a:blip r:embed="rId13">
             <a:extLst>
               <a:ext uri="{28A0092B-C50C-407E-A947-70E740481C1C}">
                 <a14:useLocalDpi xmlns:a14="http://schemas.microsoft.com/office/drawing/2010/main" val="0"/>
@@ -6433,419 +11223,12 @@
           </a:p>
         </p:txBody>
       </p:sp>
-    </p:spTree>
-    <p:extLst>
-      <p:ext uri="{BB962C8B-B14F-4D97-AF65-F5344CB8AC3E}">
-        <p14:creationId xmlns:p14="http://schemas.microsoft.com/office/powerpoint/2010/main" val="662819743"/>
-      </p:ext>
-    </p:extLst>
-  </p:cSld>
-  <p:clrMapOvr>
-    <a:masterClrMapping/>
-  </p:clrMapOvr>
-</p:sld>
-</file>
-
-<file path=ppt/slides/slide2.xml><?xml version="1.0" encoding="utf-8"?>
-<p:sld xmlns:a="http://schemas.openxmlformats.org/drawingml/2006/main" xmlns:r="http://schemas.openxmlformats.org/officeDocument/2006/relationships" xmlns:p="http://schemas.openxmlformats.org/presentationml/2006/main">
-  <p:cSld>
-    <p:spTree>
-      <p:nvGrpSpPr>
-        <p:cNvPr id="1" name=""/>
-        <p:cNvGrpSpPr/>
-        <p:nvPr/>
-      </p:nvGrpSpPr>
-      <p:grpSpPr>
-        <a:xfrm>
-          <a:off x="0" y="0"/>
-          <a:ext cx="0" cy="0"/>
-          <a:chOff x="0" y="0"/>
-          <a:chExt cx="0" cy="0"/>
-        </a:xfrm>
-      </p:grpSpPr>
-      <p:sp>
-        <p:nvSpPr>
-          <p:cNvPr id="11" name="Rectangle 10">
+      <p:pic>
+        <p:nvPicPr>
+          <p:cNvPr id="57" name="Picture 6">
             <a:extLst>
               <a:ext uri="{FF2B5EF4-FFF2-40B4-BE49-F238E27FC236}">
-                <a16:creationId xmlns:a16="http://schemas.microsoft.com/office/drawing/2014/main" id="{0D074D9C-0647-4697-8C43-9C38EB7E0278}"/>
-              </a:ext>
-            </a:extLst>
-          </p:cNvPr>
-          <p:cNvSpPr/>
-          <p:nvPr/>
-        </p:nvSpPr>
-        <p:spPr>
-          <a:xfrm>
-            <a:off x="0" y="35397931"/>
-            <a:ext cx="30275213" cy="4869480"/>
-          </a:xfrm>
-          <a:prstGeom prst="rect">
-            <a:avLst/>
-          </a:prstGeom>
-          <a:solidFill>
-            <a:srgbClr val="0091EA"/>
-          </a:solidFill>
-          <a:ln>
-            <a:solidFill>
-              <a:schemeClr val="bg1"/>
-            </a:solidFill>
-          </a:ln>
-        </p:spPr>
-        <p:style>
-          <a:lnRef idx="2">
-            <a:schemeClr val="accent1">
-              <a:shade val="50000"/>
-            </a:schemeClr>
-          </a:lnRef>
-          <a:fillRef idx="1">
-            <a:schemeClr val="accent1"/>
-          </a:fillRef>
-          <a:effectRef idx="0">
-            <a:schemeClr val="accent1"/>
-          </a:effectRef>
-          <a:fontRef idx="minor">
-            <a:schemeClr val="lt1"/>
-          </a:fontRef>
-        </p:style>
-        <p:txBody>
-          <a:bodyPr rtlCol="0" anchor="ctr"/>
-          <a:lstStyle/>
-          <a:p>
-            <a:pPr algn="ctr"/>
-            <a:endParaRPr lang="en-US" sz="1703"/>
-          </a:p>
-        </p:txBody>
-      </p:sp>
-      <p:sp>
-        <p:nvSpPr>
-          <p:cNvPr id="10" name="Rectangle 9">
-            <a:extLst>
-              <a:ext uri="{FF2B5EF4-FFF2-40B4-BE49-F238E27FC236}">
-                <a16:creationId xmlns:a16="http://schemas.microsoft.com/office/drawing/2014/main" id="{030386EC-D1AC-48D0-B2EC-0AD1DA88A8AB}"/>
-              </a:ext>
-            </a:extLst>
-          </p:cNvPr>
-          <p:cNvSpPr/>
-          <p:nvPr/>
-        </p:nvSpPr>
-        <p:spPr>
-          <a:xfrm>
-            <a:off x="0" y="-1"/>
-            <a:ext cx="30275213" cy="9055928"/>
-          </a:xfrm>
-          <a:prstGeom prst="rect">
-            <a:avLst/>
-          </a:prstGeom>
-          <a:solidFill>
-            <a:srgbClr val="0091EA"/>
-          </a:solidFill>
-          <a:ln>
-            <a:solidFill>
-              <a:schemeClr val="bg1"/>
-            </a:solidFill>
-          </a:ln>
-        </p:spPr>
-        <p:style>
-          <a:lnRef idx="2">
-            <a:schemeClr val="accent1">
-              <a:shade val="50000"/>
-            </a:schemeClr>
-          </a:lnRef>
-          <a:fillRef idx="1">
-            <a:schemeClr val="accent1"/>
-          </a:fillRef>
-          <a:effectRef idx="0">
-            <a:schemeClr val="accent1"/>
-          </a:effectRef>
-          <a:fontRef idx="minor">
-            <a:schemeClr val="lt1"/>
-          </a:fontRef>
-        </p:style>
-        <p:txBody>
-          <a:bodyPr rtlCol="0" anchor="ctr"/>
-          <a:lstStyle/>
-          <a:p>
-            <a:pPr algn="ctr"/>
-            <a:endParaRPr lang="en-US" sz="1703"/>
-          </a:p>
-        </p:txBody>
-      </p:sp>
-      <p:sp>
-        <p:nvSpPr>
-          <p:cNvPr id="2" name="Rectangle 1">
-            <a:extLst>
-              <a:ext uri="{FF2B5EF4-FFF2-40B4-BE49-F238E27FC236}">
-                <a16:creationId xmlns:a16="http://schemas.microsoft.com/office/drawing/2014/main" id="{699EE2F9-E368-471F-966F-6846CB3D7866}"/>
-              </a:ext>
-            </a:extLst>
-          </p:cNvPr>
-          <p:cNvSpPr/>
-          <p:nvPr/>
-        </p:nvSpPr>
-        <p:spPr>
-          <a:xfrm>
-            <a:off x="499844" y="109831"/>
-            <a:ext cx="29037028" cy="8742906"/>
-          </a:xfrm>
-          <a:prstGeom prst="rect">
-            <a:avLst/>
-          </a:prstGeom>
-        </p:spPr>
-        <p:txBody>
-          <a:bodyPr wrap="square">
-            <a:spAutoFit/>
-          </a:bodyPr>
-          <a:lstStyle/>
-          <a:p>
-            <a:pPr>
-              <a:lnSpc>
-                <a:spcPct val="120000"/>
-              </a:lnSpc>
-              <a:spcBef>
-                <a:spcPts val="3600"/>
-              </a:spcBef>
-            </a:pPr>
-            <a:r>
-              <a:rPr lang="en-US" sz="16000" b="1" dirty="0">
-                <a:solidFill>
-                  <a:schemeClr val="bg1"/>
-                </a:solidFill>
-                <a:latin typeface="Lato Black" panose="020F0A02020204030203" pitchFamily="34" charset="0"/>
-                <a:ea typeface="Roboto" pitchFamily="2" charset="0"/>
-                <a:cs typeface="Arial" panose="020B0604020202020204" pitchFamily="34" charset="0"/>
-              </a:rPr>
-              <a:t>ICub detects your lies </a:t>
-            </a:r>
-            <a:r>
-              <a:rPr lang="en-US" sz="16000" dirty="0">
-                <a:solidFill>
-                  <a:schemeClr val="bg1"/>
-                </a:solidFill>
-                <a:latin typeface="Lato" panose="020F0502020204030203" pitchFamily="34" charset="0"/>
-                <a:ea typeface="Roboto" pitchFamily="2" charset="0"/>
-                <a:cs typeface="Arial" panose="020B0604020202020204" pitchFamily="34" charset="0"/>
-              </a:rPr>
-              <a:t>during a </a:t>
-            </a:r>
-            <a:r>
-              <a:rPr lang="en-US" sz="16000" b="1" dirty="0">
-                <a:solidFill>
-                  <a:schemeClr val="bg1"/>
-                </a:solidFill>
-                <a:latin typeface="Lato" panose="020F0502020204030203" pitchFamily="34" charset="0"/>
-                <a:ea typeface="Roboto" pitchFamily="2" charset="0"/>
-                <a:cs typeface="Arial" panose="020B0604020202020204" pitchFamily="34" charset="0"/>
-              </a:rPr>
-              <a:t>quick </a:t>
-            </a:r>
-            <a:r>
-              <a:rPr lang="en-US" sz="16000" dirty="0">
-                <a:solidFill>
-                  <a:schemeClr val="bg1"/>
-                </a:solidFill>
-                <a:latin typeface="Lato" panose="020F0502020204030203" pitchFamily="34" charset="0"/>
-                <a:ea typeface="Roboto" pitchFamily="2" charset="0"/>
-                <a:cs typeface="Arial" panose="020B0604020202020204" pitchFamily="34" charset="0"/>
-              </a:rPr>
-              <a:t>and </a:t>
-            </a:r>
-            <a:r>
-              <a:rPr lang="en-US" sz="16000" b="1" dirty="0">
-                <a:solidFill>
-                  <a:schemeClr val="bg1"/>
-                </a:solidFill>
-                <a:latin typeface="Lato" panose="020F0502020204030203" pitchFamily="34" charset="0"/>
-                <a:ea typeface="Roboto" pitchFamily="2" charset="0"/>
-                <a:cs typeface="Arial" panose="020B0604020202020204" pitchFamily="34" charset="0"/>
-              </a:rPr>
-              <a:t>entertaining</a:t>
-            </a:r>
-            <a:r>
-              <a:rPr lang="en-US" sz="16000" dirty="0">
-                <a:solidFill>
-                  <a:schemeClr val="bg1"/>
-                </a:solidFill>
-                <a:latin typeface="Lato" panose="020F0502020204030203" pitchFamily="34" charset="0"/>
-                <a:ea typeface="Roboto" pitchFamily="2" charset="0"/>
-                <a:cs typeface="Arial" panose="020B0604020202020204" pitchFamily="34" charset="0"/>
-              </a:rPr>
-              <a:t> </a:t>
-            </a:r>
-            <a:br>
-              <a:rPr lang="en-US" sz="16000" dirty="0">
-                <a:solidFill>
-                  <a:schemeClr val="bg1"/>
-                </a:solidFill>
-                <a:latin typeface="Lato" panose="020F0502020204030203" pitchFamily="34" charset="0"/>
-                <a:ea typeface="Roboto" pitchFamily="2" charset="0"/>
-                <a:cs typeface="Arial" panose="020B0604020202020204" pitchFamily="34" charset="0"/>
-              </a:rPr>
-            </a:br>
-            <a:r>
-              <a:rPr lang="en-US" sz="16000" dirty="0">
-                <a:solidFill>
-                  <a:schemeClr val="bg1"/>
-                </a:solidFill>
-                <a:latin typeface="Lato" panose="020F0502020204030203" pitchFamily="34" charset="0"/>
-                <a:ea typeface="Roboto" pitchFamily="2" charset="0"/>
-                <a:cs typeface="Arial" panose="020B0604020202020204" pitchFamily="34" charset="0"/>
-              </a:rPr>
-              <a:t>Magic Trick</a:t>
-            </a:r>
-            <a:endParaRPr lang="en-US" sz="16000" dirty="0"/>
-          </a:p>
-        </p:txBody>
-      </p:sp>
-      <p:sp>
-        <p:nvSpPr>
-          <p:cNvPr id="3" name="Rectangle 2">
-            <a:extLst>
-              <a:ext uri="{FF2B5EF4-FFF2-40B4-BE49-F238E27FC236}">
-                <a16:creationId xmlns:a16="http://schemas.microsoft.com/office/drawing/2014/main" id="{643038D2-6694-4FF1-AFD6-35D55E87C41A}"/>
-              </a:ext>
-            </a:extLst>
-          </p:cNvPr>
-          <p:cNvSpPr/>
-          <p:nvPr/>
-        </p:nvSpPr>
-        <p:spPr>
-          <a:xfrm>
-            <a:off x="584439" y="21859287"/>
-            <a:ext cx="8371578" cy="2700739"/>
-          </a:xfrm>
-          <a:prstGeom prst="rect">
-            <a:avLst/>
-          </a:prstGeom>
-        </p:spPr>
-        <p:txBody>
-          <a:bodyPr wrap="square">
-            <a:spAutoFit/>
-          </a:bodyPr>
-          <a:lstStyle/>
-          <a:p>
-            <a:pPr>
-              <a:lnSpc>
-                <a:spcPct val="120000"/>
-              </a:lnSpc>
-            </a:pPr>
-            <a:r>
-              <a:rPr lang="en-US" sz="3600" b="1" dirty="0">
-                <a:latin typeface="Roboto" pitchFamily="2" charset="0"/>
-                <a:ea typeface="Roboto" pitchFamily="2" charset="0"/>
-                <a:cs typeface="Arial" panose="020B0604020202020204" pitchFamily="34" charset="0"/>
-              </a:rPr>
-              <a:t>DATA ANALYSIS</a:t>
-            </a:r>
-          </a:p>
-          <a:p>
-            <a:pPr algn="just">
-              <a:lnSpc>
-                <a:spcPct val="120000"/>
-              </a:lnSpc>
-            </a:pPr>
-            <a:r>
-              <a:rPr lang="en-US" sz="3600" dirty="0">
-                <a:latin typeface="Roboto" pitchFamily="2" charset="0"/>
-                <a:ea typeface="Roboto" pitchFamily="2" charset="0"/>
-                <a:cs typeface="Times New Roman" panose="02020603050405020304" pitchFamily="18" charset="0"/>
-              </a:rPr>
-              <a:t>Mean pupil dilation </a:t>
-            </a:r>
-            <a:r>
-              <a:rPr lang="en-US" sz="3600" b="1" dirty="0" err="1">
-                <a:latin typeface="Roboto" pitchFamily="2" charset="0"/>
-                <a:ea typeface="Roboto" pitchFamily="2" charset="0"/>
-                <a:cs typeface="Times New Roman" panose="02020603050405020304" pitchFamily="18" charset="0"/>
-              </a:rPr>
-              <a:t>posthoc</a:t>
-            </a:r>
-            <a:r>
-              <a:rPr lang="en-US" sz="3600" b="1" dirty="0">
-                <a:latin typeface="Roboto" pitchFamily="2" charset="0"/>
-                <a:ea typeface="Roboto" pitchFamily="2" charset="0"/>
-                <a:cs typeface="Times New Roman" panose="02020603050405020304" pitchFamily="18" charset="0"/>
-              </a:rPr>
-              <a:t> </a:t>
-            </a:r>
-            <a:r>
-              <a:rPr lang="en-US" sz="3600" dirty="0">
-                <a:latin typeface="Roboto" pitchFamily="2" charset="0"/>
-                <a:ea typeface="Roboto" pitchFamily="2" charset="0"/>
-                <a:cs typeface="Times New Roman" panose="02020603050405020304" pitchFamily="18" charset="0"/>
-              </a:rPr>
-              <a:t>computed during POINT, </a:t>
-            </a:r>
-            <a:r>
-              <a:rPr lang="en-US" sz="3600" b="1" dirty="0">
-                <a:latin typeface="Roboto" pitchFamily="2" charset="0"/>
-                <a:ea typeface="Roboto" pitchFamily="2" charset="0"/>
-                <a:cs typeface="Times New Roman" panose="02020603050405020304" pitchFamily="18" charset="0"/>
-              </a:rPr>
-              <a:t>REACT and DESCR </a:t>
-            </a:r>
-            <a:r>
-              <a:rPr lang="en-US" sz="3600" dirty="0">
-                <a:latin typeface="Roboto" pitchFamily="2" charset="0"/>
-                <a:ea typeface="Roboto" pitchFamily="2" charset="0"/>
-                <a:cs typeface="Times New Roman" panose="02020603050405020304" pitchFamily="18" charset="0"/>
-              </a:rPr>
-              <a:t>intervals for each card</a:t>
-            </a:r>
-          </a:p>
-        </p:txBody>
-      </p:sp>
-      <p:sp>
-        <p:nvSpPr>
-          <p:cNvPr id="16" name="TextBox 15">
-            <a:extLst>
-              <a:ext uri="{FF2B5EF4-FFF2-40B4-BE49-F238E27FC236}">
-                <a16:creationId xmlns:a16="http://schemas.microsoft.com/office/drawing/2014/main" id="{FEF09AAC-A47D-43E5-A106-FABBAC32BA3E}"/>
-              </a:ext>
-            </a:extLst>
-          </p:cNvPr>
-          <p:cNvSpPr txBox="1"/>
-          <p:nvPr/>
-        </p:nvSpPr>
-        <p:spPr>
-          <a:xfrm>
-            <a:off x="198450" y="9141570"/>
-            <a:ext cx="29338422" cy="1169551"/>
-          </a:xfrm>
-          <a:prstGeom prst="rect">
-            <a:avLst/>
-          </a:prstGeom>
-          <a:noFill/>
-        </p:spPr>
-        <p:txBody>
-          <a:bodyPr wrap="square" rtlCol="0">
-            <a:spAutoFit/>
-          </a:bodyPr>
-          <a:lstStyle/>
-          <a:p>
-            <a:r>
-              <a:rPr lang="en-US" sz="7000" b="1" dirty="0">
-                <a:latin typeface="Lato" panose="020F0502020204030203" pitchFamily="34" charset="0"/>
-                <a:cs typeface="Lato" panose="020F0502020204030203" pitchFamily="34" charset="0"/>
-              </a:rPr>
-              <a:t>Your Eyes Never Lie: </a:t>
-            </a:r>
-            <a:r>
-              <a:rPr lang="en-US" sz="7000" b="1" dirty="0">
-                <a:latin typeface="Lato" panose="020F0502020204030203" pitchFamily="34" charset="0"/>
-              </a:rPr>
-              <a:t>A Robot Magician Can Tell if You Are Lying</a:t>
-            </a:r>
-            <a:endParaRPr lang="en-US" sz="7000" dirty="0"/>
-          </a:p>
-        </p:txBody>
-      </p:sp>
-      <p:pic>
-        <p:nvPicPr>
-          <p:cNvPr id="7" name="Picture 6" descr="A picture containing drawing&#10;&#10;Description automatically generated">
-            <a:extLst>
-              <a:ext uri="{FF2B5EF4-FFF2-40B4-BE49-F238E27FC236}">
-                <a16:creationId xmlns:a16="http://schemas.microsoft.com/office/drawing/2014/main" id="{4BD3D71A-C553-49C9-B9CD-F16E071960F2}"/>
+                <a16:creationId xmlns:a16="http://schemas.microsoft.com/office/drawing/2014/main" id="{6B50FB3B-E097-43B0-B7C5-516B03BC5B84}"/>
               </a:ext>
             </a:extLst>
           </p:cNvPr>
@@ -6855,16 +11238,18 @@
           <p:nvPr/>
         </p:nvPicPr>
         <p:blipFill>
-          <a:blip r:embed="rId2">
+          <a:blip r:embed="rId14">
             <a:extLst>
               <a:ext uri="{28A0092B-C50C-407E-A947-70E740481C1C}">
                 <a14:useLocalDpi xmlns:a14="http://schemas.microsoft.com/office/drawing/2010/main" val="0"/>
               </a:ext>
+              <a:ext uri="{96DAC541-7B7A-43D3-8B79-37D633B846F1}">
+                <asvg:svgBlip xmlns:asvg="http://schemas.microsoft.com/office/drawing/2016/SVG/main" r:embed="rId15"/>
+              </a:ext>
             </a:extLst>
           </a:blip>
-          <a:stretch>
-            <a:fillRect/>
-          </a:stretch>
+          <a:srcRect/>
+          <a:stretch/>
         </p:blipFill>
         <p:spPr>
           <a:xfrm>
@@ -6876,2916 +11261,10 @@
           </a:prstGeom>
         </p:spPr>
       </p:pic>
-      <p:sp>
-        <p:nvSpPr>
-          <p:cNvPr id="15" name="Graphic 7">
-            <a:extLst>
-              <a:ext uri="{FF2B5EF4-FFF2-40B4-BE49-F238E27FC236}">
-                <a16:creationId xmlns:a16="http://schemas.microsoft.com/office/drawing/2014/main" id="{2A09F7EA-421E-467D-888B-42C85FCEEDE3}"/>
-              </a:ext>
-            </a:extLst>
-          </p:cNvPr>
-          <p:cNvSpPr>
-            <a:spLocks noChangeAspect="1"/>
-          </p:cNvSpPr>
-          <p:nvPr/>
-        </p:nvSpPr>
-        <p:spPr>
-          <a:xfrm>
-            <a:off x="24053481" y="38430346"/>
-            <a:ext cx="879763" cy="1521750"/>
-          </a:xfrm>
-          <a:custGeom>
-            <a:avLst/>
-            <a:gdLst>
-              <a:gd name="connsiteX0" fmla="*/ 321256 w 2089376"/>
-              <a:gd name="connsiteY0" fmla="*/ 0 h 3614056"/>
-              <a:gd name="connsiteX1" fmla="*/ 0 w 2089376"/>
-              <a:gd name="connsiteY1" fmla="*/ 321256 h 3614056"/>
-              <a:gd name="connsiteX2" fmla="*/ 0 w 2089376"/>
-              <a:gd name="connsiteY2" fmla="*/ 3292801 h 3614056"/>
-              <a:gd name="connsiteX3" fmla="*/ 321256 w 2089376"/>
-              <a:gd name="connsiteY3" fmla="*/ 3614057 h 3614056"/>
-              <a:gd name="connsiteX4" fmla="*/ 1815047 w 2089376"/>
-              <a:gd name="connsiteY4" fmla="*/ 3614057 h 3614056"/>
-              <a:gd name="connsiteX5" fmla="*/ 2136303 w 2089376"/>
-              <a:gd name="connsiteY5" fmla="*/ 3292801 h 3614056"/>
-              <a:gd name="connsiteX6" fmla="*/ 2136303 w 2089376"/>
-              <a:gd name="connsiteY6" fmla="*/ 321256 h 3614056"/>
-              <a:gd name="connsiteX7" fmla="*/ 1815047 w 2089376"/>
-              <a:gd name="connsiteY7" fmla="*/ 0 h 3614056"/>
-              <a:gd name="connsiteX8" fmla="*/ 321256 w 2089376"/>
-              <a:gd name="connsiteY8" fmla="*/ 0 h 3614056"/>
-              <a:gd name="connsiteX9" fmla="*/ 889115 w 2089376"/>
-              <a:gd name="connsiteY9" fmla="*/ 309397 h 3614056"/>
-              <a:gd name="connsiteX10" fmla="*/ 1247302 w 2089376"/>
-              <a:gd name="connsiteY10" fmla="*/ 309397 h 3614056"/>
-              <a:gd name="connsiteX11" fmla="*/ 1289936 w 2089376"/>
-              <a:gd name="connsiteY11" fmla="*/ 369650 h 3614056"/>
-              <a:gd name="connsiteX12" fmla="*/ 1247302 w 2089376"/>
-              <a:gd name="connsiteY12" fmla="*/ 429903 h 3614056"/>
-              <a:gd name="connsiteX13" fmla="*/ 889115 w 2089376"/>
-              <a:gd name="connsiteY13" fmla="*/ 429903 h 3614056"/>
-              <a:gd name="connsiteX14" fmla="*/ 846480 w 2089376"/>
-              <a:gd name="connsiteY14" fmla="*/ 369650 h 3614056"/>
-              <a:gd name="connsiteX15" fmla="*/ 889115 w 2089376"/>
-              <a:gd name="connsiteY15" fmla="*/ 309397 h 3614056"/>
-              <a:gd name="connsiteX16" fmla="*/ 176468 w 2089376"/>
-              <a:gd name="connsiteY16" fmla="*/ 738905 h 3614056"/>
-              <a:gd name="connsiteX17" fmla="*/ 1959892 w 2089376"/>
-              <a:gd name="connsiteY17" fmla="*/ 738905 h 3614056"/>
-              <a:gd name="connsiteX18" fmla="*/ 1959892 w 2089376"/>
-              <a:gd name="connsiteY18" fmla="*/ 2875208 h 3614056"/>
-              <a:gd name="connsiteX19" fmla="*/ 176468 w 2089376"/>
-              <a:gd name="connsiteY19" fmla="*/ 2875208 h 3614056"/>
-              <a:gd name="connsiteX20" fmla="*/ 176468 w 2089376"/>
-              <a:gd name="connsiteY20" fmla="*/ 738905 h 3614056"/>
-              <a:gd name="connsiteX21" fmla="*/ 1068180 w 2089376"/>
-              <a:gd name="connsiteY21" fmla="*/ 3045747 h 3614056"/>
-              <a:gd name="connsiteX22" fmla="*/ 1068180 w 2089376"/>
-              <a:gd name="connsiteY22" fmla="*/ 3045747 h 3614056"/>
-              <a:gd name="connsiteX23" fmla="*/ 1267066 w 2089376"/>
-              <a:gd name="connsiteY23" fmla="*/ 3244633 h 3614056"/>
-              <a:gd name="connsiteX24" fmla="*/ 1267066 w 2089376"/>
-              <a:gd name="connsiteY24" fmla="*/ 3244633 h 3614056"/>
-              <a:gd name="connsiteX25" fmla="*/ 1267066 w 2089376"/>
-              <a:gd name="connsiteY25" fmla="*/ 3244633 h 3614056"/>
-              <a:gd name="connsiteX26" fmla="*/ 1267066 w 2089376"/>
-              <a:gd name="connsiteY26" fmla="*/ 3244633 h 3614056"/>
-              <a:gd name="connsiteX27" fmla="*/ 1068180 w 2089376"/>
-              <a:gd name="connsiteY27" fmla="*/ 3443519 h 3614056"/>
-              <a:gd name="connsiteX28" fmla="*/ 1068180 w 2089376"/>
-              <a:gd name="connsiteY28" fmla="*/ 3443519 h 3614056"/>
-              <a:gd name="connsiteX29" fmla="*/ 1068180 w 2089376"/>
-              <a:gd name="connsiteY29" fmla="*/ 3443519 h 3614056"/>
-              <a:gd name="connsiteX30" fmla="*/ 1068180 w 2089376"/>
-              <a:gd name="connsiteY30" fmla="*/ 3443519 h 3614056"/>
-              <a:gd name="connsiteX31" fmla="*/ 869294 w 2089376"/>
-              <a:gd name="connsiteY31" fmla="*/ 3244633 h 3614056"/>
-              <a:gd name="connsiteX32" fmla="*/ 869294 w 2089376"/>
-              <a:gd name="connsiteY32" fmla="*/ 3244633 h 3614056"/>
-              <a:gd name="connsiteX33" fmla="*/ 869294 w 2089376"/>
-              <a:gd name="connsiteY33" fmla="*/ 3244633 h 3614056"/>
-              <a:gd name="connsiteX34" fmla="*/ 869294 w 2089376"/>
-              <a:gd name="connsiteY34" fmla="*/ 3244633 h 3614056"/>
-              <a:gd name="connsiteX35" fmla="*/ 1068180 w 2089376"/>
-              <a:gd name="connsiteY35" fmla="*/ 3045747 h 3614056"/>
-              <a:gd name="connsiteX36" fmla="*/ 1068180 w 2089376"/>
-              <a:gd name="connsiteY36" fmla="*/ 3045747 h 3614056"/>
-              <a:gd name="connsiteX37" fmla="*/ 1068180 w 2089376"/>
-              <a:gd name="connsiteY37" fmla="*/ 3045747 h 3614056"/>
-            </a:gdLst>
-            <a:ahLst/>
-            <a:cxnLst>
-              <a:cxn ang="0">
-                <a:pos x="connsiteX0" y="connsiteY0"/>
-              </a:cxn>
-              <a:cxn ang="0">
-                <a:pos x="connsiteX1" y="connsiteY1"/>
-              </a:cxn>
-              <a:cxn ang="0">
-                <a:pos x="connsiteX2" y="connsiteY2"/>
-              </a:cxn>
-              <a:cxn ang="0">
-                <a:pos x="connsiteX3" y="connsiteY3"/>
-              </a:cxn>
-              <a:cxn ang="0">
-                <a:pos x="connsiteX4" y="connsiteY4"/>
-              </a:cxn>
-              <a:cxn ang="0">
-                <a:pos x="connsiteX5" y="connsiteY5"/>
-              </a:cxn>
-              <a:cxn ang="0">
-                <a:pos x="connsiteX6" y="connsiteY6"/>
-              </a:cxn>
-              <a:cxn ang="0">
-                <a:pos x="connsiteX7" y="connsiteY7"/>
-              </a:cxn>
-              <a:cxn ang="0">
-                <a:pos x="connsiteX8" y="connsiteY8"/>
-              </a:cxn>
-              <a:cxn ang="0">
-                <a:pos x="connsiteX9" y="connsiteY9"/>
-              </a:cxn>
-              <a:cxn ang="0">
-                <a:pos x="connsiteX10" y="connsiteY10"/>
-              </a:cxn>
-              <a:cxn ang="0">
-                <a:pos x="connsiteX11" y="connsiteY11"/>
-              </a:cxn>
-              <a:cxn ang="0">
-                <a:pos x="connsiteX12" y="connsiteY12"/>
-              </a:cxn>
-              <a:cxn ang="0">
-                <a:pos x="connsiteX13" y="connsiteY13"/>
-              </a:cxn>
-              <a:cxn ang="0">
-                <a:pos x="connsiteX14" y="connsiteY14"/>
-              </a:cxn>
-              <a:cxn ang="0">
-                <a:pos x="connsiteX15" y="connsiteY15"/>
-              </a:cxn>
-              <a:cxn ang="0">
-                <a:pos x="connsiteX16" y="connsiteY16"/>
-              </a:cxn>
-              <a:cxn ang="0">
-                <a:pos x="connsiteX17" y="connsiteY17"/>
-              </a:cxn>
-              <a:cxn ang="0">
-                <a:pos x="connsiteX18" y="connsiteY18"/>
-              </a:cxn>
-              <a:cxn ang="0">
-                <a:pos x="connsiteX19" y="connsiteY19"/>
-              </a:cxn>
-              <a:cxn ang="0">
-                <a:pos x="connsiteX20" y="connsiteY20"/>
-              </a:cxn>
-              <a:cxn ang="0">
-                <a:pos x="connsiteX21" y="connsiteY21"/>
-              </a:cxn>
-              <a:cxn ang="0">
-                <a:pos x="connsiteX22" y="connsiteY22"/>
-              </a:cxn>
-              <a:cxn ang="0">
-                <a:pos x="connsiteX23" y="connsiteY23"/>
-              </a:cxn>
-              <a:cxn ang="0">
-                <a:pos x="connsiteX24" y="connsiteY24"/>
-              </a:cxn>
-              <a:cxn ang="0">
-                <a:pos x="connsiteX25" y="connsiteY25"/>
-              </a:cxn>
-              <a:cxn ang="0">
-                <a:pos x="connsiteX26" y="connsiteY26"/>
-              </a:cxn>
-              <a:cxn ang="0">
-                <a:pos x="connsiteX27" y="connsiteY27"/>
-              </a:cxn>
-              <a:cxn ang="0">
-                <a:pos x="connsiteX28" y="connsiteY28"/>
-              </a:cxn>
-              <a:cxn ang="0">
-                <a:pos x="connsiteX29" y="connsiteY29"/>
-              </a:cxn>
-              <a:cxn ang="0">
-                <a:pos x="connsiteX30" y="connsiteY30"/>
-              </a:cxn>
-              <a:cxn ang="0">
-                <a:pos x="connsiteX31" y="connsiteY31"/>
-              </a:cxn>
-              <a:cxn ang="0">
-                <a:pos x="connsiteX32" y="connsiteY32"/>
-              </a:cxn>
-              <a:cxn ang="0">
-                <a:pos x="connsiteX33" y="connsiteY33"/>
-              </a:cxn>
-              <a:cxn ang="0">
-                <a:pos x="connsiteX34" y="connsiteY34"/>
-              </a:cxn>
-              <a:cxn ang="0">
-                <a:pos x="connsiteX35" y="connsiteY35"/>
-              </a:cxn>
-              <a:cxn ang="0">
-                <a:pos x="connsiteX36" y="connsiteY36"/>
-              </a:cxn>
-              <a:cxn ang="0">
-                <a:pos x="connsiteX37" y="connsiteY37"/>
-              </a:cxn>
-            </a:cxnLst>
-            <a:rect l="l" t="t" r="r" b="b"/>
-            <a:pathLst>
-              <a:path w="2089376" h="3614056">
-                <a:moveTo>
-                  <a:pt x="321256" y="0"/>
-                </a:moveTo>
-                <a:cubicBezTo>
-                  <a:pt x="144562" y="0"/>
-                  <a:pt x="0" y="144562"/>
-                  <a:pt x="0" y="321256"/>
-                </a:cubicBezTo>
-                <a:lnTo>
-                  <a:pt x="0" y="3292801"/>
-                </a:lnTo>
-                <a:cubicBezTo>
-                  <a:pt x="0" y="3469495"/>
-                  <a:pt x="144562" y="3614057"/>
-                  <a:pt x="321256" y="3614057"/>
-                </a:cubicBezTo>
-                <a:lnTo>
-                  <a:pt x="1815047" y="3614057"/>
-                </a:lnTo>
-                <a:cubicBezTo>
-                  <a:pt x="1991741" y="3614057"/>
-                  <a:pt x="2136303" y="3469495"/>
-                  <a:pt x="2136303" y="3292801"/>
-                </a:cubicBezTo>
-                <a:lnTo>
-                  <a:pt x="2136303" y="321256"/>
-                </a:lnTo>
-                <a:cubicBezTo>
-                  <a:pt x="2136303" y="144562"/>
-                  <a:pt x="1991741" y="0"/>
-                  <a:pt x="1815047" y="0"/>
-                </a:cubicBezTo>
-                <a:lnTo>
-                  <a:pt x="321256" y="0"/>
-                </a:lnTo>
-                <a:close/>
-                <a:moveTo>
-                  <a:pt x="889115" y="309397"/>
-                </a:moveTo>
-                <a:lnTo>
-                  <a:pt x="1247302" y="309397"/>
-                </a:lnTo>
-                <a:cubicBezTo>
-                  <a:pt x="1270849" y="309397"/>
-                  <a:pt x="1289936" y="336390"/>
-                  <a:pt x="1289936" y="369650"/>
-                </a:cubicBezTo>
-                <a:cubicBezTo>
-                  <a:pt x="1289936" y="402911"/>
-                  <a:pt x="1270849" y="429903"/>
-                  <a:pt x="1247302" y="429903"/>
-                </a:cubicBezTo>
-                <a:lnTo>
-                  <a:pt x="889115" y="429903"/>
-                </a:lnTo>
-                <a:cubicBezTo>
-                  <a:pt x="865567" y="429903"/>
-                  <a:pt x="846480" y="402911"/>
-                  <a:pt x="846480" y="369650"/>
-                </a:cubicBezTo>
-                <a:cubicBezTo>
-                  <a:pt x="846480" y="336390"/>
-                  <a:pt x="865567" y="309397"/>
-                  <a:pt x="889115" y="309397"/>
-                </a:cubicBezTo>
-                <a:close/>
-                <a:moveTo>
-                  <a:pt x="176468" y="738905"/>
-                </a:moveTo>
-                <a:lnTo>
-                  <a:pt x="1959892" y="738905"/>
-                </a:lnTo>
-                <a:lnTo>
-                  <a:pt x="1959892" y="2875208"/>
-                </a:lnTo>
-                <a:lnTo>
-                  <a:pt x="176468" y="2875208"/>
-                </a:lnTo>
-                <a:lnTo>
-                  <a:pt x="176468" y="738905"/>
-                </a:lnTo>
-                <a:close/>
-                <a:moveTo>
-                  <a:pt x="1068180" y="3045747"/>
-                </a:moveTo>
-                <a:cubicBezTo>
-                  <a:pt x="1068180" y="3045747"/>
-                  <a:pt x="1068180" y="3045747"/>
-                  <a:pt x="1068180" y="3045747"/>
-                </a:cubicBezTo>
-                <a:cubicBezTo>
-                  <a:pt x="1178013" y="3045747"/>
-                  <a:pt x="1267066" y="3134799"/>
-                  <a:pt x="1267066" y="3244633"/>
-                </a:cubicBezTo>
-                <a:cubicBezTo>
-                  <a:pt x="1267066" y="3244633"/>
-                  <a:pt x="1267066" y="3244633"/>
-                  <a:pt x="1267066" y="3244633"/>
-                </a:cubicBezTo>
-                <a:lnTo>
-                  <a:pt x="1267066" y="3244633"/>
-                </a:lnTo>
-                <a:cubicBezTo>
-                  <a:pt x="1267066" y="3244633"/>
-                  <a:pt x="1267066" y="3244633"/>
-                  <a:pt x="1267066" y="3244633"/>
-                </a:cubicBezTo>
-                <a:cubicBezTo>
-                  <a:pt x="1267066" y="3354466"/>
-                  <a:pt x="1178013" y="3443519"/>
-                  <a:pt x="1068180" y="3443519"/>
-                </a:cubicBezTo>
-                <a:cubicBezTo>
-                  <a:pt x="1068180" y="3443519"/>
-                  <a:pt x="1068180" y="3443519"/>
-                  <a:pt x="1068180" y="3443519"/>
-                </a:cubicBezTo>
-                <a:lnTo>
-                  <a:pt x="1068180" y="3443519"/>
-                </a:lnTo>
-                <a:cubicBezTo>
-                  <a:pt x="1068180" y="3443519"/>
-                  <a:pt x="1068180" y="3443519"/>
-                  <a:pt x="1068180" y="3443519"/>
-                </a:cubicBezTo>
-                <a:cubicBezTo>
-                  <a:pt x="958346" y="3443519"/>
-                  <a:pt x="869294" y="3354466"/>
-                  <a:pt x="869294" y="3244633"/>
-                </a:cubicBezTo>
-                <a:cubicBezTo>
-                  <a:pt x="869294" y="3244633"/>
-                  <a:pt x="869294" y="3244633"/>
-                  <a:pt x="869294" y="3244633"/>
-                </a:cubicBezTo>
-                <a:lnTo>
-                  <a:pt x="869294" y="3244633"/>
-                </a:lnTo>
-                <a:cubicBezTo>
-                  <a:pt x="869294" y="3244633"/>
-                  <a:pt x="869294" y="3244633"/>
-                  <a:pt x="869294" y="3244633"/>
-                </a:cubicBezTo>
-                <a:cubicBezTo>
-                  <a:pt x="869294" y="3134799"/>
-                  <a:pt x="958346" y="3045747"/>
-                  <a:pt x="1068180" y="3045747"/>
-                </a:cubicBezTo>
-                <a:cubicBezTo>
-                  <a:pt x="1068180" y="3045747"/>
-                  <a:pt x="1068180" y="3045747"/>
-                  <a:pt x="1068180" y="3045747"/>
-                </a:cubicBezTo>
-                <a:lnTo>
-                  <a:pt x="1068180" y="3045747"/>
-                </a:lnTo>
-                <a:close/>
-              </a:path>
-            </a:pathLst>
-          </a:custGeom>
-          <a:solidFill>
-            <a:schemeClr val="bg1"/>
-          </a:solidFill>
-          <a:ln w="56406" cap="flat">
-            <a:solidFill>
-              <a:schemeClr val="bg1"/>
-            </a:solidFill>
-            <a:prstDash val="solid"/>
-            <a:miter/>
-          </a:ln>
-        </p:spPr>
-        <p:txBody>
-          <a:bodyPr rtlCol="0" anchor="ctr"/>
-          <a:lstStyle/>
-          <a:p>
-            <a:endParaRPr lang="en-US">
-              <a:solidFill>
-                <a:schemeClr val="bg1"/>
-              </a:solidFill>
-            </a:endParaRPr>
-          </a:p>
-        </p:txBody>
-      </p:sp>
-      <p:sp>
-        <p:nvSpPr>
-          <p:cNvPr id="17" name="TextBox 16">
-            <a:extLst>
-              <a:ext uri="{FF2B5EF4-FFF2-40B4-BE49-F238E27FC236}">
-                <a16:creationId xmlns:a16="http://schemas.microsoft.com/office/drawing/2014/main" id="{8F958982-143B-4AA2-9F47-BF73A1C3AB9C}"/>
-              </a:ext>
-            </a:extLst>
-          </p:cNvPr>
-          <p:cNvSpPr txBox="1"/>
-          <p:nvPr/>
-        </p:nvSpPr>
-        <p:spPr>
-          <a:xfrm>
-            <a:off x="20152289" y="35981343"/>
-            <a:ext cx="5222291" cy="2308324"/>
-          </a:xfrm>
-          <a:prstGeom prst="rect">
-            <a:avLst/>
-          </a:prstGeom>
-          <a:noFill/>
-        </p:spPr>
-        <p:txBody>
-          <a:bodyPr wrap="square" rtlCol="0">
-            <a:spAutoFit/>
-          </a:bodyPr>
-          <a:lstStyle/>
-          <a:p>
-            <a:r>
-              <a:rPr lang="en-US" sz="4800" b="1" dirty="0">
-                <a:solidFill>
-                  <a:schemeClr val="bg1"/>
-                </a:solidFill>
-                <a:latin typeface="Lato Black" panose="020F0A02020204030203" pitchFamily="34" charset="0"/>
-                <a:cs typeface="Arial" panose="020B0604020202020204" pitchFamily="34" charset="0"/>
-              </a:rPr>
-              <a:t>Take a picture</a:t>
-            </a:r>
-            <a:r>
-              <a:rPr lang="en-US" sz="4800" b="1" dirty="0">
-                <a:solidFill>
-                  <a:schemeClr val="bg1"/>
-                </a:solidFill>
-                <a:latin typeface="Lato" panose="020F0502020204030203" pitchFamily="34" charset="0"/>
-                <a:cs typeface="Arial" panose="020B0604020202020204" pitchFamily="34" charset="0"/>
-              </a:rPr>
-              <a:t> to </a:t>
-            </a:r>
-            <a:br>
-              <a:rPr lang="en-US" sz="4800" b="1" dirty="0">
-                <a:solidFill>
-                  <a:schemeClr val="bg1"/>
-                </a:solidFill>
-                <a:latin typeface="Lato" panose="020F0502020204030203" pitchFamily="34" charset="0"/>
-                <a:cs typeface="Arial" panose="020B0604020202020204" pitchFamily="34" charset="0"/>
-              </a:rPr>
-            </a:br>
-            <a:r>
-              <a:rPr lang="en-US" sz="4800" b="1" dirty="0">
-                <a:solidFill>
-                  <a:schemeClr val="bg1"/>
-                </a:solidFill>
-                <a:latin typeface="Lato Black" panose="020F0A02020204030203" pitchFamily="34" charset="0"/>
-                <a:cs typeface="Arial" panose="020B0604020202020204" pitchFamily="34" charset="0"/>
-              </a:rPr>
-              <a:t>download</a:t>
-            </a:r>
-            <a:r>
-              <a:rPr lang="en-US" sz="4800" b="1" dirty="0">
-                <a:solidFill>
-                  <a:schemeClr val="bg1"/>
-                </a:solidFill>
-                <a:latin typeface="Lato" panose="020F0502020204030203" pitchFamily="34" charset="0"/>
-                <a:cs typeface="Arial" panose="020B0604020202020204" pitchFamily="34" charset="0"/>
-              </a:rPr>
-              <a:t> the </a:t>
-            </a:r>
-            <a:r>
-              <a:rPr lang="en-US" sz="4800" b="1" dirty="0">
-                <a:solidFill>
-                  <a:schemeClr val="bg1"/>
-                </a:solidFill>
-                <a:latin typeface="Lato Black" panose="020F0A02020204030203" pitchFamily="34" charset="0"/>
-                <a:cs typeface="Arial" panose="020B0604020202020204" pitchFamily="34" charset="0"/>
-              </a:rPr>
-              <a:t>full paper</a:t>
-            </a:r>
-          </a:p>
-        </p:txBody>
-      </p:sp>
-      <p:cxnSp>
-        <p:nvCxnSpPr>
-          <p:cNvPr id="18" name="Straight Arrow Connector 17">
-            <a:extLst>
-              <a:ext uri="{FF2B5EF4-FFF2-40B4-BE49-F238E27FC236}">
-                <a16:creationId xmlns:a16="http://schemas.microsoft.com/office/drawing/2014/main" id="{FC4F5858-AB43-4D56-8B34-1D6805ACE234}"/>
-              </a:ext>
-            </a:extLst>
-          </p:cNvPr>
-          <p:cNvCxnSpPr>
-            <a:cxnSpLocks/>
-          </p:cNvCxnSpPr>
-          <p:nvPr/>
-        </p:nvCxnSpPr>
-        <p:spPr>
-          <a:xfrm>
-            <a:off x="23612149" y="38017053"/>
-            <a:ext cx="1762429" cy="0"/>
-          </a:xfrm>
-          <a:prstGeom prst="straightConnector1">
-            <a:avLst/>
-          </a:prstGeom>
-          <a:ln w="66675">
-            <a:solidFill>
-              <a:schemeClr val="bg1"/>
-            </a:solidFill>
-            <a:prstDash val="sysDot"/>
-            <a:tailEnd type="triangle"/>
-          </a:ln>
-        </p:spPr>
-        <p:style>
-          <a:lnRef idx="1">
-            <a:schemeClr val="accent1"/>
-          </a:lnRef>
-          <a:fillRef idx="0">
-            <a:schemeClr val="accent1"/>
-          </a:fillRef>
-          <a:effectRef idx="0">
-            <a:schemeClr val="accent1"/>
-          </a:effectRef>
-          <a:fontRef idx="minor">
-            <a:schemeClr val="tx1"/>
-          </a:fontRef>
-        </p:style>
-      </p:cxnSp>
-      <p:grpSp>
-        <p:nvGrpSpPr>
-          <p:cNvPr id="41" name="Group 40">
-            <a:extLst>
-              <a:ext uri="{FF2B5EF4-FFF2-40B4-BE49-F238E27FC236}">
-                <a16:creationId xmlns:a16="http://schemas.microsoft.com/office/drawing/2014/main" id="{B934F52E-3D10-4CEE-B20E-F07FC8C5D21F}"/>
-              </a:ext>
-            </a:extLst>
-          </p:cNvPr>
-          <p:cNvGrpSpPr>
-            <a:grpSpLocks noChangeAspect="1"/>
-          </p:cNvGrpSpPr>
-          <p:nvPr/>
-        </p:nvGrpSpPr>
-        <p:grpSpPr>
-          <a:xfrm>
-            <a:off x="807940" y="36456973"/>
-            <a:ext cx="3027363" cy="2700000"/>
-            <a:chOff x="225570" y="35394899"/>
-            <a:chExt cx="4317544" cy="3850663"/>
-          </a:xfrm>
-        </p:grpSpPr>
-        <p:sp>
-          <p:nvSpPr>
-            <p:cNvPr id="32" name="Rectangle 31">
-              <a:extLst>
-                <a:ext uri="{FF2B5EF4-FFF2-40B4-BE49-F238E27FC236}">
-                  <a16:creationId xmlns:a16="http://schemas.microsoft.com/office/drawing/2014/main" id="{93E333A0-883E-4826-AEC4-6CC3C7B3F56A}"/>
-                </a:ext>
-              </a:extLst>
-            </p:cNvPr>
-            <p:cNvSpPr/>
-            <p:nvPr/>
-          </p:nvSpPr>
-          <p:spPr>
-            <a:xfrm>
-              <a:off x="495299" y="35394899"/>
-              <a:ext cx="3781733" cy="3714751"/>
-            </a:xfrm>
-            <a:prstGeom prst="rect">
-              <a:avLst/>
-            </a:prstGeom>
-            <a:solidFill>
-              <a:schemeClr val="bg1"/>
-            </a:solidFill>
-            <a:ln>
-              <a:solidFill>
-                <a:schemeClr val="bg1"/>
-              </a:solidFill>
-            </a:ln>
-          </p:spPr>
-          <p:style>
-            <a:lnRef idx="2">
-              <a:schemeClr val="accent1">
-                <a:shade val="50000"/>
-              </a:schemeClr>
-            </a:lnRef>
-            <a:fillRef idx="1">
-              <a:schemeClr val="accent1"/>
-            </a:fillRef>
-            <a:effectRef idx="0">
-              <a:schemeClr val="accent1"/>
-            </a:effectRef>
-            <a:fontRef idx="minor">
-              <a:schemeClr val="lt1"/>
-            </a:fontRef>
-          </p:style>
-          <p:txBody>
-            <a:bodyPr rtlCol="0" anchor="ctr"/>
-            <a:lstStyle/>
-            <a:p>
-              <a:pPr algn="ctr"/>
-              <a:endParaRPr lang="en-US" sz="1703"/>
-            </a:p>
-          </p:txBody>
-        </p:sp>
-        <p:pic>
-          <p:nvPicPr>
-            <p:cNvPr id="27" name="Picture 3" descr="C:\Users\atanevska\Documents\conferences\IIT-v4-logo-rbcs-t1.png">
-              <a:extLst>
-                <a:ext uri="{FF2B5EF4-FFF2-40B4-BE49-F238E27FC236}">
-                  <a16:creationId xmlns:a16="http://schemas.microsoft.com/office/drawing/2014/main" id="{1B74847F-9F5B-41B4-BCDB-A2DB2504A166}"/>
-                </a:ext>
-              </a:extLst>
-            </p:cNvPr>
-            <p:cNvPicPr>
-              <a:picLocks noChangeAspect="1" noChangeArrowheads="1"/>
-            </p:cNvPicPr>
-            <p:nvPr/>
-          </p:nvPicPr>
-          <p:blipFill rotWithShape="1">
-            <a:blip r:embed="rId3" cstate="print">
-              <a:extLst>
-                <a:ext uri="{BEBA8EAE-BF5A-486C-A8C5-ECC9F3942E4B}">
-                  <a14:imgProps xmlns:a14="http://schemas.microsoft.com/office/drawing/2010/main">
-                    <a14:imgLayer r:embed="rId4">
-                      <a14:imgEffect>
-                        <a14:brightnessContrast contrast="40000"/>
-                      </a14:imgEffect>
-                    </a14:imgLayer>
-                  </a14:imgProps>
-                </a:ext>
-                <a:ext uri="{28A0092B-C50C-407E-A947-70E740481C1C}">
-                  <a14:useLocalDpi xmlns:a14="http://schemas.microsoft.com/office/drawing/2010/main" val="0"/>
-                </a:ext>
-              </a:extLst>
-            </a:blip>
-            <a:srcRect l="2933" t="7828" r="15475" b="19583"/>
-            <a:stretch/>
-          </p:blipFill>
-          <p:spPr bwMode="auto">
-            <a:xfrm>
-              <a:off x="225570" y="35404410"/>
-              <a:ext cx="4317544" cy="3841152"/>
-            </a:xfrm>
-            <a:prstGeom prst="rect">
-              <a:avLst/>
-            </a:prstGeom>
-            <a:noFill/>
-            <a:ln>
-              <a:solidFill>
-                <a:srgbClr val="0091EA"/>
-              </a:solidFill>
-            </a:ln>
-            <a:extLst>
-              <a:ext uri="{909E8E84-426E-40DD-AFC4-6F175D3DCCD1}">
-                <a14:hiddenFill xmlns:a14="http://schemas.microsoft.com/office/drawing/2010/main">
-                  <a:solidFill>
-                    <a:srgbClr val="FFFFFF"/>
-                  </a:solidFill>
-                </a14:hiddenFill>
-              </a:ext>
-            </a:extLst>
-          </p:spPr>
-        </p:pic>
-      </p:grpSp>
-      <p:grpSp>
-        <p:nvGrpSpPr>
-          <p:cNvPr id="42" name="Group 41">
-            <a:extLst>
-              <a:ext uri="{FF2B5EF4-FFF2-40B4-BE49-F238E27FC236}">
-                <a16:creationId xmlns:a16="http://schemas.microsoft.com/office/drawing/2014/main" id="{147CA624-BD7A-4BAC-B3D9-CF13475655B9}"/>
-              </a:ext>
-            </a:extLst>
-          </p:cNvPr>
-          <p:cNvGrpSpPr>
-            <a:grpSpLocks noChangeAspect="1"/>
-          </p:cNvGrpSpPr>
-          <p:nvPr/>
-        </p:nvGrpSpPr>
-        <p:grpSpPr>
-          <a:xfrm>
-            <a:off x="5227517" y="36461905"/>
-            <a:ext cx="2684086" cy="2700000"/>
-            <a:chOff x="4879639" y="35389624"/>
-            <a:chExt cx="3692861" cy="3714751"/>
-          </a:xfrm>
-        </p:grpSpPr>
-        <p:sp>
-          <p:nvSpPr>
-            <p:cNvPr id="34" name="Rectangle 33">
-              <a:extLst>
-                <a:ext uri="{FF2B5EF4-FFF2-40B4-BE49-F238E27FC236}">
-                  <a16:creationId xmlns:a16="http://schemas.microsoft.com/office/drawing/2014/main" id="{EF3744DA-5BB7-45E9-B443-C8688137BA44}"/>
-                </a:ext>
-              </a:extLst>
-            </p:cNvPr>
-            <p:cNvSpPr/>
-            <p:nvPr/>
-          </p:nvSpPr>
-          <p:spPr>
-            <a:xfrm>
-              <a:off x="4879639" y="35389624"/>
-              <a:ext cx="3692861" cy="3714751"/>
-            </a:xfrm>
-            <a:prstGeom prst="rect">
-              <a:avLst/>
-            </a:prstGeom>
-            <a:solidFill>
-              <a:schemeClr val="bg1"/>
-            </a:solidFill>
-            <a:ln>
-              <a:solidFill>
-                <a:schemeClr val="bg1"/>
-              </a:solidFill>
-            </a:ln>
-          </p:spPr>
-          <p:style>
-            <a:lnRef idx="2">
-              <a:schemeClr val="accent1">
-                <a:shade val="50000"/>
-              </a:schemeClr>
-            </a:lnRef>
-            <a:fillRef idx="1">
-              <a:schemeClr val="accent1"/>
-            </a:fillRef>
-            <a:effectRef idx="0">
-              <a:schemeClr val="accent1"/>
-            </a:effectRef>
-            <a:fontRef idx="minor">
-              <a:schemeClr val="lt1"/>
-            </a:fontRef>
-          </p:style>
-          <p:txBody>
-            <a:bodyPr rtlCol="0" anchor="ctr"/>
-            <a:lstStyle/>
-            <a:p>
-              <a:pPr algn="ctr"/>
-              <a:endParaRPr lang="en-US" sz="1703"/>
-            </a:p>
-          </p:txBody>
-        </p:sp>
-        <p:pic>
-          <p:nvPicPr>
-            <p:cNvPr id="28" name="Picture 2" descr="C:\Users\atanevska\Documents\iit-unige\posters\LOGO.png">
-              <a:extLst>
-                <a:ext uri="{FF2B5EF4-FFF2-40B4-BE49-F238E27FC236}">
-                  <a16:creationId xmlns:a16="http://schemas.microsoft.com/office/drawing/2014/main" id="{1D530544-764B-43E1-ABF9-ADDD8C94C105}"/>
-                </a:ext>
-              </a:extLst>
-            </p:cNvPr>
-            <p:cNvPicPr>
-              <a:picLocks noChangeAspect="1" noChangeArrowheads="1"/>
-            </p:cNvPicPr>
-            <p:nvPr/>
-          </p:nvPicPr>
-          <p:blipFill rotWithShape="1">
-            <a:blip r:embed="rId5" cstate="print">
-              <a:extLst>
-                <a:ext uri="{28A0092B-C50C-407E-A947-70E740481C1C}">
-                  <a14:useLocalDpi xmlns:a14="http://schemas.microsoft.com/office/drawing/2010/main" val="0"/>
-                </a:ext>
-              </a:extLst>
-            </a:blip>
-            <a:srcRect l="8420" t="6012" r="8788" b="6432"/>
-            <a:stretch/>
-          </p:blipFill>
-          <p:spPr bwMode="auto">
-            <a:xfrm>
-              <a:off x="4906778" y="35444427"/>
-              <a:ext cx="3575580" cy="3569184"/>
-            </a:xfrm>
-            <a:prstGeom prst="rect">
-              <a:avLst/>
-            </a:prstGeom>
-            <a:noFill/>
-            <a:extLst>
-              <a:ext uri="{909E8E84-426E-40DD-AFC4-6F175D3DCCD1}">
-                <a14:hiddenFill xmlns:a14="http://schemas.microsoft.com/office/drawing/2010/main">
-                  <a:solidFill>
-                    <a:srgbClr val="FFFFFF"/>
-                  </a:solidFill>
-                </a14:hiddenFill>
-              </a:ext>
-            </a:extLst>
-          </p:spPr>
-        </p:pic>
-      </p:grpSp>
-      <p:pic>
-        <p:nvPicPr>
-          <p:cNvPr id="29" name="Picture 3" descr="C:\Users\atanevska\Documents\iit-unige\posters\Unige.svg.png">
-            <a:extLst>
-              <a:ext uri="{FF2B5EF4-FFF2-40B4-BE49-F238E27FC236}">
-                <a16:creationId xmlns:a16="http://schemas.microsoft.com/office/drawing/2014/main" id="{CFC728C1-D1DB-4422-8CFA-ABDA1B7E1D19}"/>
-              </a:ext>
-            </a:extLst>
-          </p:cNvPr>
-          <p:cNvPicPr>
-            <a:picLocks noChangeAspect="1" noChangeArrowheads="1"/>
-          </p:cNvPicPr>
-          <p:nvPr/>
-        </p:nvPicPr>
-        <p:blipFill rotWithShape="1">
-          <a:blip r:embed="rId6">
-            <a:extLst>
-              <a:ext uri="{28A0092B-C50C-407E-A947-70E740481C1C}">
-                <a14:useLocalDpi xmlns:a14="http://schemas.microsoft.com/office/drawing/2010/main" val="0"/>
-              </a:ext>
-            </a:extLst>
-          </a:blip>
-          <a:srcRect l="34845" r="35829" b="29447"/>
-          <a:stretch/>
-        </p:blipFill>
-        <p:spPr bwMode="auto">
-          <a:xfrm>
-            <a:off x="9249842" y="36433292"/>
-            <a:ext cx="2500296" cy="3096000"/>
-          </a:xfrm>
-          <a:prstGeom prst="rect">
-            <a:avLst/>
-          </a:prstGeom>
-          <a:noFill/>
-          <a:extLst>
-            <a:ext uri="{909E8E84-426E-40DD-AFC4-6F175D3DCCD1}">
-              <a14:hiddenFill xmlns:a14="http://schemas.microsoft.com/office/drawing/2010/main">
-                <a:solidFill>
-                  <a:srgbClr val="FFFFFF"/>
-                </a:solidFill>
-              </a14:hiddenFill>
-            </a:ext>
-          </a:extLst>
-        </p:spPr>
-      </p:pic>
-      <p:grpSp>
-        <p:nvGrpSpPr>
-          <p:cNvPr id="43" name="Group 42">
-            <a:extLst>
-              <a:ext uri="{FF2B5EF4-FFF2-40B4-BE49-F238E27FC236}">
-                <a16:creationId xmlns:a16="http://schemas.microsoft.com/office/drawing/2014/main" id="{03E4B331-8940-43CE-A9DE-F5E2CD1A880B}"/>
-              </a:ext>
-            </a:extLst>
-          </p:cNvPr>
-          <p:cNvGrpSpPr/>
-          <p:nvPr/>
-        </p:nvGrpSpPr>
-        <p:grpSpPr>
-          <a:xfrm>
-            <a:off x="12562328" y="37153412"/>
-            <a:ext cx="4668765" cy="1692377"/>
-            <a:chOff x="11996912" y="36004500"/>
-            <a:chExt cx="4668765" cy="1692377"/>
-          </a:xfrm>
-        </p:grpSpPr>
-        <p:sp>
-          <p:nvSpPr>
-            <p:cNvPr id="35" name="Rectangle 34">
-              <a:extLst>
-                <a:ext uri="{FF2B5EF4-FFF2-40B4-BE49-F238E27FC236}">
-                  <a16:creationId xmlns:a16="http://schemas.microsoft.com/office/drawing/2014/main" id="{3FEDD9AC-9514-44B0-8DD6-7EBA6CBC66B4}"/>
-                </a:ext>
-              </a:extLst>
-            </p:cNvPr>
-            <p:cNvSpPr/>
-            <p:nvPr/>
-          </p:nvSpPr>
-          <p:spPr>
-            <a:xfrm>
-              <a:off x="11996912" y="36004500"/>
-              <a:ext cx="4668765" cy="1692377"/>
-            </a:xfrm>
-            <a:prstGeom prst="rect">
-              <a:avLst/>
-            </a:prstGeom>
-            <a:solidFill>
-              <a:schemeClr val="bg1"/>
-            </a:solidFill>
-            <a:ln>
-              <a:solidFill>
-                <a:schemeClr val="bg1"/>
-              </a:solidFill>
-            </a:ln>
-          </p:spPr>
-          <p:style>
-            <a:lnRef idx="2">
-              <a:schemeClr val="accent1">
-                <a:shade val="50000"/>
-              </a:schemeClr>
-            </a:lnRef>
-            <a:fillRef idx="1">
-              <a:schemeClr val="accent1"/>
-            </a:fillRef>
-            <a:effectRef idx="0">
-              <a:schemeClr val="accent1"/>
-            </a:effectRef>
-            <a:fontRef idx="minor">
-              <a:schemeClr val="lt1"/>
-            </a:fontRef>
-          </p:style>
-          <p:txBody>
-            <a:bodyPr rtlCol="0" anchor="ctr"/>
-            <a:lstStyle/>
-            <a:p>
-              <a:pPr algn="ctr"/>
-              <a:endParaRPr lang="en-US" sz="1703"/>
-            </a:p>
-          </p:txBody>
-        </p:sp>
-        <p:pic>
-          <p:nvPicPr>
-            <p:cNvPr id="30" name="Picture 3" descr="C:\Users\atanevska\Documents\iit-unige\posters\Dibris.jpg">
-              <a:extLst>
-                <a:ext uri="{FF2B5EF4-FFF2-40B4-BE49-F238E27FC236}">
-                  <a16:creationId xmlns:a16="http://schemas.microsoft.com/office/drawing/2014/main" id="{341D0B81-5DF7-4667-81D1-DE4768D5B89D}"/>
-                </a:ext>
-              </a:extLst>
-            </p:cNvPr>
-            <p:cNvPicPr preferRelativeResize="0">
-              <a:picLocks noChangeAspect="1" noChangeArrowheads="1"/>
-            </p:cNvPicPr>
-            <p:nvPr/>
-          </p:nvPicPr>
-          <p:blipFill>
-            <a:blip r:embed="rId7" cstate="print">
-              <a:extLst>
-                <a:ext uri="{28A0092B-C50C-407E-A947-70E740481C1C}">
-                  <a14:useLocalDpi xmlns:a14="http://schemas.microsoft.com/office/drawing/2010/main" val="0"/>
-                </a:ext>
-              </a:extLst>
-            </a:blip>
-            <a:srcRect/>
-            <a:stretch>
-              <a:fillRect/>
-            </a:stretch>
-          </p:blipFill>
-          <p:spPr bwMode="auto">
-            <a:xfrm>
-              <a:off x="12125040" y="36148380"/>
-              <a:ext cx="4323470" cy="1368000"/>
-            </a:xfrm>
-            <a:prstGeom prst="rect">
-              <a:avLst/>
-            </a:prstGeom>
-            <a:noFill/>
-            <a:extLst>
-              <a:ext uri="{909E8E84-426E-40DD-AFC4-6F175D3DCCD1}">
-                <a14:hiddenFill xmlns:a14="http://schemas.microsoft.com/office/drawing/2010/main">
-                  <a:solidFill>
-                    <a:srgbClr val="FFFFFF"/>
-                  </a:solidFill>
-                </a14:hiddenFill>
-              </a:ext>
-            </a:extLst>
-          </p:spPr>
-        </p:pic>
-      </p:grpSp>
-      <p:sp>
-        <p:nvSpPr>
-          <p:cNvPr id="36" name="TextBox 35">
-            <a:extLst>
-              <a:ext uri="{FF2B5EF4-FFF2-40B4-BE49-F238E27FC236}">
-                <a16:creationId xmlns:a16="http://schemas.microsoft.com/office/drawing/2014/main" id="{18A4E2E9-90A2-4652-B8B7-5B1ADD8A012D}"/>
-              </a:ext>
-            </a:extLst>
-          </p:cNvPr>
-          <p:cNvSpPr txBox="1"/>
-          <p:nvPr/>
-        </p:nvSpPr>
-        <p:spPr>
-          <a:xfrm>
-            <a:off x="17345319" y="14910828"/>
-            <a:ext cx="7411779" cy="3365537"/>
-          </a:xfrm>
-          <a:prstGeom prst="rect">
-            <a:avLst/>
-          </a:prstGeom>
-          <a:noFill/>
-        </p:spPr>
-        <p:txBody>
-          <a:bodyPr wrap="square" rtlCol="0">
-            <a:spAutoFit/>
-          </a:bodyPr>
-          <a:lstStyle/>
-          <a:p>
-            <a:pPr algn="just">
-              <a:lnSpc>
-                <a:spcPct val="120000"/>
-              </a:lnSpc>
-            </a:pPr>
-            <a:r>
-              <a:rPr lang="en-US" sz="3600" b="1" dirty="0">
-                <a:latin typeface="Roboto" pitchFamily="2" charset="0"/>
-                <a:ea typeface="Roboto" pitchFamily="2" charset="0"/>
-                <a:cs typeface="Arial" panose="020B0604020202020204" pitchFamily="34" charset="0"/>
-              </a:rPr>
-              <a:t>PARTICIPANTS</a:t>
-            </a:r>
-          </a:p>
-          <a:p>
-            <a:pPr algn="just">
-              <a:lnSpc>
-                <a:spcPct val="120000"/>
-              </a:lnSpc>
-            </a:pPr>
-            <a:r>
-              <a:rPr lang="en-US" sz="3600" b="1" dirty="0">
-                <a:latin typeface="Roboto" pitchFamily="2" charset="0"/>
-                <a:ea typeface="Roboto" pitchFamily="2" charset="0"/>
-                <a:cs typeface="Times New Roman" panose="02020603050405020304" pitchFamily="18" charset="0"/>
-              </a:rPr>
-              <a:t>N = 28 participants </a:t>
-            </a:r>
-            <a:r>
-              <a:rPr lang="en-US" sz="3600" dirty="0">
-                <a:latin typeface="Roboto" pitchFamily="2" charset="0"/>
-                <a:ea typeface="Roboto" pitchFamily="2" charset="0"/>
-                <a:cs typeface="Times New Roman" panose="02020603050405020304" pitchFamily="18" charset="0"/>
-              </a:rPr>
-              <a:t>– all Italians, 9 males and 17 females, average age of 24 years old (SD=5) – 7 removed due to Tobii malfunctions</a:t>
-            </a:r>
-          </a:p>
-        </p:txBody>
-      </p:sp>
-      <p:sp>
-        <p:nvSpPr>
-          <p:cNvPr id="38" name="TextBox 37">
-            <a:extLst>
-              <a:ext uri="{FF2B5EF4-FFF2-40B4-BE49-F238E27FC236}">
-                <a16:creationId xmlns:a16="http://schemas.microsoft.com/office/drawing/2014/main" id="{7865597A-4D0D-40B3-9182-024F3FD64E3A}"/>
-              </a:ext>
-            </a:extLst>
-          </p:cNvPr>
-          <p:cNvSpPr txBox="1"/>
-          <p:nvPr/>
-        </p:nvSpPr>
-        <p:spPr>
-          <a:xfrm>
-            <a:off x="17216714" y="11998057"/>
-            <a:ext cx="12407780" cy="2700739"/>
-          </a:xfrm>
-          <a:prstGeom prst="rect">
-            <a:avLst/>
-          </a:prstGeom>
-          <a:noFill/>
-        </p:spPr>
-        <p:txBody>
-          <a:bodyPr wrap="square" rtlCol="0">
-            <a:spAutoFit/>
-          </a:bodyPr>
-          <a:lstStyle/>
-          <a:p>
-            <a:pPr algn="just">
-              <a:lnSpc>
-                <a:spcPct val="120000"/>
-              </a:lnSpc>
-            </a:pPr>
-            <a:r>
-              <a:rPr lang="en-US" sz="3600" b="1" dirty="0">
-                <a:latin typeface="Roboto" pitchFamily="2" charset="0"/>
-                <a:ea typeface="Roboto" pitchFamily="2" charset="0"/>
-                <a:cs typeface="Arial" panose="020B0604020202020204" pitchFamily="34" charset="0"/>
-              </a:rPr>
-              <a:t>MATERIALS</a:t>
-            </a:r>
-          </a:p>
-          <a:p>
-            <a:pPr marL="533400" indent="-533400" algn="just">
-              <a:lnSpc>
-                <a:spcPct val="120000"/>
-              </a:lnSpc>
-              <a:buFont typeface="Arial" panose="020B0604020202020204" pitchFamily="34" charset="0"/>
-              <a:buChar char="•"/>
-            </a:pPr>
-            <a:r>
-              <a:rPr lang="en-US" sz="3600" b="1" dirty="0">
-                <a:latin typeface="Roboto" pitchFamily="2" charset="0"/>
-                <a:ea typeface="Roboto" pitchFamily="2" charset="0"/>
-                <a:cs typeface="Times New Roman" panose="02020603050405020304" pitchFamily="18" charset="0"/>
-              </a:rPr>
-              <a:t>Tobii Pro Glasses 2</a:t>
-            </a:r>
-            <a:r>
-              <a:rPr lang="en-US" sz="3600" dirty="0">
-                <a:latin typeface="Roboto" pitchFamily="2" charset="0"/>
-                <a:ea typeface="Roboto" pitchFamily="2" charset="0"/>
-                <a:cs typeface="Times New Roman" panose="02020603050405020304" pitchFamily="18" charset="0"/>
-              </a:rPr>
-              <a:t> (to record </a:t>
-            </a:r>
-            <a:r>
-              <a:rPr lang="en-US" sz="3600" b="1" dirty="0">
-                <a:latin typeface="Roboto" pitchFamily="2" charset="0"/>
-                <a:ea typeface="Roboto" pitchFamily="2" charset="0"/>
-                <a:cs typeface="Times New Roman" panose="02020603050405020304" pitchFamily="18" charset="0"/>
-              </a:rPr>
-              <a:t>pupil dilations</a:t>
-            </a:r>
-            <a:r>
-              <a:rPr lang="en-US" sz="3600" dirty="0">
-                <a:latin typeface="Roboto" pitchFamily="2" charset="0"/>
-                <a:ea typeface="Roboto" pitchFamily="2" charset="0"/>
-                <a:cs typeface="Times New Roman" panose="02020603050405020304" pitchFamily="18" charset="0"/>
-              </a:rPr>
-              <a:t> at 100 Hz)</a:t>
-            </a:r>
-          </a:p>
-          <a:p>
-            <a:pPr marL="533400" indent="-533400" algn="just">
-              <a:lnSpc>
-                <a:spcPct val="120000"/>
-              </a:lnSpc>
-              <a:buFont typeface="Arial" panose="020B0604020202020204" pitchFamily="34" charset="0"/>
-              <a:buChar char="•"/>
-            </a:pPr>
-            <a:r>
-              <a:rPr lang="en-US" sz="3600" b="1" dirty="0">
-                <a:latin typeface="Roboto" pitchFamily="2" charset="0"/>
-                <a:ea typeface="Roboto" pitchFamily="2" charset="0"/>
-                <a:cs typeface="Times New Roman" panose="02020603050405020304" pitchFamily="18" charset="0"/>
-              </a:rPr>
-              <a:t>Six</a:t>
-            </a:r>
-            <a:r>
-              <a:rPr lang="en-US" sz="3600" dirty="0">
-                <a:latin typeface="Roboto" pitchFamily="2" charset="0"/>
-                <a:ea typeface="Roboto" pitchFamily="2" charset="0"/>
-                <a:cs typeface="Times New Roman" panose="02020603050405020304" pitchFamily="18" charset="0"/>
-              </a:rPr>
-              <a:t> playing </a:t>
-            </a:r>
-            <a:r>
-              <a:rPr lang="en-US" sz="3600" b="1" dirty="0">
-                <a:latin typeface="Roboto" pitchFamily="2" charset="0"/>
-                <a:ea typeface="Roboto" pitchFamily="2" charset="0"/>
-                <a:cs typeface="Times New Roman" panose="02020603050405020304" pitchFamily="18" charset="0"/>
-              </a:rPr>
-              <a:t>cards</a:t>
-            </a:r>
-            <a:r>
-              <a:rPr lang="en-US" sz="3600" dirty="0">
-                <a:latin typeface="Roboto" pitchFamily="2" charset="0"/>
-                <a:ea typeface="Roboto" pitchFamily="2" charset="0"/>
-                <a:cs typeface="Times New Roman" panose="02020603050405020304" pitchFamily="18" charset="0"/>
-              </a:rPr>
-              <a:t> with a figure over a white background</a:t>
-            </a:r>
-          </a:p>
-          <a:p>
-            <a:pPr marL="533400" indent="-533400" algn="just">
-              <a:lnSpc>
-                <a:spcPct val="120000"/>
-              </a:lnSpc>
-              <a:buFont typeface="Arial" panose="020B0604020202020204" pitchFamily="34" charset="0"/>
-              <a:buChar char="•"/>
-            </a:pPr>
-            <a:r>
-              <a:rPr lang="en-US" sz="3600" b="1" dirty="0">
-                <a:latin typeface="Roboto" pitchFamily="2" charset="0"/>
-                <a:ea typeface="Roboto" pitchFamily="2" charset="0"/>
-                <a:cs typeface="Times New Roman" panose="02020603050405020304" pitchFamily="18" charset="0"/>
-              </a:rPr>
-              <a:t>iCub</a:t>
-            </a:r>
-            <a:r>
-              <a:rPr lang="en-US" sz="3600" dirty="0">
-                <a:latin typeface="Roboto" pitchFamily="2" charset="0"/>
-                <a:ea typeface="Roboto" pitchFamily="2" charset="0"/>
-                <a:cs typeface="Times New Roman" panose="02020603050405020304" pitchFamily="18" charset="0"/>
-              </a:rPr>
-              <a:t> robotic platform (controlled via </a:t>
-            </a:r>
-            <a:r>
-              <a:rPr lang="en-US" sz="3600" i="1" dirty="0">
-                <a:latin typeface="Roboto" pitchFamily="2" charset="0"/>
-                <a:ea typeface="Roboto" pitchFamily="2" charset="0"/>
-                <a:cs typeface="Times New Roman" panose="02020603050405020304" pitchFamily="18" charset="0"/>
-              </a:rPr>
-              <a:t>Wizard of Oz</a:t>
-            </a:r>
-            <a:r>
-              <a:rPr lang="en-US" sz="3600" dirty="0">
-                <a:latin typeface="Roboto" pitchFamily="2" charset="0"/>
-                <a:ea typeface="Roboto" pitchFamily="2" charset="0"/>
-                <a:cs typeface="Times New Roman" panose="02020603050405020304" pitchFamily="18" charset="0"/>
-              </a:rPr>
-              <a:t>)</a:t>
-            </a:r>
-          </a:p>
-        </p:txBody>
-      </p:sp>
-      <p:grpSp>
-        <p:nvGrpSpPr>
-          <p:cNvPr id="48" name="Group 47">
-            <a:extLst>
-              <a:ext uri="{FF2B5EF4-FFF2-40B4-BE49-F238E27FC236}">
-                <a16:creationId xmlns:a16="http://schemas.microsoft.com/office/drawing/2014/main" id="{5F3F8F8E-FF6B-4C1A-9CC4-8725B3D42EDC}"/>
-              </a:ext>
-            </a:extLst>
-          </p:cNvPr>
-          <p:cNvGrpSpPr/>
-          <p:nvPr/>
-        </p:nvGrpSpPr>
-        <p:grpSpPr>
-          <a:xfrm>
-            <a:off x="312676" y="10505432"/>
-            <a:ext cx="20693961" cy="769441"/>
-            <a:chOff x="1842351" y="15142076"/>
-            <a:chExt cx="19733383" cy="813378"/>
-          </a:xfrm>
-        </p:grpSpPr>
-        <p:sp>
-          <p:nvSpPr>
-            <p:cNvPr id="49" name="TextBox 48">
-              <a:extLst>
-                <a:ext uri="{FF2B5EF4-FFF2-40B4-BE49-F238E27FC236}">
-                  <a16:creationId xmlns:a16="http://schemas.microsoft.com/office/drawing/2014/main" id="{71F3AE4D-392B-4CC1-8380-5CC7A0719162}"/>
-                </a:ext>
-              </a:extLst>
-            </p:cNvPr>
-            <p:cNvSpPr txBox="1"/>
-            <p:nvPr/>
-          </p:nvSpPr>
-          <p:spPr>
-            <a:xfrm>
-              <a:off x="2389135" y="15142076"/>
-              <a:ext cx="19186599" cy="813378"/>
-            </a:xfrm>
-            <a:prstGeom prst="rect">
-              <a:avLst/>
-            </a:prstGeom>
-            <a:solidFill>
-              <a:schemeClr val="bg1"/>
-            </a:solidFill>
-          </p:spPr>
-          <p:txBody>
-            <a:bodyPr wrap="square" rtlCol="0">
-              <a:spAutoFit/>
-            </a:bodyPr>
-            <a:lstStyle/>
-            <a:p>
-              <a:r>
-                <a:rPr lang="en-US" sz="4400" b="1" dirty="0">
-                  <a:highlight>
-                    <a:srgbClr val="FFBC42"/>
-                  </a:highlight>
-                  <a:latin typeface="Lato" panose="020F0502020204030203" pitchFamily="34" charset="0"/>
-                  <a:cs typeface="Lato" panose="020F0502020204030203" pitchFamily="34" charset="0"/>
-                </a:rPr>
-                <a:t>Pasquali</a:t>
-              </a:r>
-              <a:r>
-                <a:rPr lang="en-US" sz="4400" dirty="0">
-                  <a:latin typeface="Lato" panose="020F0502020204030203" pitchFamily="34" charset="0"/>
-                  <a:cs typeface="Lato" panose="020F0502020204030203" pitchFamily="34" charset="0"/>
-                </a:rPr>
-                <a:t> D., Aroyo A. M., Gonzalez-Billandon J., Rea F., Sandini G., Sciutti A,</a:t>
-              </a:r>
-              <a:endParaRPr lang="en-US" sz="4400" b="1" dirty="0">
-                <a:latin typeface="Lato" panose="020F0502020204030203" pitchFamily="34" charset="0"/>
-                <a:cs typeface="Lato" panose="020F0502020204030203" pitchFamily="34" charset="0"/>
-              </a:endParaRPr>
-            </a:p>
-          </p:txBody>
-        </p:sp>
-        <p:sp>
-          <p:nvSpPr>
-            <p:cNvPr id="50" name="Graphic 18">
-              <a:extLst>
-                <a:ext uri="{FF2B5EF4-FFF2-40B4-BE49-F238E27FC236}">
-                  <a16:creationId xmlns:a16="http://schemas.microsoft.com/office/drawing/2014/main" id="{4D6A7D47-E7B6-4794-981D-156DEC979EC7}"/>
-                </a:ext>
-              </a:extLst>
-            </p:cNvPr>
-            <p:cNvSpPr/>
-            <p:nvPr/>
-          </p:nvSpPr>
-          <p:spPr>
-            <a:xfrm>
-              <a:off x="1842351" y="15359198"/>
-              <a:ext cx="360430" cy="335196"/>
-            </a:xfrm>
-            <a:custGeom>
-              <a:avLst/>
-              <a:gdLst>
-                <a:gd name="connsiteX0" fmla="*/ 310594 w 327663"/>
-                <a:gd name="connsiteY0" fmla="*/ 219906 h 335196"/>
-                <a:gd name="connsiteX1" fmla="*/ 246568 w 327663"/>
-                <a:gd name="connsiteY1" fmla="*/ 176217 h 335196"/>
-                <a:gd name="connsiteX2" fmla="*/ 212295 w 327663"/>
-                <a:gd name="connsiteY2" fmla="*/ 176217 h 335196"/>
-                <a:gd name="connsiteX3" fmla="*/ 165217 w 327663"/>
-                <a:gd name="connsiteY3" fmla="*/ 189022 h 335196"/>
-                <a:gd name="connsiteX4" fmla="*/ 118138 w 327663"/>
-                <a:gd name="connsiteY4" fmla="*/ 176217 h 335196"/>
-                <a:gd name="connsiteX5" fmla="*/ 83866 w 327663"/>
-                <a:gd name="connsiteY5" fmla="*/ 176217 h 335196"/>
-                <a:gd name="connsiteX6" fmla="*/ 19839 w 327663"/>
-                <a:gd name="connsiteY6" fmla="*/ 219906 h 335196"/>
-                <a:gd name="connsiteX7" fmla="*/ 1385 w 327663"/>
-                <a:gd name="connsiteY7" fmla="*/ 299750 h 335196"/>
-                <a:gd name="connsiteX8" fmla="*/ 165970 w 327663"/>
-                <a:gd name="connsiteY8" fmla="*/ 335529 h 335196"/>
-                <a:gd name="connsiteX9" fmla="*/ 329802 w 327663"/>
-                <a:gd name="connsiteY9" fmla="*/ 299750 h 335196"/>
-                <a:gd name="connsiteX10" fmla="*/ 310594 w 327663"/>
-                <a:gd name="connsiteY10" fmla="*/ 219906 h 335196"/>
-                <a:gd name="connsiteX11" fmla="*/ 165593 w 327663"/>
-                <a:gd name="connsiteY11" fmla="*/ 154749 h 335196"/>
-                <a:gd name="connsiteX12" fmla="*/ 242425 w 327663"/>
-                <a:gd name="connsiteY12" fmla="*/ 77918 h 335196"/>
-                <a:gd name="connsiteX13" fmla="*/ 165593 w 327663"/>
-                <a:gd name="connsiteY13" fmla="*/ 1086 h 335196"/>
-                <a:gd name="connsiteX14" fmla="*/ 88762 w 327663"/>
-                <a:gd name="connsiteY14" fmla="*/ 77918 h 335196"/>
-                <a:gd name="connsiteX15" fmla="*/ 165593 w 327663"/>
-                <a:gd name="connsiteY15" fmla="*/ 154749 h 335196"/>
-              </a:gdLst>
-              <a:ahLst/>
-              <a:cxnLst>
-                <a:cxn ang="0">
-                  <a:pos x="connsiteX0" y="connsiteY0"/>
-                </a:cxn>
-                <a:cxn ang="0">
-                  <a:pos x="connsiteX1" y="connsiteY1"/>
-                </a:cxn>
-                <a:cxn ang="0">
-                  <a:pos x="connsiteX2" y="connsiteY2"/>
-                </a:cxn>
-                <a:cxn ang="0">
-                  <a:pos x="connsiteX3" y="connsiteY3"/>
-                </a:cxn>
-                <a:cxn ang="0">
-                  <a:pos x="connsiteX4" y="connsiteY4"/>
-                </a:cxn>
-                <a:cxn ang="0">
-                  <a:pos x="connsiteX5" y="connsiteY5"/>
-                </a:cxn>
-                <a:cxn ang="0">
-                  <a:pos x="connsiteX6" y="connsiteY6"/>
-                </a:cxn>
-                <a:cxn ang="0">
-                  <a:pos x="connsiteX7" y="connsiteY7"/>
-                </a:cxn>
-                <a:cxn ang="0">
-                  <a:pos x="connsiteX8" y="connsiteY8"/>
-                </a:cxn>
-                <a:cxn ang="0">
-                  <a:pos x="connsiteX9" y="connsiteY9"/>
-                </a:cxn>
-                <a:cxn ang="0">
-                  <a:pos x="connsiteX10" y="connsiteY10"/>
-                </a:cxn>
-                <a:cxn ang="0">
-                  <a:pos x="connsiteX11" y="connsiteY11"/>
-                </a:cxn>
-                <a:cxn ang="0">
-                  <a:pos x="connsiteX12" y="connsiteY12"/>
-                </a:cxn>
-                <a:cxn ang="0">
-                  <a:pos x="connsiteX13" y="connsiteY13"/>
-                </a:cxn>
-                <a:cxn ang="0">
-                  <a:pos x="connsiteX14" y="connsiteY14"/>
-                </a:cxn>
-                <a:cxn ang="0">
-                  <a:pos x="connsiteX15" y="connsiteY15"/>
-                </a:cxn>
-              </a:cxnLst>
-              <a:rect l="l" t="t" r="r" b="b"/>
-              <a:pathLst>
-                <a:path w="327663" h="335196">
-                  <a:moveTo>
-                    <a:pt x="310594" y="219906"/>
-                  </a:moveTo>
-                  <a:cubicBezTo>
-                    <a:pt x="287243" y="179983"/>
-                    <a:pt x="246568" y="176217"/>
-                    <a:pt x="246568" y="176217"/>
-                  </a:cubicBezTo>
-                  <a:lnTo>
-                    <a:pt x="212295" y="176217"/>
-                  </a:lnTo>
-                  <a:cubicBezTo>
-                    <a:pt x="198360" y="184126"/>
-                    <a:pt x="182541" y="189022"/>
-                    <a:pt x="165217" y="189022"/>
-                  </a:cubicBezTo>
-                  <a:cubicBezTo>
-                    <a:pt x="147892" y="189022"/>
-                    <a:pt x="132074" y="184503"/>
-                    <a:pt x="118138" y="176217"/>
-                  </a:cubicBezTo>
-                  <a:lnTo>
-                    <a:pt x="83866" y="176217"/>
-                  </a:lnTo>
-                  <a:cubicBezTo>
-                    <a:pt x="83866" y="176217"/>
-                    <a:pt x="43190" y="179983"/>
-                    <a:pt x="19839" y="219906"/>
-                  </a:cubicBezTo>
-                  <a:cubicBezTo>
-                    <a:pt x="-2758" y="259828"/>
-                    <a:pt x="1385" y="299750"/>
-                    <a:pt x="1385" y="299750"/>
-                  </a:cubicBezTo>
-                  <a:cubicBezTo>
-                    <a:pt x="1385" y="299750"/>
-                    <a:pt x="37164" y="335529"/>
-                    <a:pt x="165970" y="335529"/>
-                  </a:cubicBezTo>
-                  <a:cubicBezTo>
-                    <a:pt x="294776" y="335529"/>
-                    <a:pt x="329802" y="299750"/>
-                    <a:pt x="329802" y="299750"/>
-                  </a:cubicBezTo>
-                  <a:cubicBezTo>
-                    <a:pt x="329802" y="299750"/>
-                    <a:pt x="333945" y="259828"/>
-                    <a:pt x="310594" y="219906"/>
-                  </a:cubicBezTo>
-                  <a:close/>
-                  <a:moveTo>
-                    <a:pt x="165593" y="154749"/>
-                  </a:moveTo>
-                  <a:cubicBezTo>
-                    <a:pt x="208152" y="154749"/>
-                    <a:pt x="242425" y="120477"/>
-                    <a:pt x="242425" y="77918"/>
-                  </a:cubicBezTo>
-                  <a:cubicBezTo>
-                    <a:pt x="242425" y="35359"/>
-                    <a:pt x="208152" y="1086"/>
-                    <a:pt x="165593" y="1086"/>
-                  </a:cubicBezTo>
-                  <a:cubicBezTo>
-                    <a:pt x="123035" y="1086"/>
-                    <a:pt x="88762" y="35736"/>
-                    <a:pt x="88762" y="77918"/>
-                  </a:cubicBezTo>
-                  <a:cubicBezTo>
-                    <a:pt x="88762" y="120477"/>
-                    <a:pt x="123035" y="154749"/>
-                    <a:pt x="165593" y="154749"/>
-                  </a:cubicBezTo>
-                  <a:close/>
-                </a:path>
-              </a:pathLst>
-            </a:custGeom>
-            <a:solidFill>
-              <a:schemeClr val="tx1">
-                <a:lumMod val="50000"/>
-                <a:lumOff val="50000"/>
-              </a:schemeClr>
-            </a:solidFill>
-            <a:ln w="3663" cap="flat">
-              <a:noFill/>
-              <a:prstDash val="solid"/>
-              <a:miter/>
-            </a:ln>
-          </p:spPr>
-          <p:txBody>
-            <a:bodyPr rtlCol="0" anchor="ctr"/>
-            <a:lstStyle/>
-            <a:p>
-              <a:endParaRPr lang="en-US" sz="1703" dirty="0"/>
-            </a:p>
-          </p:txBody>
-        </p:sp>
-      </p:grpSp>
-      <p:sp>
-        <p:nvSpPr>
-          <p:cNvPr id="51" name="Rectangle 50">
-            <a:extLst>
-              <a:ext uri="{FF2B5EF4-FFF2-40B4-BE49-F238E27FC236}">
-                <a16:creationId xmlns:a16="http://schemas.microsoft.com/office/drawing/2014/main" id="{7C277321-9E9C-449E-88C7-F4EA5CCE6CA6}"/>
-              </a:ext>
-            </a:extLst>
-          </p:cNvPr>
-          <p:cNvSpPr/>
-          <p:nvPr/>
-        </p:nvSpPr>
-        <p:spPr>
-          <a:xfrm>
-            <a:off x="584439" y="25928969"/>
-            <a:ext cx="9819326" cy="695447"/>
-          </a:xfrm>
-          <a:prstGeom prst="rect">
-            <a:avLst/>
-          </a:prstGeom>
-        </p:spPr>
-        <p:txBody>
-          <a:bodyPr wrap="square">
-            <a:spAutoFit/>
-          </a:bodyPr>
-          <a:lstStyle/>
-          <a:p>
-            <a:pPr>
-              <a:lnSpc>
-                <a:spcPct val="120000"/>
-              </a:lnSpc>
-            </a:pPr>
-            <a:r>
-              <a:rPr lang="en-US" sz="3600" b="1" dirty="0">
-                <a:latin typeface="Lato Black" panose="020F0A02020204030203" pitchFamily="34" charset="0"/>
-                <a:cs typeface="Arial" panose="020B0604020202020204" pitchFamily="34" charset="0"/>
-              </a:rPr>
-              <a:t>RESULTS</a:t>
-            </a:r>
-          </a:p>
-        </p:txBody>
-      </p:sp>
-      <p:pic>
-        <p:nvPicPr>
-          <p:cNvPr id="55" name="Graphic 54">
-            <a:extLst>
-              <a:ext uri="{FF2B5EF4-FFF2-40B4-BE49-F238E27FC236}">
-                <a16:creationId xmlns:a16="http://schemas.microsoft.com/office/drawing/2014/main" id="{1CF98181-D570-4610-B54F-B58E50DCA923}"/>
-              </a:ext>
-            </a:extLst>
-          </p:cNvPr>
-          <p:cNvPicPr>
-            <a:picLocks noChangeAspect="1"/>
-          </p:cNvPicPr>
-          <p:nvPr/>
-        </p:nvPicPr>
-        <p:blipFill>
-          <a:blip r:embed="rId8">
-            <a:extLst>
-              <a:ext uri="{28A0092B-C50C-407E-A947-70E740481C1C}">
-                <a14:useLocalDpi xmlns:a14="http://schemas.microsoft.com/office/drawing/2010/main" val="0"/>
-              </a:ext>
-              <a:ext uri="{96DAC541-7B7A-43D3-8B79-37D633B846F1}">
-                <asvg:svgBlip xmlns:asvg="http://schemas.microsoft.com/office/drawing/2016/SVG/main" r:embed="rId9"/>
-              </a:ext>
-            </a:extLst>
-          </a:blip>
-          <a:stretch>
-            <a:fillRect/>
-          </a:stretch>
-        </p:blipFill>
-        <p:spPr>
-          <a:xfrm>
-            <a:off x="1111294" y="30526591"/>
-            <a:ext cx="6849017" cy="4338129"/>
-          </a:xfrm>
-          <a:prstGeom prst="rect">
-            <a:avLst/>
-          </a:prstGeom>
-        </p:spPr>
-      </p:pic>
-      <p:sp>
-        <p:nvSpPr>
-          <p:cNvPr id="70" name="TextBox 69">
-            <a:extLst>
-              <a:ext uri="{FF2B5EF4-FFF2-40B4-BE49-F238E27FC236}">
-                <a16:creationId xmlns:a16="http://schemas.microsoft.com/office/drawing/2014/main" id="{D6859FF0-A2E6-4013-8EE0-32F58560BA60}"/>
-              </a:ext>
-            </a:extLst>
-          </p:cNvPr>
-          <p:cNvSpPr txBox="1"/>
-          <p:nvPr/>
-        </p:nvSpPr>
-        <p:spPr>
-          <a:xfrm>
-            <a:off x="17216714" y="26316347"/>
-            <a:ext cx="12175657" cy="6024726"/>
-          </a:xfrm>
-          <a:prstGeom prst="rect">
-            <a:avLst/>
-          </a:prstGeom>
-          <a:noFill/>
-        </p:spPr>
-        <p:txBody>
-          <a:bodyPr wrap="square" rtlCol="0">
-            <a:spAutoFit/>
-          </a:bodyPr>
-          <a:lstStyle/>
-          <a:p>
-            <a:pPr algn="just">
-              <a:lnSpc>
-                <a:spcPct val="120000"/>
-              </a:lnSpc>
-            </a:pPr>
-            <a:r>
-              <a:rPr lang="en-US" sz="3600" b="1" dirty="0">
-                <a:latin typeface="Roboto" pitchFamily="2" charset="0"/>
-                <a:ea typeface="Roboto" pitchFamily="2" charset="0"/>
-                <a:cs typeface="Arial" panose="020B0604020202020204" pitchFamily="34" charset="0"/>
-              </a:rPr>
-              <a:t>DISCUSSION</a:t>
-            </a:r>
-          </a:p>
-          <a:p>
-            <a:pPr marL="457200" indent="-457200" algn="just">
-              <a:lnSpc>
-                <a:spcPct val="120000"/>
-              </a:lnSpc>
-              <a:buFont typeface="Arial" panose="020B0604020202020204" pitchFamily="34" charset="0"/>
-              <a:buChar char="•"/>
-            </a:pPr>
-            <a:r>
-              <a:rPr lang="en-US" sz="3600" dirty="0">
-                <a:latin typeface="Roboto" pitchFamily="2" charset="0"/>
-                <a:ea typeface="Roboto" pitchFamily="2" charset="0"/>
-                <a:cs typeface="Times New Roman" panose="02020603050405020304" pitchFamily="18" charset="0"/>
-              </a:rPr>
-              <a:t>It’s possible to detect lies in a quick Human-Robot Interaction.</a:t>
-            </a:r>
-          </a:p>
-          <a:p>
-            <a:pPr marL="457200" indent="-457200" algn="just">
-              <a:lnSpc>
-                <a:spcPct val="120000"/>
-              </a:lnSpc>
-              <a:buFont typeface="Arial" panose="020B0604020202020204" pitchFamily="34" charset="0"/>
-              <a:buChar char="•"/>
-            </a:pPr>
-            <a:r>
-              <a:rPr lang="en-US" sz="3600" dirty="0">
-                <a:latin typeface="Roboto" pitchFamily="2" charset="0"/>
-                <a:ea typeface="Roboto" pitchFamily="2" charset="0"/>
-                <a:cs typeface="Times New Roman" panose="02020603050405020304" pitchFamily="18" charset="0"/>
-              </a:rPr>
-              <a:t>Need to wear a Tobii Pro Glasses 2 eye tracker</a:t>
-            </a:r>
-          </a:p>
-          <a:p>
-            <a:pPr marL="457200" indent="-457200" algn="just">
-              <a:lnSpc>
-                <a:spcPct val="120000"/>
-              </a:lnSpc>
-              <a:buFont typeface="Arial" panose="020B0604020202020204" pitchFamily="34" charset="0"/>
-              <a:buChar char="•"/>
-            </a:pPr>
-            <a:r>
-              <a:rPr lang="en-US" sz="3600" dirty="0">
-                <a:latin typeface="Roboto" pitchFamily="2" charset="0"/>
-                <a:ea typeface="Roboto" pitchFamily="2" charset="0"/>
-                <a:cs typeface="Times New Roman" panose="02020603050405020304" pitchFamily="18" charset="0"/>
-              </a:rPr>
-              <a:t>The heuristic function is effective only if the presence of a fake description is a priori known between a finite set of items</a:t>
-            </a:r>
-          </a:p>
-          <a:p>
-            <a:pPr marL="457200" indent="-457200" algn="just">
-              <a:lnSpc>
-                <a:spcPct val="120000"/>
-              </a:lnSpc>
-              <a:buFont typeface="Arial" panose="020B0604020202020204" pitchFamily="34" charset="0"/>
-              <a:buChar char="•"/>
-            </a:pPr>
-            <a:r>
-              <a:rPr lang="en-US" sz="3600" dirty="0">
-                <a:latin typeface="Roboto" pitchFamily="2" charset="0"/>
-                <a:ea typeface="Roboto" pitchFamily="2" charset="0"/>
-                <a:cs typeface="Times New Roman" panose="02020603050405020304" pitchFamily="18" charset="0"/>
-              </a:rPr>
-              <a:t>The normalization makes the random forest effective only among the observations of the same individual</a:t>
-            </a:r>
-          </a:p>
-        </p:txBody>
-      </p:sp>
-      <p:pic>
-        <p:nvPicPr>
-          <p:cNvPr id="75" name="Picture 74" descr="A picture containing sign, toy, clock&#10;&#10;Description automatically generated">
-            <a:extLst>
-              <a:ext uri="{FF2B5EF4-FFF2-40B4-BE49-F238E27FC236}">
-                <a16:creationId xmlns:a16="http://schemas.microsoft.com/office/drawing/2014/main" id="{D0986877-E664-4FE2-853E-CCED0C839E97}"/>
-              </a:ext>
-            </a:extLst>
-          </p:cNvPr>
-          <p:cNvPicPr>
-            <a:picLocks noChangeAspect="1"/>
-          </p:cNvPicPr>
-          <p:nvPr/>
-        </p:nvPicPr>
-        <p:blipFill>
-          <a:blip r:embed="rId10">
-            <a:extLst>
-              <a:ext uri="{28A0092B-C50C-407E-A947-70E740481C1C}">
-                <a14:useLocalDpi xmlns:a14="http://schemas.microsoft.com/office/drawing/2010/main" val="0"/>
-              </a:ext>
-            </a:extLst>
-          </a:blip>
-          <a:stretch>
-            <a:fillRect/>
-          </a:stretch>
-        </p:blipFill>
-        <p:spPr>
-          <a:xfrm>
-            <a:off x="9855080" y="21558721"/>
-            <a:ext cx="6678838" cy="4030334"/>
-          </a:xfrm>
-          <a:prstGeom prst="rect">
-            <a:avLst/>
-          </a:prstGeom>
-        </p:spPr>
-      </p:pic>
-      <p:grpSp>
-        <p:nvGrpSpPr>
-          <p:cNvPr id="45" name="Group 44">
-            <a:extLst>
-              <a:ext uri="{FF2B5EF4-FFF2-40B4-BE49-F238E27FC236}">
-                <a16:creationId xmlns:a16="http://schemas.microsoft.com/office/drawing/2014/main" id="{5812560B-0CBD-42F8-90D3-B5A9F20EE621}"/>
-              </a:ext>
-            </a:extLst>
-          </p:cNvPr>
-          <p:cNvGrpSpPr/>
-          <p:nvPr/>
-        </p:nvGrpSpPr>
-        <p:grpSpPr>
-          <a:xfrm>
-            <a:off x="614069" y="11857636"/>
-            <a:ext cx="16029141" cy="9158114"/>
-            <a:chOff x="499843" y="11857991"/>
-            <a:chExt cx="16029141" cy="9158114"/>
-          </a:xfrm>
-        </p:grpSpPr>
-        <p:sp>
-          <p:nvSpPr>
-            <p:cNvPr id="5" name="TextBox 4">
-              <a:extLst>
-                <a:ext uri="{FF2B5EF4-FFF2-40B4-BE49-F238E27FC236}">
-                  <a16:creationId xmlns:a16="http://schemas.microsoft.com/office/drawing/2014/main" id="{F98AF760-C359-4592-BF1F-0C7A94DA9F89}"/>
-                </a:ext>
-              </a:extLst>
-            </p:cNvPr>
-            <p:cNvSpPr txBox="1"/>
-            <p:nvPr/>
-          </p:nvSpPr>
-          <p:spPr>
-            <a:xfrm>
-              <a:off x="499843" y="11857991"/>
-              <a:ext cx="16029141" cy="3365537"/>
-            </a:xfrm>
-            <a:prstGeom prst="rect">
-              <a:avLst/>
-            </a:prstGeom>
-            <a:noFill/>
-          </p:spPr>
-          <p:txBody>
-            <a:bodyPr wrap="square" rtlCol="0">
-              <a:spAutoFit/>
-            </a:bodyPr>
-            <a:lstStyle/>
-            <a:p>
-              <a:pPr>
-                <a:lnSpc>
-                  <a:spcPct val="120000"/>
-                </a:lnSpc>
-              </a:pPr>
-              <a:r>
-                <a:rPr lang="en-US" sz="3600" b="1" dirty="0">
-                  <a:latin typeface="Roboto" pitchFamily="2" charset="0"/>
-                  <a:ea typeface="Roboto" pitchFamily="2" charset="0"/>
-                  <a:cs typeface="Arial" panose="020B0604020202020204" pitchFamily="34" charset="0"/>
-                </a:rPr>
-                <a:t>INTRO</a:t>
-              </a:r>
-            </a:p>
-            <a:p>
-              <a:pPr algn="just">
-                <a:lnSpc>
-                  <a:spcPct val="120000"/>
-                </a:lnSpc>
-              </a:pPr>
-              <a:r>
-                <a:rPr lang="en-US" sz="3600" dirty="0">
-                  <a:latin typeface="Roboto" pitchFamily="2" charset="0"/>
-                  <a:ea typeface="Roboto" pitchFamily="2" charset="0"/>
-                  <a:cs typeface="Times New Roman" panose="02020603050405020304" pitchFamily="18" charset="0"/>
-                </a:rPr>
-                <a:t>Detecting lies in a real-world scenario is an important skill for a humanoid robot that acts in fields where is important to </a:t>
-              </a:r>
-              <a:r>
-                <a:rPr lang="en-US" sz="3600" b="1" dirty="0">
-                  <a:latin typeface="Roboto" pitchFamily="2" charset="0"/>
-                  <a:ea typeface="Roboto" pitchFamily="2" charset="0"/>
-                  <a:cs typeface="Times New Roman" panose="02020603050405020304" pitchFamily="18" charset="0"/>
-                </a:rPr>
-                <a:t>preserve an informal and pleasant interaction</a:t>
-              </a:r>
-              <a:r>
-                <a:rPr lang="en-US" sz="3600" dirty="0">
-                  <a:latin typeface="Roboto" pitchFamily="2" charset="0"/>
-                  <a:ea typeface="Roboto" pitchFamily="2" charset="0"/>
-                  <a:cs typeface="Times New Roman" panose="02020603050405020304" pitchFamily="18" charset="0"/>
-                </a:rPr>
-                <a:t>. However, </a:t>
-              </a:r>
-              <a:r>
-                <a:rPr lang="en-US" sz="3600" b="1" dirty="0">
-                  <a:latin typeface="Roboto" pitchFamily="2" charset="0"/>
-                  <a:ea typeface="Roboto" pitchFamily="2" charset="0"/>
-                  <a:cs typeface="Times New Roman" panose="02020603050405020304" pitchFamily="18" charset="0"/>
-                </a:rPr>
-                <a:t>lie detection is usually performed in highly controlled</a:t>
-              </a:r>
-              <a:r>
-                <a:rPr lang="en-US" sz="3600" dirty="0">
-                  <a:latin typeface="Roboto" pitchFamily="2" charset="0"/>
-                  <a:ea typeface="Roboto" pitchFamily="2" charset="0"/>
-                  <a:cs typeface="Times New Roman" panose="02020603050405020304" pitchFamily="18" charset="0"/>
-                </a:rPr>
-                <a:t> settings comparable to </a:t>
-              </a:r>
-              <a:r>
-                <a:rPr lang="en-US" sz="3600" b="1" dirty="0">
-                  <a:latin typeface="Roboto" pitchFamily="2" charset="0"/>
-                  <a:ea typeface="Roboto" pitchFamily="2" charset="0"/>
-                  <a:cs typeface="Times New Roman" panose="02020603050405020304" pitchFamily="18" charset="0"/>
-                </a:rPr>
-                <a:t>interrogatories</a:t>
-              </a:r>
-              <a:r>
-                <a:rPr lang="en-US" sz="3600" dirty="0">
-                  <a:latin typeface="Roboto" pitchFamily="2" charset="0"/>
-                  <a:ea typeface="Roboto" pitchFamily="2" charset="0"/>
-                  <a:cs typeface="Times New Roman" panose="02020603050405020304" pitchFamily="18" charset="0"/>
-                </a:rPr>
-                <a:t>.</a:t>
-              </a:r>
-            </a:p>
-          </p:txBody>
-        </p:sp>
-        <p:grpSp>
-          <p:nvGrpSpPr>
-            <p:cNvPr id="33" name="Group 32">
-              <a:extLst>
-                <a:ext uri="{FF2B5EF4-FFF2-40B4-BE49-F238E27FC236}">
-                  <a16:creationId xmlns:a16="http://schemas.microsoft.com/office/drawing/2014/main" id="{7241F854-A5BD-4D36-9328-97F815628434}"/>
-                </a:ext>
-              </a:extLst>
-            </p:cNvPr>
-            <p:cNvGrpSpPr/>
-            <p:nvPr/>
-          </p:nvGrpSpPr>
-          <p:grpSpPr>
-            <a:xfrm>
-              <a:off x="711693" y="15561102"/>
-              <a:ext cx="15661920" cy="5455003"/>
-              <a:chOff x="671238" y="16847354"/>
-              <a:chExt cx="15661920" cy="5455003"/>
-            </a:xfrm>
-          </p:grpSpPr>
-          <p:grpSp>
-            <p:nvGrpSpPr>
-              <p:cNvPr id="20" name="Group 19">
-                <a:extLst>
-                  <a:ext uri="{FF2B5EF4-FFF2-40B4-BE49-F238E27FC236}">
-                    <a16:creationId xmlns:a16="http://schemas.microsoft.com/office/drawing/2014/main" id="{E6844AF9-3DF6-4449-9597-126F033A2E40}"/>
-                  </a:ext>
-                </a:extLst>
-              </p:cNvPr>
-              <p:cNvGrpSpPr/>
-              <p:nvPr/>
-            </p:nvGrpSpPr>
-            <p:grpSpPr>
-              <a:xfrm>
-                <a:off x="671238" y="16892517"/>
-                <a:ext cx="6668275" cy="5409840"/>
-                <a:chOff x="604665" y="12268567"/>
-                <a:chExt cx="6668275" cy="5409840"/>
-              </a:xfrm>
-            </p:grpSpPr>
-            <p:pic>
-              <p:nvPicPr>
-                <p:cNvPr id="13" name="Picture 12" descr="A picture containing drawing&#10;&#10;Description automatically generated">
-                  <a:extLst>
-                    <a:ext uri="{FF2B5EF4-FFF2-40B4-BE49-F238E27FC236}">
-                      <a16:creationId xmlns:a16="http://schemas.microsoft.com/office/drawing/2014/main" id="{DA9B1922-A691-45D5-AF74-B748CFB9CFEA}"/>
-                    </a:ext>
-                  </a:extLst>
-                </p:cNvPr>
-                <p:cNvPicPr>
-                  <a:picLocks noChangeAspect="1"/>
-                </p:cNvPicPr>
-                <p:nvPr/>
-              </p:nvPicPr>
-              <p:blipFill>
-                <a:blip r:embed="rId11">
-                  <a:extLst>
-                    <a:ext uri="{28A0092B-C50C-407E-A947-70E740481C1C}">
-                      <a14:useLocalDpi xmlns:a14="http://schemas.microsoft.com/office/drawing/2010/main" val="0"/>
-                    </a:ext>
-                  </a:extLst>
-                </a:blip>
-                <a:stretch>
-                  <a:fillRect/>
-                </a:stretch>
-              </p:blipFill>
-              <p:spPr>
-                <a:xfrm>
-                  <a:off x="604665" y="12268567"/>
-                  <a:ext cx="6668275" cy="4661521"/>
-                </a:xfrm>
-                <a:prstGeom prst="rect">
-                  <a:avLst/>
-                </a:prstGeom>
-                <a:ln w="57150">
-                  <a:noFill/>
-                  <a:prstDash val="dash"/>
-                </a:ln>
-              </p:spPr>
-            </p:pic>
-            <p:sp>
-              <p:nvSpPr>
-                <p:cNvPr id="52" name="TextBox 51">
-                  <a:extLst>
-                    <a:ext uri="{FF2B5EF4-FFF2-40B4-BE49-F238E27FC236}">
-                      <a16:creationId xmlns:a16="http://schemas.microsoft.com/office/drawing/2014/main" id="{ECB04D27-CBE7-4CAE-9CA4-64440EE2837B}"/>
-                    </a:ext>
-                  </a:extLst>
-                </p:cNvPr>
-                <p:cNvSpPr txBox="1"/>
-                <p:nvPr/>
-              </p:nvSpPr>
-              <p:spPr>
-                <a:xfrm>
-                  <a:off x="1560707" y="17074395"/>
-                  <a:ext cx="4756190" cy="604012"/>
-                </a:xfrm>
-                <a:prstGeom prst="rect">
-                  <a:avLst/>
-                </a:prstGeom>
-                <a:noFill/>
-                <a:ln>
-                  <a:noFill/>
-                </a:ln>
-              </p:spPr>
-              <p:txBody>
-                <a:bodyPr wrap="square" rtlCol="0">
-                  <a:spAutoFit/>
-                </a:bodyPr>
-                <a:lstStyle/>
-                <a:p>
-                  <a:pPr algn="ctr">
-                    <a:lnSpc>
-                      <a:spcPct val="120000"/>
-                    </a:lnSpc>
-                  </a:pPr>
-                  <a:r>
-                    <a:rPr lang="en-US" sz="3000" b="1" dirty="0">
-                      <a:latin typeface="Roboto" pitchFamily="2" charset="0"/>
-                      <a:ea typeface="Roboto" pitchFamily="2" charset="0"/>
-                      <a:cs typeface="Arial" panose="020B0604020202020204" pitchFamily="34" charset="0"/>
-                    </a:rPr>
-                    <a:t>TRADITIONAL SCENARIO</a:t>
-                  </a:r>
-                </a:p>
-              </p:txBody>
-            </p:sp>
-          </p:grpSp>
-          <p:grpSp>
-            <p:nvGrpSpPr>
-              <p:cNvPr id="21" name="Group 20">
-                <a:extLst>
-                  <a:ext uri="{FF2B5EF4-FFF2-40B4-BE49-F238E27FC236}">
-                    <a16:creationId xmlns:a16="http://schemas.microsoft.com/office/drawing/2014/main" id="{260E5F7E-FD16-47C1-B357-20F24B953D6A}"/>
-                  </a:ext>
-                </a:extLst>
-              </p:cNvPr>
-              <p:cNvGrpSpPr/>
-              <p:nvPr/>
-            </p:nvGrpSpPr>
-            <p:grpSpPr>
-              <a:xfrm>
-                <a:off x="8801335" y="16847354"/>
-                <a:ext cx="7531823" cy="5394271"/>
-                <a:chOff x="8254709" y="12284136"/>
-                <a:chExt cx="7531823" cy="5394271"/>
-              </a:xfrm>
-            </p:grpSpPr>
-            <p:pic>
-              <p:nvPicPr>
-                <p:cNvPr id="19" name="Picture 18">
-                  <a:extLst>
-                    <a:ext uri="{FF2B5EF4-FFF2-40B4-BE49-F238E27FC236}">
-                      <a16:creationId xmlns:a16="http://schemas.microsoft.com/office/drawing/2014/main" id="{AB49588F-0039-4297-9179-562282E9F19B}"/>
-                    </a:ext>
-                  </a:extLst>
-                </p:cNvPr>
-                <p:cNvPicPr>
-                  <a:picLocks noChangeAspect="1"/>
-                </p:cNvPicPr>
-                <p:nvPr/>
-              </p:nvPicPr>
-              <p:blipFill>
-                <a:blip r:embed="rId12">
-                  <a:extLst>
-                    <a:ext uri="{28A0092B-C50C-407E-A947-70E740481C1C}">
-                      <a14:useLocalDpi xmlns:a14="http://schemas.microsoft.com/office/drawing/2010/main" val="0"/>
-                    </a:ext>
-                  </a:extLst>
-                </a:blip>
-                <a:srcRect/>
-                <a:stretch/>
-              </p:blipFill>
-              <p:spPr>
-                <a:xfrm>
-                  <a:off x="8254709" y="12284136"/>
-                  <a:ext cx="7531823" cy="4630381"/>
-                </a:xfrm>
-                <a:prstGeom prst="rect">
-                  <a:avLst/>
-                </a:prstGeom>
-                <a:ln w="57150">
-                  <a:noFill/>
-                  <a:prstDash val="dash"/>
-                </a:ln>
-              </p:spPr>
-            </p:pic>
-            <p:sp>
-              <p:nvSpPr>
-                <p:cNvPr id="53" name="TextBox 52">
-                  <a:extLst>
-                    <a:ext uri="{FF2B5EF4-FFF2-40B4-BE49-F238E27FC236}">
-                      <a16:creationId xmlns:a16="http://schemas.microsoft.com/office/drawing/2014/main" id="{BB93E5FA-D76E-4236-8EA3-62442F024280}"/>
-                    </a:ext>
-                  </a:extLst>
-                </p:cNvPr>
-                <p:cNvSpPr txBox="1"/>
-                <p:nvPr/>
-              </p:nvSpPr>
-              <p:spPr>
-                <a:xfrm>
-                  <a:off x="9642525" y="17074395"/>
-                  <a:ext cx="4756190" cy="604012"/>
-                </a:xfrm>
-                <a:prstGeom prst="rect">
-                  <a:avLst/>
-                </a:prstGeom>
-                <a:noFill/>
-                <a:ln>
-                  <a:noFill/>
-                </a:ln>
-              </p:spPr>
-              <p:txBody>
-                <a:bodyPr wrap="square" rtlCol="0">
-                  <a:spAutoFit/>
-                </a:bodyPr>
-                <a:lstStyle/>
-                <a:p>
-                  <a:pPr algn="ctr">
-                    <a:lnSpc>
-                      <a:spcPct val="120000"/>
-                    </a:lnSpc>
-                  </a:pPr>
-                  <a:r>
-                    <a:rPr lang="en-US" sz="3000" b="1" dirty="0">
-                      <a:latin typeface="Roboto" pitchFamily="2" charset="0"/>
-                      <a:ea typeface="Roboto" pitchFamily="2" charset="0"/>
-                      <a:cs typeface="Arial" panose="020B0604020202020204" pitchFamily="34" charset="0"/>
-                    </a:rPr>
-                    <a:t>TRADITIONAL SCENARIO</a:t>
-                  </a:r>
-                </a:p>
-              </p:txBody>
-            </p:sp>
-          </p:grpSp>
-        </p:grpSp>
-      </p:grpSp>
-      <p:pic>
-        <p:nvPicPr>
-          <p:cNvPr id="39" name="Picture 38" descr="A person sitting at a desk&#10;&#10;Description automatically generated">
-            <a:extLst>
-              <a:ext uri="{FF2B5EF4-FFF2-40B4-BE49-F238E27FC236}">
-                <a16:creationId xmlns:a16="http://schemas.microsoft.com/office/drawing/2014/main" id="{86103FCE-BC9B-4FAF-9C48-FE580A7E8C77}"/>
-              </a:ext>
-            </a:extLst>
-          </p:cNvPr>
-          <p:cNvPicPr>
-            <a:picLocks noChangeAspect="1"/>
-          </p:cNvPicPr>
-          <p:nvPr/>
-        </p:nvPicPr>
-        <p:blipFill>
-          <a:blip r:embed="rId13">
-            <a:extLst>
-              <a:ext uri="{28A0092B-C50C-407E-A947-70E740481C1C}">
-                <a14:useLocalDpi xmlns:a14="http://schemas.microsoft.com/office/drawing/2010/main" val="0"/>
-              </a:ext>
-            </a:extLst>
-          </a:blip>
-          <a:stretch>
-            <a:fillRect/>
-          </a:stretch>
-        </p:blipFill>
-        <p:spPr>
-          <a:xfrm>
-            <a:off x="24828770" y="14896026"/>
-            <a:ext cx="4727778" cy="3365537"/>
-          </a:xfrm>
-          <a:prstGeom prst="rect">
-            <a:avLst/>
-          </a:prstGeom>
-        </p:spPr>
-      </p:pic>
-      <p:sp>
-        <p:nvSpPr>
-          <p:cNvPr id="76" name="TextBox 75">
-            <a:extLst>
-              <a:ext uri="{FF2B5EF4-FFF2-40B4-BE49-F238E27FC236}">
-                <a16:creationId xmlns:a16="http://schemas.microsoft.com/office/drawing/2014/main" id="{5FEF2DD8-A132-4367-BB66-3A34AA186F04}"/>
-              </a:ext>
-            </a:extLst>
-          </p:cNvPr>
-          <p:cNvSpPr txBox="1"/>
-          <p:nvPr/>
-        </p:nvSpPr>
-        <p:spPr>
-          <a:xfrm>
-            <a:off x="17216714" y="19098095"/>
-            <a:ext cx="12591674" cy="6137065"/>
-          </a:xfrm>
-          <a:prstGeom prst="rect">
-            <a:avLst/>
-          </a:prstGeom>
-          <a:noFill/>
-        </p:spPr>
-        <p:txBody>
-          <a:bodyPr wrap="square" rtlCol="0">
-            <a:spAutoFit/>
-          </a:bodyPr>
-          <a:lstStyle/>
-          <a:p>
-            <a:pPr algn="just">
-              <a:lnSpc>
-                <a:spcPct val="120000"/>
-              </a:lnSpc>
-            </a:pPr>
-            <a:r>
-              <a:rPr lang="en-US" sz="3600" b="1" dirty="0">
-                <a:latin typeface="Roboto" pitchFamily="2" charset="0"/>
-                <a:ea typeface="Roboto" pitchFamily="2" charset="0"/>
-                <a:cs typeface="Arial" panose="020B0604020202020204" pitchFamily="34" charset="0"/>
-              </a:rPr>
-              <a:t>BEFORE THE EXPERIMENT</a:t>
-            </a:r>
-          </a:p>
-          <a:p>
-            <a:pPr algn="just">
-              <a:lnSpc>
-                <a:spcPct val="120000"/>
-              </a:lnSpc>
-            </a:pPr>
-            <a:r>
-              <a:rPr lang="en-US" sz="3600" dirty="0">
-                <a:latin typeface="Roboto" pitchFamily="2" charset="0"/>
-                <a:ea typeface="Roboto" pitchFamily="2" charset="0"/>
-                <a:cs typeface="Times New Roman" panose="02020603050405020304" pitchFamily="18" charset="0"/>
-              </a:rPr>
-              <a:t>The Player draws out and memorize a card (</a:t>
-            </a:r>
-            <a:r>
-              <a:rPr lang="en-US" sz="3600" b="1" dirty="0">
-                <a:latin typeface="Roboto" pitchFamily="2" charset="0"/>
-                <a:ea typeface="Roboto" pitchFamily="2" charset="0"/>
-                <a:cs typeface="Times New Roman" panose="02020603050405020304" pitchFamily="18" charset="0"/>
-              </a:rPr>
-              <a:t>target card</a:t>
-            </a:r>
-            <a:r>
-              <a:rPr lang="en-US" sz="3600" dirty="0">
-                <a:latin typeface="Roboto" pitchFamily="2" charset="0"/>
-                <a:ea typeface="Roboto" pitchFamily="2" charset="0"/>
-                <a:cs typeface="Times New Roman" panose="02020603050405020304" pitchFamily="18" charset="0"/>
-              </a:rPr>
-              <a:t>)</a:t>
-            </a:r>
-          </a:p>
-          <a:p>
-            <a:pPr algn="just">
-              <a:lnSpc>
-                <a:spcPct val="120000"/>
-              </a:lnSpc>
-            </a:pPr>
-            <a:endParaRPr lang="en-US" sz="3600" dirty="0">
-              <a:latin typeface="Roboto" pitchFamily="2" charset="0"/>
-              <a:ea typeface="Roboto" pitchFamily="2" charset="0"/>
-              <a:cs typeface="Times New Roman" panose="02020603050405020304" pitchFamily="18" charset="0"/>
-            </a:endParaRPr>
-          </a:p>
-          <a:p>
-            <a:pPr algn="just">
-              <a:lnSpc>
-                <a:spcPct val="120000"/>
-              </a:lnSpc>
-            </a:pPr>
-            <a:r>
-              <a:rPr lang="en-US" sz="3600" b="1" dirty="0">
-                <a:latin typeface="Roboto" pitchFamily="2" charset="0"/>
-                <a:ea typeface="Roboto" pitchFamily="2" charset="0"/>
-                <a:cs typeface="Times New Roman" panose="02020603050405020304" pitchFamily="18" charset="0"/>
-              </a:rPr>
-              <a:t>EXPERIMENT</a:t>
-            </a:r>
-            <a:endParaRPr lang="en-US" sz="3600" dirty="0">
-              <a:latin typeface="Roboto" pitchFamily="2" charset="0"/>
-              <a:ea typeface="Roboto" pitchFamily="2" charset="0"/>
-              <a:cs typeface="Times New Roman" panose="02020603050405020304" pitchFamily="18" charset="0"/>
-            </a:endParaRPr>
-          </a:p>
-          <a:p>
-            <a:pPr marL="723900" indent="-723900">
-              <a:spcBef>
-                <a:spcPts val="1200"/>
-              </a:spcBef>
-              <a:buFont typeface="+mj-lt"/>
-              <a:buAutoNum type="arabicPeriod"/>
-            </a:pPr>
-            <a:r>
-              <a:rPr lang="it-IT" sz="3600" dirty="0">
-                <a:latin typeface="Roboto" pitchFamily="2" charset="0"/>
-                <a:ea typeface="Roboto" pitchFamily="2" charset="0"/>
-                <a:cs typeface="Times New Roman" panose="02020603050405020304" pitchFamily="18" charset="0"/>
-              </a:rPr>
-              <a:t>The player shuffles the cards and put </a:t>
-            </a:r>
-            <a:r>
-              <a:rPr lang="it-IT" sz="3600" dirty="0" err="1">
-                <a:latin typeface="Roboto" pitchFamily="2" charset="0"/>
-                <a:ea typeface="Roboto" pitchFamily="2" charset="0"/>
-                <a:cs typeface="Times New Roman" panose="02020603050405020304" pitchFamily="18" charset="0"/>
-              </a:rPr>
-              <a:t>them</a:t>
-            </a:r>
-            <a:r>
-              <a:rPr lang="it-IT" sz="3600" dirty="0">
-                <a:latin typeface="Roboto" pitchFamily="2" charset="0"/>
-                <a:ea typeface="Roboto" pitchFamily="2" charset="0"/>
-                <a:cs typeface="Times New Roman" panose="02020603050405020304" pitchFamily="18" charset="0"/>
-              </a:rPr>
-              <a:t> </a:t>
-            </a:r>
-            <a:r>
-              <a:rPr lang="it-IT" sz="3600" dirty="0" err="1">
-                <a:latin typeface="Roboto" pitchFamily="2" charset="0"/>
-                <a:ea typeface="Roboto" pitchFamily="2" charset="0"/>
-                <a:cs typeface="Times New Roman" panose="02020603050405020304" pitchFamily="18" charset="0"/>
-              </a:rPr>
-              <a:t>covered</a:t>
-            </a:r>
-            <a:r>
-              <a:rPr lang="it-IT" sz="3600" dirty="0">
-                <a:latin typeface="Roboto" pitchFamily="2" charset="0"/>
-                <a:ea typeface="Roboto" pitchFamily="2" charset="0"/>
-                <a:cs typeface="Times New Roman" panose="02020603050405020304" pitchFamily="18" charset="0"/>
-              </a:rPr>
-              <a:t> on the table</a:t>
-            </a:r>
-          </a:p>
-          <a:p>
-            <a:pPr marL="723900" indent="-723900">
-              <a:spcBef>
-                <a:spcPts val="1200"/>
-              </a:spcBef>
-              <a:buFont typeface="+mj-lt"/>
-              <a:buAutoNum type="arabicPeriod"/>
-            </a:pPr>
-            <a:r>
-              <a:rPr lang="en-US" sz="3600" dirty="0">
-                <a:latin typeface="Roboto" pitchFamily="2" charset="0"/>
-                <a:ea typeface="Roboto" pitchFamily="2" charset="0"/>
-                <a:cs typeface="Times New Roman" panose="02020603050405020304" pitchFamily="18" charset="0"/>
-              </a:rPr>
-              <a:t>iCub points each card. The player describes it</a:t>
-            </a:r>
-          </a:p>
-          <a:p>
-            <a:pPr marL="1181100" lvl="1" indent="-723900">
-              <a:spcBef>
-                <a:spcPts val="1200"/>
-              </a:spcBef>
-              <a:buFont typeface="Arial" panose="020B0604020202020204" pitchFamily="34" charset="0"/>
-              <a:buChar char="•"/>
-            </a:pPr>
-            <a:r>
-              <a:rPr lang="en-US" sz="3600" b="1" dirty="0">
-                <a:latin typeface="Roboto" pitchFamily="2" charset="0"/>
-                <a:ea typeface="Roboto" pitchFamily="2" charset="0"/>
-                <a:cs typeface="Times New Roman" panose="02020603050405020304" pitchFamily="18" charset="0"/>
-              </a:rPr>
-              <a:t>Target Card</a:t>
-            </a:r>
-            <a:r>
-              <a:rPr lang="en-US" sz="3600" dirty="0">
-                <a:latin typeface="Roboto" pitchFamily="2" charset="0"/>
-                <a:ea typeface="Roboto" pitchFamily="2" charset="0"/>
-                <a:cs typeface="Times New Roman" panose="02020603050405020304" pitchFamily="18" charset="0"/>
-              </a:rPr>
-              <a:t>         “</a:t>
-            </a:r>
-            <a:r>
-              <a:rPr lang="en-US" sz="3600" i="1" dirty="0">
-                <a:latin typeface="Roboto" pitchFamily="2" charset="0"/>
-                <a:ea typeface="Roboto" pitchFamily="2" charset="0"/>
-                <a:cs typeface="Times New Roman" panose="02020603050405020304" pitchFamily="18" charset="0"/>
-              </a:rPr>
-              <a:t>Creative and Deceitful description”</a:t>
-            </a:r>
-          </a:p>
-          <a:p>
-            <a:pPr marL="1181100" lvl="1" indent="-723900">
-              <a:spcBef>
-                <a:spcPts val="1200"/>
-              </a:spcBef>
-              <a:buFont typeface="Arial" panose="020B0604020202020204" pitchFamily="34" charset="0"/>
-              <a:buChar char="•"/>
-            </a:pPr>
-            <a:r>
-              <a:rPr lang="en-US" sz="3600" b="1" dirty="0">
-                <a:latin typeface="Roboto" pitchFamily="2" charset="0"/>
-                <a:ea typeface="Roboto" pitchFamily="2" charset="0"/>
-                <a:cs typeface="Times New Roman" panose="02020603050405020304" pitchFamily="18" charset="0"/>
-              </a:rPr>
-              <a:t>Other Cards</a:t>
-            </a:r>
-            <a:r>
-              <a:rPr lang="en-US" sz="3600" dirty="0">
-                <a:latin typeface="Roboto" pitchFamily="2" charset="0"/>
-                <a:ea typeface="Roboto" pitchFamily="2" charset="0"/>
-                <a:cs typeface="Times New Roman" panose="02020603050405020304" pitchFamily="18" charset="0"/>
-              </a:rPr>
-              <a:t>         “</a:t>
-            </a:r>
-            <a:r>
-              <a:rPr lang="en-US" sz="3600" i="1" dirty="0">
-                <a:latin typeface="Roboto" pitchFamily="2" charset="0"/>
-                <a:ea typeface="Roboto" pitchFamily="2" charset="0"/>
-                <a:cs typeface="Times New Roman" panose="02020603050405020304" pitchFamily="18" charset="0"/>
-              </a:rPr>
-              <a:t>Describe what you see”</a:t>
-            </a:r>
-            <a:endParaRPr lang="en-US" sz="3600" dirty="0">
-              <a:latin typeface="Roboto" pitchFamily="2" charset="0"/>
-              <a:ea typeface="Roboto" pitchFamily="2" charset="0"/>
-              <a:cs typeface="Times New Roman" panose="02020603050405020304" pitchFamily="18" charset="0"/>
-            </a:endParaRPr>
-          </a:p>
-        </p:txBody>
-      </p:sp>
-      <p:cxnSp>
-        <p:nvCxnSpPr>
-          <p:cNvPr id="77" name="Straight Arrow Connector 76">
-            <a:extLst>
-              <a:ext uri="{FF2B5EF4-FFF2-40B4-BE49-F238E27FC236}">
-                <a16:creationId xmlns:a16="http://schemas.microsoft.com/office/drawing/2014/main" id="{76CB3BB5-6120-41FC-8AF3-939EDDBB58FA}"/>
-              </a:ext>
-            </a:extLst>
-          </p:cNvPr>
-          <p:cNvCxnSpPr>
-            <a:cxnSpLocks/>
-          </p:cNvCxnSpPr>
-          <p:nvPr/>
-        </p:nvCxnSpPr>
-        <p:spPr>
-          <a:xfrm>
-            <a:off x="21006637" y="24150636"/>
-            <a:ext cx="796925" cy="0"/>
-          </a:xfrm>
-          <a:prstGeom prst="straightConnector1">
-            <a:avLst/>
-          </a:prstGeom>
-          <a:ln w="76200">
-            <a:prstDash val="solid"/>
-            <a:tailEnd type="triangle"/>
-          </a:ln>
-        </p:spPr>
-        <p:style>
-          <a:lnRef idx="1">
-            <a:schemeClr val="accent1"/>
-          </a:lnRef>
-          <a:fillRef idx="0">
-            <a:schemeClr val="accent1"/>
-          </a:fillRef>
-          <a:effectRef idx="0">
-            <a:schemeClr val="accent1"/>
-          </a:effectRef>
-          <a:fontRef idx="minor">
-            <a:schemeClr val="tx1"/>
-          </a:fontRef>
-        </p:style>
-      </p:cxnSp>
-      <p:cxnSp>
-        <p:nvCxnSpPr>
-          <p:cNvPr id="78" name="Straight Arrow Connector 77">
-            <a:extLst>
-              <a:ext uri="{FF2B5EF4-FFF2-40B4-BE49-F238E27FC236}">
-                <a16:creationId xmlns:a16="http://schemas.microsoft.com/office/drawing/2014/main" id="{C7670C5A-DA16-4700-9903-04185AB8EB0E}"/>
-              </a:ext>
-            </a:extLst>
-          </p:cNvPr>
-          <p:cNvCxnSpPr>
-            <a:cxnSpLocks/>
-          </p:cNvCxnSpPr>
-          <p:nvPr/>
-        </p:nvCxnSpPr>
-        <p:spPr>
-          <a:xfrm>
-            <a:off x="21006637" y="24861527"/>
-            <a:ext cx="796925" cy="0"/>
-          </a:xfrm>
-          <a:prstGeom prst="straightConnector1">
-            <a:avLst/>
-          </a:prstGeom>
-          <a:ln w="76200">
-            <a:prstDash val="solid"/>
-            <a:tailEnd type="triangle"/>
-          </a:ln>
-        </p:spPr>
-        <p:style>
-          <a:lnRef idx="1">
-            <a:schemeClr val="accent1"/>
-          </a:lnRef>
-          <a:fillRef idx="0">
-            <a:schemeClr val="accent1"/>
-          </a:fillRef>
-          <a:effectRef idx="0">
-            <a:schemeClr val="accent1"/>
-          </a:effectRef>
-          <a:fontRef idx="minor">
-            <a:schemeClr val="tx1"/>
-          </a:fontRef>
-        </p:style>
-      </p:cxnSp>
-      <p:pic>
-        <p:nvPicPr>
-          <p:cNvPr id="54" name="Picture 53" descr="A close up of a map&#10;&#10;Description automatically generated">
-            <a:extLst>
-              <a:ext uri="{FF2B5EF4-FFF2-40B4-BE49-F238E27FC236}">
-                <a16:creationId xmlns:a16="http://schemas.microsoft.com/office/drawing/2014/main" id="{EDF3D3E8-D1B1-4622-A8B2-2C6736613E84}"/>
-              </a:ext>
-            </a:extLst>
-          </p:cNvPr>
-          <p:cNvPicPr>
-            <a:picLocks noChangeAspect="1"/>
-          </p:cNvPicPr>
-          <p:nvPr/>
-        </p:nvPicPr>
-        <p:blipFill rotWithShape="1">
-          <a:blip r:embed="rId14">
-            <a:extLst>
-              <a:ext uri="{28A0092B-C50C-407E-A947-70E740481C1C}">
-                <a14:useLocalDpi xmlns:a14="http://schemas.microsoft.com/office/drawing/2010/main" val="0"/>
-              </a:ext>
-            </a:extLst>
-          </a:blip>
-          <a:srcRect l="2721" t="7741" b="5586"/>
-          <a:stretch/>
-        </p:blipFill>
-        <p:spPr>
-          <a:xfrm>
-            <a:off x="9334496" y="29139884"/>
-            <a:ext cx="6589059" cy="5870645"/>
-          </a:xfrm>
-          <a:prstGeom prst="rect">
-            <a:avLst/>
-          </a:prstGeom>
-        </p:spPr>
-      </p:pic>
-      <p:sp>
-        <p:nvSpPr>
-          <p:cNvPr id="82" name="TextBox 81">
-            <a:extLst>
-              <a:ext uri="{FF2B5EF4-FFF2-40B4-BE49-F238E27FC236}">
-                <a16:creationId xmlns:a16="http://schemas.microsoft.com/office/drawing/2014/main" id="{C2774146-D87E-4B1E-8B1D-720990C4BD5B}"/>
-              </a:ext>
-            </a:extLst>
-          </p:cNvPr>
-          <p:cNvSpPr txBox="1"/>
-          <p:nvPr/>
-        </p:nvSpPr>
-        <p:spPr>
-          <a:xfrm>
-            <a:off x="825919" y="26726014"/>
-            <a:ext cx="7672136" cy="3365537"/>
-          </a:xfrm>
-          <a:prstGeom prst="rect">
-            <a:avLst/>
-          </a:prstGeom>
-          <a:noFill/>
-        </p:spPr>
-        <p:txBody>
-          <a:bodyPr wrap="square" rtlCol="0">
-            <a:spAutoFit/>
-          </a:bodyPr>
-          <a:lstStyle/>
-          <a:p>
-            <a:pPr algn="just">
-              <a:lnSpc>
-                <a:spcPct val="120000"/>
-              </a:lnSpc>
-            </a:pPr>
-            <a:r>
-              <a:rPr lang="en-US" sz="3600" b="1" dirty="0">
-                <a:latin typeface="Roboto" pitchFamily="2" charset="0"/>
-                <a:ea typeface="Roboto" pitchFamily="2" charset="0"/>
-                <a:cs typeface="Arial" panose="020B0604020202020204" pitchFamily="34" charset="0"/>
-              </a:rPr>
-              <a:t>RANDOM FOREST CLASSIFIER</a:t>
-            </a:r>
-          </a:p>
-          <a:p>
-            <a:pPr marL="571500" indent="-571500" algn="just">
-              <a:lnSpc>
-                <a:spcPct val="120000"/>
-              </a:lnSpc>
-              <a:buFont typeface="Arial" panose="020B0604020202020204" pitchFamily="34" charset="0"/>
-              <a:buChar char="•"/>
-            </a:pPr>
-            <a:r>
-              <a:rPr lang="en-US" sz="3600" dirty="0">
-                <a:latin typeface="Roboto" pitchFamily="2" charset="0"/>
-                <a:ea typeface="Roboto" pitchFamily="2" charset="0"/>
-                <a:cs typeface="Times New Roman" panose="02020603050405020304" pitchFamily="18" charset="0"/>
-              </a:rPr>
-              <a:t>126 datapoints x 13 features</a:t>
-            </a:r>
-          </a:p>
-          <a:p>
-            <a:pPr marL="571500" indent="-571500" algn="just">
-              <a:lnSpc>
-                <a:spcPct val="120000"/>
-              </a:lnSpc>
-              <a:buFont typeface="Arial" panose="020B0604020202020204" pitchFamily="34" charset="0"/>
-              <a:buChar char="•"/>
-            </a:pPr>
-            <a:r>
-              <a:rPr lang="en-US" sz="3600" dirty="0">
-                <a:latin typeface="Roboto" pitchFamily="2" charset="0"/>
-                <a:ea typeface="Roboto" pitchFamily="2" charset="0"/>
-                <a:cs typeface="Times New Roman" panose="02020603050405020304" pitchFamily="18" charset="0"/>
-              </a:rPr>
-              <a:t>Normalization per subject</a:t>
-            </a:r>
-          </a:p>
-          <a:p>
-            <a:pPr marL="571500" indent="-571500" algn="just">
-              <a:lnSpc>
-                <a:spcPct val="120000"/>
-              </a:lnSpc>
-              <a:buFont typeface="Arial" panose="020B0604020202020204" pitchFamily="34" charset="0"/>
-              <a:buChar char="•"/>
-            </a:pPr>
-            <a:r>
-              <a:rPr lang="en-US" sz="3600" dirty="0">
-                <a:latin typeface="Roboto" pitchFamily="2" charset="0"/>
-                <a:ea typeface="Roboto" pitchFamily="2" charset="0"/>
-                <a:cs typeface="Times New Roman" panose="02020603050405020304" pitchFamily="18" charset="0"/>
-              </a:rPr>
-              <a:t>SMOTE to balance the dataset</a:t>
-            </a:r>
-          </a:p>
-          <a:p>
-            <a:pPr algn="just">
-              <a:lnSpc>
-                <a:spcPct val="120000"/>
-              </a:lnSpc>
-            </a:pPr>
-            <a:r>
-              <a:rPr lang="en-US" sz="3600" dirty="0">
-                <a:latin typeface="Roboto" pitchFamily="2" charset="0"/>
-                <a:ea typeface="Roboto" pitchFamily="2" charset="0"/>
-                <a:cs typeface="Times New Roman" panose="02020603050405020304" pitchFamily="18" charset="0"/>
-              </a:rPr>
-              <a:t>F1 = 83.3%, AUCROC = 89.6 (SD=0.7)</a:t>
-            </a:r>
-          </a:p>
-        </p:txBody>
-      </p:sp>
-      <p:sp>
-        <p:nvSpPr>
-          <p:cNvPr id="83" name="TextBox 82">
-            <a:extLst>
-              <a:ext uri="{FF2B5EF4-FFF2-40B4-BE49-F238E27FC236}">
-                <a16:creationId xmlns:a16="http://schemas.microsoft.com/office/drawing/2014/main" id="{6E34406E-ABF9-483F-AED9-728C7CDAA84D}"/>
-              </a:ext>
-            </a:extLst>
-          </p:cNvPr>
-          <p:cNvSpPr txBox="1"/>
-          <p:nvPr/>
-        </p:nvSpPr>
-        <p:spPr>
-          <a:xfrm>
-            <a:off x="8368530" y="26726014"/>
-            <a:ext cx="8119309" cy="2035942"/>
-          </a:xfrm>
-          <a:prstGeom prst="rect">
-            <a:avLst/>
-          </a:prstGeom>
-          <a:noFill/>
-        </p:spPr>
-        <p:txBody>
-          <a:bodyPr wrap="square" rtlCol="0">
-            <a:spAutoFit/>
-          </a:bodyPr>
-          <a:lstStyle/>
-          <a:p>
-            <a:pPr algn="just">
-              <a:lnSpc>
-                <a:spcPct val="120000"/>
-              </a:lnSpc>
-            </a:pPr>
-            <a:r>
-              <a:rPr lang="en-US" sz="3600" b="1" dirty="0">
-                <a:latin typeface="Roboto" pitchFamily="2" charset="0"/>
-                <a:ea typeface="Roboto" pitchFamily="2" charset="0"/>
-                <a:cs typeface="Arial" panose="020B0604020202020204" pitchFamily="34" charset="0"/>
-              </a:rPr>
-              <a:t>HEURISTIC FUNCTION</a:t>
-            </a:r>
-          </a:p>
-          <a:p>
-            <a:pPr algn="just">
-              <a:lnSpc>
-                <a:spcPct val="120000"/>
-              </a:lnSpc>
-            </a:pPr>
-            <a:r>
-              <a:rPr lang="en-US" sz="3600" dirty="0">
-                <a:latin typeface="Roboto" pitchFamily="2" charset="0"/>
-                <a:ea typeface="Roboto" pitchFamily="2" charset="0"/>
-                <a:cs typeface="Times New Roman" panose="02020603050405020304" pitchFamily="18" charset="0"/>
-              </a:rPr>
-              <a:t>Max Mean Pupil Dilation = Target Card</a:t>
-            </a:r>
-          </a:p>
-          <a:p>
-            <a:pPr algn="just">
-              <a:lnSpc>
-                <a:spcPct val="120000"/>
-              </a:lnSpc>
-            </a:pPr>
-            <a:r>
-              <a:rPr lang="en-US" sz="3600" dirty="0">
-                <a:latin typeface="Roboto" pitchFamily="2" charset="0"/>
-                <a:ea typeface="Roboto" pitchFamily="2" charset="0"/>
-                <a:cs typeface="Times New Roman" panose="02020603050405020304" pitchFamily="18" charset="0"/>
-              </a:rPr>
-              <a:t>Accuracy = 75%</a:t>
-            </a:r>
-          </a:p>
-        </p:txBody>
-      </p:sp>
-      <p:sp>
-        <p:nvSpPr>
-          <p:cNvPr id="87" name="TextBox 86">
-            <a:extLst>
-              <a:ext uri="{FF2B5EF4-FFF2-40B4-BE49-F238E27FC236}">
-                <a16:creationId xmlns:a16="http://schemas.microsoft.com/office/drawing/2014/main" id="{5F7C7BFD-C253-4E35-99FF-AA95F33AD415}"/>
-              </a:ext>
-            </a:extLst>
-          </p:cNvPr>
-          <p:cNvSpPr txBox="1"/>
-          <p:nvPr/>
-        </p:nvSpPr>
-        <p:spPr>
-          <a:xfrm>
-            <a:off x="17297740" y="32797307"/>
-            <a:ext cx="12175657" cy="2035942"/>
-          </a:xfrm>
-          <a:prstGeom prst="rect">
-            <a:avLst/>
-          </a:prstGeom>
-          <a:noFill/>
-        </p:spPr>
-        <p:txBody>
-          <a:bodyPr wrap="square" rtlCol="0">
-            <a:spAutoFit/>
-          </a:bodyPr>
-          <a:lstStyle/>
-          <a:p>
-            <a:pPr algn="just">
-              <a:lnSpc>
-                <a:spcPct val="120000"/>
-              </a:lnSpc>
-            </a:pPr>
-            <a:r>
-              <a:rPr lang="en-US" sz="3600" b="1" dirty="0">
-                <a:latin typeface="Roboto" pitchFamily="2" charset="0"/>
-                <a:ea typeface="Roboto" pitchFamily="2" charset="0"/>
-                <a:cs typeface="Arial" panose="020B0604020202020204" pitchFamily="34" charset="0"/>
-              </a:rPr>
-              <a:t>FUTURE WORKS</a:t>
-            </a:r>
-          </a:p>
-          <a:p>
-            <a:pPr marL="457200" indent="-457200" algn="just">
-              <a:lnSpc>
-                <a:spcPct val="120000"/>
-              </a:lnSpc>
-              <a:buFont typeface="Arial" panose="020B0604020202020204" pitchFamily="34" charset="0"/>
-              <a:buChar char="•"/>
-            </a:pPr>
-            <a:r>
-              <a:rPr lang="en-US" sz="3600" dirty="0">
-                <a:latin typeface="Roboto" pitchFamily="2" charset="0"/>
-                <a:ea typeface="Roboto" pitchFamily="2" charset="0"/>
-                <a:cs typeface="Times New Roman" panose="02020603050405020304" pitchFamily="18" charset="0"/>
-              </a:rPr>
-              <a:t>Autonomously detect lies in real-time</a:t>
-            </a:r>
-          </a:p>
-          <a:p>
-            <a:pPr marL="457200" indent="-457200" algn="just">
-              <a:lnSpc>
-                <a:spcPct val="120000"/>
-              </a:lnSpc>
-              <a:buFont typeface="Arial" panose="020B0604020202020204" pitchFamily="34" charset="0"/>
-              <a:buChar char="•"/>
-            </a:pPr>
-            <a:r>
-              <a:rPr lang="en-US" sz="3600" dirty="0">
-                <a:latin typeface="Roboto" pitchFamily="2" charset="0"/>
-                <a:ea typeface="Roboto" pitchFamily="2" charset="0"/>
-                <a:cs typeface="Times New Roman" panose="02020603050405020304" pitchFamily="18" charset="0"/>
-              </a:rPr>
-              <a:t>Enlarge the dataset</a:t>
-            </a:r>
-          </a:p>
-        </p:txBody>
-      </p:sp>
-      <p:cxnSp>
-        <p:nvCxnSpPr>
-          <p:cNvPr id="6" name="Straight Connector 5">
-            <a:extLst>
-              <a:ext uri="{FF2B5EF4-FFF2-40B4-BE49-F238E27FC236}">
-                <a16:creationId xmlns:a16="http://schemas.microsoft.com/office/drawing/2014/main" id="{A7A64905-57E9-40CE-8D52-EE51C58032F3}"/>
-              </a:ext>
-            </a:extLst>
-          </p:cNvPr>
-          <p:cNvCxnSpPr>
-            <a:cxnSpLocks/>
-          </p:cNvCxnSpPr>
-          <p:nvPr/>
-        </p:nvCxnSpPr>
-        <p:spPr>
-          <a:xfrm flipH="1">
-            <a:off x="16894629" y="11470234"/>
-            <a:ext cx="1310" cy="23755937"/>
-          </a:xfrm>
-          <a:prstGeom prst="line">
-            <a:avLst/>
-          </a:prstGeom>
-          <a:ln w="76200">
-            <a:solidFill>
-              <a:srgbClr val="0091EA"/>
-            </a:solidFill>
-            <a:prstDash val="solid"/>
-          </a:ln>
-        </p:spPr>
-        <p:style>
-          <a:lnRef idx="1">
-            <a:schemeClr val="accent1"/>
-          </a:lnRef>
-          <a:fillRef idx="0">
-            <a:schemeClr val="accent1"/>
-          </a:fillRef>
-          <a:effectRef idx="0">
-            <a:schemeClr val="accent1"/>
-          </a:effectRef>
-          <a:fontRef idx="minor">
-            <a:schemeClr val="tx1"/>
-          </a:fontRef>
-        </p:style>
-      </p:cxnSp>
-      <p:cxnSp>
-        <p:nvCxnSpPr>
-          <p:cNvPr id="9" name="Straight Connector 8">
-            <a:extLst>
-              <a:ext uri="{FF2B5EF4-FFF2-40B4-BE49-F238E27FC236}">
-                <a16:creationId xmlns:a16="http://schemas.microsoft.com/office/drawing/2014/main" id="{03CACB8B-0479-44C7-9D04-91336918AD8B}"/>
-              </a:ext>
-            </a:extLst>
-          </p:cNvPr>
-          <p:cNvCxnSpPr>
-            <a:cxnSpLocks/>
-          </p:cNvCxnSpPr>
-          <p:nvPr/>
-        </p:nvCxnSpPr>
-        <p:spPr>
-          <a:xfrm>
-            <a:off x="16895939" y="18610621"/>
-            <a:ext cx="12640933" cy="0"/>
-          </a:xfrm>
-          <a:prstGeom prst="line">
-            <a:avLst/>
-          </a:prstGeom>
-          <a:ln w="76200">
-            <a:solidFill>
-              <a:srgbClr val="0091EA"/>
-            </a:solidFill>
-            <a:prstDash val="solid"/>
-          </a:ln>
-        </p:spPr>
-        <p:style>
-          <a:lnRef idx="1">
-            <a:schemeClr val="accent1"/>
-          </a:lnRef>
-          <a:fillRef idx="0">
-            <a:schemeClr val="accent1"/>
-          </a:fillRef>
-          <a:effectRef idx="0">
-            <a:schemeClr val="accent1"/>
-          </a:effectRef>
-          <a:fontRef idx="minor">
-            <a:schemeClr val="tx1"/>
-          </a:fontRef>
-        </p:style>
-      </p:cxnSp>
-      <p:cxnSp>
-        <p:nvCxnSpPr>
-          <p:cNvPr id="60" name="Straight Connector 59">
-            <a:extLst>
-              <a:ext uri="{FF2B5EF4-FFF2-40B4-BE49-F238E27FC236}">
-                <a16:creationId xmlns:a16="http://schemas.microsoft.com/office/drawing/2014/main" id="{1AD79740-7DBA-40D9-97CE-1708AE9024F5}"/>
-              </a:ext>
-            </a:extLst>
-          </p:cNvPr>
-          <p:cNvCxnSpPr>
-            <a:cxnSpLocks/>
-          </p:cNvCxnSpPr>
-          <p:nvPr/>
-        </p:nvCxnSpPr>
-        <p:spPr>
-          <a:xfrm>
-            <a:off x="499844" y="21449071"/>
-            <a:ext cx="16380270" cy="32072"/>
-          </a:xfrm>
-          <a:prstGeom prst="line">
-            <a:avLst/>
-          </a:prstGeom>
-          <a:ln w="76200">
-            <a:solidFill>
-              <a:srgbClr val="0091EA"/>
-            </a:solidFill>
-            <a:prstDash val="solid"/>
-          </a:ln>
-        </p:spPr>
-        <p:style>
-          <a:lnRef idx="1">
-            <a:schemeClr val="accent1"/>
-          </a:lnRef>
-          <a:fillRef idx="0">
-            <a:schemeClr val="accent1"/>
-          </a:fillRef>
-          <a:effectRef idx="0">
-            <a:schemeClr val="accent1"/>
-          </a:effectRef>
-          <a:fontRef idx="minor">
-            <a:schemeClr val="tx1"/>
-          </a:fontRef>
-        </p:style>
-      </p:cxnSp>
-      <p:cxnSp>
-        <p:nvCxnSpPr>
-          <p:cNvPr id="62" name="Straight Connector 61">
-            <a:extLst>
-              <a:ext uri="{FF2B5EF4-FFF2-40B4-BE49-F238E27FC236}">
-                <a16:creationId xmlns:a16="http://schemas.microsoft.com/office/drawing/2014/main" id="{A33097E4-7C5B-42B8-83C0-984BF01E854C}"/>
-              </a:ext>
-            </a:extLst>
-          </p:cNvPr>
-          <p:cNvCxnSpPr>
-            <a:cxnSpLocks/>
-          </p:cNvCxnSpPr>
-          <p:nvPr/>
-        </p:nvCxnSpPr>
-        <p:spPr>
-          <a:xfrm>
-            <a:off x="549898" y="25814669"/>
-            <a:ext cx="29074596" cy="0"/>
-          </a:xfrm>
-          <a:prstGeom prst="line">
-            <a:avLst/>
-          </a:prstGeom>
-          <a:ln w="76200">
-            <a:solidFill>
-              <a:srgbClr val="0091EA"/>
-            </a:solidFill>
-            <a:prstDash val="solid"/>
-          </a:ln>
-        </p:spPr>
-        <p:style>
-          <a:lnRef idx="1">
-            <a:schemeClr val="accent1"/>
-          </a:lnRef>
-          <a:fillRef idx="0">
-            <a:schemeClr val="accent1"/>
-          </a:fillRef>
-          <a:effectRef idx="0">
-            <a:schemeClr val="accent1"/>
-          </a:effectRef>
-          <a:fontRef idx="minor">
-            <a:schemeClr val="tx1"/>
-          </a:fontRef>
-        </p:style>
-      </p:cxnSp>
     </p:spTree>
     <p:extLst>
       <p:ext uri="{BB962C8B-B14F-4D97-AF65-F5344CB8AC3E}">
-        <p14:creationId xmlns:p14="http://schemas.microsoft.com/office/powerpoint/2010/main" val="1720870195"/>
+        <p14:creationId xmlns:p14="http://schemas.microsoft.com/office/powerpoint/2010/main" val="662819743"/>
       </p:ext>
     </p:extLst>
   </p:cSld>
@@ -10054,4 +11533,266 @@
     </a:ext>
   </a:extLst>
 </a:theme>
+</file>
+
+<file path=customXml/item1.xml><?xml version="1.0" encoding="utf-8"?>
+<ct:contentTypeSchema xmlns:ct="http://schemas.microsoft.com/office/2006/metadata/contentType" xmlns:ma="http://schemas.microsoft.com/office/2006/metadata/properties/metaAttributes" ct:_="" ma:_="" ma:contentTypeName="Documento" ma:contentTypeID="0x01010011EF888D89028B48BC289BAF8BF20804" ma:contentTypeVersion="11" ma:contentTypeDescription="Creare un nuovo documento." ma:contentTypeScope="" ma:versionID="cb8ac1ee353ceed18dfd66c39612718d">
+  <xsd:schema xmlns:xsd="http://www.w3.org/2001/XMLSchema" xmlns:xs="http://www.w3.org/2001/XMLSchema" xmlns:p="http://schemas.microsoft.com/office/2006/metadata/properties" xmlns:ns2="99393faf-adc5-4494-9a70-0a363a705e45" xmlns:ns3="6ae35a75-674c-48a8-9c9f-72ad2a4b7b96" targetNamespace="http://schemas.microsoft.com/office/2006/metadata/properties" ma:root="true" ma:fieldsID="afd1f74a822f6b46dced15cd231e4044" ns2:_="" ns3:_="">
+    <xsd:import namespace="99393faf-adc5-4494-9a70-0a363a705e45"/>
+    <xsd:import namespace="6ae35a75-674c-48a8-9c9f-72ad2a4b7b96"/>
+    <xsd:element name="properties">
+      <xsd:complexType>
+        <xsd:sequence>
+          <xsd:element name="documentManagement">
+            <xsd:complexType>
+              <xsd:all>
+                <xsd:element ref="ns2:MediaServiceMetadata" minOccurs="0"/>
+                <xsd:element ref="ns2:MediaServiceFastMetadata" minOccurs="0"/>
+                <xsd:element ref="ns2:MediaServiceAutoTags" minOccurs="0"/>
+                <xsd:element ref="ns2:MediaServiceOCR" minOccurs="0"/>
+                <xsd:element ref="ns3:SharedWithUsers" minOccurs="0"/>
+                <xsd:element ref="ns3:SharedWithDetails" minOccurs="0"/>
+                <xsd:element ref="ns2:MediaServiceDateTaken" minOccurs="0"/>
+                <xsd:element ref="ns2:MediaServiceGenerationTime" minOccurs="0"/>
+                <xsd:element ref="ns2:MediaServiceEventHashCode" minOccurs="0"/>
+                <xsd:element ref="ns2:MediaServiceAutoKeyPoints" minOccurs="0"/>
+                <xsd:element ref="ns2:MediaServiceKeyPoints" minOccurs="0"/>
+              </xsd:all>
+            </xsd:complexType>
+          </xsd:element>
+        </xsd:sequence>
+      </xsd:complexType>
+    </xsd:element>
+  </xsd:schema>
+  <xsd:schema xmlns:xsd="http://www.w3.org/2001/XMLSchema" xmlns:xs="http://www.w3.org/2001/XMLSchema" xmlns:dms="http://schemas.microsoft.com/office/2006/documentManagement/types" xmlns:pc="http://schemas.microsoft.com/office/infopath/2007/PartnerControls" targetNamespace="99393faf-adc5-4494-9a70-0a363a705e45" elementFormDefault="qualified">
+    <xsd:import namespace="http://schemas.microsoft.com/office/2006/documentManagement/types"/>
+    <xsd:import namespace="http://schemas.microsoft.com/office/infopath/2007/PartnerControls"/>
+    <xsd:element name="MediaServiceMetadata" ma:index="8" nillable="true" ma:displayName="MediaServiceMetadata" ma:hidden="true" ma:internalName="MediaServiceMetadata" ma:readOnly="true">
+      <xsd:simpleType>
+        <xsd:restriction base="dms:Note"/>
+      </xsd:simpleType>
+    </xsd:element>
+    <xsd:element name="MediaServiceFastMetadata" ma:index="9" nillable="true" ma:displayName="MediaServiceFastMetadata" ma:hidden="true" ma:internalName="MediaServiceFastMetadata" ma:readOnly="true">
+      <xsd:simpleType>
+        <xsd:restriction base="dms:Note"/>
+      </xsd:simpleType>
+    </xsd:element>
+    <xsd:element name="MediaServiceAutoTags" ma:index="10" nillable="true" ma:displayName="Tags" ma:internalName="MediaServiceAutoTags" ma:readOnly="true">
+      <xsd:simpleType>
+        <xsd:restriction base="dms:Text"/>
+      </xsd:simpleType>
+    </xsd:element>
+    <xsd:element name="MediaServiceOCR" ma:index="11" nillable="true" ma:displayName="Extracted Text" ma:internalName="MediaServiceOCR" ma:readOnly="true">
+      <xsd:simpleType>
+        <xsd:restriction base="dms:Note">
+          <xsd:maxLength value="255"/>
+        </xsd:restriction>
+      </xsd:simpleType>
+    </xsd:element>
+    <xsd:element name="MediaServiceDateTaken" ma:index="14" nillable="true" ma:displayName="MediaServiceDateTaken" ma:hidden="true" ma:internalName="MediaServiceDateTaken" ma:readOnly="true">
+      <xsd:simpleType>
+        <xsd:restriction base="dms:Text"/>
+      </xsd:simpleType>
+    </xsd:element>
+    <xsd:element name="MediaServiceGenerationTime" ma:index="15" nillable="true" ma:displayName="MediaServiceGenerationTime" ma:hidden="true" ma:internalName="MediaServiceGenerationTime" ma:readOnly="true">
+      <xsd:simpleType>
+        <xsd:restriction base="dms:Text"/>
+      </xsd:simpleType>
+    </xsd:element>
+    <xsd:element name="MediaServiceEventHashCode" ma:index="16" nillable="true" ma:displayName="MediaServiceEventHashCode" ma:hidden="true" ma:internalName="MediaServiceEventHashCode" ma:readOnly="true">
+      <xsd:simpleType>
+        <xsd:restriction base="dms:Text"/>
+      </xsd:simpleType>
+    </xsd:element>
+    <xsd:element name="MediaServiceAutoKeyPoints" ma:index="17" nillable="true" ma:displayName="MediaServiceAutoKeyPoints" ma:hidden="true" ma:internalName="MediaServiceAutoKeyPoints" ma:readOnly="true">
+      <xsd:simpleType>
+        <xsd:restriction base="dms:Note"/>
+      </xsd:simpleType>
+    </xsd:element>
+    <xsd:element name="MediaServiceKeyPoints" ma:index="18" nillable="true" ma:displayName="KeyPoints" ma:internalName="MediaServiceKeyPoints" ma:readOnly="true">
+      <xsd:simpleType>
+        <xsd:restriction base="dms:Note">
+          <xsd:maxLength value="255"/>
+        </xsd:restriction>
+      </xsd:simpleType>
+    </xsd:element>
+  </xsd:schema>
+  <xsd:schema xmlns:xsd="http://www.w3.org/2001/XMLSchema" xmlns:xs="http://www.w3.org/2001/XMLSchema" xmlns:dms="http://schemas.microsoft.com/office/2006/documentManagement/types" xmlns:pc="http://schemas.microsoft.com/office/infopath/2007/PartnerControls" targetNamespace="6ae35a75-674c-48a8-9c9f-72ad2a4b7b96" elementFormDefault="qualified">
+    <xsd:import namespace="http://schemas.microsoft.com/office/2006/documentManagement/types"/>
+    <xsd:import namespace="http://schemas.microsoft.com/office/infopath/2007/PartnerControls"/>
+    <xsd:element name="SharedWithUsers" ma:index="12" nillable="true" ma:displayName="Condiviso con" ma:internalName="SharedWithUsers" ma:readOnly="true">
+      <xsd:complexType>
+        <xsd:complexContent>
+          <xsd:extension base="dms:UserMulti">
+            <xsd:sequence>
+              <xsd:element name="UserInfo" minOccurs="0" maxOccurs="unbounded">
+                <xsd:complexType>
+                  <xsd:sequence>
+                    <xsd:element name="DisplayName" type="xsd:string" minOccurs="0"/>
+                    <xsd:element name="AccountId" type="dms:UserId" minOccurs="0" nillable="true"/>
+                    <xsd:element name="AccountType" type="xsd:string" minOccurs="0"/>
+                  </xsd:sequence>
+                </xsd:complexType>
+              </xsd:element>
+            </xsd:sequence>
+          </xsd:extension>
+        </xsd:complexContent>
+      </xsd:complexType>
+    </xsd:element>
+    <xsd:element name="SharedWithDetails" ma:index="13" nillable="true" ma:displayName="Condiviso con dettagli" ma:internalName="SharedWithDetails" ma:readOnly="true">
+      <xsd:simpleType>
+        <xsd:restriction base="dms:Note">
+          <xsd:maxLength value="255"/>
+        </xsd:restriction>
+      </xsd:simpleType>
+    </xsd:element>
+  </xsd:schema>
+  <xsd:schema xmlns="http://schemas.openxmlformats.org/package/2006/metadata/core-properties" xmlns:xsd="http://www.w3.org/2001/XMLSchema" xmlns:xsi="http://www.w3.org/2001/XMLSchema-instance" xmlns:dc="http://purl.org/dc/elements/1.1/" xmlns:dcterms="http://purl.org/dc/terms/" xmlns:odoc="http://schemas.microsoft.com/internal/obd" targetNamespace="http://schemas.openxmlformats.org/package/2006/metadata/core-properties" elementFormDefault="qualified" attributeFormDefault="unqualified" blockDefault="#all">
+    <xsd:import namespace="http://purl.org/dc/elements/1.1/" schemaLocation="http://dublincore.org/schemas/xmls/qdc/2003/04/02/dc.xsd"/>
+    <xsd:import namespace="http://purl.org/dc/terms/" schemaLocation="http://dublincore.org/schemas/xmls/qdc/2003/04/02/dcterms.xsd"/>
+    <xsd:element name="coreProperties" type="CT_coreProperties"/>
+    <xsd:complexType name="CT_coreProperties">
+      <xsd:all>
+        <xsd:element ref="dc:creator" minOccurs="0" maxOccurs="1"/>
+        <xsd:element ref="dcterms:created" minOccurs="0" maxOccurs="1"/>
+        <xsd:element ref="dc:identifier" minOccurs="0" maxOccurs="1"/>
+        <xsd:element name="contentType" minOccurs="0" maxOccurs="1" type="xsd:string" ma:index="0" ma:displayName="Tipo di contenuto"/>
+        <xsd:element ref="dc:title" minOccurs="0" maxOccurs="1" ma:index="4" ma:displayName="Titolo"/>
+        <xsd:element ref="dc:subject" minOccurs="0" maxOccurs="1"/>
+        <xsd:element ref="dc:description" minOccurs="0" maxOccurs="1"/>
+        <xsd:element name="keywords" minOccurs="0" maxOccurs="1" type="xsd:string"/>
+        <xsd:element ref="dc:language" minOccurs="0" maxOccurs="1"/>
+        <xsd:element name="category" minOccurs="0" maxOccurs="1" type="xsd:string"/>
+        <xsd:element name="version" minOccurs="0" maxOccurs="1" type="xsd:string"/>
+        <xsd:element name="revision" minOccurs="0" maxOccurs="1" type="xsd:string">
+          <xsd:annotation>
+            <xsd:documentation>
+                        This value indicates the number of saves or revisions. The application is responsible for updating this value after each revision.
+                    </xsd:documentation>
+          </xsd:annotation>
+        </xsd:element>
+        <xsd:element name="lastModifiedBy" minOccurs="0" maxOccurs="1" type="xsd:string"/>
+        <xsd:element ref="dcterms:modified" minOccurs="0" maxOccurs="1"/>
+        <xsd:element name="contentStatus" minOccurs="0" maxOccurs="1" type="xsd:string"/>
+      </xsd:all>
+    </xsd:complexType>
+  </xsd:schema>
+  <xs:schema xmlns:pc="http://schemas.microsoft.com/office/infopath/2007/PartnerControls" xmlns:xs="http://www.w3.org/2001/XMLSchema" targetNamespace="http://schemas.microsoft.com/office/infopath/2007/PartnerControls" elementFormDefault="qualified" attributeFormDefault="unqualified">
+    <xs:element name="Person">
+      <xs:complexType>
+        <xs:sequence>
+          <xs:element ref="pc:DisplayName" minOccurs="0"/>
+          <xs:element ref="pc:AccountId" minOccurs="0"/>
+          <xs:element ref="pc:AccountType" minOccurs="0"/>
+        </xs:sequence>
+      </xs:complexType>
+    </xs:element>
+    <xs:element name="DisplayName" type="xs:string"/>
+    <xs:element name="AccountId" type="xs:string"/>
+    <xs:element name="AccountType" type="xs:string"/>
+    <xs:element name="BDCAssociatedEntity">
+      <xs:complexType>
+        <xs:sequence>
+          <xs:element ref="pc:BDCEntity" minOccurs="0" maxOccurs="unbounded"/>
+        </xs:sequence>
+        <xs:attribute ref="pc:EntityNamespace"/>
+        <xs:attribute ref="pc:EntityName"/>
+        <xs:attribute ref="pc:SystemInstanceName"/>
+        <xs:attribute ref="pc:AssociationName"/>
+      </xs:complexType>
+    </xs:element>
+    <xs:attribute name="EntityNamespace" type="xs:string"/>
+    <xs:attribute name="EntityName" type="xs:string"/>
+    <xs:attribute name="SystemInstanceName" type="xs:string"/>
+    <xs:attribute name="AssociationName" type="xs:string"/>
+    <xs:element name="BDCEntity">
+      <xs:complexType>
+        <xs:sequence>
+          <xs:element ref="pc:EntityDisplayName" minOccurs="0"/>
+          <xs:element ref="pc:EntityInstanceReference" minOccurs="0"/>
+          <xs:element ref="pc:EntityId1" minOccurs="0"/>
+          <xs:element ref="pc:EntityId2" minOccurs="0"/>
+          <xs:element ref="pc:EntityId3" minOccurs="0"/>
+          <xs:element ref="pc:EntityId4" minOccurs="0"/>
+          <xs:element ref="pc:EntityId5" minOccurs="0"/>
+        </xs:sequence>
+      </xs:complexType>
+    </xs:element>
+    <xs:element name="EntityDisplayName" type="xs:string"/>
+    <xs:element name="EntityInstanceReference" type="xs:string"/>
+    <xs:element name="EntityId1" type="xs:string"/>
+    <xs:element name="EntityId2" type="xs:string"/>
+    <xs:element name="EntityId3" type="xs:string"/>
+    <xs:element name="EntityId4" type="xs:string"/>
+    <xs:element name="EntityId5" type="xs:string"/>
+    <xs:element name="Terms">
+      <xs:complexType>
+        <xs:sequence>
+          <xs:element ref="pc:TermInfo" minOccurs="0" maxOccurs="unbounded"/>
+        </xs:sequence>
+      </xs:complexType>
+    </xs:element>
+    <xs:element name="TermInfo">
+      <xs:complexType>
+        <xs:sequence>
+          <xs:element ref="pc:TermName" minOccurs="0"/>
+          <xs:element ref="pc:TermId" minOccurs="0"/>
+        </xs:sequence>
+      </xs:complexType>
+    </xs:element>
+    <xs:element name="TermName" type="xs:string"/>
+    <xs:element name="TermId" type="xs:string"/>
+  </xs:schema>
+</ct:contentTypeSchema>
+</file>
+
+<file path=customXml/item2.xml><?xml version="1.0" encoding="utf-8"?>
+<p:properties xmlns:p="http://schemas.microsoft.com/office/2006/metadata/properties" xmlns:xsi="http://www.w3.org/2001/XMLSchema-instance" xmlns:pc="http://schemas.microsoft.com/office/infopath/2007/PartnerControls">
+  <documentManagement/>
+</p:properties>
+</file>
+
+<file path=customXml/item3.xml><?xml version="1.0" encoding="utf-8"?>
+<?mso-contentType ?>
+<FormTemplates xmlns="http://schemas.microsoft.com/sharepoint/v3/contenttype/forms">
+  <Display>DocumentLibraryForm</Display>
+  <Edit>DocumentLibraryForm</Edit>
+  <New>DocumentLibraryForm</New>
+</FormTemplates>
+</file>
+
+<file path=customXml/itemProps1.xml><?xml version="1.0" encoding="utf-8"?>
+<ds:datastoreItem xmlns:ds="http://schemas.openxmlformats.org/officeDocument/2006/customXml" ds:itemID="{D8B02F2C-35B4-443B-BCDA-48C55A9880C8}">
+  <ds:schemaRefs>
+    <ds:schemaRef ds:uri="http://schemas.microsoft.com/office/2006/metadata/contentType"/>
+    <ds:schemaRef ds:uri="http://schemas.microsoft.com/office/2006/metadata/properties/metaAttributes"/>
+    <ds:schemaRef ds:uri="http://www.w3.org/2001/XMLSchema"/>
+    <ds:schemaRef ds:uri="http://schemas.microsoft.com/office/2006/metadata/properties"/>
+    <ds:schemaRef ds:uri="99393faf-adc5-4494-9a70-0a363a705e45"/>
+    <ds:schemaRef ds:uri="6ae35a75-674c-48a8-9c9f-72ad2a4b7b96"/>
+    <ds:schemaRef ds:uri="http://schemas.microsoft.com/office/2006/documentManagement/types"/>
+    <ds:schemaRef ds:uri="http://schemas.microsoft.com/office/infopath/2007/PartnerControls"/>
+    <ds:schemaRef ds:uri="http://schemas.openxmlformats.org/package/2006/metadata/core-properties"/>
+    <ds:schemaRef ds:uri="http://purl.org/dc/elements/1.1/"/>
+    <ds:schemaRef ds:uri="http://purl.org/dc/terms/"/>
+    <ds:schemaRef ds:uri="http://schemas.microsoft.com/internal/obd"/>
+  </ds:schemaRefs>
+</ds:datastoreItem>
+</file>
+
+<file path=customXml/itemProps2.xml><?xml version="1.0" encoding="utf-8"?>
+<ds:datastoreItem xmlns:ds="http://schemas.openxmlformats.org/officeDocument/2006/customXml" ds:itemID="{B2D49029-B7FE-45F2-A820-4291098087B6}">
+  <ds:schemaRefs>
+    <ds:schemaRef ds:uri="http://schemas.microsoft.com/office/2006/metadata/properties"/>
+    <ds:schemaRef ds:uri="http://schemas.microsoft.com/office/infopath/2007/PartnerControls"/>
+  </ds:schemaRefs>
+</ds:datastoreItem>
+</file>
+
+<file path=customXml/itemProps3.xml><?xml version="1.0" encoding="utf-8"?>
+<ds:datastoreItem xmlns:ds="http://schemas.openxmlformats.org/officeDocument/2006/customXml" ds:itemID="{FF2FB730-8A2E-418B-85EB-371FC476D686}">
+  <ds:schemaRefs>
+    <ds:schemaRef ds:uri="http://schemas.microsoft.com/sharepoint/v3/contenttype/forms"/>
+  </ds:schemaRefs>
+</ds:datastoreItem>
 </file>